--- a/Smart QA - SQL for testing.pptx
+++ b/Smart QA - SQL for testing.pptx
@@ -5,7 +5,7 @@
     <p:sldMasterId id="2147483648" r:id="rId1"/>
   </p:sldMasterIdLst>
   <p:notesMasterIdLst>
-    <p:notesMasterId r:id="rId33"/>
+    <p:notesMasterId r:id="rId50"/>
   </p:notesMasterIdLst>
   <p:sldIdLst>
     <p:sldId id="256" r:id="rId2"/>
@@ -35,10 +35,27 @@
     <p:sldId id="284" r:id="rId26"/>
     <p:sldId id="285" r:id="rId27"/>
     <p:sldId id="286" r:id="rId28"/>
-    <p:sldId id="280" r:id="rId29"/>
-    <p:sldId id="279" r:id="rId30"/>
-    <p:sldId id="278" r:id="rId31"/>
-    <p:sldId id="268" r:id="rId32"/>
+    <p:sldId id="287" r:id="rId29"/>
+    <p:sldId id="288" r:id="rId30"/>
+    <p:sldId id="289" r:id="rId31"/>
+    <p:sldId id="290" r:id="rId32"/>
+    <p:sldId id="292" r:id="rId33"/>
+    <p:sldId id="301" r:id="rId34"/>
+    <p:sldId id="293" r:id="rId35"/>
+    <p:sldId id="294" r:id="rId36"/>
+    <p:sldId id="295" r:id="rId37"/>
+    <p:sldId id="296" r:id="rId38"/>
+    <p:sldId id="297" r:id="rId39"/>
+    <p:sldId id="298" r:id="rId40"/>
+    <p:sldId id="299" r:id="rId41"/>
+    <p:sldId id="300" r:id="rId42"/>
+    <p:sldId id="304" r:id="rId43"/>
+    <p:sldId id="303" r:id="rId44"/>
+    <p:sldId id="302" r:id="rId45"/>
+    <p:sldId id="280" r:id="rId46"/>
+    <p:sldId id="279" r:id="rId47"/>
+    <p:sldId id="278" r:id="rId48"/>
+    <p:sldId id="268" r:id="rId49"/>
   </p:sldIdLst>
   <p:sldSz cx="12192000" cy="6858000"/>
   <p:notesSz cx="6858000" cy="9144000"/>
@@ -227,7 +244,7 @@
           <a:p>
             <a:fld id="{EF474AB9-969B-49E0-9E72-0EDACE44FECF}" type="datetimeFigureOut">
               <a:rPr lang="he-IL" smtClean="0"/>
-              <a:t>כ'/שבט/תשפ"א</a:t>
+              <a:t>כ"ג/שבט/תשפ"א</a:t>
             </a:fld>
             <a:endParaRPr lang="he-IL"/>
           </a:p>
@@ -642,9 +659,9 @@
           <a:bodyPr/>
           <a:lstStyle/>
           <a:p>
-            <a:fld id="{11A09A6F-4872-469B-94A3-FC6F768E00C0}" type="datetime8">
+            <a:fld id="{17FCE807-EA62-4C5A-80D4-B75D07B093C1}" type="datetime8">
               <a:rPr lang="he-IL" smtClean="0"/>
-              <a:t>02 פברואר 21</a:t>
+              <a:t>05 פברואר 21</a:t>
             </a:fld>
             <a:endParaRPr lang="he-IL"/>
           </a:p>
@@ -673,7 +690,7 @@
           <a:p>
             <a:r>
               <a:rPr lang="en-US"/>
-              <a:t>Avidar Yerushalmi 2002 (c)</a:t>
+              <a:t>avidary@gmail.com  2002 (c)</a:t>
             </a:r>
             <a:endParaRPr lang="he-IL"/>
           </a:p>
@@ -846,9 +863,9 @@
           <a:bodyPr/>
           <a:lstStyle/>
           <a:p>
-            <a:fld id="{B1E91391-8ABF-4609-9206-B62BF824FB7F}" type="datetime8">
+            <a:fld id="{7EA45927-4A8A-47FB-8DBD-CDE2EFCB173D}" type="datetime8">
               <a:rPr lang="he-IL" smtClean="0"/>
-              <a:t>02 פברואר 21</a:t>
+              <a:t>05 פברואר 21</a:t>
             </a:fld>
             <a:endParaRPr lang="he-IL"/>
           </a:p>
@@ -877,7 +894,7 @@
           <a:p>
             <a:r>
               <a:rPr lang="en-US"/>
-              <a:t>Avidar Yerushalmi 2002 (c)</a:t>
+              <a:t>avidary@gmail.com  2002 (c)</a:t>
             </a:r>
             <a:endParaRPr lang="he-IL"/>
           </a:p>
@@ -1060,9 +1077,9 @@
           <a:bodyPr/>
           <a:lstStyle/>
           <a:p>
-            <a:fld id="{81163106-A25C-44A2-8B7E-719A672DC01D}" type="datetime8">
+            <a:fld id="{8BDE8CEB-5F5E-46D8-AC92-837ECBAA9281}" type="datetime8">
               <a:rPr lang="he-IL" smtClean="0"/>
-              <a:t>02 פברואר 21</a:t>
+              <a:t>05 פברואר 21</a:t>
             </a:fld>
             <a:endParaRPr lang="he-IL"/>
           </a:p>
@@ -1091,7 +1108,7 @@
           <a:p>
             <a:r>
               <a:rPr lang="en-US"/>
-              <a:t>Avidar Yerushalmi 2002 (c)</a:t>
+              <a:t>avidary@gmail.com  2002 (c)</a:t>
             </a:r>
             <a:endParaRPr lang="he-IL"/>
           </a:p>
@@ -1264,9 +1281,9 @@
           <a:bodyPr/>
           <a:lstStyle/>
           <a:p>
-            <a:fld id="{36C90AA8-3FD0-4406-87CC-263977472317}" type="datetime8">
+            <a:fld id="{C099D4C4-7081-4998-AAC4-054EC3898E45}" type="datetime8">
               <a:rPr lang="he-IL" smtClean="0"/>
-              <a:t>02 פברואר 21</a:t>
+              <a:t>05 פברואר 21</a:t>
             </a:fld>
             <a:endParaRPr lang="he-IL"/>
           </a:p>
@@ -1295,7 +1312,7 @@
           <a:p>
             <a:r>
               <a:rPr lang="en-US"/>
-              <a:t>Avidar Yerushalmi 2002 (c)</a:t>
+              <a:t>avidary@gmail.com  2002 (c)</a:t>
             </a:r>
             <a:endParaRPr lang="he-IL"/>
           </a:p>
@@ -1544,9 +1561,9 @@
           <a:bodyPr/>
           <a:lstStyle/>
           <a:p>
-            <a:fld id="{AD5B1127-4A91-4D8E-8A4A-FAB83B5FF61A}" type="datetime8">
+            <a:fld id="{479F8A64-A8D7-4851-9871-D37FE0AEF3EF}" type="datetime8">
               <a:rPr lang="he-IL" smtClean="0"/>
-              <a:t>02 פברואר 21</a:t>
+              <a:t>05 פברואר 21</a:t>
             </a:fld>
             <a:endParaRPr lang="he-IL"/>
           </a:p>
@@ -1575,7 +1592,7 @@
           <a:p>
             <a:r>
               <a:rPr lang="en-US"/>
-              <a:t>Avidar Yerushalmi 2002 (c)</a:t>
+              <a:t>avidary@gmail.com  2002 (c)</a:t>
             </a:r>
             <a:endParaRPr lang="he-IL"/>
           </a:p>
@@ -1816,9 +1833,9 @@
           <a:bodyPr/>
           <a:lstStyle/>
           <a:p>
-            <a:fld id="{0ED06215-3C70-44DC-9E37-F39F2815751E}" type="datetime8">
+            <a:fld id="{48E73273-2817-4409-81E7-7CEE2D181E84}" type="datetime8">
               <a:rPr lang="he-IL" smtClean="0"/>
-              <a:t>02 פברואר 21</a:t>
+              <a:t>05 פברואר 21</a:t>
             </a:fld>
             <a:endParaRPr lang="he-IL"/>
           </a:p>
@@ -1847,7 +1864,7 @@
           <a:p>
             <a:r>
               <a:rPr lang="en-US"/>
-              <a:t>Avidar Yerushalmi 2002 (c)</a:t>
+              <a:t>avidary@gmail.com  2002 (c)</a:t>
             </a:r>
             <a:endParaRPr lang="he-IL"/>
           </a:p>
@@ -2235,9 +2252,9 @@
           <a:bodyPr/>
           <a:lstStyle/>
           <a:p>
-            <a:fld id="{60DD1312-C4C2-439C-A44F-B1AAC2A91D42}" type="datetime8">
+            <a:fld id="{D7DDF675-EE7D-4923-B509-2D50FB10FE16}" type="datetime8">
               <a:rPr lang="he-IL" smtClean="0"/>
-              <a:t>02 פברואר 21</a:t>
+              <a:t>05 פברואר 21</a:t>
             </a:fld>
             <a:endParaRPr lang="he-IL"/>
           </a:p>
@@ -2266,7 +2283,7 @@
           <a:p>
             <a:r>
               <a:rPr lang="en-US"/>
-              <a:t>Avidar Yerushalmi 2002 (c)</a:t>
+              <a:t>avidary@gmail.com  2002 (c)</a:t>
             </a:r>
             <a:endParaRPr lang="he-IL"/>
           </a:p>
@@ -2381,9 +2398,9 @@
           <a:bodyPr/>
           <a:lstStyle/>
           <a:p>
-            <a:fld id="{DB515FE6-9B23-4719-9279-1D4F16680316}" type="datetime8">
+            <a:fld id="{3D6D360D-DF76-461F-A9E3-523EF86A7890}" type="datetime8">
               <a:rPr lang="he-IL" smtClean="0"/>
-              <a:t>02 פברואר 21</a:t>
+              <a:t>05 פברואר 21</a:t>
             </a:fld>
             <a:endParaRPr lang="he-IL"/>
           </a:p>
@@ -2412,7 +2429,7 @@
           <a:p>
             <a:r>
               <a:rPr lang="en-US"/>
-              <a:t>Avidar Yerushalmi 2002 (c)</a:t>
+              <a:t>avidary@gmail.com  2002 (c)</a:t>
             </a:r>
             <a:endParaRPr lang="he-IL"/>
           </a:p>
@@ -2498,9 +2515,9 @@
           <a:bodyPr/>
           <a:lstStyle/>
           <a:p>
-            <a:fld id="{2BDBA582-616C-461A-A1E6-26267EEF07D2}" type="datetime8">
+            <a:fld id="{E5BD7085-FD96-42DA-A6CE-C146E5122AEC}" type="datetime8">
               <a:rPr lang="he-IL" smtClean="0"/>
-              <a:t>02 פברואר 21</a:t>
+              <a:t>05 פברואר 21</a:t>
             </a:fld>
             <a:endParaRPr lang="he-IL"/>
           </a:p>
@@ -2529,7 +2546,7 @@
           <a:p>
             <a:r>
               <a:rPr lang="en-US"/>
-              <a:t>Avidar Yerushalmi 2002 (c)</a:t>
+              <a:t>avidary@gmail.com  2002 (c)</a:t>
             </a:r>
             <a:endParaRPr lang="he-IL"/>
           </a:p>
@@ -2815,9 +2832,9 @@
           <a:bodyPr/>
           <a:lstStyle/>
           <a:p>
-            <a:fld id="{2BB5A4D7-A4A0-4BA2-97A7-12A14B5B8FD1}" type="datetime8">
+            <a:fld id="{649CAE1C-F715-4D0A-B619-C3C6E86F5786}" type="datetime8">
               <a:rPr lang="he-IL" smtClean="0"/>
-              <a:t>02 פברואר 21</a:t>
+              <a:t>05 פברואר 21</a:t>
             </a:fld>
             <a:endParaRPr lang="he-IL"/>
           </a:p>
@@ -2846,7 +2863,7 @@
           <a:p>
             <a:r>
               <a:rPr lang="en-US"/>
-              <a:t>Avidar Yerushalmi 2002 (c)</a:t>
+              <a:t>avidary@gmail.com  2002 (c)</a:t>
             </a:r>
             <a:endParaRPr lang="he-IL"/>
           </a:p>
@@ -3108,9 +3125,9 @@
           <a:bodyPr/>
           <a:lstStyle/>
           <a:p>
-            <a:fld id="{E41CF3E2-80CC-4E56-B6EF-4B538921AF26}" type="datetime8">
+            <a:fld id="{DB0960C7-54D1-4D80-ADAE-43FDA349A37E}" type="datetime8">
               <a:rPr lang="he-IL" smtClean="0"/>
-              <a:t>02 פברואר 21</a:t>
+              <a:t>05 פברואר 21</a:t>
             </a:fld>
             <a:endParaRPr lang="he-IL"/>
           </a:p>
@@ -3139,7 +3156,7 @@
           <a:p>
             <a:r>
               <a:rPr lang="en-US"/>
-              <a:t>Avidar Yerushalmi 2002 (c)</a:t>
+              <a:t>avidary@gmail.com  2002 (c)</a:t>
             </a:r>
             <a:endParaRPr lang="he-IL"/>
           </a:p>
@@ -3365,9 +3382,9 @@
             </a:lvl1pPr>
           </a:lstStyle>
           <a:p>
-            <a:fld id="{DEEF4237-45C9-472B-94CC-0934CA80F63A}" type="datetime8">
+            <a:fld id="{5EDB5B18-1B27-4419-AC6F-7DFD02A94ED0}" type="datetime8">
               <a:rPr lang="he-IL" smtClean="0"/>
-              <a:t>02 פברואר 21</a:t>
+              <a:t>05 פברואר 21</a:t>
             </a:fld>
             <a:endParaRPr lang="he-IL"/>
           </a:p>
@@ -3414,7 +3431,7 @@
           <a:p>
             <a:r>
               <a:rPr lang="en-US"/>
-              <a:t>Avidar Yerushalmi 2002 (c)</a:t>
+              <a:t>avidary@gmail.com  2002 (c)</a:t>
             </a:r>
             <a:endParaRPr lang="he-IL"/>
           </a:p>
@@ -3887,7 +3904,7 @@
           <a:p>
             <a:r>
               <a:rPr lang="en-US"/>
-              <a:t>Avidar Yerushalmi 2002 (c)</a:t>
+              <a:t>avidary@gmail.com  2002 (c)</a:t>
             </a:r>
             <a:endParaRPr lang="he-IL"/>
           </a:p>
@@ -3980,7 +3997,7 @@
           <a:p>
             <a:r>
               <a:rPr lang="en-US"/>
-              <a:t>Avidar Yerushalmi 2002 (c)</a:t>
+              <a:t>avidary@gmail.com  2002 (c)</a:t>
             </a:r>
             <a:endParaRPr lang="he-IL"/>
           </a:p>
@@ -4172,7 +4189,7 @@
           <a:p>
             <a:r>
               <a:rPr lang="en-US"/>
-              <a:t>Avidar Yerushalmi 2002 (c)</a:t>
+              <a:t>avidary@gmail.com  2002 (c)</a:t>
             </a:r>
             <a:endParaRPr lang="he-IL"/>
           </a:p>
@@ -4800,7 +4817,7 @@
           <a:p>
             <a:r>
               <a:rPr lang="en-US"/>
-              <a:t>Avidar Yerushalmi 2002 (c)</a:t>
+              <a:t>avidary@gmail.com  2002 (c)</a:t>
             </a:r>
             <a:endParaRPr lang="he-IL"/>
           </a:p>
@@ -5324,7 +5341,7 @@
           <a:p>
             <a:r>
               <a:rPr lang="en-US"/>
-              <a:t>Avidar Yerushalmi 2002 (c)</a:t>
+              <a:t>avidary@gmail.com  2002 (c)</a:t>
             </a:r>
             <a:endParaRPr lang="he-IL"/>
           </a:p>
@@ -5938,7 +5955,7 @@
           <a:p>
             <a:r>
               <a:rPr lang="en-US"/>
-              <a:t>Avidar Yerushalmi 2002 (c)</a:t>
+              <a:t>avidary@gmail.com  2002 (c)</a:t>
             </a:r>
             <a:endParaRPr lang="he-IL"/>
           </a:p>
@@ -6059,7 +6076,7 @@
           <a:p>
             <a:r>
               <a:rPr lang="en-US"/>
-              <a:t>Avidar Yerushalmi 2002 (c)</a:t>
+              <a:t>avidary@gmail.com  2002 (c)</a:t>
             </a:r>
             <a:endParaRPr lang="he-IL"/>
           </a:p>
@@ -6221,7 +6238,7 @@
           <a:p>
             <a:r>
               <a:rPr lang="en-US"/>
-              <a:t>Avidar Yerushalmi 2002 (c)</a:t>
+              <a:t>avidary@gmail.com  2002 (c)</a:t>
             </a:r>
             <a:endParaRPr lang="he-IL"/>
           </a:p>
@@ -6360,7 +6377,7 @@
           <a:p>
             <a:r>
               <a:rPr lang="en-US"/>
-              <a:t>Avidar Yerushalmi 2002 (c)</a:t>
+              <a:t>avidary@gmail.com  2002 (c)</a:t>
             </a:r>
             <a:endParaRPr lang="he-IL"/>
           </a:p>
@@ -6538,7 +6555,7 @@
           <a:p>
             <a:r>
               <a:rPr lang="en-US"/>
-              <a:t>Avidar Yerushalmi 2002 (c)</a:t>
+              <a:t>avidary@gmail.com  2002 (c)</a:t>
             </a:r>
             <a:endParaRPr lang="he-IL"/>
           </a:p>
@@ -6969,7 +6986,7 @@
           <a:p>
             <a:r>
               <a:rPr lang="en-US"/>
-              <a:t>Avidar Yerushalmi 2002 (c)</a:t>
+              <a:t>avidary@gmail.com  2002 (c)</a:t>
             </a:r>
             <a:endParaRPr lang="he-IL"/>
           </a:p>
@@ -7207,7 +7224,7 @@
           <a:p>
             <a:r>
               <a:rPr lang="en-US"/>
-              <a:t>Avidar Yerushalmi 2002 (c)</a:t>
+              <a:t>avidary@gmail.com  2002 (c)</a:t>
             </a:r>
             <a:endParaRPr lang="he-IL"/>
           </a:p>
@@ -7324,7 +7341,7 @@
           <a:p>
             <a:r>
               <a:rPr lang="en-US"/>
-              <a:t>Avidar Yerushalmi 2002 (c)</a:t>
+              <a:t>avidary@gmail.com  2002 (c)</a:t>
             </a:r>
             <a:endParaRPr lang="he-IL"/>
           </a:p>
@@ -7441,7 +7458,7 @@
           <a:p>
             <a:r>
               <a:rPr lang="en-US"/>
-              <a:t>Avidar Yerushalmi 2002 (c)</a:t>
+              <a:t>avidary@gmail.com  2002 (c)</a:t>
             </a:r>
             <a:endParaRPr lang="he-IL"/>
           </a:p>
@@ -7621,7 +7638,7 @@
           <a:p>
             <a:r>
               <a:rPr lang="en-US"/>
-              <a:t>Avidar Yerushalmi 2002 (c)</a:t>
+              <a:t>avidary@gmail.com  2002 (c)</a:t>
             </a:r>
             <a:endParaRPr lang="he-IL"/>
           </a:p>
@@ -7826,7 +7843,7 @@
           <a:p>
             <a:r>
               <a:rPr lang="en-US"/>
-              <a:t>Avidar Yerushalmi 2002 (c)</a:t>
+              <a:t>avidary@gmail.com  2002 (c)</a:t>
             </a:r>
             <a:endParaRPr lang="he-IL"/>
           </a:p>
@@ -8083,7 +8100,7 @@
           <a:p>
             <a:r>
               <a:rPr lang="en-US"/>
-              <a:t>Avidar Yerushalmi 2002 (c)</a:t>
+              <a:t>avidary@gmail.com  2002 (c)</a:t>
             </a:r>
             <a:endParaRPr lang="he-IL"/>
           </a:p>
@@ -8304,7 +8321,7 @@
           <a:p>
             <a:r>
               <a:rPr lang="en-US"/>
-              <a:t>Avidar Yerushalmi 2002 (c)</a:t>
+              <a:t>avidary@gmail.com  2002 (c)</a:t>
             </a:r>
             <a:endParaRPr lang="he-IL"/>
           </a:p>
@@ -8537,7 +8554,7 @@
           <a:p>
             <a:r>
               <a:rPr lang="en-US"/>
-              <a:t>Avidar Yerushalmi 2002 (c)</a:t>
+              <a:t>avidary@gmail.com  2002 (c)</a:t>
             </a:r>
             <a:endParaRPr lang="he-IL"/>
           </a:p>
@@ -8770,7 +8787,7 @@
           <a:p>
             <a:r>
               <a:rPr lang="en-US"/>
-              <a:t>Avidar Yerushalmi 2002 (c)</a:t>
+              <a:t>avidary@gmail.com  2002 (c)</a:t>
             </a:r>
             <a:endParaRPr lang="he-IL"/>
           </a:p>
@@ -8859,8 +8876,12 @@
           <a:p>
             <a:pPr algn="r"/>
             <a:r>
+              <a:rPr lang="en-US" b="1" dirty="0"/>
+              <a:t>Group by - </a:t>
+            </a:r>
+            <a:r>
               <a:rPr lang="he-IL" dirty="0"/>
-              <a:t>התניות</a:t>
+              <a:t>חלוקה לקבוצות</a:t>
             </a:r>
           </a:p>
         </p:txBody>
@@ -8884,271 +8905,125 @@
         <p:spPr/>
         <p:txBody>
           <a:bodyPr>
-            <a:normAutofit fontScale="92500" lnSpcReduction="10000"/>
+            <a:normAutofit/>
           </a:bodyPr>
           <a:lstStyle/>
           <a:p>
-            <a:pPr marL="685800" algn="r" rtl="1">
-              <a:lnSpc>
-                <a:spcPct val="115000"/>
-              </a:lnSpc>
-            </a:pPr>
-            <a:r>
-              <a:rPr lang="he-IL" sz="2400" dirty="0">
-                <a:effectLst/>
-                <a:latin typeface="Calibri" panose="020F0502020204030204" pitchFamily="34" charset="0"/>
-                <a:ea typeface="Calibri" panose="020F0502020204030204" pitchFamily="34" charset="0"/>
-                <a:cs typeface="Gisha" panose="020B0502040204020203" pitchFamily="34" charset="-79"/>
-              </a:rPr>
-              <a:t>על מנת למקד את </a:t>
-            </a:r>
-            <a:r>
-              <a:rPr lang="he-IL" sz="2400" dirty="0" err="1">
-                <a:effectLst/>
-                <a:latin typeface="Calibri" panose="020F0502020204030204" pitchFamily="34" charset="0"/>
-                <a:ea typeface="Calibri" panose="020F0502020204030204" pitchFamily="34" charset="0"/>
-                <a:cs typeface="Gisha" panose="020B0502040204020203" pitchFamily="34" charset="-79"/>
-              </a:rPr>
-              <a:t>השאילתא</a:t>
-            </a:r>
-            <a:r>
-              <a:rPr lang="he-IL" sz="2400" dirty="0">
-                <a:effectLst/>
-                <a:latin typeface="Calibri" panose="020F0502020204030204" pitchFamily="34" charset="0"/>
-                <a:ea typeface="Calibri" panose="020F0502020204030204" pitchFamily="34" charset="0"/>
-                <a:cs typeface="Gisha" panose="020B0502040204020203" pitchFamily="34" charset="-79"/>
-              </a:rPr>
-              <a:t> יש צורך לבצע סינונים:</a:t>
-            </a:r>
-            <a:endParaRPr lang="en-US" sz="2400" dirty="0">
-              <a:effectLst/>
-              <a:latin typeface="Calibri" panose="020F0502020204030204" pitchFamily="34" charset="0"/>
-              <a:ea typeface="Calibri" panose="020F0502020204030204" pitchFamily="34" charset="0"/>
-              <a:cs typeface="Arial" panose="020B0604020202020204" pitchFamily="34" charset="0"/>
+            <a:pPr algn="r" rtl="1"/>
+            <a:r>
+              <a:rPr lang="he-IL" sz="1800" b="0" i="0" u="none" strike="noStrike" baseline="0" dirty="0">
+                <a:latin typeface="ArialMT"/>
+              </a:rPr>
+              <a:t>הפרדה לתתי קבוצות מתבצעת ע"י הוספת הפקודה </a:t>
+            </a:r>
+            <a:r>
+              <a:rPr lang="he-IL" sz="1800" dirty="0">
+                <a:latin typeface="ArialMT"/>
+              </a:rPr>
+              <a:t> </a:t>
+            </a:r>
+            <a:r>
+              <a:rPr lang="en-US" sz="1800" dirty="0">
+                <a:latin typeface="ArialMT"/>
+              </a:rPr>
+              <a:t>group by</a:t>
+            </a:r>
+            <a:endParaRPr lang="he-IL" sz="1800" dirty="0">
+              <a:latin typeface="ArialMT"/>
             </a:endParaRPr>
           </a:p>
           <a:p>
-            <a:pPr marL="685800" algn="r" rtl="1">
-              <a:lnSpc>
-                <a:spcPct val="115000"/>
-              </a:lnSpc>
-            </a:pPr>
-            <a:r>
-              <a:rPr lang="he-IL" sz="2400" b="1" u="sng" dirty="0">
-                <a:effectLst/>
-                <a:latin typeface="Calibri" panose="020F0502020204030204" pitchFamily="34" charset="0"/>
-                <a:ea typeface="Calibri" panose="020F0502020204030204" pitchFamily="34" charset="0"/>
-                <a:cs typeface="Gisha" panose="020B0502040204020203" pitchFamily="34" charset="-79"/>
-              </a:rPr>
-              <a:t>תחביר:</a:t>
-            </a:r>
-            <a:endParaRPr lang="en-US" sz="2400" dirty="0">
-              <a:effectLst/>
-              <a:latin typeface="Calibri" panose="020F0502020204030204" pitchFamily="34" charset="0"/>
-              <a:ea typeface="Calibri" panose="020F0502020204030204" pitchFamily="34" charset="0"/>
-              <a:cs typeface="Arial" panose="020B0604020202020204" pitchFamily="34" charset="0"/>
+            <a:pPr algn="r" rtl="1"/>
+            <a:r>
+              <a:rPr lang="he-IL" sz="1800" b="0" i="0" u="none" strike="noStrike" baseline="0" dirty="0">
+                <a:latin typeface="ArialMT"/>
+              </a:rPr>
+              <a:t>למשפט ה -</a:t>
+            </a:r>
+            <a:r>
+              <a:rPr lang="en-US" sz="1800" b="0" i="0" u="none" strike="noStrike" baseline="0" dirty="0">
+                <a:latin typeface="ArialMT"/>
+              </a:rPr>
+              <a:t> select </a:t>
+            </a:r>
+            <a:r>
+              <a:rPr lang="he-IL" sz="1800" b="0" i="0" u="none" strike="noStrike" baseline="0" dirty="0">
+                <a:latin typeface="ArialMT"/>
+              </a:rPr>
+              <a:t>יתווסף </a:t>
+            </a:r>
+            <a:r>
+              <a:rPr lang="en-US" sz="1800" b="0" i="0" u="none" strike="noStrike" baseline="0" dirty="0">
+                <a:latin typeface="ArialMT"/>
+              </a:rPr>
+              <a:t>group by </a:t>
+            </a:r>
+            <a:r>
+              <a:rPr lang="he-IL" sz="1800" b="0" i="0" u="none" strike="noStrike" baseline="0" dirty="0">
+                <a:latin typeface="ArialMT"/>
+              </a:rPr>
+              <a:t> בתוספת ציון העמודה על פיה תתבצע החלוקה לתתי הקבוצות</a:t>
+            </a:r>
+          </a:p>
+          <a:p>
+            <a:pPr algn="r" rtl="1"/>
+            <a:r>
+              <a:rPr lang="he-IL" sz="1800" b="0" i="0" u="none" strike="noStrike" baseline="0" dirty="0">
+                <a:latin typeface="ArialMT"/>
+              </a:rPr>
+              <a:t>כל השדות שרשומות אחרי ה- </a:t>
+            </a:r>
+            <a:r>
+              <a:rPr lang="en-US" sz="1800" b="0" i="0" u="none" strike="noStrike" baseline="0" dirty="0">
+                <a:latin typeface="ArialMT"/>
+              </a:rPr>
+              <a:t> select </a:t>
+            </a:r>
+            <a:r>
+              <a:rPr lang="he-IL" sz="1800" b="0" i="0" u="none" strike="noStrike" baseline="0" dirty="0">
+                <a:latin typeface="ArialMT"/>
+              </a:rPr>
+              <a:t>צריכות להיות כלולות ב - </a:t>
+            </a:r>
+            <a:r>
+              <a:rPr lang="en-US" sz="1800" b="0" i="0" u="none" strike="noStrike" baseline="0" dirty="0">
+                <a:latin typeface="ArialMT"/>
+              </a:rPr>
+              <a:t>group by .</a:t>
+            </a:r>
+            <a:endParaRPr lang="he-IL" sz="1800" b="0" i="0" u="none" strike="noStrike" baseline="0" dirty="0">
+              <a:latin typeface="ArialMT"/>
             </a:endParaRPr>
           </a:p>
           <a:p>
-            <a:pPr marL="457200" indent="0" algn="l" rtl="0">
-              <a:lnSpc>
-                <a:spcPct val="115000"/>
-              </a:lnSpc>
-              <a:spcAft>
-                <a:spcPts val="1000"/>
-              </a:spcAft>
+            <a:pPr algn="r" rtl="1"/>
+            <a:r>
+              <a:rPr lang="he-IL" sz="1800" b="0" i="0" u="none" strike="noStrike" baseline="0" dirty="0">
+                <a:latin typeface="ArialMT"/>
+              </a:rPr>
+              <a:t>בפקודת ה- </a:t>
+            </a:r>
+            <a:r>
+              <a:rPr lang="en-US" sz="1800" b="0" i="0" u="none" strike="noStrike" baseline="0" dirty="0">
+                <a:latin typeface="ArialMT"/>
+              </a:rPr>
+              <a:t>group by – </a:t>
+            </a:r>
+            <a:r>
+              <a:rPr lang="he-IL" sz="1800" b="0" i="0" u="none" strike="noStrike" baseline="0" dirty="0">
+                <a:latin typeface="ArialMT"/>
+              </a:rPr>
+              <a:t> אין חשיבות לסדר השדות</a:t>
+            </a:r>
+          </a:p>
+          <a:p>
+            <a:pPr marL="0" indent="0" algn="r" rtl="1">
               <a:buNone/>
             </a:pPr>
-            <a:r>
-              <a:rPr lang="en-US" sz="2400" dirty="0">
-                <a:effectLst/>
-                <a:latin typeface="Gisha" panose="020B0502040204020203" pitchFamily="34" charset="-79"/>
-                <a:ea typeface="Calibri" panose="020F0502020204030204" pitchFamily="34" charset="0"/>
-                <a:cs typeface="Arial" panose="020B0604020202020204" pitchFamily="34" charset="0"/>
-              </a:rPr>
-              <a:t>Select * From </a:t>
-            </a:r>
-            <a:r>
-              <a:rPr lang="en-US" sz="2400" dirty="0" err="1">
-                <a:effectLst/>
-                <a:latin typeface="Gisha" panose="020B0502040204020203" pitchFamily="34" charset="-79"/>
-                <a:ea typeface="Calibri" panose="020F0502020204030204" pitchFamily="34" charset="0"/>
-                <a:cs typeface="Arial" panose="020B0604020202020204" pitchFamily="34" charset="0"/>
-              </a:rPr>
-              <a:t>Table_name</a:t>
-            </a:r>
-            <a:endParaRPr lang="en-US" sz="2400" dirty="0">
-              <a:effectLst/>
-              <a:latin typeface="Gisha" panose="020B0502040204020203" pitchFamily="34" charset="-79"/>
-              <a:ea typeface="Calibri" panose="020F0502020204030204" pitchFamily="34" charset="0"/>
-              <a:cs typeface="Arial" panose="020B0604020202020204" pitchFamily="34" charset="0"/>
+            <a:endParaRPr lang="en-US" sz="1800" b="0" i="0" u="none" strike="noStrike" baseline="0" dirty="0">
+              <a:latin typeface="ArialMT"/>
             </a:endParaRPr>
           </a:p>
-          <a:p>
-            <a:pPr marL="457200" indent="0" algn="l" rtl="0">
-              <a:lnSpc>
-                <a:spcPct val="115000"/>
-              </a:lnSpc>
-              <a:spcAft>
-                <a:spcPts val="1000"/>
-              </a:spcAft>
-              <a:buNone/>
-            </a:pPr>
-            <a:r>
-              <a:rPr lang="en-US" sz="2400" b="1" dirty="0">
-                <a:effectLst/>
-                <a:latin typeface="Gisha" panose="020B0502040204020203" pitchFamily="34" charset="-79"/>
-                <a:ea typeface="Calibri" panose="020F0502020204030204" pitchFamily="34" charset="0"/>
-                <a:cs typeface="Arial" panose="020B0604020202020204" pitchFamily="34" charset="0"/>
-              </a:rPr>
-              <a:t>Where</a:t>
-            </a:r>
-            <a:r>
-              <a:rPr lang="en-US" sz="2400" dirty="0">
-                <a:effectLst/>
-                <a:latin typeface="Gisha" panose="020B0502040204020203" pitchFamily="34" charset="-79"/>
-                <a:ea typeface="Calibri" panose="020F0502020204030204" pitchFamily="34" charset="0"/>
-                <a:cs typeface="Arial" panose="020B0604020202020204" pitchFamily="34" charset="0"/>
-              </a:rPr>
-              <a:t> X=Y </a:t>
-            </a:r>
-            <a:r>
-              <a:rPr lang="en-US" sz="2400" b="1" dirty="0">
-                <a:effectLst/>
-                <a:latin typeface="Gisha" panose="020B0502040204020203" pitchFamily="34" charset="-79"/>
-                <a:ea typeface="Calibri" panose="020F0502020204030204" pitchFamily="34" charset="0"/>
-                <a:cs typeface="Arial" panose="020B0604020202020204" pitchFamily="34" charset="0"/>
-              </a:rPr>
-              <a:t>And</a:t>
-            </a:r>
-            <a:r>
-              <a:rPr lang="en-US" sz="2400" dirty="0">
-                <a:effectLst/>
-                <a:latin typeface="Gisha" panose="020B0502040204020203" pitchFamily="34" charset="-79"/>
-                <a:ea typeface="Calibri" panose="020F0502020204030204" pitchFamily="34" charset="0"/>
-                <a:cs typeface="Arial" panose="020B0604020202020204" pitchFamily="34" charset="0"/>
-              </a:rPr>
-              <a:t> Y&gt;Z</a:t>
-            </a:r>
-            <a:endParaRPr lang="en-US" sz="2400" dirty="0">
-              <a:effectLst/>
-              <a:latin typeface="Calibri" panose="020F0502020204030204" pitchFamily="34" charset="0"/>
-              <a:ea typeface="Calibri" panose="020F0502020204030204" pitchFamily="34" charset="0"/>
-              <a:cs typeface="Arial" panose="020B0604020202020204" pitchFamily="34" charset="0"/>
-            </a:endParaRPr>
-          </a:p>
-          <a:p>
-            <a:pPr marL="457200" indent="0" algn="l" rtl="0">
-              <a:lnSpc>
-                <a:spcPct val="115000"/>
-              </a:lnSpc>
-              <a:spcAft>
-                <a:spcPts val="1000"/>
-              </a:spcAft>
-              <a:buNone/>
-            </a:pPr>
-            <a:r>
-              <a:rPr lang="en-US" sz="2400" dirty="0">
-                <a:effectLst/>
-                <a:latin typeface="Gisha" panose="020B0502040204020203" pitchFamily="34" charset="-79"/>
-                <a:ea typeface="Calibri" panose="020F0502020204030204" pitchFamily="34" charset="0"/>
-                <a:cs typeface="Arial" panose="020B0604020202020204" pitchFamily="34" charset="0"/>
-              </a:rPr>
-              <a:t>And …</a:t>
-            </a:r>
-            <a:endParaRPr lang="en-US" sz="2400" dirty="0">
-              <a:effectLst/>
-              <a:latin typeface="Calibri" panose="020F0502020204030204" pitchFamily="34" charset="0"/>
-              <a:ea typeface="Calibri" panose="020F0502020204030204" pitchFamily="34" charset="0"/>
-              <a:cs typeface="Arial" panose="020B0604020202020204" pitchFamily="34" charset="0"/>
-            </a:endParaRPr>
-          </a:p>
-          <a:p>
-            <a:pPr marL="685800" algn="r" rtl="1">
-              <a:lnSpc>
-                <a:spcPct val="115000"/>
-              </a:lnSpc>
-            </a:pPr>
-            <a:r>
-              <a:rPr lang="he-IL" sz="2400" dirty="0">
-                <a:effectLst/>
-                <a:latin typeface="Calibri" panose="020F0502020204030204" pitchFamily="34" charset="0"/>
-                <a:ea typeface="Calibri" panose="020F0502020204030204" pitchFamily="34" charset="0"/>
-                <a:cs typeface="Gisha" panose="020B0502040204020203" pitchFamily="34" charset="-79"/>
-              </a:rPr>
-              <a:t>דגשים- כאשר ממבצעים התניה/השוואה בין 2 שדות- הן חייבות להיות מאותו הסוג (זה יכול לעבוד עד אשר יהיה ערך שונה).** למשל קוד שמוגדר כמחרוזת ויש לו תחילית של 0</a:t>
-            </a:r>
-            <a:endParaRPr lang="en-US" sz="2400" dirty="0">
-              <a:effectLst/>
-              <a:latin typeface="Calibri" panose="020F0502020204030204" pitchFamily="34" charset="0"/>
-              <a:ea typeface="Calibri" panose="020F0502020204030204" pitchFamily="34" charset="0"/>
-              <a:cs typeface="Arial" panose="020B0604020202020204" pitchFamily="34" charset="0"/>
-            </a:endParaRPr>
-          </a:p>
-          <a:p>
-            <a:pPr marL="685800" algn="r" rtl="1">
-              <a:lnSpc>
-                <a:spcPct val="115000"/>
-              </a:lnSpc>
-              <a:spcAft>
-                <a:spcPts val="1000"/>
-              </a:spcAft>
-            </a:pPr>
-            <a:r>
-              <a:rPr lang="he-IL" sz="2400" dirty="0">
-                <a:effectLst/>
-                <a:latin typeface="Calibri" panose="020F0502020204030204" pitchFamily="34" charset="0"/>
-                <a:ea typeface="Calibri" panose="020F0502020204030204" pitchFamily="34" charset="0"/>
-                <a:cs typeface="Gisha" panose="020B0502040204020203" pitchFamily="34" charset="-79"/>
-              </a:rPr>
-              <a:t>תנאים פשוטים: (=, &lt;, &lt;=, &gt;, =&gt;, &gt;&lt; , =! ,  </a:t>
-            </a:r>
-            <a:r>
-              <a:rPr lang="en-US" sz="2400" dirty="0">
-                <a:effectLst/>
-                <a:latin typeface="Gisha" panose="020B0502040204020203" pitchFamily="34" charset="-79"/>
-                <a:ea typeface="Calibri" panose="020F0502020204030204" pitchFamily="34" charset="0"/>
-                <a:cs typeface="Arial" panose="020B0604020202020204" pitchFamily="34" charset="0"/>
-              </a:rPr>
-              <a:t>between</a:t>
-            </a:r>
-            <a:r>
-              <a:rPr lang="he-IL" sz="2400" dirty="0">
-                <a:effectLst/>
-                <a:latin typeface="Calibri" panose="020F0502020204030204" pitchFamily="34" charset="0"/>
-                <a:ea typeface="Calibri" panose="020F0502020204030204" pitchFamily="34" charset="0"/>
-                <a:cs typeface="Gisha" panose="020B0502040204020203" pitchFamily="34" charset="-79"/>
-              </a:rPr>
-              <a:t>, </a:t>
-            </a:r>
-            <a:r>
-              <a:rPr lang="en-US" sz="2400" dirty="0">
-                <a:effectLst/>
-                <a:latin typeface="Gisha" panose="020B0502040204020203" pitchFamily="34" charset="-79"/>
-                <a:ea typeface="Calibri" panose="020F0502020204030204" pitchFamily="34" charset="0"/>
-                <a:cs typeface="Arial" panose="020B0604020202020204" pitchFamily="34" charset="0"/>
-              </a:rPr>
-              <a:t>in </a:t>
-            </a:r>
-            <a:r>
-              <a:rPr lang="he-IL" sz="2400" dirty="0">
-                <a:effectLst/>
-                <a:latin typeface="Calibri" panose="020F0502020204030204" pitchFamily="34" charset="0"/>
-                <a:ea typeface="Calibri" panose="020F0502020204030204" pitchFamily="34" charset="0"/>
-                <a:cs typeface="Gisha" panose="020B0502040204020203" pitchFamily="34" charset="-79"/>
-              </a:rPr>
-              <a:t>)</a:t>
-            </a:r>
-            <a:endParaRPr lang="en-US" sz="2400" dirty="0">
-              <a:effectLst/>
-              <a:latin typeface="Calibri" panose="020F0502020204030204" pitchFamily="34" charset="0"/>
-              <a:ea typeface="Calibri" panose="020F0502020204030204" pitchFamily="34" charset="0"/>
-              <a:cs typeface="Arial" panose="020B0604020202020204" pitchFamily="34" charset="0"/>
-            </a:endParaRPr>
-          </a:p>
-          <a:p>
-            <a:endParaRPr lang="he-IL" dirty="0"/>
-          </a:p>
         </p:txBody>
       </p:sp>
       <p:sp>
@@ -9174,16 +9049,46 @@
           <a:p>
             <a:r>
               <a:rPr lang="en-US"/>
-              <a:t>Avidar Yerushalmi 2002 (c)</a:t>
+              <a:t>avidary@gmail.com  2002 (c)</a:t>
             </a:r>
             <a:endParaRPr lang="he-IL"/>
           </a:p>
         </p:txBody>
       </p:sp>
+      <p:pic>
+        <p:nvPicPr>
+          <p:cNvPr id="6" name="Picture 5">
+            <a:extLst>
+              <a:ext uri="{FF2B5EF4-FFF2-40B4-BE49-F238E27FC236}">
+                <a16:creationId xmlns:a16="http://schemas.microsoft.com/office/drawing/2014/main" id="{86BF5CFF-A448-4499-A2CF-0168CFF89504}"/>
+              </a:ext>
+            </a:extLst>
+          </p:cNvPr>
+          <p:cNvPicPr>
+            <a:picLocks noChangeAspect="1"/>
+          </p:cNvPicPr>
+          <p:nvPr/>
+        </p:nvPicPr>
+        <p:blipFill>
+          <a:blip r:embed="rId2"/>
+          <a:stretch>
+            <a:fillRect/>
+          </a:stretch>
+        </p:blipFill>
+        <p:spPr>
+          <a:xfrm>
+            <a:off x="838199" y="2873177"/>
+            <a:ext cx="5199993" cy="3534306"/>
+          </a:xfrm>
+          <a:prstGeom prst="rect">
+            <a:avLst/>
+          </a:prstGeom>
+        </p:spPr>
+      </p:pic>
     </p:spTree>
     <p:extLst>
       <p:ext uri="{BB962C8B-B14F-4D97-AF65-F5344CB8AC3E}">
-        <p14:creationId xmlns:p14="http://schemas.microsoft.com/office/powerpoint/2010/main" val="794722524"/>
+        <p14:creationId xmlns:p14="http://schemas.microsoft.com/office/powerpoint/2010/main" val="1670367936"/>
       </p:ext>
     </p:extLst>
   </p:cSld>
@@ -9212,10 +9117,177 @@
       </p:grpSpPr>
       <p:sp>
         <p:nvSpPr>
-          <p:cNvPr id="2" name="Title 1">
-            <a:extLst>
-              <a:ext uri="{FF2B5EF4-FFF2-40B4-BE49-F238E27FC236}">
-                <a16:creationId xmlns:a16="http://schemas.microsoft.com/office/drawing/2014/main" id="{BE5D6318-C76E-4A76-B0D4-6127F014C1EE}"/>
+          <p:cNvPr id="3" name="Content Placeholder 2">
+            <a:extLst>
+              <a:ext uri="{FF2B5EF4-FFF2-40B4-BE49-F238E27FC236}">
+                <a16:creationId xmlns:a16="http://schemas.microsoft.com/office/drawing/2014/main" id="{3E0CD643-5062-49E7-9B33-0A24A2E3AEE0}"/>
+              </a:ext>
+            </a:extLst>
+          </p:cNvPr>
+          <p:cNvSpPr>
+            <a:spLocks noGrp="1"/>
+          </p:cNvSpPr>
+          <p:nvPr>
+            <p:ph idx="1"/>
+          </p:nvPr>
+        </p:nvSpPr>
+        <p:spPr/>
+        <p:txBody>
+          <a:bodyPr>
+            <a:normAutofit/>
+          </a:bodyPr>
+          <a:lstStyle/>
+          <a:p>
+            <a:pPr algn="r" rtl="1"/>
+            <a:r>
+              <a:rPr lang="en-US" sz="1800" b="0" i="0" u="none" strike="noStrike" baseline="0" dirty="0">
+                <a:latin typeface="ArialMT"/>
+              </a:rPr>
+              <a:t> Having  </a:t>
+            </a:r>
+            <a:r>
+              <a:rPr lang="he-IL" sz="1800" b="0" i="0" u="none" strike="noStrike" baseline="0" dirty="0">
+                <a:latin typeface="ArialMT"/>
+              </a:rPr>
+              <a:t>יכול להיות רק כאשר יהיה במשפט ה –</a:t>
+            </a:r>
+            <a:r>
+              <a:rPr lang="en-US" sz="1800" b="0" i="0" u="none" strike="noStrike" baseline="0" dirty="0">
+                <a:latin typeface="ArialMT"/>
+              </a:rPr>
+              <a:t> select </a:t>
+            </a:r>
+            <a:r>
+              <a:rPr lang="he-IL" sz="1800" b="0" i="0" u="none" strike="noStrike" baseline="0" dirty="0">
+                <a:latin typeface="ArialMT"/>
+              </a:rPr>
+              <a:t>חלוקה לקבוצות.</a:t>
+            </a:r>
+          </a:p>
+          <a:p>
+            <a:pPr algn="r" rtl="1"/>
+            <a:r>
+              <a:rPr lang="he-IL" sz="1800" b="0" i="0" u="none" strike="noStrike" baseline="0" dirty="0">
+                <a:latin typeface="ArialMT"/>
+              </a:rPr>
+              <a:t>כאשר רוצים לבצע </a:t>
+            </a:r>
+            <a:r>
+              <a:rPr lang="he-IL" sz="1800" b="0" i="0" u="none" strike="noStrike" baseline="0" dirty="0" err="1">
+                <a:latin typeface="ArialMT"/>
+              </a:rPr>
+              <a:t>התנייה</a:t>
+            </a:r>
+            <a:r>
+              <a:rPr lang="he-IL" sz="1800" b="0" i="0" u="none" strike="noStrike" baseline="0" dirty="0">
+                <a:latin typeface="ArialMT"/>
+              </a:rPr>
+              <a:t> על הערך שמחזירה הפונקציה הקבוצתית.</a:t>
+            </a:r>
+          </a:p>
+          <a:p>
+            <a:pPr algn="r" rtl="1"/>
+            <a:r>
+              <a:rPr lang="he-IL" sz="1800" b="0" i="0" u="none" strike="noStrike" baseline="0" dirty="0">
+                <a:latin typeface="ArialMT"/>
+              </a:rPr>
+              <a:t> </a:t>
+            </a:r>
+            <a:r>
+              <a:rPr lang="en-US" sz="1800" b="0" i="0" u="none" strike="noStrike" baseline="0" dirty="0">
+                <a:latin typeface="ArialMT"/>
+              </a:rPr>
+              <a:t>Having</a:t>
+            </a:r>
+            <a:r>
+              <a:rPr lang="he-IL" sz="1800" b="0" i="0" u="none" strike="noStrike" baseline="0" dirty="0">
+                <a:latin typeface="ArialMT"/>
+              </a:rPr>
+              <a:t> יהיה רק בצירוף עם </a:t>
+            </a:r>
+            <a:r>
+              <a:rPr lang="en-US" sz="1800" b="0" i="0" u="none" strike="noStrike" baseline="0" dirty="0">
+                <a:latin typeface="ArialMT"/>
+              </a:rPr>
+              <a:t>group by – </a:t>
+            </a:r>
+            <a:r>
+              <a:rPr lang="he-IL" sz="1800" b="0" i="0" u="none" strike="noStrike" baseline="0" dirty="0">
+                <a:latin typeface="ArialMT"/>
+              </a:rPr>
+              <a:t> הוא מהווה פילטר על הקבוצות..</a:t>
+            </a:r>
+            <a:endParaRPr lang="en-US" sz="1800" b="0" i="0" u="none" strike="noStrike" baseline="0" dirty="0">
+              <a:latin typeface="ArialMT"/>
+            </a:endParaRPr>
+          </a:p>
+        </p:txBody>
+      </p:sp>
+      <p:sp>
+        <p:nvSpPr>
+          <p:cNvPr id="4" name="Footer Placeholder 3">
+            <a:extLst>
+              <a:ext uri="{FF2B5EF4-FFF2-40B4-BE49-F238E27FC236}">
+                <a16:creationId xmlns:a16="http://schemas.microsoft.com/office/drawing/2014/main" id="{E383C24D-BEA6-474F-A840-896AD0E01479}"/>
+              </a:ext>
+            </a:extLst>
+          </p:cNvPr>
+          <p:cNvSpPr>
+            <a:spLocks noGrp="1"/>
+          </p:cNvSpPr>
+          <p:nvPr>
+            <p:ph type="ftr" sz="quarter" idx="11"/>
+          </p:nvPr>
+        </p:nvSpPr>
+        <p:spPr/>
+        <p:txBody>
+          <a:bodyPr/>
+          <a:lstStyle/>
+          <a:p>
+            <a:r>
+              <a:rPr lang="en-US"/>
+              <a:t>avidary@gmail.com  2002 (c)</a:t>
+            </a:r>
+            <a:endParaRPr lang="he-IL"/>
+          </a:p>
+        </p:txBody>
+      </p:sp>
+      <p:pic>
+        <p:nvPicPr>
+          <p:cNvPr id="7" name="Picture 6">
+            <a:extLst>
+              <a:ext uri="{FF2B5EF4-FFF2-40B4-BE49-F238E27FC236}">
+                <a16:creationId xmlns:a16="http://schemas.microsoft.com/office/drawing/2014/main" id="{A700F900-333D-4FD3-8642-488B7B47D23E}"/>
+              </a:ext>
+            </a:extLst>
+          </p:cNvPr>
+          <p:cNvPicPr>
+            <a:picLocks noChangeAspect="1"/>
+          </p:cNvPicPr>
+          <p:nvPr/>
+        </p:nvPicPr>
+        <p:blipFill>
+          <a:blip r:embed="rId2"/>
+          <a:stretch>
+            <a:fillRect/>
+          </a:stretch>
+        </p:blipFill>
+        <p:spPr>
+          <a:xfrm>
+            <a:off x="838200" y="2830341"/>
+            <a:ext cx="4413477" cy="3346622"/>
+          </a:xfrm>
+          <a:prstGeom prst="rect">
+            <a:avLst/>
+          </a:prstGeom>
+        </p:spPr>
+      </p:pic>
+      <p:sp>
+        <p:nvSpPr>
+          <p:cNvPr id="8" name="Title 7">
+            <a:extLst>
+              <a:ext uri="{FF2B5EF4-FFF2-40B4-BE49-F238E27FC236}">
+                <a16:creationId xmlns:a16="http://schemas.microsoft.com/office/drawing/2014/main" id="{10F90686-D905-4C3D-BA08-3D7C1852DA72}"/>
               </a:ext>
             </a:extLst>
           </p:cNvPr>
@@ -9226,338 +9298,37 @@
             <p:ph type="title"/>
           </p:nvPr>
         </p:nvSpPr>
-        <p:spPr/>
-        <p:txBody>
-          <a:bodyPr/>
-          <a:lstStyle/>
-          <a:p>
-            <a:pPr algn="r"/>
+        <p:spPr>
+          <a:xfrm>
+            <a:off x="838200" y="365125"/>
+            <a:ext cx="10515600" cy="1281113"/>
+          </a:xfrm>
+        </p:spPr>
+        <p:txBody>
+          <a:bodyPr>
+            <a:normAutofit fontScale="90000"/>
+          </a:bodyPr>
+          <a:lstStyle/>
+          <a:p>
+            <a:r>
+              <a:rPr lang="en-US" b="1" dirty="0"/>
+              <a:t>Having– </a:t>
+            </a:r>
             <a:r>
               <a:rPr lang="he-IL" dirty="0"/>
-              <a:t>התניות</a:t>
-            </a:r>
-          </a:p>
-        </p:txBody>
-      </p:sp>
-      <p:sp>
-        <p:nvSpPr>
-          <p:cNvPr id="3" name="Content Placeholder 2">
-            <a:extLst>
-              <a:ext uri="{FF2B5EF4-FFF2-40B4-BE49-F238E27FC236}">
-                <a16:creationId xmlns:a16="http://schemas.microsoft.com/office/drawing/2014/main" id="{3E0CD643-5062-49E7-9B33-0A24A2E3AEE0}"/>
-              </a:ext>
-            </a:extLst>
-          </p:cNvPr>
-          <p:cNvSpPr>
-            <a:spLocks noGrp="1"/>
-          </p:cNvSpPr>
-          <p:nvPr>
-            <p:ph idx="1"/>
-          </p:nvPr>
-        </p:nvSpPr>
-        <p:spPr/>
-        <p:txBody>
-          <a:bodyPr>
-            <a:normAutofit fontScale="92500" lnSpcReduction="10000"/>
-          </a:bodyPr>
-          <a:lstStyle/>
-          <a:p>
-            <a:pPr marL="685800" algn="r" rtl="1">
-              <a:lnSpc>
-                <a:spcPct val="115000"/>
-              </a:lnSpc>
-            </a:pPr>
-            <a:r>
-              <a:rPr lang="he-IL" sz="2400" dirty="0">
-                <a:effectLst/>
-                <a:latin typeface="Calibri" panose="020F0502020204030204" pitchFamily="34" charset="0"/>
-                <a:ea typeface="Calibri" panose="020F0502020204030204" pitchFamily="34" charset="0"/>
-                <a:cs typeface="Gisha" panose="020B0502040204020203" pitchFamily="34" charset="-79"/>
-              </a:rPr>
-              <a:t>על מנת למקד את </a:t>
-            </a:r>
-            <a:r>
-              <a:rPr lang="he-IL" sz="2400" dirty="0" err="1">
-                <a:effectLst/>
-                <a:latin typeface="Calibri" panose="020F0502020204030204" pitchFamily="34" charset="0"/>
-                <a:ea typeface="Calibri" panose="020F0502020204030204" pitchFamily="34" charset="0"/>
-                <a:cs typeface="Gisha" panose="020B0502040204020203" pitchFamily="34" charset="-79"/>
-              </a:rPr>
-              <a:t>השאילתא</a:t>
-            </a:r>
-            <a:r>
-              <a:rPr lang="he-IL" sz="2400" dirty="0">
-                <a:effectLst/>
-                <a:latin typeface="Calibri" panose="020F0502020204030204" pitchFamily="34" charset="0"/>
-                <a:ea typeface="Calibri" panose="020F0502020204030204" pitchFamily="34" charset="0"/>
-                <a:cs typeface="Gisha" panose="020B0502040204020203" pitchFamily="34" charset="-79"/>
-              </a:rPr>
-              <a:t> יש צורך לבצע סינונים:</a:t>
-            </a:r>
-            <a:endParaRPr lang="en-US" sz="2400" dirty="0">
-              <a:effectLst/>
-              <a:latin typeface="Calibri" panose="020F0502020204030204" pitchFamily="34" charset="0"/>
-              <a:ea typeface="Calibri" panose="020F0502020204030204" pitchFamily="34" charset="0"/>
-              <a:cs typeface="Arial" panose="020B0604020202020204" pitchFamily="34" charset="0"/>
-            </a:endParaRPr>
-          </a:p>
-          <a:p>
-            <a:pPr marL="685800" algn="r" rtl="1">
-              <a:lnSpc>
-                <a:spcPct val="115000"/>
-              </a:lnSpc>
-            </a:pPr>
-            <a:r>
-              <a:rPr lang="he-IL" sz="2400" b="1" u="sng" dirty="0">
-                <a:effectLst/>
-                <a:latin typeface="Calibri" panose="020F0502020204030204" pitchFamily="34" charset="0"/>
-                <a:ea typeface="Calibri" panose="020F0502020204030204" pitchFamily="34" charset="0"/>
-                <a:cs typeface="Gisha" panose="020B0502040204020203" pitchFamily="34" charset="-79"/>
-              </a:rPr>
-              <a:t>תחביר:</a:t>
-            </a:r>
-            <a:endParaRPr lang="en-US" sz="2400" dirty="0">
-              <a:effectLst/>
-              <a:latin typeface="Calibri" panose="020F0502020204030204" pitchFamily="34" charset="0"/>
-              <a:ea typeface="Calibri" panose="020F0502020204030204" pitchFamily="34" charset="0"/>
-              <a:cs typeface="Arial" panose="020B0604020202020204" pitchFamily="34" charset="0"/>
-            </a:endParaRPr>
-          </a:p>
-          <a:p>
-            <a:pPr marL="457200" indent="0" algn="l" rtl="0">
-              <a:lnSpc>
-                <a:spcPct val="115000"/>
-              </a:lnSpc>
-              <a:spcAft>
-                <a:spcPts val="1000"/>
-              </a:spcAft>
-              <a:buNone/>
-            </a:pPr>
-            <a:r>
-              <a:rPr lang="en-US" sz="2400" dirty="0">
-                <a:effectLst/>
-                <a:latin typeface="Gisha" panose="020B0502040204020203" pitchFamily="34" charset="-79"/>
-                <a:ea typeface="Calibri" panose="020F0502020204030204" pitchFamily="34" charset="0"/>
-                <a:cs typeface="Arial" panose="020B0604020202020204" pitchFamily="34" charset="0"/>
-              </a:rPr>
-              <a:t>Select * From </a:t>
-            </a:r>
-            <a:r>
-              <a:rPr lang="en-US" sz="2400" dirty="0" err="1">
-                <a:effectLst/>
-                <a:latin typeface="Gisha" panose="020B0502040204020203" pitchFamily="34" charset="-79"/>
-                <a:ea typeface="Calibri" panose="020F0502020204030204" pitchFamily="34" charset="0"/>
-                <a:cs typeface="Arial" panose="020B0604020202020204" pitchFamily="34" charset="0"/>
-              </a:rPr>
-              <a:t>Table_name</a:t>
-            </a:r>
-            <a:endParaRPr lang="en-US" sz="2400" dirty="0">
-              <a:effectLst/>
-              <a:latin typeface="Gisha" panose="020B0502040204020203" pitchFamily="34" charset="-79"/>
-              <a:ea typeface="Calibri" panose="020F0502020204030204" pitchFamily="34" charset="0"/>
-              <a:cs typeface="Arial" panose="020B0604020202020204" pitchFamily="34" charset="0"/>
-            </a:endParaRPr>
-          </a:p>
-          <a:p>
-            <a:pPr marL="457200" indent="0" algn="l" rtl="0">
-              <a:lnSpc>
-                <a:spcPct val="115000"/>
-              </a:lnSpc>
-              <a:spcAft>
-                <a:spcPts val="1000"/>
-              </a:spcAft>
-              <a:buNone/>
-            </a:pPr>
-            <a:r>
-              <a:rPr lang="en-US" sz="2400" b="1" dirty="0">
-                <a:effectLst/>
-                <a:latin typeface="Gisha" panose="020B0502040204020203" pitchFamily="34" charset="-79"/>
-                <a:ea typeface="Calibri" panose="020F0502020204030204" pitchFamily="34" charset="0"/>
-                <a:cs typeface="Arial" panose="020B0604020202020204" pitchFamily="34" charset="0"/>
-              </a:rPr>
-              <a:t>Where</a:t>
-            </a:r>
-            <a:r>
-              <a:rPr lang="en-US" sz="2400" dirty="0">
-                <a:effectLst/>
-                <a:latin typeface="Gisha" panose="020B0502040204020203" pitchFamily="34" charset="-79"/>
-                <a:ea typeface="Calibri" panose="020F0502020204030204" pitchFamily="34" charset="0"/>
-                <a:cs typeface="Arial" panose="020B0604020202020204" pitchFamily="34" charset="0"/>
-              </a:rPr>
-              <a:t> X=Y </a:t>
-            </a:r>
-            <a:r>
-              <a:rPr lang="en-US" sz="2400" b="1" dirty="0">
-                <a:effectLst/>
-                <a:latin typeface="Gisha" panose="020B0502040204020203" pitchFamily="34" charset="-79"/>
-                <a:ea typeface="Calibri" panose="020F0502020204030204" pitchFamily="34" charset="0"/>
-                <a:cs typeface="Arial" panose="020B0604020202020204" pitchFamily="34" charset="0"/>
-              </a:rPr>
-              <a:t>And</a:t>
-            </a:r>
-            <a:r>
-              <a:rPr lang="en-US" sz="2400" dirty="0">
-                <a:effectLst/>
-                <a:latin typeface="Gisha" panose="020B0502040204020203" pitchFamily="34" charset="-79"/>
-                <a:ea typeface="Calibri" panose="020F0502020204030204" pitchFamily="34" charset="0"/>
-                <a:cs typeface="Arial" panose="020B0604020202020204" pitchFamily="34" charset="0"/>
-              </a:rPr>
-              <a:t> Y&gt;Z</a:t>
-            </a:r>
-            <a:endParaRPr lang="en-US" sz="2400" dirty="0">
-              <a:effectLst/>
-              <a:latin typeface="Calibri" panose="020F0502020204030204" pitchFamily="34" charset="0"/>
-              <a:ea typeface="Calibri" panose="020F0502020204030204" pitchFamily="34" charset="0"/>
-              <a:cs typeface="Arial" panose="020B0604020202020204" pitchFamily="34" charset="0"/>
-            </a:endParaRPr>
-          </a:p>
-          <a:p>
-            <a:pPr marL="457200" indent="0" algn="l" rtl="0">
-              <a:lnSpc>
-                <a:spcPct val="115000"/>
-              </a:lnSpc>
-              <a:spcAft>
-                <a:spcPts val="1000"/>
-              </a:spcAft>
-              <a:buNone/>
-            </a:pPr>
-            <a:r>
-              <a:rPr lang="en-US" sz="2400" dirty="0">
-                <a:effectLst/>
-                <a:latin typeface="Gisha" panose="020B0502040204020203" pitchFamily="34" charset="-79"/>
-                <a:ea typeface="Calibri" panose="020F0502020204030204" pitchFamily="34" charset="0"/>
-                <a:cs typeface="Arial" panose="020B0604020202020204" pitchFamily="34" charset="0"/>
-              </a:rPr>
-              <a:t>And …</a:t>
-            </a:r>
-            <a:endParaRPr lang="en-US" sz="2400" dirty="0">
-              <a:effectLst/>
-              <a:latin typeface="Calibri" panose="020F0502020204030204" pitchFamily="34" charset="0"/>
-              <a:ea typeface="Calibri" panose="020F0502020204030204" pitchFamily="34" charset="0"/>
-              <a:cs typeface="Arial" panose="020B0604020202020204" pitchFamily="34" charset="0"/>
-            </a:endParaRPr>
-          </a:p>
-          <a:p>
-            <a:pPr marL="685800" algn="r" rtl="1">
-              <a:lnSpc>
-                <a:spcPct val="115000"/>
-              </a:lnSpc>
-            </a:pPr>
-            <a:r>
-              <a:rPr lang="he-IL" sz="2400" dirty="0">
-                <a:effectLst/>
-                <a:latin typeface="Calibri" panose="020F0502020204030204" pitchFamily="34" charset="0"/>
-                <a:ea typeface="Calibri" panose="020F0502020204030204" pitchFamily="34" charset="0"/>
-                <a:cs typeface="Gisha" panose="020B0502040204020203" pitchFamily="34" charset="-79"/>
-              </a:rPr>
-              <a:t>דגשים- כאשר ממבצעים התניה/השוואה בין 2 שדות- הן חייבות להיות מאותו הסוג (זה יכול לעבוד עד אשר יהיה ערך שונה).** למשל קוד שמוגדר כמחרוזת ויש לו תחילית של 0</a:t>
-            </a:r>
-            <a:endParaRPr lang="en-US" sz="2400" dirty="0">
-              <a:effectLst/>
-              <a:latin typeface="Calibri" panose="020F0502020204030204" pitchFamily="34" charset="0"/>
-              <a:ea typeface="Calibri" panose="020F0502020204030204" pitchFamily="34" charset="0"/>
-              <a:cs typeface="Arial" panose="020B0604020202020204" pitchFamily="34" charset="0"/>
-            </a:endParaRPr>
-          </a:p>
-          <a:p>
-            <a:pPr marL="685800" algn="r" rtl="1">
-              <a:lnSpc>
-                <a:spcPct val="115000"/>
-              </a:lnSpc>
-              <a:spcAft>
-                <a:spcPts val="1000"/>
-              </a:spcAft>
-            </a:pPr>
-            <a:r>
-              <a:rPr lang="he-IL" sz="2400" dirty="0">
-                <a:effectLst/>
-                <a:latin typeface="Calibri" panose="020F0502020204030204" pitchFamily="34" charset="0"/>
-                <a:ea typeface="Calibri" panose="020F0502020204030204" pitchFamily="34" charset="0"/>
-                <a:cs typeface="Gisha" panose="020B0502040204020203" pitchFamily="34" charset="-79"/>
-              </a:rPr>
-              <a:t>תנאים פשוטים: (=, &lt;, &lt;=, &gt;, =&gt;, &gt;&lt; , =! ,  </a:t>
-            </a:r>
-            <a:r>
-              <a:rPr lang="en-US" sz="2400" dirty="0">
-                <a:effectLst/>
-                <a:latin typeface="Gisha" panose="020B0502040204020203" pitchFamily="34" charset="-79"/>
-                <a:ea typeface="Calibri" panose="020F0502020204030204" pitchFamily="34" charset="0"/>
-                <a:cs typeface="Arial" panose="020B0604020202020204" pitchFamily="34" charset="0"/>
-              </a:rPr>
-              <a:t>between</a:t>
-            </a:r>
-            <a:r>
-              <a:rPr lang="he-IL" sz="2400" dirty="0">
-                <a:effectLst/>
-                <a:latin typeface="Calibri" panose="020F0502020204030204" pitchFamily="34" charset="0"/>
-                <a:ea typeface="Calibri" panose="020F0502020204030204" pitchFamily="34" charset="0"/>
-                <a:cs typeface="Gisha" panose="020B0502040204020203" pitchFamily="34" charset="-79"/>
-              </a:rPr>
-              <a:t>, </a:t>
-            </a:r>
-            <a:r>
-              <a:rPr lang="en-US" sz="2400" dirty="0">
-                <a:effectLst/>
-                <a:latin typeface="Gisha" panose="020B0502040204020203" pitchFamily="34" charset="-79"/>
-                <a:ea typeface="Calibri" panose="020F0502020204030204" pitchFamily="34" charset="0"/>
-                <a:cs typeface="Arial" panose="020B0604020202020204" pitchFamily="34" charset="0"/>
-              </a:rPr>
-              <a:t>in </a:t>
-            </a:r>
-            <a:r>
-              <a:rPr lang="he-IL" sz="2400" dirty="0">
-                <a:effectLst/>
-                <a:latin typeface="Calibri" panose="020F0502020204030204" pitchFamily="34" charset="0"/>
-                <a:ea typeface="Calibri" panose="020F0502020204030204" pitchFamily="34" charset="0"/>
-                <a:cs typeface="Gisha" panose="020B0502040204020203" pitchFamily="34" charset="-79"/>
-              </a:rPr>
-              <a:t>)</a:t>
-            </a:r>
-            <a:endParaRPr lang="en-US" sz="2400" dirty="0">
-              <a:effectLst/>
-              <a:latin typeface="Calibri" panose="020F0502020204030204" pitchFamily="34" charset="0"/>
-              <a:ea typeface="Calibri" panose="020F0502020204030204" pitchFamily="34" charset="0"/>
-              <a:cs typeface="Arial" panose="020B0604020202020204" pitchFamily="34" charset="0"/>
-            </a:endParaRPr>
-          </a:p>
-          <a:p>
+              <a:t>תנאים על קבוצות</a:t>
+            </a:r>
+            <a:br>
+              <a:rPr lang="he-IL" dirty="0"/>
+            </a:br>
             <a:endParaRPr lang="he-IL" dirty="0"/>
-          </a:p>
-        </p:txBody>
-      </p:sp>
-      <p:sp>
-        <p:nvSpPr>
-          <p:cNvPr id="4" name="Footer Placeholder 3">
-            <a:extLst>
-              <a:ext uri="{FF2B5EF4-FFF2-40B4-BE49-F238E27FC236}">
-                <a16:creationId xmlns:a16="http://schemas.microsoft.com/office/drawing/2014/main" id="{E383C24D-BEA6-474F-A840-896AD0E01479}"/>
-              </a:ext>
-            </a:extLst>
-          </p:cNvPr>
-          <p:cNvSpPr>
-            <a:spLocks noGrp="1"/>
-          </p:cNvSpPr>
-          <p:nvPr>
-            <p:ph type="ftr" sz="quarter" idx="11"/>
-          </p:nvPr>
-        </p:nvSpPr>
-        <p:spPr/>
-        <p:txBody>
-          <a:bodyPr/>
-          <a:lstStyle/>
-          <a:p>
-            <a:r>
-              <a:rPr lang="en-US"/>
-              <a:t>Avidar Yerushalmi 2002 (c)</a:t>
-            </a:r>
-            <a:endParaRPr lang="he-IL"/>
           </a:p>
         </p:txBody>
       </p:sp>
     </p:spTree>
     <p:extLst>
       <p:ext uri="{BB962C8B-B14F-4D97-AF65-F5344CB8AC3E}">
-        <p14:creationId xmlns:p14="http://schemas.microsoft.com/office/powerpoint/2010/main" val="732532065"/>
+        <p14:creationId xmlns:p14="http://schemas.microsoft.com/office/powerpoint/2010/main" val="2352332904"/>
       </p:ext>
     </p:extLst>
   </p:cSld>
@@ -9784,7 +9555,7 @@
           <a:p>
             <a:r>
               <a:rPr lang="en-US"/>
-              <a:t>Avidar Yerushalmi 2002 (c)</a:t>
+              <a:t>avidary@gmail.com  2002 (c)</a:t>
             </a:r>
             <a:endParaRPr lang="he-IL"/>
           </a:p>
@@ -9843,8 +9614,12 @@
           <a:p>
             <a:pPr algn="r"/>
             <a:r>
+              <a:rPr lang="en-US" b="1" dirty="0"/>
+              <a:t>Order by– </a:t>
+            </a:r>
+            <a:r>
               <a:rPr lang="he-IL" dirty="0"/>
-              <a:t>התניות</a:t>
+              <a:t>מיון רשומות </a:t>
             </a:r>
           </a:p>
         </p:txBody>
@@ -9868,271 +9643,56 @@
         <p:spPr/>
         <p:txBody>
           <a:bodyPr>
-            <a:normAutofit fontScale="92500" lnSpcReduction="10000"/>
+            <a:normAutofit/>
           </a:bodyPr>
           <a:lstStyle/>
           <a:p>
-            <a:pPr marL="685800" algn="r" rtl="1">
-              <a:lnSpc>
-                <a:spcPct val="115000"/>
-              </a:lnSpc>
-            </a:pPr>
-            <a:r>
-              <a:rPr lang="he-IL" sz="2400" dirty="0">
-                <a:effectLst/>
-                <a:latin typeface="Calibri" panose="020F0502020204030204" pitchFamily="34" charset="0"/>
-                <a:ea typeface="Calibri" panose="020F0502020204030204" pitchFamily="34" charset="0"/>
-                <a:cs typeface="Gisha" panose="020B0502040204020203" pitchFamily="34" charset="-79"/>
-              </a:rPr>
-              <a:t>על מנת למקד את </a:t>
-            </a:r>
-            <a:r>
-              <a:rPr lang="he-IL" sz="2400" dirty="0" err="1">
-                <a:effectLst/>
-                <a:latin typeface="Calibri" panose="020F0502020204030204" pitchFamily="34" charset="0"/>
-                <a:ea typeface="Calibri" panose="020F0502020204030204" pitchFamily="34" charset="0"/>
-                <a:cs typeface="Gisha" panose="020B0502040204020203" pitchFamily="34" charset="-79"/>
-              </a:rPr>
-              <a:t>השאילתא</a:t>
-            </a:r>
-            <a:r>
-              <a:rPr lang="he-IL" sz="2400" dirty="0">
-                <a:effectLst/>
-                <a:latin typeface="Calibri" panose="020F0502020204030204" pitchFamily="34" charset="0"/>
-                <a:ea typeface="Calibri" panose="020F0502020204030204" pitchFamily="34" charset="0"/>
-                <a:cs typeface="Gisha" panose="020B0502040204020203" pitchFamily="34" charset="-79"/>
-              </a:rPr>
-              <a:t> יש צורך לבצע סינונים:</a:t>
-            </a:r>
-            <a:endParaRPr lang="en-US" sz="2400" dirty="0">
-              <a:effectLst/>
-              <a:latin typeface="Calibri" panose="020F0502020204030204" pitchFamily="34" charset="0"/>
-              <a:ea typeface="Calibri" panose="020F0502020204030204" pitchFamily="34" charset="0"/>
-              <a:cs typeface="Arial" panose="020B0604020202020204" pitchFamily="34" charset="0"/>
+            <a:pPr algn="r" rtl="1"/>
+            <a:r>
+              <a:rPr lang="en-US" sz="1800" b="0" i="0" u="none" strike="noStrike" baseline="0" dirty="0">
+                <a:latin typeface="ArialMT"/>
+              </a:rPr>
+              <a:t> order by</a:t>
+            </a:r>
+            <a:r>
+              <a:rPr lang="he-IL" sz="1800" b="0" i="0" u="none" strike="noStrike" baseline="0" dirty="0">
+                <a:latin typeface="ArialMT"/>
+              </a:rPr>
+              <a:t>- ממיין את הרשומות החוזרות בסדר עולה או בסדר יורד.</a:t>
+            </a:r>
+          </a:p>
+          <a:p>
+            <a:pPr algn="r" rtl="1"/>
+            <a:r>
+              <a:rPr lang="he-IL" sz="1800" dirty="0">
+                <a:latin typeface="ArialMT"/>
+              </a:rPr>
+              <a:t>ה </a:t>
+            </a:r>
+            <a:r>
+              <a:rPr lang="en-US" sz="1800" dirty="0">
+                <a:latin typeface="ArialMT"/>
+              </a:rPr>
+              <a:t> default </a:t>
+            </a:r>
+            <a:r>
+              <a:rPr lang="he-IL" sz="1800" dirty="0">
+                <a:latin typeface="ArialMT"/>
+              </a:rPr>
+              <a:t>הוא סדר עולה </a:t>
+            </a:r>
+            <a:endParaRPr lang="he-IL" sz="1800" b="0" i="0" u="none" strike="noStrike" baseline="0" dirty="0">
+              <a:latin typeface="ArialMT"/>
             </a:endParaRPr>
           </a:p>
           <a:p>
-            <a:pPr marL="685800" algn="r" rtl="1">
-              <a:lnSpc>
-                <a:spcPct val="115000"/>
-              </a:lnSpc>
-            </a:pPr>
-            <a:r>
-              <a:rPr lang="he-IL" sz="2400" b="1" u="sng" dirty="0">
-                <a:effectLst/>
-                <a:latin typeface="Calibri" panose="020F0502020204030204" pitchFamily="34" charset="0"/>
-                <a:ea typeface="Calibri" panose="020F0502020204030204" pitchFamily="34" charset="0"/>
-                <a:cs typeface="Gisha" panose="020B0502040204020203" pitchFamily="34" charset="-79"/>
-              </a:rPr>
-              <a:t>תחביר:</a:t>
-            </a:r>
-            <a:endParaRPr lang="en-US" sz="2400" dirty="0">
-              <a:effectLst/>
-              <a:latin typeface="Calibri" panose="020F0502020204030204" pitchFamily="34" charset="0"/>
-              <a:ea typeface="Calibri" panose="020F0502020204030204" pitchFamily="34" charset="0"/>
-              <a:cs typeface="Arial" panose="020B0604020202020204" pitchFamily="34" charset="0"/>
-            </a:endParaRPr>
-          </a:p>
-          <a:p>
-            <a:pPr marL="457200" indent="0" algn="l" rtl="0">
-              <a:lnSpc>
-                <a:spcPct val="115000"/>
-              </a:lnSpc>
-              <a:spcAft>
-                <a:spcPts val="1000"/>
-              </a:spcAft>
+            <a:pPr marL="0" indent="0" algn="r" rtl="1">
               <a:buNone/>
             </a:pPr>
-            <a:r>
-              <a:rPr lang="en-US" sz="2400" dirty="0">
-                <a:effectLst/>
-                <a:latin typeface="Gisha" panose="020B0502040204020203" pitchFamily="34" charset="-79"/>
-                <a:ea typeface="Calibri" panose="020F0502020204030204" pitchFamily="34" charset="0"/>
-                <a:cs typeface="Arial" panose="020B0604020202020204" pitchFamily="34" charset="0"/>
-              </a:rPr>
-              <a:t>Select * From </a:t>
-            </a:r>
-            <a:r>
-              <a:rPr lang="en-US" sz="2400" dirty="0" err="1">
-                <a:effectLst/>
-                <a:latin typeface="Gisha" panose="020B0502040204020203" pitchFamily="34" charset="-79"/>
-                <a:ea typeface="Calibri" panose="020F0502020204030204" pitchFamily="34" charset="0"/>
-                <a:cs typeface="Arial" panose="020B0604020202020204" pitchFamily="34" charset="0"/>
-              </a:rPr>
-              <a:t>Table_name</a:t>
-            </a:r>
-            <a:endParaRPr lang="en-US" sz="2400" dirty="0">
-              <a:effectLst/>
-              <a:latin typeface="Gisha" panose="020B0502040204020203" pitchFamily="34" charset="-79"/>
-              <a:ea typeface="Calibri" panose="020F0502020204030204" pitchFamily="34" charset="0"/>
-              <a:cs typeface="Arial" panose="020B0604020202020204" pitchFamily="34" charset="0"/>
+            <a:endParaRPr lang="he-IL" sz="1800" b="0" i="0" u="none" strike="noStrike" baseline="0" dirty="0">
+              <a:latin typeface="ArialMT"/>
             </a:endParaRPr>
           </a:p>
-          <a:p>
-            <a:pPr marL="457200" indent="0" algn="l" rtl="0">
-              <a:lnSpc>
-                <a:spcPct val="115000"/>
-              </a:lnSpc>
-              <a:spcAft>
-                <a:spcPts val="1000"/>
-              </a:spcAft>
-              <a:buNone/>
-            </a:pPr>
-            <a:r>
-              <a:rPr lang="en-US" sz="2400" b="1" dirty="0">
-                <a:effectLst/>
-                <a:latin typeface="Gisha" panose="020B0502040204020203" pitchFamily="34" charset="-79"/>
-                <a:ea typeface="Calibri" panose="020F0502020204030204" pitchFamily="34" charset="0"/>
-                <a:cs typeface="Arial" panose="020B0604020202020204" pitchFamily="34" charset="0"/>
-              </a:rPr>
-              <a:t>Where</a:t>
-            </a:r>
-            <a:r>
-              <a:rPr lang="en-US" sz="2400" dirty="0">
-                <a:effectLst/>
-                <a:latin typeface="Gisha" panose="020B0502040204020203" pitchFamily="34" charset="-79"/>
-                <a:ea typeface="Calibri" panose="020F0502020204030204" pitchFamily="34" charset="0"/>
-                <a:cs typeface="Arial" panose="020B0604020202020204" pitchFamily="34" charset="0"/>
-              </a:rPr>
-              <a:t> X=Y </a:t>
-            </a:r>
-            <a:r>
-              <a:rPr lang="en-US" sz="2400" b="1" dirty="0">
-                <a:effectLst/>
-                <a:latin typeface="Gisha" panose="020B0502040204020203" pitchFamily="34" charset="-79"/>
-                <a:ea typeface="Calibri" panose="020F0502020204030204" pitchFamily="34" charset="0"/>
-                <a:cs typeface="Arial" panose="020B0604020202020204" pitchFamily="34" charset="0"/>
-              </a:rPr>
-              <a:t>And</a:t>
-            </a:r>
-            <a:r>
-              <a:rPr lang="en-US" sz="2400" dirty="0">
-                <a:effectLst/>
-                <a:latin typeface="Gisha" panose="020B0502040204020203" pitchFamily="34" charset="-79"/>
-                <a:ea typeface="Calibri" panose="020F0502020204030204" pitchFamily="34" charset="0"/>
-                <a:cs typeface="Arial" panose="020B0604020202020204" pitchFamily="34" charset="0"/>
-              </a:rPr>
-              <a:t> Y&gt;Z</a:t>
-            </a:r>
-            <a:endParaRPr lang="en-US" sz="2400" dirty="0">
-              <a:effectLst/>
-              <a:latin typeface="Calibri" panose="020F0502020204030204" pitchFamily="34" charset="0"/>
-              <a:ea typeface="Calibri" panose="020F0502020204030204" pitchFamily="34" charset="0"/>
-              <a:cs typeface="Arial" panose="020B0604020202020204" pitchFamily="34" charset="0"/>
-            </a:endParaRPr>
-          </a:p>
-          <a:p>
-            <a:pPr marL="457200" indent="0" algn="l" rtl="0">
-              <a:lnSpc>
-                <a:spcPct val="115000"/>
-              </a:lnSpc>
-              <a:spcAft>
-                <a:spcPts val="1000"/>
-              </a:spcAft>
-              <a:buNone/>
-            </a:pPr>
-            <a:r>
-              <a:rPr lang="en-US" sz="2400" dirty="0">
-                <a:effectLst/>
-                <a:latin typeface="Gisha" panose="020B0502040204020203" pitchFamily="34" charset="-79"/>
-                <a:ea typeface="Calibri" panose="020F0502020204030204" pitchFamily="34" charset="0"/>
-                <a:cs typeface="Arial" panose="020B0604020202020204" pitchFamily="34" charset="0"/>
-              </a:rPr>
-              <a:t>And …</a:t>
-            </a:r>
-            <a:endParaRPr lang="en-US" sz="2400" dirty="0">
-              <a:effectLst/>
-              <a:latin typeface="Calibri" panose="020F0502020204030204" pitchFamily="34" charset="0"/>
-              <a:ea typeface="Calibri" panose="020F0502020204030204" pitchFamily="34" charset="0"/>
-              <a:cs typeface="Arial" panose="020B0604020202020204" pitchFamily="34" charset="0"/>
-            </a:endParaRPr>
-          </a:p>
-          <a:p>
-            <a:pPr marL="685800" algn="r" rtl="1">
-              <a:lnSpc>
-                <a:spcPct val="115000"/>
-              </a:lnSpc>
-            </a:pPr>
-            <a:r>
-              <a:rPr lang="he-IL" sz="2400" dirty="0">
-                <a:effectLst/>
-                <a:latin typeface="Calibri" panose="020F0502020204030204" pitchFamily="34" charset="0"/>
-                <a:ea typeface="Calibri" panose="020F0502020204030204" pitchFamily="34" charset="0"/>
-                <a:cs typeface="Gisha" panose="020B0502040204020203" pitchFamily="34" charset="-79"/>
-              </a:rPr>
-              <a:t>דגשים- כאשר ממבצעים התניה/השוואה בין 2 שדות- הן חייבות להיות מאותו הסוג (זה יכול לעבוד עד אשר יהיה ערך שונה).** למשל קוד שמוגדר כמחרוזת ויש לו תחילית של 0</a:t>
-            </a:r>
-            <a:endParaRPr lang="en-US" sz="2400" dirty="0">
-              <a:effectLst/>
-              <a:latin typeface="Calibri" panose="020F0502020204030204" pitchFamily="34" charset="0"/>
-              <a:ea typeface="Calibri" panose="020F0502020204030204" pitchFamily="34" charset="0"/>
-              <a:cs typeface="Arial" panose="020B0604020202020204" pitchFamily="34" charset="0"/>
-            </a:endParaRPr>
-          </a:p>
-          <a:p>
-            <a:pPr marL="685800" algn="r" rtl="1">
-              <a:lnSpc>
-                <a:spcPct val="115000"/>
-              </a:lnSpc>
-              <a:spcAft>
-                <a:spcPts val="1000"/>
-              </a:spcAft>
-            </a:pPr>
-            <a:r>
-              <a:rPr lang="he-IL" sz="2400" dirty="0">
-                <a:effectLst/>
-                <a:latin typeface="Calibri" panose="020F0502020204030204" pitchFamily="34" charset="0"/>
-                <a:ea typeface="Calibri" panose="020F0502020204030204" pitchFamily="34" charset="0"/>
-                <a:cs typeface="Gisha" panose="020B0502040204020203" pitchFamily="34" charset="-79"/>
-              </a:rPr>
-              <a:t>תנאים פשוטים: (=, &lt;, &lt;=, &gt;, =&gt;, &gt;&lt; , =! ,  </a:t>
-            </a:r>
-            <a:r>
-              <a:rPr lang="en-US" sz="2400" dirty="0">
-                <a:effectLst/>
-                <a:latin typeface="Gisha" panose="020B0502040204020203" pitchFamily="34" charset="-79"/>
-                <a:ea typeface="Calibri" panose="020F0502020204030204" pitchFamily="34" charset="0"/>
-                <a:cs typeface="Arial" panose="020B0604020202020204" pitchFamily="34" charset="0"/>
-              </a:rPr>
-              <a:t>between</a:t>
-            </a:r>
-            <a:r>
-              <a:rPr lang="he-IL" sz="2400" dirty="0">
-                <a:effectLst/>
-                <a:latin typeface="Calibri" panose="020F0502020204030204" pitchFamily="34" charset="0"/>
-                <a:ea typeface="Calibri" panose="020F0502020204030204" pitchFamily="34" charset="0"/>
-                <a:cs typeface="Gisha" panose="020B0502040204020203" pitchFamily="34" charset="-79"/>
-              </a:rPr>
-              <a:t>, </a:t>
-            </a:r>
-            <a:r>
-              <a:rPr lang="en-US" sz="2400" dirty="0">
-                <a:effectLst/>
-                <a:latin typeface="Gisha" panose="020B0502040204020203" pitchFamily="34" charset="-79"/>
-                <a:ea typeface="Calibri" panose="020F0502020204030204" pitchFamily="34" charset="0"/>
-                <a:cs typeface="Arial" panose="020B0604020202020204" pitchFamily="34" charset="0"/>
-              </a:rPr>
-              <a:t>in </a:t>
-            </a:r>
-            <a:r>
-              <a:rPr lang="he-IL" sz="2400" dirty="0">
-                <a:effectLst/>
-                <a:latin typeface="Calibri" panose="020F0502020204030204" pitchFamily="34" charset="0"/>
-                <a:ea typeface="Calibri" panose="020F0502020204030204" pitchFamily="34" charset="0"/>
-                <a:cs typeface="Gisha" panose="020B0502040204020203" pitchFamily="34" charset="-79"/>
-              </a:rPr>
-              <a:t>)</a:t>
-            </a:r>
-            <a:endParaRPr lang="en-US" sz="2400" dirty="0">
-              <a:effectLst/>
-              <a:latin typeface="Calibri" panose="020F0502020204030204" pitchFamily="34" charset="0"/>
-              <a:ea typeface="Calibri" panose="020F0502020204030204" pitchFamily="34" charset="0"/>
-              <a:cs typeface="Arial" panose="020B0604020202020204" pitchFamily="34" charset="0"/>
-            </a:endParaRPr>
-          </a:p>
-          <a:p>
-            <a:endParaRPr lang="he-IL" dirty="0"/>
-          </a:p>
         </p:txBody>
       </p:sp>
       <p:sp>
@@ -10158,16 +9718,46 @@
           <a:p>
             <a:r>
               <a:rPr lang="en-US"/>
-              <a:t>Avidar Yerushalmi 2002 (c)</a:t>
+              <a:t>avidary@gmail.com  2002 (c)</a:t>
             </a:r>
             <a:endParaRPr lang="he-IL"/>
           </a:p>
         </p:txBody>
       </p:sp>
+      <p:pic>
+        <p:nvPicPr>
+          <p:cNvPr id="6" name="Picture 5">
+            <a:extLst>
+              <a:ext uri="{FF2B5EF4-FFF2-40B4-BE49-F238E27FC236}">
+                <a16:creationId xmlns:a16="http://schemas.microsoft.com/office/drawing/2014/main" id="{56D0974A-3A9C-4B24-A8CB-D055A4A8DED4}"/>
+              </a:ext>
+            </a:extLst>
+          </p:cNvPr>
+          <p:cNvPicPr>
+            <a:picLocks noChangeAspect="1"/>
+          </p:cNvPicPr>
+          <p:nvPr/>
+        </p:nvPicPr>
+        <p:blipFill>
+          <a:blip r:embed="rId2"/>
+          <a:stretch>
+            <a:fillRect/>
+          </a:stretch>
+        </p:blipFill>
+        <p:spPr>
+          <a:xfrm>
+            <a:off x="838201" y="2079595"/>
+            <a:ext cx="4395952" cy="4276755"/>
+          </a:xfrm>
+          <a:prstGeom prst="rect">
+            <a:avLst/>
+          </a:prstGeom>
+        </p:spPr>
+      </p:pic>
     </p:spTree>
     <p:extLst>
       <p:ext uri="{BB962C8B-B14F-4D97-AF65-F5344CB8AC3E}">
-        <p14:creationId xmlns:p14="http://schemas.microsoft.com/office/powerpoint/2010/main" val="3815306868"/>
+        <p14:creationId xmlns:p14="http://schemas.microsoft.com/office/powerpoint/2010/main" val="2071836570"/>
       </p:ext>
     </p:extLst>
   </p:cSld>
@@ -10210,6 +9800,4765 @@
             <p:ph type="title"/>
           </p:nvPr>
         </p:nvSpPr>
+        <p:spPr/>
+        <p:txBody>
+          <a:bodyPr/>
+          <a:lstStyle/>
+          <a:p>
+            <a:pPr algn="r"/>
+            <a:r>
+              <a:rPr lang="en-US" b="1" dirty="0"/>
+              <a:t>Order by– </a:t>
+            </a:r>
+            <a:r>
+              <a:rPr lang="he-IL" dirty="0"/>
+              <a:t>מיון רשומות </a:t>
+            </a:r>
+          </a:p>
+        </p:txBody>
+      </p:sp>
+      <p:sp>
+        <p:nvSpPr>
+          <p:cNvPr id="3" name="Content Placeholder 2">
+            <a:extLst>
+              <a:ext uri="{FF2B5EF4-FFF2-40B4-BE49-F238E27FC236}">
+                <a16:creationId xmlns:a16="http://schemas.microsoft.com/office/drawing/2014/main" id="{3E0CD643-5062-49E7-9B33-0A24A2E3AEE0}"/>
+              </a:ext>
+            </a:extLst>
+          </p:cNvPr>
+          <p:cNvSpPr>
+            <a:spLocks noGrp="1"/>
+          </p:cNvSpPr>
+          <p:nvPr>
+            <p:ph idx="1"/>
+          </p:nvPr>
+        </p:nvSpPr>
+        <p:spPr/>
+        <p:txBody>
+          <a:bodyPr>
+            <a:normAutofit/>
+          </a:bodyPr>
+          <a:lstStyle/>
+          <a:p>
+            <a:pPr algn="r" rtl="1"/>
+            <a:r>
+              <a:rPr lang="he-IL" sz="1800" b="0" i="0" u="none" strike="noStrike" baseline="0" dirty="0">
+                <a:latin typeface="ArialMT"/>
+              </a:rPr>
+              <a:t>במידה והשתמשנו ב – </a:t>
+            </a:r>
+            <a:r>
+              <a:rPr lang="en-US" sz="1800" b="0" i="0" u="none" strike="noStrike" baseline="0" dirty="0">
+                <a:latin typeface="ArialMT"/>
+              </a:rPr>
+              <a:t>alias</a:t>
+            </a:r>
+            <a:r>
+              <a:rPr lang="he-IL" sz="1800" b="0" i="0" u="none" strike="noStrike" baseline="0" dirty="0">
+                <a:latin typeface="ArialMT"/>
+              </a:rPr>
+              <a:t> ניתן לבצע מיון לפי ה - </a:t>
+            </a:r>
+            <a:r>
+              <a:rPr lang="en-US" sz="1800" b="0" i="0" u="none" strike="noStrike" baseline="0" dirty="0">
+                <a:latin typeface="ArialMT"/>
+              </a:rPr>
+              <a:t>alias</a:t>
+            </a:r>
+          </a:p>
+          <a:p>
+            <a:pPr algn="r" rtl="1"/>
+            <a:r>
+              <a:rPr lang="he-IL" sz="1800" b="0" i="0" u="none" strike="noStrike" baseline="0" dirty="0">
+                <a:latin typeface="ArialMT"/>
+              </a:rPr>
+              <a:t>יש חשיבות לסדר הכתיבה, ניתן להגדיר מספר שדות שלפיהם יתבצע מיון אך יש לזכור</a:t>
+            </a:r>
+          </a:p>
+          <a:p>
+            <a:pPr algn="r" rtl="1"/>
+            <a:r>
+              <a:rPr lang="he-IL" sz="1800" b="0" i="0" u="none" strike="noStrike" baseline="0" dirty="0">
+                <a:latin typeface="ArialMT"/>
+              </a:rPr>
+              <a:t>שהשדה הראשון יהיה המיון הראשוני</a:t>
+            </a:r>
+          </a:p>
+          <a:p>
+            <a:pPr algn="r" rtl="1"/>
+            <a:r>
+              <a:rPr lang="he-IL" sz="1800" b="0" i="0" u="none" strike="noStrike" baseline="0" dirty="0">
+                <a:latin typeface="ArialMT"/>
+              </a:rPr>
+              <a:t>ניתן למיין לפי המיקום של עמודה בשאילתת ה - </a:t>
+            </a:r>
+            <a:r>
+              <a:rPr lang="en-US" sz="1800" b="0" i="0" u="none" strike="noStrike" baseline="0" dirty="0">
+                <a:latin typeface="ArialMT"/>
+              </a:rPr>
+              <a:t>Select</a:t>
+            </a:r>
+            <a:endParaRPr lang="he-IL" sz="1800" b="0" i="0" u="none" strike="noStrike" baseline="0" dirty="0">
+              <a:latin typeface="ArialMT"/>
+            </a:endParaRPr>
+          </a:p>
+        </p:txBody>
+      </p:sp>
+      <p:sp>
+        <p:nvSpPr>
+          <p:cNvPr id="4" name="Footer Placeholder 3">
+            <a:extLst>
+              <a:ext uri="{FF2B5EF4-FFF2-40B4-BE49-F238E27FC236}">
+                <a16:creationId xmlns:a16="http://schemas.microsoft.com/office/drawing/2014/main" id="{E383C24D-BEA6-474F-A840-896AD0E01479}"/>
+              </a:ext>
+            </a:extLst>
+          </p:cNvPr>
+          <p:cNvSpPr>
+            <a:spLocks noGrp="1"/>
+          </p:cNvSpPr>
+          <p:nvPr>
+            <p:ph type="ftr" sz="quarter" idx="11"/>
+          </p:nvPr>
+        </p:nvSpPr>
+        <p:spPr/>
+        <p:txBody>
+          <a:bodyPr/>
+          <a:lstStyle/>
+          <a:p>
+            <a:r>
+              <a:rPr lang="en-US"/>
+              <a:t>avidary@gmail.com  2002 (c)</a:t>
+            </a:r>
+            <a:endParaRPr lang="he-IL"/>
+          </a:p>
+        </p:txBody>
+      </p:sp>
+      <p:pic>
+        <p:nvPicPr>
+          <p:cNvPr id="7" name="Picture 6">
+            <a:extLst>
+              <a:ext uri="{FF2B5EF4-FFF2-40B4-BE49-F238E27FC236}">
+                <a16:creationId xmlns:a16="http://schemas.microsoft.com/office/drawing/2014/main" id="{0544BFBE-3612-44F8-BDE4-DA5A60240A06}"/>
+              </a:ext>
+            </a:extLst>
+          </p:cNvPr>
+          <p:cNvPicPr>
+            <a:picLocks noChangeAspect="1"/>
+          </p:cNvPicPr>
+          <p:nvPr/>
+        </p:nvPicPr>
+        <p:blipFill>
+          <a:blip r:embed="rId2"/>
+          <a:stretch>
+            <a:fillRect/>
+          </a:stretch>
+        </p:blipFill>
+        <p:spPr>
+          <a:xfrm>
+            <a:off x="838200" y="2564845"/>
+            <a:ext cx="5073911" cy="3862450"/>
+          </a:xfrm>
+          <a:prstGeom prst="rect">
+            <a:avLst/>
+          </a:prstGeom>
+        </p:spPr>
+      </p:pic>
+    </p:spTree>
+    <p:extLst>
+      <p:ext uri="{BB962C8B-B14F-4D97-AF65-F5344CB8AC3E}">
+        <p14:creationId xmlns:p14="http://schemas.microsoft.com/office/powerpoint/2010/main" val="523613223"/>
+      </p:ext>
+    </p:extLst>
+  </p:cSld>
+  <p:clrMapOvr>
+    <a:masterClrMapping/>
+  </p:clrMapOvr>
+</p:sld>
+</file>
+
+<file path=ppt/slides/slide32.xml><?xml version="1.0" encoding="utf-8"?>
+<p:sld xmlns:a="http://schemas.openxmlformats.org/drawingml/2006/main" xmlns:r="http://schemas.openxmlformats.org/officeDocument/2006/relationships" xmlns:p="http://schemas.openxmlformats.org/presentationml/2006/main">
+  <p:cSld>
+    <p:spTree>
+      <p:nvGrpSpPr>
+        <p:cNvPr id="1" name=""/>
+        <p:cNvGrpSpPr/>
+        <p:nvPr/>
+      </p:nvGrpSpPr>
+      <p:grpSpPr>
+        <a:xfrm>
+          <a:off x="0" y="0"/>
+          <a:ext cx="0" cy="0"/>
+          <a:chOff x="0" y="0"/>
+          <a:chExt cx="0" cy="0"/>
+        </a:xfrm>
+      </p:grpSpPr>
+      <p:sp>
+        <p:nvSpPr>
+          <p:cNvPr id="2" name="Title 1">
+            <a:extLst>
+              <a:ext uri="{FF2B5EF4-FFF2-40B4-BE49-F238E27FC236}">
+                <a16:creationId xmlns:a16="http://schemas.microsoft.com/office/drawing/2014/main" id="{BE5D6318-C76E-4A76-B0D4-6127F014C1EE}"/>
+              </a:ext>
+            </a:extLst>
+          </p:cNvPr>
+          <p:cNvSpPr>
+            <a:spLocks noGrp="1"/>
+          </p:cNvSpPr>
+          <p:nvPr>
+            <p:ph type="title"/>
+          </p:nvPr>
+        </p:nvSpPr>
+        <p:spPr/>
+        <p:txBody>
+          <a:bodyPr/>
+          <a:lstStyle/>
+          <a:p>
+            <a:pPr algn="r"/>
+            <a:r>
+              <a:rPr lang="en-US" b="1" dirty="0"/>
+              <a:t>Select top– </a:t>
+            </a:r>
+            <a:r>
+              <a:rPr lang="he-IL" dirty="0"/>
+              <a:t>מיון רשומות </a:t>
+            </a:r>
+          </a:p>
+        </p:txBody>
+      </p:sp>
+      <p:sp>
+        <p:nvSpPr>
+          <p:cNvPr id="3" name="Content Placeholder 2">
+            <a:extLst>
+              <a:ext uri="{FF2B5EF4-FFF2-40B4-BE49-F238E27FC236}">
+                <a16:creationId xmlns:a16="http://schemas.microsoft.com/office/drawing/2014/main" id="{3E0CD643-5062-49E7-9B33-0A24A2E3AEE0}"/>
+              </a:ext>
+            </a:extLst>
+          </p:cNvPr>
+          <p:cNvSpPr>
+            <a:spLocks noGrp="1"/>
+          </p:cNvSpPr>
+          <p:nvPr>
+            <p:ph idx="1"/>
+          </p:nvPr>
+        </p:nvSpPr>
+        <p:spPr/>
+        <p:txBody>
+          <a:bodyPr>
+            <a:normAutofit/>
+          </a:bodyPr>
+          <a:lstStyle/>
+          <a:p>
+            <a:pPr algn="r" rtl="1"/>
+            <a:r>
+              <a:rPr lang="en-US" sz="1800" b="0" i="0" u="none" strike="noStrike" baseline="0" dirty="0">
+                <a:latin typeface="ArialMT"/>
+              </a:rPr>
+              <a:t>N</a:t>
+            </a:r>
+            <a:r>
+              <a:rPr lang="he-IL" sz="1800" b="0" i="0" u="none" strike="noStrike" baseline="0" dirty="0">
+                <a:latin typeface="ArialMT"/>
+              </a:rPr>
+              <a:t> מייצג מספר שלם - ניתן לבחור </a:t>
+            </a:r>
+            <a:r>
+              <a:rPr lang="en-US" sz="1800" b="0" i="0" u="none" strike="noStrike" baseline="0" dirty="0">
+                <a:latin typeface="ArialMT"/>
+              </a:rPr>
+              <a:t> </a:t>
+            </a:r>
+            <a:r>
+              <a:rPr lang="en-US" sz="1800" b="0" i="0" u="none" strike="noStrike" baseline="0" dirty="0">
+                <a:latin typeface="Arial" panose="020B0604020202020204" pitchFamily="34" charset="0"/>
+              </a:rPr>
+              <a:t>N </a:t>
+            </a:r>
+            <a:r>
+              <a:rPr lang="he-IL" sz="1800" b="0" i="0" u="none" strike="noStrike" baseline="0" dirty="0">
+                <a:latin typeface="ArialMT"/>
+              </a:rPr>
+              <a:t>רשומות עליונות מתוצאת השאילתה שהתקבלה.</a:t>
+            </a:r>
+          </a:p>
+          <a:p>
+            <a:pPr algn="r" rtl="1"/>
+            <a:r>
+              <a:rPr lang="he-IL" sz="1800" b="0" i="0" u="none" strike="noStrike" baseline="0" dirty="0">
+                <a:latin typeface="ArialMT"/>
+              </a:rPr>
+              <a:t>ל - </a:t>
+            </a:r>
+            <a:r>
+              <a:rPr lang="en-US" sz="1800" b="0" i="0" u="none" strike="noStrike" baseline="0" dirty="0">
+                <a:latin typeface="Arial" panose="020B0604020202020204" pitchFamily="34" charset="0"/>
+              </a:rPr>
+              <a:t>N </a:t>
+            </a:r>
+            <a:r>
+              <a:rPr lang="he-IL" sz="1800" b="0" i="0" u="none" strike="noStrike" baseline="0" dirty="0">
+                <a:latin typeface="Arial" panose="020B0604020202020204" pitchFamily="34" charset="0"/>
+              </a:rPr>
+              <a:t> </a:t>
+            </a:r>
+            <a:r>
+              <a:rPr lang="he-IL" sz="1800" b="0" i="0" u="none" strike="noStrike" baseline="0" dirty="0">
+                <a:latin typeface="ArialMT"/>
+              </a:rPr>
+              <a:t>יש וריאציה נוספת המאפשרת לשלוף </a:t>
+            </a:r>
+            <a:r>
+              <a:rPr lang="en-US" sz="1800" b="0" i="0" u="none" strike="noStrike" baseline="0" dirty="0">
+                <a:latin typeface="Arial" panose="020B0604020202020204" pitchFamily="34" charset="0"/>
+              </a:rPr>
+              <a:t>TOP </a:t>
+            </a:r>
+            <a:r>
+              <a:rPr lang="he-IL" sz="1800" b="0" i="0" u="none" strike="noStrike" baseline="0" dirty="0">
+                <a:latin typeface="Arial" panose="020B0604020202020204" pitchFamily="34" charset="0"/>
+              </a:rPr>
+              <a:t> </a:t>
+            </a:r>
+            <a:r>
+              <a:rPr lang="he-IL" sz="1800" b="0" i="0" u="none" strike="noStrike" baseline="0" dirty="0">
+                <a:latin typeface="ArialMT"/>
+              </a:rPr>
+              <a:t>לאופרטור מתוצאות השאילתה</a:t>
+            </a:r>
+          </a:p>
+          <a:p>
+            <a:pPr algn="r" rtl="1"/>
+            <a:r>
+              <a:rPr lang="he-IL" sz="1800" b="0" i="0" u="none" strike="noStrike" baseline="0" dirty="0">
+                <a:latin typeface="ArialMT"/>
+              </a:rPr>
+              <a:t>בדרך כלל נעשה שימוש של ה – </a:t>
+            </a:r>
+            <a:r>
+              <a:rPr lang="en-US" sz="1800" b="0" i="0" u="none" strike="noStrike" baseline="0" dirty="0">
+                <a:latin typeface="ArialMT"/>
+              </a:rPr>
+              <a:t>TOP </a:t>
+            </a:r>
+            <a:r>
+              <a:rPr lang="he-IL" sz="1800" b="0" i="0" u="none" strike="noStrike" baseline="0" dirty="0">
+                <a:latin typeface="ArialMT"/>
+              </a:rPr>
+              <a:t> בשילוב עם </a:t>
+            </a:r>
+            <a:r>
+              <a:rPr lang="en-US" sz="1800" b="0" i="0" u="none" strike="noStrike" baseline="0" dirty="0">
+                <a:latin typeface="ArialMT"/>
+              </a:rPr>
+              <a:t>Order By </a:t>
+            </a:r>
+            <a:r>
+              <a:rPr lang="he-IL" sz="1800" b="0" i="0" u="none" strike="noStrike" baseline="0" dirty="0">
+                <a:latin typeface="ArialMT"/>
+              </a:rPr>
+              <a:t> כך למשל נשלוף את עשרת המוצרים היקרים מטבלת </a:t>
+            </a:r>
+            <a:r>
+              <a:rPr lang="en-US" sz="1800" b="0" i="0" u="none" strike="noStrike" baseline="0" dirty="0">
+                <a:latin typeface="ArialMT"/>
+              </a:rPr>
+              <a:t>Products</a:t>
+            </a:r>
+            <a:endParaRPr lang="he-IL" sz="1800" b="0" i="0" u="none" strike="noStrike" baseline="0" dirty="0">
+              <a:latin typeface="ArialMT"/>
+            </a:endParaRPr>
+          </a:p>
+          <a:p>
+            <a:pPr algn="r" rtl="1"/>
+            <a:endParaRPr lang="he-IL" sz="1800" b="1" i="0" u="none" strike="noStrike" baseline="0" dirty="0">
+              <a:latin typeface="ArialMT"/>
+            </a:endParaRPr>
+          </a:p>
+        </p:txBody>
+      </p:sp>
+      <p:sp>
+        <p:nvSpPr>
+          <p:cNvPr id="4" name="Footer Placeholder 3">
+            <a:extLst>
+              <a:ext uri="{FF2B5EF4-FFF2-40B4-BE49-F238E27FC236}">
+                <a16:creationId xmlns:a16="http://schemas.microsoft.com/office/drawing/2014/main" id="{E383C24D-BEA6-474F-A840-896AD0E01479}"/>
+              </a:ext>
+            </a:extLst>
+          </p:cNvPr>
+          <p:cNvSpPr>
+            <a:spLocks noGrp="1"/>
+          </p:cNvSpPr>
+          <p:nvPr>
+            <p:ph type="ftr" sz="quarter" idx="11"/>
+          </p:nvPr>
+        </p:nvSpPr>
+        <p:spPr/>
+        <p:txBody>
+          <a:bodyPr/>
+          <a:lstStyle/>
+          <a:p>
+            <a:r>
+              <a:rPr lang="en-US"/>
+              <a:t>avidary@gmail.com  2002 (c)</a:t>
+            </a:r>
+            <a:endParaRPr lang="he-IL"/>
+          </a:p>
+        </p:txBody>
+      </p:sp>
+      <p:pic>
+        <p:nvPicPr>
+          <p:cNvPr id="6" name="Picture 5">
+            <a:extLst>
+              <a:ext uri="{FF2B5EF4-FFF2-40B4-BE49-F238E27FC236}">
+                <a16:creationId xmlns:a16="http://schemas.microsoft.com/office/drawing/2014/main" id="{DAEBEC5B-5158-4892-9C2A-56D2DAC26CA2}"/>
+              </a:ext>
+            </a:extLst>
+          </p:cNvPr>
+          <p:cNvPicPr>
+            <a:picLocks noChangeAspect="1"/>
+          </p:cNvPicPr>
+          <p:nvPr/>
+        </p:nvPicPr>
+        <p:blipFill>
+          <a:blip r:embed="rId2"/>
+          <a:stretch>
+            <a:fillRect/>
+          </a:stretch>
+        </p:blipFill>
+        <p:spPr>
+          <a:xfrm>
+            <a:off x="838200" y="2953904"/>
+            <a:ext cx="5464515" cy="3223059"/>
+          </a:xfrm>
+          <a:prstGeom prst="rect">
+            <a:avLst/>
+          </a:prstGeom>
+        </p:spPr>
+      </p:pic>
+    </p:spTree>
+    <p:extLst>
+      <p:ext uri="{BB962C8B-B14F-4D97-AF65-F5344CB8AC3E}">
+        <p14:creationId xmlns:p14="http://schemas.microsoft.com/office/powerpoint/2010/main" val="3558242607"/>
+      </p:ext>
+    </p:extLst>
+  </p:cSld>
+  <p:clrMapOvr>
+    <a:masterClrMapping/>
+  </p:clrMapOvr>
+</p:sld>
+</file>
+
+<file path=ppt/slides/slide33.xml><?xml version="1.0" encoding="utf-8"?>
+<p:sld xmlns:a="http://schemas.openxmlformats.org/drawingml/2006/main" xmlns:r="http://schemas.openxmlformats.org/officeDocument/2006/relationships" xmlns:p="http://schemas.openxmlformats.org/presentationml/2006/main">
+  <p:cSld>
+    <p:spTree>
+      <p:nvGrpSpPr>
+        <p:cNvPr id="1" name=""/>
+        <p:cNvGrpSpPr/>
+        <p:nvPr/>
+      </p:nvGrpSpPr>
+      <p:grpSpPr>
+        <a:xfrm>
+          <a:off x="0" y="0"/>
+          <a:ext cx="0" cy="0"/>
+          <a:chOff x="0" y="0"/>
+          <a:chExt cx="0" cy="0"/>
+        </a:xfrm>
+      </p:grpSpPr>
+      <p:sp>
+        <p:nvSpPr>
+          <p:cNvPr id="2" name="Title 1">
+            <a:extLst>
+              <a:ext uri="{FF2B5EF4-FFF2-40B4-BE49-F238E27FC236}">
+                <a16:creationId xmlns:a16="http://schemas.microsoft.com/office/drawing/2014/main" id="{BE5D6318-C76E-4A76-B0D4-6127F014C1EE}"/>
+              </a:ext>
+            </a:extLst>
+          </p:cNvPr>
+          <p:cNvSpPr>
+            <a:spLocks noGrp="1"/>
+          </p:cNvSpPr>
+          <p:nvPr>
+            <p:ph type="title"/>
+          </p:nvPr>
+        </p:nvSpPr>
+        <p:spPr/>
+        <p:txBody>
+          <a:bodyPr/>
+          <a:lstStyle/>
+          <a:p>
+            <a:pPr algn="r"/>
+            <a:r>
+              <a:rPr lang="he-IL" b="1" dirty="0"/>
+              <a:t>שאילתות מקוננות - </a:t>
+            </a:r>
+            <a:endParaRPr lang="he-IL" dirty="0"/>
+          </a:p>
+        </p:txBody>
+      </p:sp>
+      <p:sp>
+        <p:nvSpPr>
+          <p:cNvPr id="3" name="Content Placeholder 2">
+            <a:extLst>
+              <a:ext uri="{FF2B5EF4-FFF2-40B4-BE49-F238E27FC236}">
+                <a16:creationId xmlns:a16="http://schemas.microsoft.com/office/drawing/2014/main" id="{3E0CD643-5062-49E7-9B33-0A24A2E3AEE0}"/>
+              </a:ext>
+            </a:extLst>
+          </p:cNvPr>
+          <p:cNvSpPr>
+            <a:spLocks noGrp="1"/>
+          </p:cNvSpPr>
+          <p:nvPr>
+            <p:ph idx="1"/>
+          </p:nvPr>
+        </p:nvSpPr>
+        <p:spPr/>
+        <p:txBody>
+          <a:bodyPr>
+            <a:normAutofit/>
+          </a:bodyPr>
+          <a:lstStyle/>
+          <a:p>
+            <a:pPr algn="r" rtl="1"/>
+            <a:r>
+              <a:rPr lang="he-IL" sz="1800" b="1" dirty="0">
+                <a:latin typeface="ArialMT"/>
+              </a:rPr>
+              <a:t>שאילתת </a:t>
+            </a:r>
+            <a:r>
+              <a:rPr lang="en-US" sz="1800" b="1" dirty="0">
+                <a:latin typeface="ArialMT"/>
+              </a:rPr>
+              <a:t>SQL</a:t>
+            </a:r>
+            <a:r>
+              <a:rPr lang="he-IL" sz="1800" b="1" dirty="0">
+                <a:latin typeface="ArialMT"/>
+              </a:rPr>
+              <a:t> "הנעטפת" בשאילתה חיצונית</a:t>
+            </a:r>
+          </a:p>
+          <a:p>
+            <a:pPr algn="r" rtl="1"/>
+            <a:r>
+              <a:rPr lang="he-IL" sz="1800" b="1" i="0" u="none" strike="noStrike" baseline="0" dirty="0">
+                <a:latin typeface="ArialMT"/>
+              </a:rPr>
+              <a:t>לדוגמה.</a:t>
+            </a:r>
+          </a:p>
+        </p:txBody>
+      </p:sp>
+      <p:sp>
+        <p:nvSpPr>
+          <p:cNvPr id="4" name="Footer Placeholder 3">
+            <a:extLst>
+              <a:ext uri="{FF2B5EF4-FFF2-40B4-BE49-F238E27FC236}">
+                <a16:creationId xmlns:a16="http://schemas.microsoft.com/office/drawing/2014/main" id="{E383C24D-BEA6-474F-A840-896AD0E01479}"/>
+              </a:ext>
+            </a:extLst>
+          </p:cNvPr>
+          <p:cNvSpPr>
+            <a:spLocks noGrp="1"/>
+          </p:cNvSpPr>
+          <p:nvPr>
+            <p:ph type="ftr" sz="quarter" idx="11"/>
+          </p:nvPr>
+        </p:nvSpPr>
+        <p:spPr/>
+        <p:txBody>
+          <a:bodyPr/>
+          <a:lstStyle/>
+          <a:p>
+            <a:r>
+              <a:rPr lang="en-US"/>
+              <a:t>avidary@gmail.com  2002 (c)</a:t>
+            </a:r>
+            <a:endParaRPr lang="he-IL"/>
+          </a:p>
+        </p:txBody>
+      </p:sp>
+      <p:pic>
+        <p:nvPicPr>
+          <p:cNvPr id="7" name="Picture 6">
+            <a:extLst>
+              <a:ext uri="{FF2B5EF4-FFF2-40B4-BE49-F238E27FC236}">
+                <a16:creationId xmlns:a16="http://schemas.microsoft.com/office/drawing/2014/main" id="{B564ABF5-1093-4739-9BED-3592BF686C6C}"/>
+              </a:ext>
+            </a:extLst>
+          </p:cNvPr>
+          <p:cNvPicPr>
+            <a:picLocks noChangeAspect="1"/>
+          </p:cNvPicPr>
+          <p:nvPr/>
+        </p:nvPicPr>
+        <p:blipFill>
+          <a:blip r:embed="rId2"/>
+          <a:stretch>
+            <a:fillRect/>
+          </a:stretch>
+        </p:blipFill>
+        <p:spPr>
+          <a:xfrm>
+            <a:off x="838200" y="2688021"/>
+            <a:ext cx="7377660" cy="3488942"/>
+          </a:xfrm>
+          <a:prstGeom prst="rect">
+            <a:avLst/>
+          </a:prstGeom>
+        </p:spPr>
+      </p:pic>
+    </p:spTree>
+    <p:extLst>
+      <p:ext uri="{BB962C8B-B14F-4D97-AF65-F5344CB8AC3E}">
+        <p14:creationId xmlns:p14="http://schemas.microsoft.com/office/powerpoint/2010/main" val="1154588662"/>
+      </p:ext>
+    </p:extLst>
+  </p:cSld>
+  <p:clrMapOvr>
+    <a:masterClrMapping/>
+  </p:clrMapOvr>
+</p:sld>
+</file>
+
+<file path=ppt/slides/slide34.xml><?xml version="1.0" encoding="utf-8"?>
+<p:sld xmlns:a="http://schemas.openxmlformats.org/drawingml/2006/main" xmlns:r="http://schemas.openxmlformats.org/officeDocument/2006/relationships" xmlns:p="http://schemas.openxmlformats.org/presentationml/2006/main">
+  <p:cSld>
+    <p:spTree>
+      <p:nvGrpSpPr>
+        <p:cNvPr id="1" name=""/>
+        <p:cNvGrpSpPr/>
+        <p:nvPr/>
+      </p:nvGrpSpPr>
+      <p:grpSpPr>
+        <a:xfrm>
+          <a:off x="0" y="0"/>
+          <a:ext cx="0" cy="0"/>
+          <a:chOff x="0" y="0"/>
+          <a:chExt cx="0" cy="0"/>
+        </a:xfrm>
+      </p:grpSpPr>
+      <p:sp>
+        <p:nvSpPr>
+          <p:cNvPr id="2" name="Title 1">
+            <a:extLst>
+              <a:ext uri="{FF2B5EF4-FFF2-40B4-BE49-F238E27FC236}">
+                <a16:creationId xmlns:a16="http://schemas.microsoft.com/office/drawing/2014/main" id="{BE5D6318-C76E-4A76-B0D4-6127F014C1EE}"/>
+              </a:ext>
+            </a:extLst>
+          </p:cNvPr>
+          <p:cNvSpPr>
+            <a:spLocks noGrp="1"/>
+          </p:cNvSpPr>
+          <p:nvPr>
+            <p:ph type="title"/>
+          </p:nvPr>
+        </p:nvSpPr>
+        <p:spPr/>
+        <p:txBody>
+          <a:bodyPr/>
+          <a:lstStyle/>
+          <a:p>
+            <a:pPr algn="r"/>
+            <a:r>
+              <a:rPr lang="he-IL" b="1" dirty="0"/>
+              <a:t>עבודה עצמית</a:t>
+            </a:r>
+            <a:endParaRPr lang="he-IL" dirty="0"/>
+          </a:p>
+        </p:txBody>
+      </p:sp>
+      <p:sp>
+        <p:nvSpPr>
+          <p:cNvPr id="3" name="Content Placeholder 2">
+            <a:extLst>
+              <a:ext uri="{FF2B5EF4-FFF2-40B4-BE49-F238E27FC236}">
+                <a16:creationId xmlns:a16="http://schemas.microsoft.com/office/drawing/2014/main" id="{3E0CD643-5062-49E7-9B33-0A24A2E3AEE0}"/>
+              </a:ext>
+            </a:extLst>
+          </p:cNvPr>
+          <p:cNvSpPr>
+            <a:spLocks noGrp="1"/>
+          </p:cNvSpPr>
+          <p:nvPr>
+            <p:ph idx="1"/>
+          </p:nvPr>
+        </p:nvSpPr>
+        <p:spPr/>
+        <p:txBody>
+          <a:bodyPr>
+            <a:normAutofit/>
+          </a:bodyPr>
+          <a:lstStyle/>
+          <a:p>
+            <a:pPr marL="0" indent="0" algn="r" rtl="1">
+              <a:buNone/>
+            </a:pPr>
+            <a:r>
+              <a:rPr lang="he-IL" sz="1800" b="1" i="0" u="none" strike="noStrike" baseline="0" dirty="0">
+                <a:latin typeface="ArialMT"/>
+              </a:rPr>
+              <a:t>נא לפתור את התרגילים  (20) בעמודים 13-14 מהחומר שקיבלתם</a:t>
+            </a:r>
+          </a:p>
+          <a:p>
+            <a:pPr marL="0" indent="0" algn="r" rtl="1">
+              <a:buNone/>
+            </a:pPr>
+            <a:r>
+              <a:rPr lang="he-IL" sz="1800" b="1" dirty="0">
+                <a:latin typeface="ArialMT"/>
+              </a:rPr>
+              <a:t>שם הקובץ מבוא לבסיסי נתונים ושפת </a:t>
+            </a:r>
+            <a:r>
+              <a:rPr lang="en-US" sz="1800" b="1" dirty="0">
+                <a:latin typeface="ArialMT"/>
+              </a:rPr>
+              <a:t> </a:t>
+            </a:r>
+            <a:r>
+              <a:rPr lang="en-US" sz="1800" b="1" dirty="0" err="1">
+                <a:latin typeface="ArialMT"/>
+              </a:rPr>
+              <a:t>tsql</a:t>
+            </a:r>
+            <a:endParaRPr lang="he-IL" sz="1800" b="1" dirty="0">
+              <a:latin typeface="ArialMT"/>
+            </a:endParaRPr>
+          </a:p>
+          <a:p>
+            <a:pPr marL="0" indent="0" algn="r" rtl="1">
+              <a:buNone/>
+            </a:pPr>
+            <a:r>
+              <a:rPr lang="he-IL" sz="1800" b="1" i="0" u="none" strike="noStrike" baseline="0" dirty="0">
+                <a:latin typeface="ArialMT"/>
+              </a:rPr>
+              <a:t>בהצלחה</a:t>
+            </a:r>
+          </a:p>
+          <a:p>
+            <a:pPr marL="0" indent="0" algn="r" rtl="1">
+              <a:buNone/>
+            </a:pPr>
+            <a:endParaRPr lang="he-IL" sz="1800" b="1" dirty="0">
+              <a:latin typeface="ArialMT"/>
+            </a:endParaRPr>
+          </a:p>
+          <a:p>
+            <a:pPr marL="0" indent="0" algn="r" rtl="1">
+              <a:buNone/>
+            </a:pPr>
+            <a:endParaRPr lang="he-IL" sz="1800" b="1" i="0" u="none" strike="noStrike" baseline="0" dirty="0">
+              <a:latin typeface="ArialMT"/>
+            </a:endParaRPr>
+          </a:p>
+        </p:txBody>
+      </p:sp>
+      <p:sp>
+        <p:nvSpPr>
+          <p:cNvPr id="4" name="Footer Placeholder 3">
+            <a:extLst>
+              <a:ext uri="{FF2B5EF4-FFF2-40B4-BE49-F238E27FC236}">
+                <a16:creationId xmlns:a16="http://schemas.microsoft.com/office/drawing/2014/main" id="{E383C24D-BEA6-474F-A840-896AD0E01479}"/>
+              </a:ext>
+            </a:extLst>
+          </p:cNvPr>
+          <p:cNvSpPr>
+            <a:spLocks noGrp="1"/>
+          </p:cNvSpPr>
+          <p:nvPr>
+            <p:ph type="ftr" sz="quarter" idx="11"/>
+          </p:nvPr>
+        </p:nvSpPr>
+        <p:spPr/>
+        <p:txBody>
+          <a:bodyPr/>
+          <a:lstStyle/>
+          <a:p>
+            <a:r>
+              <a:rPr lang="en-US"/>
+              <a:t>avidary@gmail.com  2002 (c)</a:t>
+            </a:r>
+            <a:endParaRPr lang="he-IL"/>
+          </a:p>
+        </p:txBody>
+      </p:sp>
+    </p:spTree>
+    <p:extLst>
+      <p:ext uri="{BB962C8B-B14F-4D97-AF65-F5344CB8AC3E}">
+        <p14:creationId xmlns:p14="http://schemas.microsoft.com/office/powerpoint/2010/main" val="3413626741"/>
+      </p:ext>
+    </p:extLst>
+  </p:cSld>
+  <p:clrMapOvr>
+    <a:masterClrMapping/>
+  </p:clrMapOvr>
+</p:sld>
+</file>
+
+<file path=ppt/slides/slide35.xml><?xml version="1.0" encoding="utf-8"?>
+<p:sld xmlns:a="http://schemas.openxmlformats.org/drawingml/2006/main" xmlns:r="http://schemas.openxmlformats.org/officeDocument/2006/relationships" xmlns:p="http://schemas.openxmlformats.org/presentationml/2006/main">
+  <p:cSld>
+    <p:bg>
+      <p:bgPr>
+        <a:blipFill dpi="0" rotWithShape="1">
+          <a:blip r:embed="rId3">
+            <a:alphaModFix amt="68000"/>
+            <a:lum/>
+          </a:blip>
+          <a:srcRect/>
+          <a:stretch>
+            <a:fillRect/>
+          </a:stretch>
+        </a:blipFill>
+        <a:effectLst/>
+      </p:bgPr>
+    </p:bg>
+    <p:spTree>
+      <p:nvGrpSpPr>
+        <p:cNvPr id="1" name=""/>
+        <p:cNvGrpSpPr/>
+        <p:nvPr/>
+      </p:nvGrpSpPr>
+      <p:grpSpPr>
+        <a:xfrm>
+          <a:off x="0" y="0"/>
+          <a:ext cx="0" cy="0"/>
+          <a:chOff x="0" y="0"/>
+          <a:chExt cx="0" cy="0"/>
+        </a:xfrm>
+      </p:grpSpPr>
+      <p:sp>
+        <p:nvSpPr>
+          <p:cNvPr id="2" name="Title 1">
+            <a:extLst>
+              <a:ext uri="{FF2B5EF4-FFF2-40B4-BE49-F238E27FC236}">
+                <a16:creationId xmlns:a16="http://schemas.microsoft.com/office/drawing/2014/main" id="{BE5D6318-C76E-4A76-B0D4-6127F014C1EE}"/>
+              </a:ext>
+            </a:extLst>
+          </p:cNvPr>
+          <p:cNvSpPr>
+            <a:spLocks noGrp="1"/>
+          </p:cNvSpPr>
+          <p:nvPr>
+            <p:ph type="title"/>
+          </p:nvPr>
+        </p:nvSpPr>
+        <p:spPr/>
+        <p:txBody>
+          <a:bodyPr>
+            <a:normAutofit/>
+          </a:bodyPr>
+          <a:lstStyle/>
+          <a:p>
+            <a:pPr algn="r"/>
+            <a:r>
+              <a:rPr lang="he-IL" b="1" i="0" u="none" strike="noStrike" baseline="0" dirty="0">
+                <a:latin typeface="Arial-BoldMT"/>
+              </a:rPr>
+              <a:t>פונקציות </a:t>
+            </a:r>
+            <a:r>
+              <a:rPr lang="he-IL" b="1" i="0" u="none" strike="noStrike" baseline="0" dirty="0" err="1">
+                <a:latin typeface="Arial-BoldMT"/>
+              </a:rPr>
+              <a:t>סקלאריות</a:t>
+            </a:r>
+            <a:endParaRPr lang="he-IL" dirty="0"/>
+          </a:p>
+        </p:txBody>
+      </p:sp>
+      <p:sp>
+        <p:nvSpPr>
+          <p:cNvPr id="3" name="Content Placeholder 2">
+            <a:extLst>
+              <a:ext uri="{FF2B5EF4-FFF2-40B4-BE49-F238E27FC236}">
+                <a16:creationId xmlns:a16="http://schemas.microsoft.com/office/drawing/2014/main" id="{3E0CD643-5062-49E7-9B33-0A24A2E3AEE0}"/>
+              </a:ext>
+            </a:extLst>
+          </p:cNvPr>
+          <p:cNvSpPr>
+            <a:spLocks noGrp="1"/>
+          </p:cNvSpPr>
+          <p:nvPr>
+            <p:ph idx="1"/>
+          </p:nvPr>
+        </p:nvSpPr>
+        <p:spPr/>
+        <p:txBody>
+          <a:bodyPr>
+            <a:normAutofit/>
+          </a:bodyPr>
+          <a:lstStyle/>
+          <a:p>
+            <a:pPr algn="r" rtl="1"/>
+            <a:r>
+              <a:rPr lang="he-IL" sz="1800" b="1" i="0" u="none" strike="noStrike" baseline="0" dirty="0">
+                <a:latin typeface="ArialMT"/>
+              </a:rPr>
+              <a:t>פונקציות המאפשרות שימוש בפונקציות תכנות בשפת ה – </a:t>
+            </a:r>
+            <a:r>
+              <a:rPr lang="en-US" sz="1800" b="1" i="0" u="none" strike="noStrike" baseline="0" dirty="0">
+                <a:latin typeface="ArialMT"/>
+              </a:rPr>
+              <a:t>SQL .</a:t>
+            </a:r>
+          </a:p>
+          <a:p>
+            <a:pPr algn="r" rtl="1"/>
+            <a:r>
+              <a:rPr lang="he-IL" sz="1800" b="1" i="0" u="none" strike="noStrike" baseline="0" dirty="0">
+                <a:latin typeface="ArialMT"/>
+              </a:rPr>
+              <a:t>הן פועלות ברמת השורה ונחלקות לסוגים שונים :</a:t>
+            </a:r>
+          </a:p>
+          <a:p>
+            <a:pPr algn="r" rtl="1"/>
+            <a:r>
+              <a:rPr lang="he-IL" sz="1800" b="1" i="0" u="none" strike="noStrike" baseline="0" dirty="0">
+                <a:latin typeface="ArialMT"/>
+              </a:rPr>
+              <a:t>פונקציות מתמטיות</a:t>
+            </a:r>
+          </a:p>
+          <a:p>
+            <a:pPr algn="r" rtl="1"/>
+            <a:r>
+              <a:rPr lang="he-IL" sz="1800" b="1" i="0" u="none" strike="noStrike" baseline="0" dirty="0">
+                <a:latin typeface="ArialMT"/>
+              </a:rPr>
+              <a:t>פונקציות </a:t>
+            </a:r>
+            <a:r>
+              <a:rPr lang="he-IL" sz="1800" b="1" i="0" u="none" strike="noStrike" baseline="0" dirty="0" err="1">
+                <a:latin typeface="ArialMT"/>
+              </a:rPr>
+              <a:t>מחרוזתיות</a:t>
+            </a:r>
+            <a:endParaRPr lang="he-IL" sz="1800" b="1" i="0" u="none" strike="noStrike" baseline="0" dirty="0">
+              <a:latin typeface="ArialMT"/>
+            </a:endParaRPr>
+          </a:p>
+          <a:p>
+            <a:pPr algn="r" rtl="1"/>
+            <a:r>
+              <a:rPr lang="he-IL" sz="1800" b="1" i="0" u="none" strike="noStrike" baseline="0" dirty="0">
+                <a:latin typeface="ArialMT"/>
+              </a:rPr>
+              <a:t>פונקציות תאריכים</a:t>
+            </a:r>
+          </a:p>
+          <a:p>
+            <a:pPr algn="r" rtl="1"/>
+            <a:r>
+              <a:rPr lang="he-IL" sz="1800" b="1" i="0" u="none" strike="noStrike" baseline="0" dirty="0">
+                <a:latin typeface="ArialMT"/>
+              </a:rPr>
+              <a:t>פונקציות המרה</a:t>
+            </a:r>
+          </a:p>
+          <a:p>
+            <a:pPr algn="r" rtl="1"/>
+            <a:r>
+              <a:rPr lang="he-IL" sz="1800" b="1" i="0" u="none" strike="noStrike" baseline="0" dirty="0">
+                <a:latin typeface="ArialMT"/>
+              </a:rPr>
+              <a:t>פונקציות </a:t>
+            </a:r>
+            <a:r>
+              <a:rPr lang="en-US" sz="1800" b="1" i="0" u="none" strike="noStrike" baseline="0" dirty="0">
+                <a:latin typeface="ArialMT"/>
+              </a:rPr>
+              <a:t>IS NULL</a:t>
+            </a:r>
+          </a:p>
+          <a:p>
+            <a:pPr algn="r" rtl="1"/>
+            <a:r>
+              <a:rPr lang="he-IL" sz="1800" b="1" i="0" u="none" strike="noStrike" baseline="0" dirty="0">
+                <a:latin typeface="ArialMT"/>
+              </a:rPr>
+              <a:t>ניתן להשתמש בפונקציות אלה במשפטי ה- </a:t>
+            </a:r>
+            <a:r>
+              <a:rPr lang="en-US" sz="1800" b="1" i="0" u="none" strike="noStrike" baseline="0" dirty="0">
+                <a:latin typeface="ArialMT"/>
+              </a:rPr>
+              <a:t> select , order by </a:t>
+            </a:r>
+            <a:r>
+              <a:rPr lang="he-IL" sz="1800" b="1" i="0" u="none" strike="noStrike" baseline="0" dirty="0" err="1">
+                <a:latin typeface="ArialMT"/>
+              </a:rPr>
+              <a:t>וה</a:t>
+            </a:r>
+            <a:r>
+              <a:rPr lang="he-IL" sz="1800" b="1" i="0" u="none" strike="noStrike" baseline="0" dirty="0">
+                <a:latin typeface="ArialMT"/>
+              </a:rPr>
+              <a:t> – </a:t>
+            </a:r>
+            <a:r>
+              <a:rPr lang="en-US" sz="1800" b="1" i="0" u="none" strike="noStrike" baseline="0" dirty="0">
+                <a:latin typeface="ArialMT"/>
+              </a:rPr>
+              <a:t>where</a:t>
+            </a:r>
+            <a:endParaRPr lang="he-IL" sz="1800" b="1" i="0" u="none" strike="noStrike" baseline="0" dirty="0">
+              <a:latin typeface="ArialMT"/>
+            </a:endParaRPr>
+          </a:p>
+        </p:txBody>
+      </p:sp>
+      <p:sp>
+        <p:nvSpPr>
+          <p:cNvPr id="4" name="Footer Placeholder 3">
+            <a:extLst>
+              <a:ext uri="{FF2B5EF4-FFF2-40B4-BE49-F238E27FC236}">
+                <a16:creationId xmlns:a16="http://schemas.microsoft.com/office/drawing/2014/main" id="{E383C24D-BEA6-474F-A840-896AD0E01479}"/>
+              </a:ext>
+            </a:extLst>
+          </p:cNvPr>
+          <p:cNvSpPr>
+            <a:spLocks noGrp="1"/>
+          </p:cNvSpPr>
+          <p:nvPr>
+            <p:ph type="ftr" sz="quarter" idx="11"/>
+          </p:nvPr>
+        </p:nvSpPr>
+        <p:spPr/>
+        <p:txBody>
+          <a:bodyPr/>
+          <a:lstStyle/>
+          <a:p>
+            <a:r>
+              <a:rPr lang="en-US"/>
+              <a:t>avidary@gmail.com  2002 (c)</a:t>
+            </a:r>
+            <a:endParaRPr lang="he-IL"/>
+          </a:p>
+        </p:txBody>
+      </p:sp>
+    </p:spTree>
+    <p:extLst>
+      <p:ext uri="{BB962C8B-B14F-4D97-AF65-F5344CB8AC3E}">
+        <p14:creationId xmlns:p14="http://schemas.microsoft.com/office/powerpoint/2010/main" val="290585454"/>
+      </p:ext>
+    </p:extLst>
+  </p:cSld>
+  <p:clrMapOvr>
+    <a:overrideClrMapping bg1="lt1" tx1="dk1" bg2="lt2" tx2="dk2" accent1="accent1" accent2="accent2" accent3="accent3" accent4="accent4" accent5="accent5" accent6="accent6" hlink="hlink" folHlink="folHlink"/>
+  </p:clrMapOvr>
+</p:sld>
+</file>
+
+<file path=ppt/slides/slide36.xml><?xml version="1.0" encoding="utf-8"?>
+<p:sld xmlns:a="http://schemas.openxmlformats.org/drawingml/2006/main" xmlns:r="http://schemas.openxmlformats.org/officeDocument/2006/relationships" xmlns:p="http://schemas.openxmlformats.org/presentationml/2006/main">
+  <p:cSld>
+    <p:bg>
+      <p:bgPr>
+        <a:blipFill dpi="0" rotWithShape="1">
+          <a:blip r:embed="rId3">
+            <a:alphaModFix amt="68000"/>
+            <a:lum/>
+          </a:blip>
+          <a:srcRect/>
+          <a:stretch>
+            <a:fillRect/>
+          </a:stretch>
+        </a:blipFill>
+        <a:effectLst/>
+      </p:bgPr>
+    </p:bg>
+    <p:spTree>
+      <p:nvGrpSpPr>
+        <p:cNvPr id="1" name=""/>
+        <p:cNvGrpSpPr/>
+        <p:nvPr/>
+      </p:nvGrpSpPr>
+      <p:grpSpPr>
+        <a:xfrm>
+          <a:off x="0" y="0"/>
+          <a:ext cx="0" cy="0"/>
+          <a:chOff x="0" y="0"/>
+          <a:chExt cx="0" cy="0"/>
+        </a:xfrm>
+      </p:grpSpPr>
+      <p:sp>
+        <p:nvSpPr>
+          <p:cNvPr id="2" name="Title 1">
+            <a:extLst>
+              <a:ext uri="{FF2B5EF4-FFF2-40B4-BE49-F238E27FC236}">
+                <a16:creationId xmlns:a16="http://schemas.microsoft.com/office/drawing/2014/main" id="{BE5D6318-C76E-4A76-B0D4-6127F014C1EE}"/>
+              </a:ext>
+            </a:extLst>
+          </p:cNvPr>
+          <p:cNvSpPr>
+            <a:spLocks noGrp="1"/>
+          </p:cNvSpPr>
+          <p:nvPr>
+            <p:ph type="title"/>
+          </p:nvPr>
+        </p:nvSpPr>
+        <p:spPr/>
+        <p:txBody>
+          <a:bodyPr>
+            <a:normAutofit/>
+          </a:bodyPr>
+          <a:lstStyle/>
+          <a:p>
+            <a:pPr algn="r"/>
+            <a:r>
+              <a:rPr lang="he-IL" b="1" i="0" u="none" strike="noStrike" baseline="0" dirty="0">
+                <a:latin typeface="Arial-BoldMT"/>
+              </a:rPr>
+              <a:t>פונקציות </a:t>
+            </a:r>
+            <a:r>
+              <a:rPr lang="he-IL" b="1" i="0" u="none" strike="noStrike" baseline="0" dirty="0" err="1">
+                <a:latin typeface="Arial-BoldMT"/>
+              </a:rPr>
+              <a:t>סקלאריות</a:t>
+            </a:r>
+            <a:r>
+              <a:rPr lang="he-IL" b="1" i="0" u="none" strike="noStrike" baseline="0" dirty="0">
+                <a:latin typeface="Arial-BoldMT"/>
+              </a:rPr>
+              <a:t> – הרחבת ידע</a:t>
+            </a:r>
+            <a:endParaRPr lang="he-IL" dirty="0"/>
+          </a:p>
+        </p:txBody>
+      </p:sp>
+      <p:sp>
+        <p:nvSpPr>
+          <p:cNvPr id="3" name="Content Placeholder 2">
+            <a:extLst>
+              <a:ext uri="{FF2B5EF4-FFF2-40B4-BE49-F238E27FC236}">
+                <a16:creationId xmlns:a16="http://schemas.microsoft.com/office/drawing/2014/main" id="{3E0CD643-5062-49E7-9B33-0A24A2E3AEE0}"/>
+              </a:ext>
+            </a:extLst>
+          </p:cNvPr>
+          <p:cNvSpPr>
+            <a:spLocks noGrp="1"/>
+          </p:cNvSpPr>
+          <p:nvPr>
+            <p:ph idx="1"/>
+          </p:nvPr>
+        </p:nvSpPr>
+        <p:spPr/>
+        <p:txBody>
+          <a:bodyPr>
+            <a:normAutofit/>
+          </a:bodyPr>
+          <a:lstStyle/>
+          <a:p>
+            <a:pPr algn="r" rtl="1"/>
+            <a:r>
+              <a:rPr lang="he-IL" sz="1800" b="1" i="0" u="none" strike="noStrike" baseline="0" dirty="0">
+                <a:latin typeface="ArialMT"/>
+              </a:rPr>
+              <a:t>פונקציות המאפשרות שימוש בפונקציות תכנות בשפת ה – </a:t>
+            </a:r>
+            <a:r>
+              <a:rPr lang="en-US" sz="1800" b="1" i="0" u="none" strike="noStrike" baseline="0" dirty="0">
+                <a:latin typeface="ArialMT"/>
+              </a:rPr>
+              <a:t>SQL .</a:t>
+            </a:r>
+          </a:p>
+          <a:p>
+            <a:pPr algn="r" rtl="1"/>
+            <a:r>
+              <a:rPr lang="he-IL" sz="1800" b="1" i="0" u="none" strike="noStrike" baseline="0" dirty="0">
+                <a:latin typeface="ArialMT"/>
+              </a:rPr>
+              <a:t>הן פועלות ברמת השורה ונחלקות לסוגים שונים :</a:t>
+            </a:r>
+          </a:p>
+          <a:p>
+            <a:pPr algn="r" rtl="1"/>
+            <a:r>
+              <a:rPr lang="he-IL" sz="1800" b="1" i="0" u="none" strike="noStrike" baseline="0" dirty="0">
+                <a:latin typeface="ArialMT"/>
+              </a:rPr>
+              <a:t>פונקציות מתמטיות</a:t>
+            </a:r>
+          </a:p>
+          <a:p>
+            <a:pPr algn="r" rtl="1"/>
+            <a:r>
+              <a:rPr lang="he-IL" sz="1800" b="1" i="0" u="none" strike="noStrike" baseline="0" dirty="0">
+                <a:latin typeface="ArialMT"/>
+              </a:rPr>
+              <a:t>פונקציות </a:t>
+            </a:r>
+            <a:r>
+              <a:rPr lang="he-IL" sz="1800" b="1" i="0" u="none" strike="noStrike" baseline="0" dirty="0" err="1">
+                <a:latin typeface="ArialMT"/>
+              </a:rPr>
+              <a:t>מחרוזתיות</a:t>
+            </a:r>
+            <a:endParaRPr lang="he-IL" sz="1800" b="1" i="0" u="none" strike="noStrike" baseline="0" dirty="0">
+              <a:latin typeface="ArialMT"/>
+            </a:endParaRPr>
+          </a:p>
+          <a:p>
+            <a:pPr algn="r" rtl="1"/>
+            <a:r>
+              <a:rPr lang="he-IL" sz="1800" b="1" i="0" u="none" strike="noStrike" baseline="0" dirty="0">
+                <a:latin typeface="ArialMT"/>
+              </a:rPr>
+              <a:t>פונקציות תאריכים</a:t>
+            </a:r>
+          </a:p>
+          <a:p>
+            <a:pPr algn="r" rtl="1"/>
+            <a:r>
+              <a:rPr lang="he-IL" sz="1800" b="1" i="0" u="none" strike="noStrike" baseline="0" dirty="0">
+                <a:latin typeface="ArialMT"/>
+              </a:rPr>
+              <a:t>פונקציות המרה</a:t>
+            </a:r>
+          </a:p>
+          <a:p>
+            <a:pPr algn="r" rtl="1"/>
+            <a:r>
+              <a:rPr lang="he-IL" sz="1800" b="1" i="0" u="none" strike="noStrike" baseline="0" dirty="0">
+                <a:latin typeface="ArialMT"/>
+              </a:rPr>
+              <a:t>פונקציות </a:t>
+            </a:r>
+            <a:r>
+              <a:rPr lang="en-US" sz="1800" b="1" i="0" u="none" strike="noStrike" baseline="0" dirty="0">
+                <a:latin typeface="ArialMT"/>
+              </a:rPr>
+              <a:t>IS NULL</a:t>
+            </a:r>
+          </a:p>
+          <a:p>
+            <a:pPr algn="r" rtl="1"/>
+            <a:r>
+              <a:rPr lang="he-IL" sz="1800" b="1" i="0" u="none" strike="noStrike" baseline="0" dirty="0">
+                <a:latin typeface="ArialMT"/>
+              </a:rPr>
+              <a:t>ניתן להשתמש בפונקציות אלה במשפטי ה- </a:t>
+            </a:r>
+            <a:r>
+              <a:rPr lang="en-US" sz="1800" b="1" i="0" u="none" strike="noStrike" baseline="0" dirty="0">
+                <a:latin typeface="ArialMT"/>
+              </a:rPr>
+              <a:t> select , order by </a:t>
+            </a:r>
+            <a:r>
+              <a:rPr lang="he-IL" sz="1800" b="1" i="0" u="none" strike="noStrike" baseline="0" dirty="0" err="1">
+                <a:latin typeface="ArialMT"/>
+              </a:rPr>
+              <a:t>וה</a:t>
+            </a:r>
+            <a:r>
+              <a:rPr lang="he-IL" sz="1800" b="1" i="0" u="none" strike="noStrike" baseline="0" dirty="0">
+                <a:latin typeface="ArialMT"/>
+              </a:rPr>
+              <a:t> – </a:t>
+            </a:r>
+            <a:r>
+              <a:rPr lang="en-US" sz="1800" b="1" i="0" u="none" strike="noStrike" baseline="0" dirty="0">
+                <a:latin typeface="ArialMT"/>
+              </a:rPr>
+              <a:t>where</a:t>
+            </a:r>
+            <a:endParaRPr lang="he-IL" sz="1800" b="1" i="0" u="none" strike="noStrike" baseline="0" dirty="0">
+              <a:latin typeface="ArialMT"/>
+            </a:endParaRPr>
+          </a:p>
+          <a:p>
+            <a:pPr algn="r" rtl="1"/>
+            <a:r>
+              <a:rPr lang="he-IL" sz="1800" b="1" dirty="0">
+                <a:latin typeface="ArialMT"/>
+              </a:rPr>
+              <a:t>תוכלו למצוא המון חומר ודוגמאות באינטרנט ובמסמך של הקורס</a:t>
+            </a:r>
+            <a:endParaRPr lang="he-IL" sz="1800" b="1" i="0" u="none" strike="noStrike" baseline="0" dirty="0">
+              <a:latin typeface="ArialMT"/>
+            </a:endParaRPr>
+          </a:p>
+        </p:txBody>
+      </p:sp>
+      <p:sp>
+        <p:nvSpPr>
+          <p:cNvPr id="4" name="Footer Placeholder 3">
+            <a:extLst>
+              <a:ext uri="{FF2B5EF4-FFF2-40B4-BE49-F238E27FC236}">
+                <a16:creationId xmlns:a16="http://schemas.microsoft.com/office/drawing/2014/main" id="{E383C24D-BEA6-474F-A840-896AD0E01479}"/>
+              </a:ext>
+            </a:extLst>
+          </p:cNvPr>
+          <p:cNvSpPr>
+            <a:spLocks noGrp="1"/>
+          </p:cNvSpPr>
+          <p:nvPr>
+            <p:ph type="ftr" sz="quarter" idx="11"/>
+          </p:nvPr>
+        </p:nvSpPr>
+        <p:spPr/>
+        <p:txBody>
+          <a:bodyPr/>
+          <a:lstStyle/>
+          <a:p>
+            <a:r>
+              <a:rPr lang="en-US"/>
+              <a:t>avidary@gmail.com  2002 (c)</a:t>
+            </a:r>
+            <a:endParaRPr lang="he-IL"/>
+          </a:p>
+        </p:txBody>
+      </p:sp>
+    </p:spTree>
+    <p:extLst>
+      <p:ext uri="{BB962C8B-B14F-4D97-AF65-F5344CB8AC3E}">
+        <p14:creationId xmlns:p14="http://schemas.microsoft.com/office/powerpoint/2010/main" val="2008715323"/>
+      </p:ext>
+    </p:extLst>
+  </p:cSld>
+  <p:clrMapOvr>
+    <a:overrideClrMapping bg1="lt1" tx1="dk1" bg2="lt2" tx2="dk2" accent1="accent1" accent2="accent2" accent3="accent3" accent4="accent4" accent5="accent5" accent6="accent6" hlink="hlink" folHlink="folHlink"/>
+  </p:clrMapOvr>
+</p:sld>
+</file>
+
+<file path=ppt/slides/slide37.xml><?xml version="1.0" encoding="utf-8"?>
+<p:sld xmlns:a="http://schemas.openxmlformats.org/drawingml/2006/main" xmlns:r="http://schemas.openxmlformats.org/officeDocument/2006/relationships" xmlns:p="http://schemas.openxmlformats.org/presentationml/2006/main">
+  <p:cSld>
+    <p:bg>
+      <p:bgPr>
+        <a:blipFill dpi="0" rotWithShape="1">
+          <a:blip r:embed="rId3">
+            <a:alphaModFix amt="68000"/>
+            <a:lum/>
+          </a:blip>
+          <a:srcRect/>
+          <a:stretch>
+            <a:fillRect/>
+          </a:stretch>
+        </a:blipFill>
+        <a:effectLst/>
+      </p:bgPr>
+    </p:bg>
+    <p:spTree>
+      <p:nvGrpSpPr>
+        <p:cNvPr id="1" name=""/>
+        <p:cNvGrpSpPr/>
+        <p:nvPr/>
+      </p:nvGrpSpPr>
+      <p:grpSpPr>
+        <a:xfrm>
+          <a:off x="0" y="0"/>
+          <a:ext cx="0" cy="0"/>
+          <a:chOff x="0" y="0"/>
+          <a:chExt cx="0" cy="0"/>
+        </a:xfrm>
+      </p:grpSpPr>
+      <p:sp>
+        <p:nvSpPr>
+          <p:cNvPr id="2" name="Title 1">
+            <a:extLst>
+              <a:ext uri="{FF2B5EF4-FFF2-40B4-BE49-F238E27FC236}">
+                <a16:creationId xmlns:a16="http://schemas.microsoft.com/office/drawing/2014/main" id="{BE5D6318-C76E-4A76-B0D4-6127F014C1EE}"/>
+              </a:ext>
+            </a:extLst>
+          </p:cNvPr>
+          <p:cNvSpPr>
+            <a:spLocks noGrp="1"/>
+          </p:cNvSpPr>
+          <p:nvPr>
+            <p:ph type="title"/>
+          </p:nvPr>
+        </p:nvSpPr>
+        <p:spPr/>
+        <p:txBody>
+          <a:bodyPr>
+            <a:normAutofit/>
+          </a:bodyPr>
+          <a:lstStyle/>
+          <a:p>
+            <a:pPr algn="r"/>
+            <a:r>
+              <a:rPr lang="he-IL" b="1" i="0" u="none" strike="noStrike" baseline="0" dirty="0">
+                <a:latin typeface="Arial-BoldMT"/>
+              </a:rPr>
+              <a:t> - שילוב נתונים ממספר טבלאות</a:t>
+            </a:r>
+            <a:r>
+              <a:rPr lang="en-US" b="1" i="0" u="none" strike="noStrike" baseline="0" dirty="0">
+                <a:latin typeface="Arial-BoldMT"/>
+              </a:rPr>
+              <a:t>Join</a:t>
+            </a:r>
+            <a:endParaRPr lang="he-IL" dirty="0"/>
+          </a:p>
+        </p:txBody>
+      </p:sp>
+      <p:sp>
+        <p:nvSpPr>
+          <p:cNvPr id="3" name="Content Placeholder 2">
+            <a:extLst>
+              <a:ext uri="{FF2B5EF4-FFF2-40B4-BE49-F238E27FC236}">
+                <a16:creationId xmlns:a16="http://schemas.microsoft.com/office/drawing/2014/main" id="{3E0CD643-5062-49E7-9B33-0A24A2E3AEE0}"/>
+              </a:ext>
+            </a:extLst>
+          </p:cNvPr>
+          <p:cNvSpPr>
+            <a:spLocks noGrp="1"/>
+          </p:cNvSpPr>
+          <p:nvPr>
+            <p:ph idx="1"/>
+          </p:nvPr>
+        </p:nvSpPr>
+        <p:spPr/>
+        <p:txBody>
+          <a:bodyPr>
+            <a:normAutofit/>
+          </a:bodyPr>
+          <a:lstStyle/>
+          <a:p>
+            <a:pPr algn="r" rtl="1"/>
+            <a:r>
+              <a:rPr lang="he-IL" sz="1800" b="1" i="0" u="none" strike="noStrike" baseline="0" dirty="0">
+                <a:latin typeface="ArialMT"/>
+              </a:rPr>
+              <a:t>כינויים לטבלאות</a:t>
+            </a:r>
+          </a:p>
+          <a:p>
+            <a:pPr algn="r" rtl="1"/>
+            <a:r>
+              <a:rPr lang="he-IL" sz="1800" b="1" i="0" u="none" strike="noStrike" baseline="0" dirty="0">
+                <a:latin typeface="ArialMT"/>
+              </a:rPr>
+              <a:t>כינויים לטבלאות מייעלים את נוחות הכתיבה ואת הקריאות של שאילתות בעיקר ב </a:t>
+            </a:r>
+            <a:r>
+              <a:rPr lang="en-US" sz="1800" b="1" i="0" u="none" strike="noStrike" baseline="0" dirty="0">
+                <a:latin typeface="ArialMT"/>
+              </a:rPr>
+              <a:t>JOIN </a:t>
+            </a:r>
+            <a:r>
+              <a:rPr lang="he-IL" sz="1800" b="1" i="0" u="none" strike="noStrike" baseline="0" dirty="0">
+                <a:latin typeface="ArialMT"/>
+              </a:rPr>
+              <a:t> , במקום לכתוב אחרי כל עמודה ועמודה שם טבלה מלא (דבר שעלול להיות מאוד ארוך ומסורבל) נשתמש בכינויים.</a:t>
+            </a:r>
+          </a:p>
+          <a:p>
+            <a:pPr algn="r" rtl="1"/>
+            <a:endParaRPr lang="he-IL" sz="1800" b="1" i="0" u="none" strike="noStrike" baseline="0" dirty="0">
+              <a:latin typeface="ArialMT"/>
+            </a:endParaRPr>
+          </a:p>
+        </p:txBody>
+      </p:sp>
+      <p:sp>
+        <p:nvSpPr>
+          <p:cNvPr id="4" name="Footer Placeholder 3">
+            <a:extLst>
+              <a:ext uri="{FF2B5EF4-FFF2-40B4-BE49-F238E27FC236}">
+                <a16:creationId xmlns:a16="http://schemas.microsoft.com/office/drawing/2014/main" id="{E383C24D-BEA6-474F-A840-896AD0E01479}"/>
+              </a:ext>
+            </a:extLst>
+          </p:cNvPr>
+          <p:cNvSpPr>
+            <a:spLocks noGrp="1"/>
+          </p:cNvSpPr>
+          <p:nvPr>
+            <p:ph type="ftr" sz="quarter" idx="11"/>
+          </p:nvPr>
+        </p:nvSpPr>
+        <p:spPr/>
+        <p:txBody>
+          <a:bodyPr/>
+          <a:lstStyle/>
+          <a:p>
+            <a:r>
+              <a:rPr lang="en-US"/>
+              <a:t>avidary@gmail.com  2002 (c)</a:t>
+            </a:r>
+            <a:endParaRPr lang="he-IL"/>
+          </a:p>
+        </p:txBody>
+      </p:sp>
+      <p:pic>
+        <p:nvPicPr>
+          <p:cNvPr id="6" name="Picture 5">
+            <a:extLst>
+              <a:ext uri="{FF2B5EF4-FFF2-40B4-BE49-F238E27FC236}">
+                <a16:creationId xmlns:a16="http://schemas.microsoft.com/office/drawing/2014/main" id="{E6B0E13F-FA8A-4EDF-939B-D439E5F09878}"/>
+              </a:ext>
+            </a:extLst>
+          </p:cNvPr>
+          <p:cNvPicPr>
+            <a:picLocks noChangeAspect="1"/>
+          </p:cNvPicPr>
+          <p:nvPr/>
+        </p:nvPicPr>
+        <p:blipFill>
+          <a:blip r:embed="rId4"/>
+          <a:stretch>
+            <a:fillRect/>
+          </a:stretch>
+        </p:blipFill>
+        <p:spPr>
+          <a:xfrm>
+            <a:off x="838200" y="2739541"/>
+            <a:ext cx="4797972" cy="3437422"/>
+          </a:xfrm>
+          <a:prstGeom prst="rect">
+            <a:avLst/>
+          </a:prstGeom>
+        </p:spPr>
+      </p:pic>
+      <p:pic>
+        <p:nvPicPr>
+          <p:cNvPr id="8" name="Picture 7">
+            <a:extLst>
+              <a:ext uri="{FF2B5EF4-FFF2-40B4-BE49-F238E27FC236}">
+                <a16:creationId xmlns:a16="http://schemas.microsoft.com/office/drawing/2014/main" id="{51F12BCA-80D9-47A9-B73B-D0399A00E75D}"/>
+              </a:ext>
+            </a:extLst>
+          </p:cNvPr>
+          <p:cNvPicPr>
+            <a:picLocks noChangeAspect="1"/>
+          </p:cNvPicPr>
+          <p:nvPr/>
+        </p:nvPicPr>
+        <p:blipFill>
+          <a:blip r:embed="rId5"/>
+          <a:stretch>
+            <a:fillRect/>
+          </a:stretch>
+        </p:blipFill>
+        <p:spPr>
+          <a:xfrm>
+            <a:off x="5738648" y="2762048"/>
+            <a:ext cx="6264166" cy="2171812"/>
+          </a:xfrm>
+          <a:prstGeom prst="rect">
+            <a:avLst/>
+          </a:prstGeom>
+        </p:spPr>
+      </p:pic>
+    </p:spTree>
+    <p:extLst>
+      <p:ext uri="{BB962C8B-B14F-4D97-AF65-F5344CB8AC3E}">
+        <p14:creationId xmlns:p14="http://schemas.microsoft.com/office/powerpoint/2010/main" val="1703480850"/>
+      </p:ext>
+    </p:extLst>
+  </p:cSld>
+  <p:clrMapOvr>
+    <a:overrideClrMapping bg1="lt1" tx1="dk1" bg2="lt2" tx2="dk2" accent1="accent1" accent2="accent2" accent3="accent3" accent4="accent4" accent5="accent5" accent6="accent6" hlink="hlink" folHlink="folHlink"/>
+  </p:clrMapOvr>
+</p:sld>
+</file>
+
+<file path=ppt/slides/slide38.xml><?xml version="1.0" encoding="utf-8"?>
+<p:sld xmlns:a="http://schemas.openxmlformats.org/drawingml/2006/main" xmlns:r="http://schemas.openxmlformats.org/officeDocument/2006/relationships" xmlns:p="http://schemas.openxmlformats.org/presentationml/2006/main">
+  <p:cSld>
+    <p:bg>
+      <p:bgPr>
+        <a:blipFill dpi="0" rotWithShape="1">
+          <a:blip r:embed="rId3">
+            <a:alphaModFix amt="68000"/>
+            <a:lum/>
+          </a:blip>
+          <a:srcRect/>
+          <a:stretch>
+            <a:fillRect/>
+          </a:stretch>
+        </a:blipFill>
+        <a:effectLst/>
+      </p:bgPr>
+    </p:bg>
+    <p:spTree>
+      <p:nvGrpSpPr>
+        <p:cNvPr id="1" name=""/>
+        <p:cNvGrpSpPr/>
+        <p:nvPr/>
+      </p:nvGrpSpPr>
+      <p:grpSpPr>
+        <a:xfrm>
+          <a:off x="0" y="0"/>
+          <a:ext cx="0" cy="0"/>
+          <a:chOff x="0" y="0"/>
+          <a:chExt cx="0" cy="0"/>
+        </a:xfrm>
+      </p:grpSpPr>
+      <p:sp>
+        <p:nvSpPr>
+          <p:cNvPr id="2" name="Title 1">
+            <a:extLst>
+              <a:ext uri="{FF2B5EF4-FFF2-40B4-BE49-F238E27FC236}">
+                <a16:creationId xmlns:a16="http://schemas.microsoft.com/office/drawing/2014/main" id="{BE5D6318-C76E-4A76-B0D4-6127F014C1EE}"/>
+              </a:ext>
+            </a:extLst>
+          </p:cNvPr>
+          <p:cNvSpPr>
+            <a:spLocks noGrp="1"/>
+          </p:cNvSpPr>
+          <p:nvPr>
+            <p:ph type="title"/>
+          </p:nvPr>
+        </p:nvSpPr>
+        <p:spPr/>
+        <p:txBody>
+          <a:bodyPr>
+            <a:normAutofit/>
+          </a:bodyPr>
+          <a:lstStyle/>
+          <a:p>
+            <a:pPr algn="r"/>
+            <a:r>
+              <a:rPr lang="he-IL" b="1" i="0" u="none" strike="noStrike" baseline="0" dirty="0">
+                <a:latin typeface="Arial-BoldMT"/>
+              </a:rPr>
+              <a:t> - מבנה השאילתה</a:t>
+            </a:r>
+            <a:r>
+              <a:rPr lang="en-US" b="1" i="0" u="none" strike="noStrike" baseline="0" dirty="0">
+                <a:latin typeface="Arial-BoldMT"/>
+              </a:rPr>
+              <a:t>Join</a:t>
+            </a:r>
+            <a:endParaRPr lang="he-IL" dirty="0"/>
+          </a:p>
+        </p:txBody>
+      </p:sp>
+      <p:sp>
+        <p:nvSpPr>
+          <p:cNvPr id="3" name="Content Placeholder 2">
+            <a:extLst>
+              <a:ext uri="{FF2B5EF4-FFF2-40B4-BE49-F238E27FC236}">
+                <a16:creationId xmlns:a16="http://schemas.microsoft.com/office/drawing/2014/main" id="{3E0CD643-5062-49E7-9B33-0A24A2E3AEE0}"/>
+              </a:ext>
+            </a:extLst>
+          </p:cNvPr>
+          <p:cNvSpPr>
+            <a:spLocks noGrp="1"/>
+          </p:cNvSpPr>
+          <p:nvPr>
+            <p:ph idx="1"/>
+          </p:nvPr>
+        </p:nvSpPr>
+        <p:spPr/>
+        <p:txBody>
+          <a:bodyPr>
+            <a:normAutofit/>
+          </a:bodyPr>
+          <a:lstStyle/>
+          <a:p>
+            <a:pPr algn="r" rtl="1"/>
+            <a:r>
+              <a:rPr lang="he-IL" sz="1800" b="1" i="0" u="none" strike="noStrike" baseline="0" dirty="0">
+                <a:latin typeface="ArialMT"/>
+              </a:rPr>
+              <a:t>מטרת השאילתה להביא נתונים מטבלאות שונות הקשר בין הטבלאות יתבצע ע"י שימוש ב </a:t>
+            </a:r>
+            <a:r>
+              <a:rPr lang="en-US" sz="1800" b="1" i="0" dirty="0">
+                <a:solidFill>
+                  <a:srgbClr val="000000"/>
+                </a:solidFill>
+                <a:effectLst/>
+                <a:latin typeface="Arial" panose="020B0604020202020204" pitchFamily="34" charset="0"/>
+              </a:rPr>
+              <a:t>Foreign Key</a:t>
+            </a:r>
+            <a:r>
+              <a:rPr lang="he-IL" sz="1800" b="1" i="0" u="none" strike="noStrike" baseline="0" dirty="0">
+                <a:latin typeface="ArialMT"/>
+              </a:rPr>
+              <a:t> </a:t>
+            </a:r>
+          </a:p>
+          <a:p>
+            <a:pPr algn="r" rtl="1"/>
+            <a:r>
+              <a:rPr lang="he-IL" sz="1800" b="1" i="0" u="none" strike="noStrike" baseline="0" dirty="0">
+                <a:latin typeface="ArialMT"/>
+              </a:rPr>
+              <a:t>חזרה על מושג מפתחות:</a:t>
+            </a:r>
+          </a:p>
+          <a:p>
+            <a:pPr algn="r" rtl="1"/>
+            <a:r>
+              <a:rPr lang="en-US" sz="1200" b="1" i="0" dirty="0">
+                <a:solidFill>
+                  <a:srgbClr val="000000"/>
+                </a:solidFill>
+                <a:effectLst/>
+                <a:latin typeface="Arial" panose="020B0604020202020204" pitchFamily="34" charset="0"/>
+              </a:rPr>
+              <a:t>Primary Key</a:t>
+            </a:r>
+            <a:r>
+              <a:rPr lang="he-IL" sz="1800" b="1" i="0" u="none" strike="noStrike" baseline="0" dirty="0">
+                <a:latin typeface="ArialMT"/>
+              </a:rPr>
+              <a:t> המפתח הראשי, הוא עמודה אחת או יותר, שבעזרתן ניתן לזהות את הרשומה באופן חד-חד-ערכי</a:t>
+            </a:r>
+          </a:p>
+          <a:p>
+            <a:pPr algn="r" rtl="1"/>
+            <a:r>
+              <a:rPr lang="en-US" sz="1200" b="1" i="0" dirty="0">
+                <a:solidFill>
+                  <a:srgbClr val="000000"/>
+                </a:solidFill>
+                <a:effectLst/>
+                <a:latin typeface="Arial" panose="020B0604020202020204" pitchFamily="34" charset="0"/>
+              </a:rPr>
+              <a:t>Foreign Key</a:t>
+            </a:r>
+            <a:r>
+              <a:rPr lang="he-IL" sz="1800" b="1" dirty="0">
+                <a:latin typeface="ArialMT"/>
+              </a:rPr>
+              <a:t> מפתח זר ערך בעמודה כל שהיא בטבלה המקושרת לטבלה אחרת בה אותו ערך משמש כמפתח ראשי</a:t>
+            </a:r>
+          </a:p>
+          <a:p>
+            <a:pPr algn="r" rtl="1"/>
+            <a:endParaRPr lang="he-IL" sz="1800" b="1" i="0" u="none" strike="noStrike" baseline="0" dirty="0">
+              <a:latin typeface="ArialMT"/>
+            </a:endParaRPr>
+          </a:p>
+          <a:p>
+            <a:pPr algn="r" rtl="1"/>
+            <a:endParaRPr lang="he-IL" sz="1800" b="1" i="0" u="none" strike="noStrike" baseline="0" dirty="0">
+              <a:latin typeface="ArialMT"/>
+            </a:endParaRPr>
+          </a:p>
+        </p:txBody>
+      </p:sp>
+      <p:sp>
+        <p:nvSpPr>
+          <p:cNvPr id="4" name="Footer Placeholder 3">
+            <a:extLst>
+              <a:ext uri="{FF2B5EF4-FFF2-40B4-BE49-F238E27FC236}">
+                <a16:creationId xmlns:a16="http://schemas.microsoft.com/office/drawing/2014/main" id="{E383C24D-BEA6-474F-A840-896AD0E01479}"/>
+              </a:ext>
+            </a:extLst>
+          </p:cNvPr>
+          <p:cNvSpPr>
+            <a:spLocks noGrp="1"/>
+          </p:cNvSpPr>
+          <p:nvPr>
+            <p:ph type="ftr" sz="quarter" idx="11"/>
+          </p:nvPr>
+        </p:nvSpPr>
+        <p:spPr/>
+        <p:txBody>
+          <a:bodyPr/>
+          <a:lstStyle/>
+          <a:p>
+            <a:r>
+              <a:rPr lang="en-US"/>
+              <a:t>avidary@gmail.com  2002 (c)</a:t>
+            </a:r>
+            <a:endParaRPr lang="he-IL"/>
+          </a:p>
+        </p:txBody>
+      </p:sp>
+      <p:pic>
+        <p:nvPicPr>
+          <p:cNvPr id="7" name="Picture 6">
+            <a:extLst>
+              <a:ext uri="{FF2B5EF4-FFF2-40B4-BE49-F238E27FC236}">
+                <a16:creationId xmlns:a16="http://schemas.microsoft.com/office/drawing/2014/main" id="{06B5A552-415C-427E-AA2C-1567D5CE6B37}"/>
+              </a:ext>
+            </a:extLst>
+          </p:cNvPr>
+          <p:cNvPicPr>
+            <a:picLocks noChangeAspect="1"/>
+          </p:cNvPicPr>
+          <p:nvPr/>
+        </p:nvPicPr>
+        <p:blipFill>
+          <a:blip r:embed="rId4"/>
+          <a:stretch>
+            <a:fillRect/>
+          </a:stretch>
+        </p:blipFill>
+        <p:spPr>
+          <a:xfrm>
+            <a:off x="838200" y="3207807"/>
+            <a:ext cx="2590800" cy="3285068"/>
+          </a:xfrm>
+          <a:prstGeom prst="rect">
+            <a:avLst/>
+          </a:prstGeom>
+        </p:spPr>
+      </p:pic>
+    </p:spTree>
+    <p:extLst>
+      <p:ext uri="{BB962C8B-B14F-4D97-AF65-F5344CB8AC3E}">
+        <p14:creationId xmlns:p14="http://schemas.microsoft.com/office/powerpoint/2010/main" val="1579072163"/>
+      </p:ext>
+    </p:extLst>
+  </p:cSld>
+  <p:clrMapOvr>
+    <a:overrideClrMapping bg1="lt1" tx1="dk1" bg2="lt2" tx2="dk2" accent1="accent1" accent2="accent2" accent3="accent3" accent4="accent4" accent5="accent5" accent6="accent6" hlink="hlink" folHlink="folHlink"/>
+  </p:clrMapOvr>
+</p:sld>
+</file>
+
+<file path=ppt/slides/slide39.xml><?xml version="1.0" encoding="utf-8"?>
+<p:sld xmlns:a="http://schemas.openxmlformats.org/drawingml/2006/main" xmlns:r="http://schemas.openxmlformats.org/officeDocument/2006/relationships" xmlns:p="http://schemas.openxmlformats.org/presentationml/2006/main">
+  <p:cSld>
+    <p:bg>
+      <p:bgPr>
+        <a:blipFill dpi="0" rotWithShape="1">
+          <a:blip r:embed="rId3">
+            <a:alphaModFix amt="68000"/>
+            <a:lum/>
+          </a:blip>
+          <a:srcRect/>
+          <a:stretch>
+            <a:fillRect/>
+          </a:stretch>
+        </a:blipFill>
+        <a:effectLst/>
+      </p:bgPr>
+    </p:bg>
+    <p:spTree>
+      <p:nvGrpSpPr>
+        <p:cNvPr id="1" name=""/>
+        <p:cNvGrpSpPr/>
+        <p:nvPr/>
+      </p:nvGrpSpPr>
+      <p:grpSpPr>
+        <a:xfrm>
+          <a:off x="0" y="0"/>
+          <a:ext cx="0" cy="0"/>
+          <a:chOff x="0" y="0"/>
+          <a:chExt cx="0" cy="0"/>
+        </a:xfrm>
+      </p:grpSpPr>
+      <p:sp>
+        <p:nvSpPr>
+          <p:cNvPr id="2" name="Title 1">
+            <a:extLst>
+              <a:ext uri="{FF2B5EF4-FFF2-40B4-BE49-F238E27FC236}">
+                <a16:creationId xmlns:a16="http://schemas.microsoft.com/office/drawing/2014/main" id="{BE5D6318-C76E-4A76-B0D4-6127F014C1EE}"/>
+              </a:ext>
+            </a:extLst>
+          </p:cNvPr>
+          <p:cNvSpPr>
+            <a:spLocks noGrp="1"/>
+          </p:cNvSpPr>
+          <p:nvPr>
+            <p:ph type="title"/>
+          </p:nvPr>
+        </p:nvSpPr>
+        <p:spPr/>
+        <p:txBody>
+          <a:bodyPr>
+            <a:normAutofit/>
+          </a:bodyPr>
+          <a:lstStyle/>
+          <a:p>
+            <a:pPr algn="r"/>
+            <a:r>
+              <a:rPr lang="he-IL" b="1" i="0" u="none" strike="noStrike" baseline="0" dirty="0">
+                <a:latin typeface="Arial-BoldMT"/>
+              </a:rPr>
+              <a:t> - מבנה השאילתה</a:t>
+            </a:r>
+            <a:r>
+              <a:rPr lang="en-US" b="1" i="0" u="none" strike="noStrike" baseline="0" dirty="0">
+                <a:latin typeface="Arial-BoldMT"/>
+              </a:rPr>
+              <a:t>Join</a:t>
+            </a:r>
+            <a:endParaRPr lang="he-IL" dirty="0"/>
+          </a:p>
+        </p:txBody>
+      </p:sp>
+      <p:sp>
+        <p:nvSpPr>
+          <p:cNvPr id="3" name="Content Placeholder 2">
+            <a:extLst>
+              <a:ext uri="{FF2B5EF4-FFF2-40B4-BE49-F238E27FC236}">
+                <a16:creationId xmlns:a16="http://schemas.microsoft.com/office/drawing/2014/main" id="{3E0CD643-5062-49E7-9B33-0A24A2E3AEE0}"/>
+              </a:ext>
+            </a:extLst>
+          </p:cNvPr>
+          <p:cNvSpPr>
+            <a:spLocks noGrp="1"/>
+          </p:cNvSpPr>
+          <p:nvPr>
+            <p:ph idx="1"/>
+          </p:nvPr>
+        </p:nvSpPr>
+        <p:spPr>
+          <a:xfrm>
+            <a:off x="680545" y="1494549"/>
+            <a:ext cx="10515600" cy="4351338"/>
+          </a:xfrm>
+        </p:spPr>
+        <p:txBody>
+          <a:bodyPr>
+            <a:normAutofit fontScale="25000" lnSpcReduction="20000"/>
+          </a:bodyPr>
+          <a:lstStyle/>
+          <a:p>
+            <a:pPr algn="l"/>
+            <a:endParaRPr lang="he-IL" sz="1800" b="1" i="0" u="none" strike="noStrike" baseline="0" dirty="0">
+              <a:latin typeface="ArialMT"/>
+            </a:endParaRPr>
+          </a:p>
+          <a:p>
+            <a:pPr algn="l">
+              <a:lnSpc>
+                <a:spcPct val="107000"/>
+              </a:lnSpc>
+              <a:spcAft>
+                <a:spcPts val="800"/>
+              </a:spcAft>
+            </a:pPr>
+            <a:r>
+              <a:rPr lang="en-US" sz="9600" dirty="0">
+                <a:solidFill>
+                  <a:srgbClr val="0000FF"/>
+                </a:solidFill>
+                <a:effectLst/>
+                <a:latin typeface="Consolas" panose="020B0609020204030204" pitchFamily="49" charset="0"/>
+                <a:ea typeface="Calibri" panose="020F0502020204030204" pitchFamily="34" charset="0"/>
+                <a:cs typeface="Consolas" panose="020B0609020204030204" pitchFamily="49" charset="0"/>
+              </a:rPr>
+              <a:t>In this query we are getting data from 2 tables:</a:t>
+            </a:r>
+            <a:endParaRPr lang="en-US" sz="9600" dirty="0">
+              <a:effectLst/>
+              <a:latin typeface="Calibri" panose="020F0502020204030204" pitchFamily="34" charset="0"/>
+              <a:ea typeface="Calibri" panose="020F0502020204030204" pitchFamily="34" charset="0"/>
+              <a:cs typeface="Arial" panose="020B0604020202020204" pitchFamily="34" charset="0"/>
+            </a:endParaRPr>
+          </a:p>
+          <a:p>
+            <a:pPr algn="l">
+              <a:lnSpc>
+                <a:spcPct val="107000"/>
+              </a:lnSpc>
+              <a:spcAft>
+                <a:spcPts val="800"/>
+              </a:spcAft>
+            </a:pPr>
+            <a:r>
+              <a:rPr lang="en-US" sz="9600" dirty="0">
+                <a:solidFill>
+                  <a:srgbClr val="000000"/>
+                </a:solidFill>
+                <a:effectLst/>
+                <a:latin typeface="Consolas" panose="020B0609020204030204" pitchFamily="49" charset="0"/>
+                <a:ea typeface="Calibri" panose="020F0502020204030204" pitchFamily="34" charset="0"/>
+                <a:cs typeface="Consolas" panose="020B0609020204030204" pitchFamily="49" charset="0"/>
+              </a:rPr>
+              <a:t>Products p</a:t>
+            </a:r>
+            <a:endParaRPr lang="en-US" sz="9600" dirty="0">
+              <a:effectLst/>
+              <a:latin typeface="Calibri" panose="020F0502020204030204" pitchFamily="34" charset="0"/>
+              <a:ea typeface="Calibri" panose="020F0502020204030204" pitchFamily="34" charset="0"/>
+              <a:cs typeface="Arial" panose="020B0604020202020204" pitchFamily="34" charset="0"/>
+            </a:endParaRPr>
+          </a:p>
+          <a:p>
+            <a:pPr algn="l">
+              <a:lnSpc>
+                <a:spcPct val="107000"/>
+              </a:lnSpc>
+              <a:spcAft>
+                <a:spcPts val="800"/>
+              </a:spcAft>
+            </a:pPr>
+            <a:r>
+              <a:rPr lang="en-US" sz="9600" dirty="0">
+                <a:solidFill>
+                  <a:srgbClr val="000000"/>
+                </a:solidFill>
+                <a:effectLst/>
+                <a:latin typeface="Consolas" panose="020B0609020204030204" pitchFamily="49" charset="0"/>
+                <a:ea typeface="Calibri" panose="020F0502020204030204" pitchFamily="34" charset="0"/>
+                <a:cs typeface="Consolas" panose="020B0609020204030204" pitchFamily="49" charset="0"/>
+              </a:rPr>
+              <a:t>Categories </a:t>
+            </a:r>
+            <a:r>
+              <a:rPr lang="en-US" sz="9600" dirty="0">
+                <a:solidFill>
+                  <a:srgbClr val="0000FF"/>
+                </a:solidFill>
+                <a:effectLst/>
+                <a:latin typeface="Consolas" panose="020B0609020204030204" pitchFamily="49" charset="0"/>
+                <a:ea typeface="Calibri" panose="020F0502020204030204" pitchFamily="34" charset="0"/>
+                <a:cs typeface="Consolas" panose="020B0609020204030204" pitchFamily="49" charset="0"/>
+              </a:rPr>
+              <a:t>c</a:t>
+            </a:r>
+            <a:endParaRPr lang="en-US" sz="9600" dirty="0">
+              <a:effectLst/>
+              <a:latin typeface="Calibri" panose="020F0502020204030204" pitchFamily="34" charset="0"/>
+              <a:ea typeface="Calibri" panose="020F0502020204030204" pitchFamily="34" charset="0"/>
+              <a:cs typeface="Arial" panose="020B0604020202020204" pitchFamily="34" charset="0"/>
+            </a:endParaRPr>
+          </a:p>
+          <a:p>
+            <a:pPr algn="l">
+              <a:lnSpc>
+                <a:spcPct val="107000"/>
+              </a:lnSpc>
+              <a:spcAft>
+                <a:spcPts val="800"/>
+              </a:spcAft>
+            </a:pPr>
+            <a:r>
+              <a:rPr lang="en-US" sz="9600" dirty="0">
+                <a:solidFill>
+                  <a:srgbClr val="000000"/>
+                </a:solidFill>
+                <a:effectLst/>
+                <a:latin typeface="Consolas" panose="020B0609020204030204" pitchFamily="49" charset="0"/>
+                <a:ea typeface="Calibri" panose="020F0502020204030204" pitchFamily="34" charset="0"/>
+                <a:cs typeface="Consolas" panose="020B0609020204030204" pitchFamily="49" charset="0"/>
+              </a:rPr>
+              <a:t>From Products p we select </a:t>
+            </a:r>
+            <a:r>
+              <a:rPr lang="en-US" sz="9600" dirty="0" err="1">
+                <a:solidFill>
+                  <a:srgbClr val="000000"/>
+                </a:solidFill>
+                <a:effectLst/>
+                <a:latin typeface="Consolas" panose="020B0609020204030204" pitchFamily="49" charset="0"/>
+                <a:ea typeface="Calibri" panose="020F0502020204030204" pitchFamily="34" charset="0"/>
+                <a:cs typeface="Consolas" panose="020B0609020204030204" pitchFamily="49" charset="0"/>
+              </a:rPr>
+              <a:t>p</a:t>
+            </a:r>
+            <a:r>
+              <a:rPr lang="en-US" sz="9600" dirty="0" err="1">
+                <a:solidFill>
+                  <a:srgbClr val="808080"/>
+                </a:solidFill>
+                <a:effectLst/>
+                <a:latin typeface="Consolas" panose="020B0609020204030204" pitchFamily="49" charset="0"/>
+                <a:ea typeface="Calibri" panose="020F0502020204030204" pitchFamily="34" charset="0"/>
+                <a:cs typeface="Consolas" panose="020B0609020204030204" pitchFamily="49" charset="0"/>
+              </a:rPr>
+              <a:t>.</a:t>
+            </a:r>
+            <a:r>
+              <a:rPr lang="en-US" sz="9600" dirty="0" err="1">
+                <a:solidFill>
+                  <a:srgbClr val="000000"/>
+                </a:solidFill>
+                <a:effectLst/>
+                <a:latin typeface="Consolas" panose="020B0609020204030204" pitchFamily="49" charset="0"/>
+                <a:ea typeface="Calibri" panose="020F0502020204030204" pitchFamily="34" charset="0"/>
+                <a:cs typeface="Consolas" panose="020B0609020204030204" pitchFamily="49" charset="0"/>
+              </a:rPr>
+              <a:t>ProductName</a:t>
+            </a:r>
+            <a:endParaRPr lang="en-US" sz="9600" dirty="0">
+              <a:effectLst/>
+              <a:latin typeface="Calibri" panose="020F0502020204030204" pitchFamily="34" charset="0"/>
+              <a:ea typeface="Calibri" panose="020F0502020204030204" pitchFamily="34" charset="0"/>
+              <a:cs typeface="Arial" panose="020B0604020202020204" pitchFamily="34" charset="0"/>
+            </a:endParaRPr>
+          </a:p>
+          <a:p>
+            <a:pPr algn="l">
+              <a:lnSpc>
+                <a:spcPct val="107000"/>
+              </a:lnSpc>
+              <a:spcAft>
+                <a:spcPts val="800"/>
+              </a:spcAft>
+            </a:pPr>
+            <a:r>
+              <a:rPr lang="en-US" sz="9600" dirty="0">
+                <a:solidFill>
+                  <a:srgbClr val="000000"/>
+                </a:solidFill>
+                <a:effectLst/>
+                <a:latin typeface="Consolas" panose="020B0609020204030204" pitchFamily="49" charset="0"/>
+                <a:ea typeface="Calibri" panose="020F0502020204030204" pitchFamily="34" charset="0"/>
+                <a:cs typeface="Consolas" panose="020B0609020204030204" pitchFamily="49" charset="0"/>
+              </a:rPr>
+              <a:t>From Categories we select </a:t>
+            </a:r>
+            <a:r>
+              <a:rPr lang="en-US" sz="9600" dirty="0" err="1">
+                <a:solidFill>
+                  <a:srgbClr val="000000"/>
+                </a:solidFill>
+                <a:effectLst/>
+                <a:latin typeface="Consolas" panose="020B0609020204030204" pitchFamily="49" charset="0"/>
+                <a:ea typeface="Calibri" panose="020F0502020204030204" pitchFamily="34" charset="0"/>
+                <a:cs typeface="Consolas" panose="020B0609020204030204" pitchFamily="49" charset="0"/>
+              </a:rPr>
+              <a:t>c</a:t>
+            </a:r>
+            <a:r>
+              <a:rPr lang="en-US" sz="9600" dirty="0" err="1">
+                <a:solidFill>
+                  <a:srgbClr val="808080"/>
+                </a:solidFill>
+                <a:effectLst/>
+                <a:latin typeface="Consolas" panose="020B0609020204030204" pitchFamily="49" charset="0"/>
+                <a:ea typeface="Calibri" panose="020F0502020204030204" pitchFamily="34" charset="0"/>
+                <a:cs typeface="Consolas" panose="020B0609020204030204" pitchFamily="49" charset="0"/>
+              </a:rPr>
+              <a:t>.</a:t>
+            </a:r>
+            <a:r>
+              <a:rPr lang="en-US" sz="9600" dirty="0" err="1">
+                <a:solidFill>
+                  <a:srgbClr val="000000"/>
+                </a:solidFill>
+                <a:effectLst/>
+                <a:latin typeface="Consolas" panose="020B0609020204030204" pitchFamily="49" charset="0"/>
+                <a:ea typeface="Calibri" panose="020F0502020204030204" pitchFamily="34" charset="0"/>
+                <a:cs typeface="Consolas" panose="020B0609020204030204" pitchFamily="49" charset="0"/>
+              </a:rPr>
+              <a:t>CategoryName</a:t>
+            </a:r>
+            <a:endParaRPr lang="en-US" sz="9600" dirty="0">
+              <a:effectLst/>
+              <a:latin typeface="Calibri" panose="020F0502020204030204" pitchFamily="34" charset="0"/>
+              <a:ea typeface="Calibri" panose="020F0502020204030204" pitchFamily="34" charset="0"/>
+              <a:cs typeface="Arial" panose="020B0604020202020204" pitchFamily="34" charset="0"/>
+            </a:endParaRPr>
+          </a:p>
+          <a:p>
+            <a:pPr algn="l">
+              <a:lnSpc>
+                <a:spcPct val="107000"/>
+              </a:lnSpc>
+              <a:spcAft>
+                <a:spcPts val="800"/>
+              </a:spcAft>
+            </a:pPr>
+            <a:r>
+              <a:rPr lang="en-US" sz="9600" dirty="0">
+                <a:solidFill>
+                  <a:srgbClr val="000000"/>
+                </a:solidFill>
+                <a:effectLst/>
+                <a:latin typeface="Consolas" panose="020B0609020204030204" pitchFamily="49" charset="0"/>
+                <a:ea typeface="Calibri" panose="020F0502020204030204" pitchFamily="34" charset="0"/>
+                <a:cs typeface="Consolas" panose="020B0609020204030204" pitchFamily="49" charset="0"/>
+              </a:rPr>
+              <a:t>We can connect this tables because both of the tables have filed in common </a:t>
+            </a:r>
+            <a:endParaRPr lang="en-US" sz="9600" dirty="0">
+              <a:effectLst/>
+              <a:latin typeface="Calibri" panose="020F0502020204030204" pitchFamily="34" charset="0"/>
+              <a:ea typeface="Calibri" panose="020F0502020204030204" pitchFamily="34" charset="0"/>
+              <a:cs typeface="Arial" panose="020B0604020202020204" pitchFamily="34" charset="0"/>
+            </a:endParaRPr>
+          </a:p>
+          <a:p>
+            <a:pPr algn="l">
+              <a:lnSpc>
+                <a:spcPct val="107000"/>
+              </a:lnSpc>
+              <a:spcAft>
+                <a:spcPts val="800"/>
+              </a:spcAft>
+            </a:pPr>
+            <a:r>
+              <a:rPr lang="en-US" sz="9600" dirty="0">
+                <a:solidFill>
+                  <a:srgbClr val="000000"/>
+                </a:solidFill>
+                <a:effectLst/>
+                <a:latin typeface="Consolas" panose="020B0609020204030204" pitchFamily="49" charset="0"/>
+                <a:ea typeface="Calibri" panose="020F0502020204030204" pitchFamily="34" charset="0"/>
+                <a:cs typeface="Consolas" panose="020B0609020204030204" pitchFamily="49" charset="0"/>
+              </a:rPr>
+              <a:t>The files category id from Products p Exist in Categories </a:t>
+            </a:r>
+            <a:r>
+              <a:rPr lang="en-US" sz="9600" dirty="0">
+                <a:solidFill>
+                  <a:srgbClr val="0000FF"/>
+                </a:solidFill>
+                <a:effectLst/>
+                <a:latin typeface="Consolas" panose="020B0609020204030204" pitchFamily="49" charset="0"/>
+                <a:ea typeface="Calibri" panose="020F0502020204030204" pitchFamily="34" charset="0"/>
+                <a:cs typeface="Consolas" panose="020B0609020204030204" pitchFamily="49" charset="0"/>
+              </a:rPr>
+              <a:t>c</a:t>
+            </a:r>
+            <a:endParaRPr lang="en-US" sz="9600" dirty="0">
+              <a:effectLst/>
+              <a:latin typeface="Calibri" panose="020F0502020204030204" pitchFamily="34" charset="0"/>
+              <a:ea typeface="Calibri" panose="020F0502020204030204" pitchFamily="34" charset="0"/>
+              <a:cs typeface="Arial" panose="020B0604020202020204" pitchFamily="34" charset="0"/>
+            </a:endParaRPr>
+          </a:p>
+          <a:p>
+            <a:pPr algn="l">
+              <a:lnSpc>
+                <a:spcPct val="107000"/>
+              </a:lnSpc>
+              <a:spcAft>
+                <a:spcPts val="800"/>
+              </a:spcAft>
+            </a:pPr>
+            <a:endParaRPr lang="en-US" sz="12000" dirty="0">
+              <a:effectLst/>
+              <a:latin typeface="Calibri" panose="020F0502020204030204" pitchFamily="34" charset="0"/>
+              <a:ea typeface="Calibri" panose="020F0502020204030204" pitchFamily="34" charset="0"/>
+              <a:cs typeface="Arial" panose="020B0604020202020204" pitchFamily="34" charset="0"/>
+            </a:endParaRPr>
+          </a:p>
+          <a:p>
+            <a:endParaRPr lang="he-IL" sz="1800" b="1" i="0" u="none" strike="noStrike" baseline="0" dirty="0">
+              <a:latin typeface="ArialMT"/>
+            </a:endParaRPr>
+          </a:p>
+        </p:txBody>
+      </p:sp>
+      <p:sp>
+        <p:nvSpPr>
+          <p:cNvPr id="4" name="Footer Placeholder 3">
+            <a:extLst>
+              <a:ext uri="{FF2B5EF4-FFF2-40B4-BE49-F238E27FC236}">
+                <a16:creationId xmlns:a16="http://schemas.microsoft.com/office/drawing/2014/main" id="{E383C24D-BEA6-474F-A840-896AD0E01479}"/>
+              </a:ext>
+            </a:extLst>
+          </p:cNvPr>
+          <p:cNvSpPr>
+            <a:spLocks noGrp="1"/>
+          </p:cNvSpPr>
+          <p:nvPr>
+            <p:ph type="ftr" sz="quarter" idx="11"/>
+          </p:nvPr>
+        </p:nvSpPr>
+        <p:spPr/>
+        <p:txBody>
+          <a:bodyPr/>
+          <a:lstStyle/>
+          <a:p>
+            <a:r>
+              <a:rPr lang="en-US"/>
+              <a:t>avidary@gmail.com  2002 (c)</a:t>
+            </a:r>
+            <a:endParaRPr lang="he-IL"/>
+          </a:p>
+        </p:txBody>
+      </p:sp>
+      <p:pic>
+        <p:nvPicPr>
+          <p:cNvPr id="9" name="Picture 8">
+            <a:extLst>
+              <a:ext uri="{FF2B5EF4-FFF2-40B4-BE49-F238E27FC236}">
+                <a16:creationId xmlns:a16="http://schemas.microsoft.com/office/drawing/2014/main" id="{96865DD8-D332-4FDB-86E9-3BC3569C6E42}"/>
+              </a:ext>
+            </a:extLst>
+          </p:cNvPr>
+          <p:cNvPicPr>
+            <a:picLocks noChangeAspect="1"/>
+          </p:cNvPicPr>
+          <p:nvPr/>
+        </p:nvPicPr>
+        <p:blipFill>
+          <a:blip r:embed="rId4"/>
+          <a:stretch>
+            <a:fillRect/>
+          </a:stretch>
+        </p:blipFill>
+        <p:spPr>
+          <a:xfrm>
+            <a:off x="5938345" y="2072542"/>
+            <a:ext cx="3961707" cy="1261877"/>
+          </a:xfrm>
+          <a:prstGeom prst="rect">
+            <a:avLst/>
+          </a:prstGeom>
+        </p:spPr>
+      </p:pic>
+    </p:spTree>
+    <p:extLst>
+      <p:ext uri="{BB962C8B-B14F-4D97-AF65-F5344CB8AC3E}">
+        <p14:creationId xmlns:p14="http://schemas.microsoft.com/office/powerpoint/2010/main" val="3615860694"/>
+      </p:ext>
+    </p:extLst>
+  </p:cSld>
+  <p:clrMapOvr>
+    <a:overrideClrMapping bg1="lt1" tx1="dk1" bg2="lt2" tx2="dk2" accent1="accent1" accent2="accent2" accent3="accent3" accent4="accent4" accent5="accent5" accent6="accent6" hlink="hlink" folHlink="folHlink"/>
+  </p:clrMapOvr>
+</p:sld>
+</file>
+
+<file path=ppt/slides/slide4.xml><?xml version="1.0" encoding="utf-8"?>
+<p:sld xmlns:a="http://schemas.openxmlformats.org/drawingml/2006/main" xmlns:r="http://schemas.openxmlformats.org/officeDocument/2006/relationships" xmlns:p="http://schemas.openxmlformats.org/presentationml/2006/main">
+  <p:cSld>
+    <p:spTree>
+      <p:nvGrpSpPr>
+        <p:cNvPr id="1" name=""/>
+        <p:cNvGrpSpPr/>
+        <p:nvPr/>
+      </p:nvGrpSpPr>
+      <p:grpSpPr>
+        <a:xfrm>
+          <a:off x="0" y="0"/>
+          <a:ext cx="0" cy="0"/>
+          <a:chOff x="0" y="0"/>
+          <a:chExt cx="0" cy="0"/>
+        </a:xfrm>
+      </p:grpSpPr>
+      <p:sp>
+        <p:nvSpPr>
+          <p:cNvPr id="2" name="Title 1">
+            <a:extLst>
+              <a:ext uri="{FF2B5EF4-FFF2-40B4-BE49-F238E27FC236}">
+                <a16:creationId xmlns:a16="http://schemas.microsoft.com/office/drawing/2014/main" id="{B5C84732-D22A-4399-BB74-BDB765B35672}"/>
+              </a:ext>
+            </a:extLst>
+          </p:cNvPr>
+          <p:cNvSpPr>
+            <a:spLocks noGrp="1"/>
+          </p:cNvSpPr>
+          <p:nvPr>
+            <p:ph type="ctrTitle"/>
+          </p:nvPr>
+        </p:nvSpPr>
+        <p:spPr>
+          <a:xfrm>
+            <a:off x="1606194" y="944849"/>
+            <a:ext cx="9144000" cy="1074988"/>
+          </a:xfrm>
+        </p:spPr>
+        <p:txBody>
+          <a:bodyPr/>
+          <a:lstStyle/>
+          <a:p>
+            <a:pPr algn="r" rtl="1"/>
+            <a:r>
+              <a:rPr lang="he-IL" b="0" i="0" dirty="0">
+                <a:solidFill>
+                  <a:srgbClr val="000000"/>
+                </a:solidFill>
+                <a:effectLst/>
+                <a:latin typeface="Arial" panose="020B0604020202020204" pitchFamily="34" charset="0"/>
+              </a:rPr>
+              <a:t>בסיסי נתונים נפוצים</a:t>
+            </a:r>
+          </a:p>
+        </p:txBody>
+      </p:sp>
+      <p:sp>
+        <p:nvSpPr>
+          <p:cNvPr id="3" name="Subtitle 2">
+            <a:extLst>
+              <a:ext uri="{FF2B5EF4-FFF2-40B4-BE49-F238E27FC236}">
+                <a16:creationId xmlns:a16="http://schemas.microsoft.com/office/drawing/2014/main" id="{DA0EC8F0-B1F7-41C2-B373-C2F68B6F1685}"/>
+              </a:ext>
+            </a:extLst>
+          </p:cNvPr>
+          <p:cNvSpPr>
+            <a:spLocks noGrp="1"/>
+          </p:cNvSpPr>
+          <p:nvPr>
+            <p:ph type="subTitle" idx="1"/>
+          </p:nvPr>
+        </p:nvSpPr>
+        <p:spPr>
+          <a:xfrm>
+            <a:off x="1524000" y="3036958"/>
+            <a:ext cx="9144000" cy="3035069"/>
+          </a:xfrm>
+        </p:spPr>
+        <p:txBody>
+          <a:bodyPr>
+            <a:normAutofit/>
+          </a:bodyPr>
+          <a:lstStyle/>
+          <a:p>
+            <a:pPr marL="342900" indent="-342900" algn="just" rtl="1">
+              <a:buFont typeface="Arial" panose="020B0604020202020204" pitchFamily="34" charset="0"/>
+              <a:buChar char="•"/>
+            </a:pPr>
+            <a:r>
+              <a:rPr lang="he-IL" sz="2400" dirty="0">
+                <a:solidFill>
+                  <a:srgbClr val="202122"/>
+                </a:solidFill>
+                <a:latin typeface="Arial" panose="020B0604020202020204" pitchFamily="34" charset="0"/>
+              </a:rPr>
+              <a:t>מודל רישתי - מציג את בסיס הנתונים כרשת של צמתים וערוצים</a:t>
+            </a:r>
+          </a:p>
+          <a:p>
+            <a:pPr marL="342900" indent="-342900" algn="just" rtl="1">
+              <a:buFont typeface="Arial" panose="020B0604020202020204" pitchFamily="34" charset="0"/>
+              <a:buChar char="•"/>
+            </a:pPr>
+            <a:r>
+              <a:rPr lang="he-IL" dirty="0"/>
+              <a:t>מודל היררכי - מודל זה הנתונים מאורגנים במבנה של עץ לפי היררכיית התפקידים שלהם והיחסים ביניהם.</a:t>
+            </a:r>
+            <a:endParaRPr lang="he-IL" dirty="0">
+              <a:solidFill>
+                <a:srgbClr val="202122"/>
+              </a:solidFill>
+              <a:latin typeface="Arial" panose="020B0604020202020204" pitchFamily="34" charset="0"/>
+            </a:endParaRPr>
+          </a:p>
+          <a:p>
+            <a:pPr marL="342900" indent="-342900" algn="just" rtl="1">
+              <a:buFont typeface="Arial" panose="020B0604020202020204" pitchFamily="34" charset="0"/>
+              <a:buChar char="•"/>
+            </a:pPr>
+            <a:r>
+              <a:rPr lang="en-US" dirty="0"/>
+              <a:t>NOSQL </a:t>
+            </a:r>
+            <a:r>
+              <a:rPr lang="he-IL" dirty="0"/>
+              <a:t> הוא קטגוריה חדשה יחסית של בסיסי נתונים, אשר נותנים פתרון אחסון וגישה למידע שאינו ממודל במבנה טבלאי יחסי אשר נפוץ בבסיסי נתונים יחסיים.</a:t>
+            </a:r>
+          </a:p>
+          <a:p>
+            <a:endParaRPr lang="he-IL" dirty="0"/>
+          </a:p>
+        </p:txBody>
+      </p:sp>
+      <p:sp>
+        <p:nvSpPr>
+          <p:cNvPr id="4" name="Footer Placeholder 3">
+            <a:extLst>
+              <a:ext uri="{FF2B5EF4-FFF2-40B4-BE49-F238E27FC236}">
+                <a16:creationId xmlns:a16="http://schemas.microsoft.com/office/drawing/2014/main" id="{0C472EF7-694F-4E4C-9210-17AE5A8C4709}"/>
+              </a:ext>
+            </a:extLst>
+          </p:cNvPr>
+          <p:cNvSpPr>
+            <a:spLocks noGrp="1"/>
+          </p:cNvSpPr>
+          <p:nvPr>
+            <p:ph type="ftr" sz="quarter" idx="11"/>
+          </p:nvPr>
+        </p:nvSpPr>
+        <p:spPr/>
+        <p:txBody>
+          <a:bodyPr/>
+          <a:lstStyle/>
+          <a:p>
+            <a:r>
+              <a:rPr lang="en-US"/>
+              <a:t>avidary@gmail.com  2002 (c)</a:t>
+            </a:r>
+            <a:endParaRPr lang="he-IL"/>
+          </a:p>
+        </p:txBody>
+      </p:sp>
+    </p:spTree>
+    <p:extLst>
+      <p:ext uri="{BB962C8B-B14F-4D97-AF65-F5344CB8AC3E}">
+        <p14:creationId xmlns:p14="http://schemas.microsoft.com/office/powerpoint/2010/main" val="2824730165"/>
+      </p:ext>
+    </p:extLst>
+  </p:cSld>
+  <p:clrMapOvr>
+    <a:masterClrMapping/>
+  </p:clrMapOvr>
+</p:sld>
+</file>
+
+<file path=ppt/slides/slide40.xml><?xml version="1.0" encoding="utf-8"?>
+<p:sld xmlns:a="http://schemas.openxmlformats.org/drawingml/2006/main" xmlns:r="http://schemas.openxmlformats.org/officeDocument/2006/relationships" xmlns:p="http://schemas.openxmlformats.org/presentationml/2006/main">
+  <p:cSld>
+    <p:bg>
+      <p:bgPr>
+        <a:blipFill dpi="0" rotWithShape="1">
+          <a:blip r:embed="rId3">
+            <a:alphaModFix amt="68000"/>
+            <a:lum/>
+          </a:blip>
+          <a:srcRect/>
+          <a:stretch>
+            <a:fillRect/>
+          </a:stretch>
+        </a:blipFill>
+        <a:effectLst/>
+      </p:bgPr>
+    </p:bg>
+    <p:spTree>
+      <p:nvGrpSpPr>
+        <p:cNvPr id="1" name=""/>
+        <p:cNvGrpSpPr/>
+        <p:nvPr/>
+      </p:nvGrpSpPr>
+      <p:grpSpPr>
+        <a:xfrm>
+          <a:off x="0" y="0"/>
+          <a:ext cx="0" cy="0"/>
+          <a:chOff x="0" y="0"/>
+          <a:chExt cx="0" cy="0"/>
+        </a:xfrm>
+      </p:grpSpPr>
+      <p:sp>
+        <p:nvSpPr>
+          <p:cNvPr id="2" name="Title 1">
+            <a:extLst>
+              <a:ext uri="{FF2B5EF4-FFF2-40B4-BE49-F238E27FC236}">
+                <a16:creationId xmlns:a16="http://schemas.microsoft.com/office/drawing/2014/main" id="{BE5D6318-C76E-4A76-B0D4-6127F014C1EE}"/>
+              </a:ext>
+            </a:extLst>
+          </p:cNvPr>
+          <p:cNvSpPr>
+            <a:spLocks noGrp="1"/>
+          </p:cNvSpPr>
+          <p:nvPr>
+            <p:ph type="title"/>
+          </p:nvPr>
+        </p:nvSpPr>
+        <p:spPr/>
+        <p:txBody>
+          <a:bodyPr>
+            <a:normAutofit/>
+          </a:bodyPr>
+          <a:lstStyle/>
+          <a:p>
+            <a:pPr algn="r"/>
+            <a:r>
+              <a:rPr lang="he-IL" b="1" i="0" u="none" strike="noStrike" baseline="0" dirty="0">
+                <a:latin typeface="Arial-BoldMT"/>
+              </a:rPr>
+              <a:t> - מבנה השאילתה</a:t>
+            </a:r>
+            <a:r>
+              <a:rPr lang="en-US" b="1" i="0" u="none" strike="noStrike" baseline="0" dirty="0">
+                <a:latin typeface="Arial-BoldMT"/>
+              </a:rPr>
+              <a:t>Join</a:t>
+            </a:r>
+            <a:endParaRPr lang="he-IL" dirty="0"/>
+          </a:p>
+        </p:txBody>
+      </p:sp>
+      <p:sp>
+        <p:nvSpPr>
+          <p:cNvPr id="3" name="Content Placeholder 2">
+            <a:extLst>
+              <a:ext uri="{FF2B5EF4-FFF2-40B4-BE49-F238E27FC236}">
+                <a16:creationId xmlns:a16="http://schemas.microsoft.com/office/drawing/2014/main" id="{3E0CD643-5062-49E7-9B33-0A24A2E3AEE0}"/>
+              </a:ext>
+            </a:extLst>
+          </p:cNvPr>
+          <p:cNvSpPr>
+            <a:spLocks noGrp="1"/>
+          </p:cNvSpPr>
+          <p:nvPr>
+            <p:ph idx="1"/>
+          </p:nvPr>
+        </p:nvSpPr>
+        <p:spPr>
+          <a:xfrm>
+            <a:off x="838200" y="1100410"/>
+            <a:ext cx="10515600" cy="5056023"/>
+          </a:xfrm>
+        </p:spPr>
+        <p:txBody>
+          <a:bodyPr>
+            <a:normAutofit fontScale="25000" lnSpcReduction="20000"/>
+          </a:bodyPr>
+          <a:lstStyle/>
+          <a:p>
+            <a:pPr algn="l"/>
+            <a:endParaRPr lang="he-IL" sz="1800" b="1" i="0" u="none" strike="noStrike" baseline="0" dirty="0">
+              <a:latin typeface="ArialMT"/>
+            </a:endParaRPr>
+          </a:p>
+          <a:p>
+            <a:pPr marL="0" indent="0" algn="l">
+              <a:lnSpc>
+                <a:spcPct val="107000"/>
+              </a:lnSpc>
+              <a:spcAft>
+                <a:spcPts val="800"/>
+              </a:spcAft>
+              <a:buNone/>
+            </a:pPr>
+            <a:r>
+              <a:rPr lang="en-US" sz="9600" dirty="0">
+                <a:solidFill>
+                  <a:srgbClr val="000000"/>
+                </a:solidFill>
+                <a:effectLst/>
+                <a:highlight>
+                  <a:srgbClr val="FFFF00"/>
+                </a:highlight>
+                <a:latin typeface="Consolas" panose="020B0609020204030204" pitchFamily="49" charset="0"/>
+                <a:ea typeface="Calibri" panose="020F0502020204030204" pitchFamily="34" charset="0"/>
+                <a:cs typeface="Consolas" panose="020B0609020204030204" pitchFamily="49" charset="0"/>
+              </a:rPr>
+              <a:t>New words:</a:t>
+            </a:r>
+            <a:endParaRPr lang="en-US" sz="9600" dirty="0">
+              <a:effectLst/>
+              <a:latin typeface="Calibri" panose="020F0502020204030204" pitchFamily="34" charset="0"/>
+              <a:ea typeface="Calibri" panose="020F0502020204030204" pitchFamily="34" charset="0"/>
+              <a:cs typeface="Arial" panose="020B0604020202020204" pitchFamily="34" charset="0"/>
+            </a:endParaRPr>
+          </a:p>
+          <a:p>
+            <a:pPr marL="0" indent="0" algn="l">
+              <a:lnSpc>
+                <a:spcPct val="107000"/>
+              </a:lnSpc>
+              <a:spcAft>
+                <a:spcPts val="800"/>
+              </a:spcAft>
+              <a:buNone/>
+            </a:pPr>
+            <a:r>
+              <a:rPr lang="en-US" sz="9600" dirty="0">
+                <a:solidFill>
+                  <a:srgbClr val="000000"/>
+                </a:solidFill>
+                <a:effectLst/>
+                <a:highlight>
+                  <a:srgbClr val="FFFF00"/>
+                </a:highlight>
+                <a:latin typeface="Consolas" panose="020B0609020204030204" pitchFamily="49" charset="0"/>
+                <a:ea typeface="Calibri" panose="020F0502020204030204" pitchFamily="34" charset="0"/>
+                <a:cs typeface="Consolas" panose="020B0609020204030204" pitchFamily="49" charset="0"/>
+              </a:rPr>
+              <a:t>INNER JOIN – Will return all data that exist on both of tables</a:t>
+            </a:r>
+            <a:endParaRPr lang="en-US" sz="9600" dirty="0">
+              <a:effectLst/>
+              <a:latin typeface="Calibri" panose="020F0502020204030204" pitchFamily="34" charset="0"/>
+              <a:ea typeface="Calibri" panose="020F0502020204030204" pitchFamily="34" charset="0"/>
+              <a:cs typeface="Arial" panose="020B0604020202020204" pitchFamily="34" charset="0"/>
+            </a:endParaRPr>
+          </a:p>
+          <a:p>
+            <a:pPr marL="0" indent="0" algn="l">
+              <a:lnSpc>
+                <a:spcPct val="107000"/>
+              </a:lnSpc>
+              <a:spcAft>
+                <a:spcPts val="800"/>
+              </a:spcAft>
+              <a:buNone/>
+            </a:pPr>
+            <a:r>
+              <a:rPr lang="en-US" sz="9600" dirty="0">
+                <a:solidFill>
+                  <a:srgbClr val="000000"/>
+                </a:solidFill>
+                <a:effectLst/>
+                <a:highlight>
+                  <a:srgbClr val="FFFF00"/>
+                </a:highlight>
+                <a:latin typeface="Consolas" panose="020B0609020204030204" pitchFamily="49" charset="0"/>
+                <a:ea typeface="Calibri" panose="020F0502020204030204" pitchFamily="34" charset="0"/>
+                <a:cs typeface="Consolas" panose="020B0609020204030204" pitchFamily="49" charset="0"/>
+              </a:rPr>
+              <a:t>RIGHT JOIN- will return all data form the right table and the matched records from the left table</a:t>
+            </a:r>
+            <a:endParaRPr lang="en-US" sz="9600" dirty="0">
+              <a:effectLst/>
+              <a:latin typeface="Calibri" panose="020F0502020204030204" pitchFamily="34" charset="0"/>
+              <a:ea typeface="Calibri" panose="020F0502020204030204" pitchFamily="34" charset="0"/>
+              <a:cs typeface="Arial" panose="020B0604020202020204" pitchFamily="34" charset="0"/>
+            </a:endParaRPr>
+          </a:p>
+          <a:p>
+            <a:pPr marL="0" indent="0">
+              <a:lnSpc>
+                <a:spcPct val="107000"/>
+              </a:lnSpc>
+              <a:spcAft>
+                <a:spcPts val="800"/>
+              </a:spcAft>
+              <a:buNone/>
+            </a:pPr>
+            <a:r>
+              <a:rPr lang="en-US" sz="9600" dirty="0">
+                <a:solidFill>
+                  <a:srgbClr val="000000"/>
+                </a:solidFill>
+                <a:effectLst/>
+                <a:highlight>
+                  <a:srgbClr val="FFFF00"/>
+                </a:highlight>
+                <a:latin typeface="Consolas" panose="020B0609020204030204" pitchFamily="49" charset="0"/>
+                <a:ea typeface="Calibri" panose="020F0502020204030204" pitchFamily="34" charset="0"/>
+                <a:cs typeface="Consolas" panose="020B0609020204030204" pitchFamily="49" charset="0"/>
+              </a:rPr>
+              <a:t>LEFT JOIN -will return all data form the left table  and the matched records from the right table</a:t>
+            </a:r>
+            <a:endParaRPr lang="en-US" sz="9600" dirty="0">
+              <a:effectLst/>
+              <a:latin typeface="Calibri" panose="020F0502020204030204" pitchFamily="34" charset="0"/>
+              <a:ea typeface="Calibri" panose="020F0502020204030204" pitchFamily="34" charset="0"/>
+              <a:cs typeface="Arial" panose="020B0604020202020204" pitchFamily="34" charset="0"/>
+            </a:endParaRPr>
+          </a:p>
+          <a:p>
+            <a:pPr marL="0" indent="0">
+              <a:lnSpc>
+                <a:spcPct val="107000"/>
+              </a:lnSpc>
+              <a:spcAft>
+                <a:spcPts val="800"/>
+              </a:spcAft>
+              <a:buNone/>
+            </a:pPr>
+            <a:r>
+              <a:rPr lang="en-US" sz="9600" dirty="0">
+                <a:solidFill>
+                  <a:srgbClr val="000000"/>
+                </a:solidFill>
+                <a:effectLst/>
+                <a:highlight>
+                  <a:srgbClr val="FFFF00"/>
+                </a:highlight>
+                <a:latin typeface="Consolas" panose="020B0609020204030204" pitchFamily="49" charset="0"/>
+                <a:ea typeface="Calibri" panose="020F0502020204030204" pitchFamily="34" charset="0"/>
+                <a:cs typeface="Consolas" panose="020B0609020204030204" pitchFamily="49" charset="0"/>
+              </a:rPr>
+              <a:t>FULL JOIN- Will return all data from both of tables include unmatched data</a:t>
+            </a:r>
+            <a:endParaRPr lang="en-US" sz="12800" dirty="0">
+              <a:effectLst/>
+              <a:latin typeface="Calibri" panose="020F0502020204030204" pitchFamily="34" charset="0"/>
+              <a:ea typeface="Calibri" panose="020F0502020204030204" pitchFamily="34" charset="0"/>
+              <a:cs typeface="Arial" panose="020B0604020202020204" pitchFamily="34" charset="0"/>
+            </a:endParaRPr>
+          </a:p>
+          <a:p>
+            <a:pPr marL="0" indent="0" algn="l">
+              <a:lnSpc>
+                <a:spcPct val="107000"/>
+              </a:lnSpc>
+              <a:spcAft>
+                <a:spcPts val="800"/>
+              </a:spcAft>
+              <a:buNone/>
+            </a:pPr>
+            <a:r>
+              <a:rPr lang="en-US" sz="9600" dirty="0">
+                <a:solidFill>
+                  <a:srgbClr val="000000"/>
+                </a:solidFill>
+                <a:effectLst/>
+                <a:highlight>
+                  <a:srgbClr val="FFFF00"/>
+                </a:highlight>
+                <a:latin typeface="Consolas" panose="020B0609020204030204" pitchFamily="49" charset="0"/>
+                <a:ea typeface="Calibri" panose="020F0502020204030204" pitchFamily="34" charset="0"/>
+                <a:cs typeface="Consolas" panose="020B0609020204030204" pitchFamily="49" charset="0"/>
+              </a:rPr>
+              <a:t>ON-is the related column</a:t>
+            </a:r>
+            <a:r>
+              <a:rPr lang="en-US" sz="9600" dirty="0">
+                <a:solidFill>
+                  <a:srgbClr val="000000"/>
+                </a:solidFill>
+                <a:highlight>
+                  <a:srgbClr val="FFFF00"/>
+                </a:highlight>
+                <a:latin typeface="Consolas" panose="020B0609020204030204" pitchFamily="49" charset="0"/>
+                <a:ea typeface="Calibri" panose="020F0502020204030204" pitchFamily="34" charset="0"/>
+                <a:cs typeface="Consolas" panose="020B0609020204030204" pitchFamily="49" charset="0"/>
+              </a:rPr>
+              <a:t> between the  tables</a:t>
+            </a:r>
+            <a:endParaRPr lang="en-US" sz="9600" dirty="0">
+              <a:effectLst/>
+              <a:latin typeface="Calibri" panose="020F0502020204030204" pitchFamily="34" charset="0"/>
+              <a:ea typeface="Calibri" panose="020F0502020204030204" pitchFamily="34" charset="0"/>
+              <a:cs typeface="Arial" panose="020B0604020202020204" pitchFamily="34" charset="0"/>
+            </a:endParaRPr>
+          </a:p>
+          <a:p>
+            <a:pPr algn="l">
+              <a:lnSpc>
+                <a:spcPct val="107000"/>
+              </a:lnSpc>
+              <a:spcAft>
+                <a:spcPts val="800"/>
+              </a:spcAft>
+            </a:pPr>
+            <a:endParaRPr lang="en-US" sz="9600" dirty="0">
+              <a:effectLst/>
+              <a:latin typeface="Calibri" panose="020F0502020204030204" pitchFamily="34" charset="0"/>
+              <a:ea typeface="Calibri" panose="020F0502020204030204" pitchFamily="34" charset="0"/>
+              <a:cs typeface="Arial" panose="020B0604020202020204" pitchFamily="34" charset="0"/>
+            </a:endParaRPr>
+          </a:p>
+          <a:p>
+            <a:pPr marL="0" indent="0" algn="l">
+              <a:lnSpc>
+                <a:spcPct val="107000"/>
+              </a:lnSpc>
+              <a:spcAft>
+                <a:spcPts val="800"/>
+              </a:spcAft>
+              <a:buNone/>
+            </a:pPr>
+            <a:endParaRPr lang="en-US" sz="9600" dirty="0">
+              <a:effectLst/>
+              <a:latin typeface="Calibri" panose="020F0502020204030204" pitchFamily="34" charset="0"/>
+              <a:ea typeface="Calibri" panose="020F0502020204030204" pitchFamily="34" charset="0"/>
+              <a:cs typeface="Arial" panose="020B0604020202020204" pitchFamily="34" charset="0"/>
+            </a:endParaRPr>
+          </a:p>
+          <a:p>
+            <a:endParaRPr lang="he-IL" sz="1800" b="1" i="0" u="none" strike="noStrike" baseline="0" dirty="0">
+              <a:latin typeface="ArialMT"/>
+            </a:endParaRPr>
+          </a:p>
+        </p:txBody>
+      </p:sp>
+      <p:sp>
+        <p:nvSpPr>
+          <p:cNvPr id="4" name="Footer Placeholder 3">
+            <a:extLst>
+              <a:ext uri="{FF2B5EF4-FFF2-40B4-BE49-F238E27FC236}">
+                <a16:creationId xmlns:a16="http://schemas.microsoft.com/office/drawing/2014/main" id="{E383C24D-BEA6-474F-A840-896AD0E01479}"/>
+              </a:ext>
+            </a:extLst>
+          </p:cNvPr>
+          <p:cNvSpPr>
+            <a:spLocks noGrp="1"/>
+          </p:cNvSpPr>
+          <p:nvPr>
+            <p:ph type="ftr" sz="quarter" idx="11"/>
+          </p:nvPr>
+        </p:nvSpPr>
+        <p:spPr/>
+        <p:txBody>
+          <a:bodyPr/>
+          <a:lstStyle/>
+          <a:p>
+            <a:r>
+              <a:rPr lang="en-US"/>
+              <a:t>avidary@gmail.com  2002 (c)</a:t>
+            </a:r>
+            <a:endParaRPr lang="he-IL"/>
+          </a:p>
+        </p:txBody>
+      </p:sp>
+    </p:spTree>
+    <p:extLst>
+      <p:ext uri="{BB962C8B-B14F-4D97-AF65-F5344CB8AC3E}">
+        <p14:creationId xmlns:p14="http://schemas.microsoft.com/office/powerpoint/2010/main" val="512006353"/>
+      </p:ext>
+    </p:extLst>
+  </p:cSld>
+  <p:clrMapOvr>
+    <a:overrideClrMapping bg1="lt1" tx1="dk1" bg2="lt2" tx2="dk2" accent1="accent1" accent2="accent2" accent3="accent3" accent4="accent4" accent5="accent5" accent6="accent6" hlink="hlink" folHlink="folHlink"/>
+  </p:clrMapOvr>
+</p:sld>
+</file>
+
+<file path=ppt/slides/slide41.xml><?xml version="1.0" encoding="utf-8"?>
+<p:sld xmlns:a="http://schemas.openxmlformats.org/drawingml/2006/main" xmlns:r="http://schemas.openxmlformats.org/officeDocument/2006/relationships" xmlns:p="http://schemas.openxmlformats.org/presentationml/2006/main">
+  <p:cSld>
+    <p:spTree>
+      <p:nvGrpSpPr>
+        <p:cNvPr id="1" name=""/>
+        <p:cNvGrpSpPr/>
+        <p:nvPr/>
+      </p:nvGrpSpPr>
+      <p:grpSpPr>
+        <a:xfrm>
+          <a:off x="0" y="0"/>
+          <a:ext cx="0" cy="0"/>
+          <a:chOff x="0" y="0"/>
+          <a:chExt cx="0" cy="0"/>
+        </a:xfrm>
+      </p:grpSpPr>
+      <p:sp>
+        <p:nvSpPr>
+          <p:cNvPr id="2" name="Title 1">
+            <a:extLst>
+              <a:ext uri="{FF2B5EF4-FFF2-40B4-BE49-F238E27FC236}">
+                <a16:creationId xmlns:a16="http://schemas.microsoft.com/office/drawing/2014/main" id="{BE5D6318-C76E-4A76-B0D4-6127F014C1EE}"/>
+              </a:ext>
+            </a:extLst>
+          </p:cNvPr>
+          <p:cNvSpPr>
+            <a:spLocks noGrp="1"/>
+          </p:cNvSpPr>
+          <p:nvPr>
+            <p:ph type="title"/>
+          </p:nvPr>
+        </p:nvSpPr>
+        <p:spPr/>
+        <p:txBody>
+          <a:bodyPr/>
+          <a:lstStyle/>
+          <a:p>
+            <a:pPr algn="r"/>
+            <a:r>
+              <a:rPr lang="he-IL" b="1" dirty="0"/>
+              <a:t>עבודה עצמית</a:t>
+            </a:r>
+            <a:endParaRPr lang="he-IL" dirty="0"/>
+          </a:p>
+        </p:txBody>
+      </p:sp>
+      <p:sp>
+        <p:nvSpPr>
+          <p:cNvPr id="3" name="Content Placeholder 2">
+            <a:extLst>
+              <a:ext uri="{FF2B5EF4-FFF2-40B4-BE49-F238E27FC236}">
+                <a16:creationId xmlns:a16="http://schemas.microsoft.com/office/drawing/2014/main" id="{3E0CD643-5062-49E7-9B33-0A24A2E3AEE0}"/>
+              </a:ext>
+            </a:extLst>
+          </p:cNvPr>
+          <p:cNvSpPr>
+            <a:spLocks noGrp="1"/>
+          </p:cNvSpPr>
+          <p:nvPr>
+            <p:ph idx="1"/>
+          </p:nvPr>
+        </p:nvSpPr>
+        <p:spPr/>
+        <p:txBody>
+          <a:bodyPr>
+            <a:normAutofit/>
+          </a:bodyPr>
+          <a:lstStyle/>
+          <a:p>
+            <a:pPr marL="0" indent="0" algn="r" rtl="1">
+              <a:buNone/>
+            </a:pPr>
+            <a:r>
+              <a:rPr lang="he-IL" sz="1800" b="1" i="0" u="none" strike="noStrike" baseline="0" dirty="0">
+                <a:latin typeface="ArialMT"/>
+              </a:rPr>
+              <a:t>נא לפתור את התרגילים  (8) בעמודים 37 מהחומר שקיבלתם</a:t>
+            </a:r>
+          </a:p>
+          <a:p>
+            <a:pPr marL="0" indent="0" algn="r" rtl="1">
+              <a:buNone/>
+            </a:pPr>
+            <a:r>
+              <a:rPr lang="he-IL" sz="1800" b="1" dirty="0">
+                <a:latin typeface="ArialMT"/>
+              </a:rPr>
+              <a:t>שם הקובץ מבוא לבסיסי נתונים ושפת </a:t>
+            </a:r>
+            <a:r>
+              <a:rPr lang="en-US" sz="1800" b="1" dirty="0">
+                <a:latin typeface="ArialMT"/>
+              </a:rPr>
+              <a:t> </a:t>
+            </a:r>
+            <a:r>
+              <a:rPr lang="en-US" sz="1800" b="1" dirty="0" err="1">
+                <a:latin typeface="ArialMT"/>
+              </a:rPr>
+              <a:t>tsql</a:t>
+            </a:r>
+            <a:endParaRPr lang="he-IL" sz="1800" b="1" dirty="0">
+              <a:latin typeface="ArialMT"/>
+            </a:endParaRPr>
+          </a:p>
+          <a:p>
+            <a:pPr marL="0" indent="0" algn="r" rtl="1">
+              <a:buNone/>
+            </a:pPr>
+            <a:r>
+              <a:rPr lang="he-IL" sz="1800" b="1" i="0" u="none" strike="noStrike" baseline="0" dirty="0">
+                <a:latin typeface="ArialMT"/>
+              </a:rPr>
+              <a:t>בהצלחה</a:t>
+            </a:r>
+          </a:p>
+          <a:p>
+            <a:pPr marL="0" indent="0" algn="r" rtl="1">
+              <a:buNone/>
+            </a:pPr>
+            <a:endParaRPr lang="he-IL" sz="1800" b="1" dirty="0">
+              <a:latin typeface="ArialMT"/>
+            </a:endParaRPr>
+          </a:p>
+          <a:p>
+            <a:pPr marL="0" indent="0" algn="r" rtl="1">
+              <a:buNone/>
+            </a:pPr>
+            <a:endParaRPr lang="he-IL" sz="1800" b="1" i="0" u="none" strike="noStrike" baseline="0" dirty="0">
+              <a:latin typeface="ArialMT"/>
+            </a:endParaRPr>
+          </a:p>
+        </p:txBody>
+      </p:sp>
+      <p:sp>
+        <p:nvSpPr>
+          <p:cNvPr id="4" name="Footer Placeholder 3">
+            <a:extLst>
+              <a:ext uri="{FF2B5EF4-FFF2-40B4-BE49-F238E27FC236}">
+                <a16:creationId xmlns:a16="http://schemas.microsoft.com/office/drawing/2014/main" id="{E383C24D-BEA6-474F-A840-896AD0E01479}"/>
+              </a:ext>
+            </a:extLst>
+          </p:cNvPr>
+          <p:cNvSpPr>
+            <a:spLocks noGrp="1"/>
+          </p:cNvSpPr>
+          <p:nvPr>
+            <p:ph type="ftr" sz="quarter" idx="11"/>
+          </p:nvPr>
+        </p:nvSpPr>
+        <p:spPr/>
+        <p:txBody>
+          <a:bodyPr/>
+          <a:lstStyle/>
+          <a:p>
+            <a:r>
+              <a:rPr lang="en-US"/>
+              <a:t>avidary@gmail.com  2002 (c)</a:t>
+            </a:r>
+            <a:endParaRPr lang="he-IL"/>
+          </a:p>
+        </p:txBody>
+      </p:sp>
+    </p:spTree>
+    <p:extLst>
+      <p:ext uri="{BB962C8B-B14F-4D97-AF65-F5344CB8AC3E}">
+        <p14:creationId xmlns:p14="http://schemas.microsoft.com/office/powerpoint/2010/main" val="3514676888"/>
+      </p:ext>
+    </p:extLst>
+  </p:cSld>
+  <p:clrMapOvr>
+    <a:masterClrMapping/>
+  </p:clrMapOvr>
+</p:sld>
+</file>
+
+<file path=ppt/slides/slide42.xml><?xml version="1.0" encoding="utf-8"?>
+<p:sld xmlns:a="http://schemas.openxmlformats.org/drawingml/2006/main" xmlns:r="http://schemas.openxmlformats.org/officeDocument/2006/relationships" xmlns:p="http://schemas.openxmlformats.org/presentationml/2006/main">
+  <p:cSld>
+    <p:spTree>
+      <p:nvGrpSpPr>
+        <p:cNvPr id="1" name=""/>
+        <p:cNvGrpSpPr/>
+        <p:nvPr/>
+      </p:nvGrpSpPr>
+      <p:grpSpPr>
+        <a:xfrm>
+          <a:off x="0" y="0"/>
+          <a:ext cx="0" cy="0"/>
+          <a:chOff x="0" y="0"/>
+          <a:chExt cx="0" cy="0"/>
+        </a:xfrm>
+      </p:grpSpPr>
+      <p:sp>
+        <p:nvSpPr>
+          <p:cNvPr id="2" name="Title 1">
+            <a:extLst>
+              <a:ext uri="{FF2B5EF4-FFF2-40B4-BE49-F238E27FC236}">
+                <a16:creationId xmlns:a16="http://schemas.microsoft.com/office/drawing/2014/main" id="{BE5D6318-C76E-4A76-B0D4-6127F014C1EE}"/>
+              </a:ext>
+            </a:extLst>
+          </p:cNvPr>
+          <p:cNvSpPr>
+            <a:spLocks noGrp="1"/>
+          </p:cNvSpPr>
+          <p:nvPr>
+            <p:ph type="title"/>
+          </p:nvPr>
+        </p:nvSpPr>
+        <p:spPr/>
+        <p:txBody>
+          <a:bodyPr/>
+          <a:lstStyle/>
+          <a:p>
+            <a:pPr algn="r"/>
+            <a:r>
+              <a:rPr lang="he-IL" b="1" dirty="0"/>
+              <a:t>סדר הרצת השאילתה </a:t>
+            </a:r>
+            <a:endParaRPr lang="he-IL" dirty="0"/>
+          </a:p>
+        </p:txBody>
+      </p:sp>
+      <p:sp>
+        <p:nvSpPr>
+          <p:cNvPr id="3" name="Content Placeholder 2">
+            <a:extLst>
+              <a:ext uri="{FF2B5EF4-FFF2-40B4-BE49-F238E27FC236}">
+                <a16:creationId xmlns:a16="http://schemas.microsoft.com/office/drawing/2014/main" id="{3E0CD643-5062-49E7-9B33-0A24A2E3AEE0}"/>
+              </a:ext>
+            </a:extLst>
+          </p:cNvPr>
+          <p:cNvSpPr>
+            <a:spLocks noGrp="1"/>
+          </p:cNvSpPr>
+          <p:nvPr>
+            <p:ph idx="1"/>
+          </p:nvPr>
+        </p:nvSpPr>
+        <p:spPr/>
+        <p:txBody>
+          <a:bodyPr>
+            <a:normAutofit/>
+          </a:bodyPr>
+          <a:lstStyle/>
+          <a:p>
+            <a:pPr marL="0" indent="0" algn="r" rtl="1">
+              <a:buNone/>
+            </a:pPr>
+            <a:endParaRPr lang="he-IL" sz="1800" b="1" dirty="0">
+              <a:latin typeface="ArialMT"/>
+            </a:endParaRPr>
+          </a:p>
+          <a:p>
+            <a:pPr marL="0" indent="0" algn="r" rtl="1">
+              <a:buNone/>
+            </a:pPr>
+            <a:endParaRPr lang="he-IL" sz="1800" b="1" i="0" u="none" strike="noStrike" baseline="0" dirty="0">
+              <a:latin typeface="ArialMT"/>
+            </a:endParaRPr>
+          </a:p>
+        </p:txBody>
+      </p:sp>
+      <p:sp>
+        <p:nvSpPr>
+          <p:cNvPr id="4" name="Footer Placeholder 3">
+            <a:extLst>
+              <a:ext uri="{FF2B5EF4-FFF2-40B4-BE49-F238E27FC236}">
+                <a16:creationId xmlns:a16="http://schemas.microsoft.com/office/drawing/2014/main" id="{E383C24D-BEA6-474F-A840-896AD0E01479}"/>
+              </a:ext>
+            </a:extLst>
+          </p:cNvPr>
+          <p:cNvSpPr>
+            <a:spLocks noGrp="1"/>
+          </p:cNvSpPr>
+          <p:nvPr>
+            <p:ph type="ftr" sz="quarter" idx="11"/>
+          </p:nvPr>
+        </p:nvSpPr>
+        <p:spPr/>
+        <p:txBody>
+          <a:bodyPr/>
+          <a:lstStyle/>
+          <a:p>
+            <a:r>
+              <a:rPr lang="en-US"/>
+              <a:t>avidary@gmail.com  2002 (c)</a:t>
+            </a:r>
+            <a:endParaRPr lang="he-IL"/>
+          </a:p>
+        </p:txBody>
+      </p:sp>
+      <p:sp>
+        <p:nvSpPr>
+          <p:cNvPr id="5" name="Title 1">
+            <a:extLst>
+              <a:ext uri="{FF2B5EF4-FFF2-40B4-BE49-F238E27FC236}">
+                <a16:creationId xmlns:a16="http://schemas.microsoft.com/office/drawing/2014/main" id="{8DBB97E6-F546-4D5B-AFA4-57F21DF173C9}"/>
+              </a:ext>
+            </a:extLst>
+          </p:cNvPr>
+          <p:cNvSpPr txBox="1">
+            <a:spLocks/>
+          </p:cNvSpPr>
+          <p:nvPr/>
+        </p:nvSpPr>
+        <p:spPr>
+          <a:xfrm>
+            <a:off x="-2005139" y="341644"/>
+            <a:ext cx="8101139" cy="668008"/>
+          </a:xfrm>
+          <a:prstGeom prst="rect">
+            <a:avLst/>
+          </a:prstGeom>
+        </p:spPr>
+        <p:txBody>
+          <a:bodyPr vert="horz" lIns="91440" tIns="45720" rIns="91440" bIns="45720" rtlCol="0" anchor="ctr">
+            <a:normAutofit lnSpcReduction="10000"/>
+          </a:bodyPr>
+          <a:lstStyle>
+            <a:lvl1pPr algn="l" defTabSz="914400" rtl="0" eaLnBrk="1" latinLnBrk="0" hangingPunct="1">
+              <a:lnSpc>
+                <a:spcPct val="90000"/>
+              </a:lnSpc>
+              <a:spcBef>
+                <a:spcPct val="0"/>
+              </a:spcBef>
+              <a:buNone/>
+              <a:defRPr sz="4400" kern="1200">
+                <a:solidFill>
+                  <a:schemeClr val="tx1"/>
+                </a:solidFill>
+                <a:latin typeface="+mj-lt"/>
+                <a:ea typeface="+mj-ea"/>
+                <a:cs typeface="+mj-cs"/>
+              </a:defRPr>
+            </a:lvl1pPr>
+          </a:lstStyle>
+          <a:p>
+            <a:pPr algn="r"/>
+            <a:endParaRPr lang="he-IL" dirty="0"/>
+          </a:p>
+        </p:txBody>
+      </p:sp>
+      <p:pic>
+        <p:nvPicPr>
+          <p:cNvPr id="6" name="Picture 2" descr="enter image description here">
+            <a:extLst>
+              <a:ext uri="{FF2B5EF4-FFF2-40B4-BE49-F238E27FC236}">
+                <a16:creationId xmlns:a16="http://schemas.microsoft.com/office/drawing/2014/main" id="{27039E13-7C39-46E7-B5D4-4B6A2E4B870A}"/>
+              </a:ext>
+            </a:extLst>
+          </p:cNvPr>
+          <p:cNvPicPr>
+            <a:picLocks noChangeAspect="1" noChangeArrowheads="1"/>
+          </p:cNvPicPr>
+          <p:nvPr/>
+        </p:nvPicPr>
+        <p:blipFill>
+          <a:blip r:embed="rId2">
+            <a:extLst>
+              <a:ext uri="{28A0092B-C50C-407E-A947-70E740481C1C}">
+                <a14:useLocalDpi xmlns:a14="http://schemas.microsoft.com/office/drawing/2010/main" val="0"/>
+              </a:ext>
+            </a:extLst>
+          </a:blip>
+          <a:srcRect/>
+          <a:stretch>
+            <a:fillRect/>
+          </a:stretch>
+        </p:blipFill>
+        <p:spPr bwMode="auto">
+          <a:xfrm>
+            <a:off x="996824" y="893612"/>
+            <a:ext cx="3474537" cy="5283351"/>
+          </a:xfrm>
+          <a:prstGeom prst="rect">
+            <a:avLst/>
+          </a:prstGeom>
+          <a:noFill/>
+          <a:extLst>
+            <a:ext uri="{909E8E84-426E-40DD-AFC4-6F175D3DCCD1}">
+              <a14:hiddenFill xmlns:a14="http://schemas.microsoft.com/office/drawing/2010/main">
+                <a:solidFill>
+                  <a:srgbClr val="FFFFFF"/>
+                </a:solidFill>
+              </a14:hiddenFill>
+            </a:ext>
+          </a:extLst>
+        </p:spPr>
+      </p:pic>
+    </p:spTree>
+    <p:extLst>
+      <p:ext uri="{BB962C8B-B14F-4D97-AF65-F5344CB8AC3E}">
+        <p14:creationId xmlns:p14="http://schemas.microsoft.com/office/powerpoint/2010/main" val="1654950889"/>
+      </p:ext>
+    </p:extLst>
+  </p:cSld>
+  <p:clrMapOvr>
+    <a:masterClrMapping/>
+  </p:clrMapOvr>
+</p:sld>
+</file>
+
+<file path=ppt/slides/slide43.xml><?xml version="1.0" encoding="utf-8"?>
+<p:sld xmlns:a="http://schemas.openxmlformats.org/drawingml/2006/main" xmlns:r="http://schemas.openxmlformats.org/officeDocument/2006/relationships" xmlns:p="http://schemas.openxmlformats.org/presentationml/2006/main">
+  <p:cSld>
+    <p:spTree>
+      <p:nvGrpSpPr>
+        <p:cNvPr id="1" name=""/>
+        <p:cNvGrpSpPr/>
+        <p:nvPr/>
+      </p:nvGrpSpPr>
+      <p:grpSpPr>
+        <a:xfrm>
+          <a:off x="0" y="0"/>
+          <a:ext cx="0" cy="0"/>
+          <a:chOff x="0" y="0"/>
+          <a:chExt cx="0" cy="0"/>
+        </a:xfrm>
+      </p:grpSpPr>
+      <p:sp>
+        <p:nvSpPr>
+          <p:cNvPr id="2" name="Title 1">
+            <a:extLst>
+              <a:ext uri="{FF2B5EF4-FFF2-40B4-BE49-F238E27FC236}">
+                <a16:creationId xmlns:a16="http://schemas.microsoft.com/office/drawing/2014/main" id="{BE5D6318-C76E-4A76-B0D4-6127F014C1EE}"/>
+              </a:ext>
+            </a:extLst>
+          </p:cNvPr>
+          <p:cNvSpPr>
+            <a:spLocks noGrp="1"/>
+          </p:cNvSpPr>
+          <p:nvPr>
+            <p:ph type="title"/>
+          </p:nvPr>
+        </p:nvSpPr>
+        <p:spPr/>
+        <p:txBody>
+          <a:bodyPr/>
+          <a:lstStyle/>
+          <a:p>
+            <a:r>
+              <a:rPr lang="en-US" b="1" dirty="0"/>
+              <a:t>DML - </a:t>
+            </a:r>
+            <a:r>
+              <a:rPr lang="en-US" b="0" i="0" u="none" strike="noStrike" baseline="0" dirty="0">
+                <a:latin typeface="Arial" panose="020B0604020202020204" pitchFamily="34" charset="0"/>
+              </a:rPr>
+              <a:t>Data Manipulation Language</a:t>
+            </a:r>
+            <a:endParaRPr lang="he-IL" dirty="0"/>
+          </a:p>
+        </p:txBody>
+      </p:sp>
+      <p:sp>
+        <p:nvSpPr>
+          <p:cNvPr id="3" name="Content Placeholder 2">
+            <a:extLst>
+              <a:ext uri="{FF2B5EF4-FFF2-40B4-BE49-F238E27FC236}">
+                <a16:creationId xmlns:a16="http://schemas.microsoft.com/office/drawing/2014/main" id="{3E0CD643-5062-49E7-9B33-0A24A2E3AEE0}"/>
+              </a:ext>
+            </a:extLst>
+          </p:cNvPr>
+          <p:cNvSpPr>
+            <a:spLocks noGrp="1"/>
+          </p:cNvSpPr>
+          <p:nvPr>
+            <p:ph idx="1"/>
+          </p:nvPr>
+        </p:nvSpPr>
+        <p:spPr/>
+        <p:txBody>
+          <a:bodyPr>
+            <a:normAutofit/>
+          </a:bodyPr>
+          <a:lstStyle/>
+          <a:p>
+            <a:pPr marL="0" indent="0" algn="r" rtl="1">
+              <a:buNone/>
+            </a:pPr>
+            <a:r>
+              <a:rPr lang="he-IL" sz="1800" b="1" dirty="0">
+                <a:latin typeface="ArialMT"/>
+              </a:rPr>
+              <a:t>פקודות </a:t>
+            </a:r>
+            <a:r>
+              <a:rPr lang="en-US" sz="1800" b="1" dirty="0">
+                <a:latin typeface="ArialMT"/>
+              </a:rPr>
+              <a:t> DML </a:t>
+            </a:r>
+            <a:r>
+              <a:rPr lang="he-IL" sz="1800" b="1" dirty="0">
+                <a:latin typeface="ArialMT"/>
+              </a:rPr>
+              <a:t>הינן אחראיות על שינויים בבסיס הנתונים.</a:t>
+            </a:r>
+          </a:p>
+          <a:p>
+            <a:pPr marL="0" indent="0" algn="r" rtl="1">
+              <a:buNone/>
+            </a:pPr>
+            <a:r>
+              <a:rPr lang="he-IL" sz="1800" b="1" dirty="0">
+                <a:latin typeface="ArialMT"/>
+              </a:rPr>
+              <a:t>קיימות 3 פקודות בסיסיות :</a:t>
+            </a:r>
+          </a:p>
+          <a:p>
+            <a:pPr marL="0" indent="0" algn="r" rtl="1">
+              <a:buNone/>
+            </a:pPr>
+            <a:r>
+              <a:rPr lang="en-US" sz="1800" b="1" dirty="0">
+                <a:latin typeface="ArialMT"/>
+              </a:rPr>
+              <a:t>Insert - </a:t>
+            </a:r>
+            <a:r>
+              <a:rPr lang="he-IL" sz="1800" b="1" dirty="0">
+                <a:latin typeface="ArialMT"/>
+              </a:rPr>
+              <a:t> הוספת רשומה </a:t>
+            </a:r>
+          </a:p>
+          <a:p>
+            <a:pPr marL="0" indent="0" algn="r" rtl="1">
+              <a:buNone/>
+            </a:pPr>
+            <a:r>
+              <a:rPr lang="en-US" sz="1800" b="1" dirty="0">
+                <a:latin typeface="ArialMT"/>
+              </a:rPr>
+              <a:t>Update - </a:t>
+            </a:r>
+            <a:r>
+              <a:rPr lang="he-IL" sz="1800" b="1" dirty="0">
+                <a:latin typeface="ArialMT"/>
+              </a:rPr>
+              <a:t> עדכון רשומה </a:t>
+            </a:r>
+          </a:p>
+          <a:p>
+            <a:pPr marL="0" indent="0" algn="r" rtl="1">
+              <a:buNone/>
+            </a:pPr>
+            <a:r>
+              <a:rPr lang="en-US" sz="1800" b="1" dirty="0">
+                <a:latin typeface="ArialMT"/>
+              </a:rPr>
+              <a:t>Delete - </a:t>
+            </a:r>
+            <a:r>
+              <a:rPr lang="he-IL" sz="1800" b="1" dirty="0">
+                <a:latin typeface="ArialMT"/>
+              </a:rPr>
+              <a:t> מחיקת רשומה </a:t>
+            </a:r>
+          </a:p>
+          <a:p>
+            <a:pPr marL="0" indent="0" algn="r" rtl="1">
+              <a:buNone/>
+            </a:pPr>
+            <a:endParaRPr lang="he-IL" sz="1800" b="1" i="0" u="none" strike="noStrike" baseline="0" dirty="0">
+              <a:latin typeface="ArialMT"/>
+            </a:endParaRPr>
+          </a:p>
+        </p:txBody>
+      </p:sp>
+      <p:sp>
+        <p:nvSpPr>
+          <p:cNvPr id="4" name="Footer Placeholder 3">
+            <a:extLst>
+              <a:ext uri="{FF2B5EF4-FFF2-40B4-BE49-F238E27FC236}">
+                <a16:creationId xmlns:a16="http://schemas.microsoft.com/office/drawing/2014/main" id="{E383C24D-BEA6-474F-A840-896AD0E01479}"/>
+              </a:ext>
+            </a:extLst>
+          </p:cNvPr>
+          <p:cNvSpPr>
+            <a:spLocks noGrp="1"/>
+          </p:cNvSpPr>
+          <p:nvPr>
+            <p:ph type="ftr" sz="quarter" idx="11"/>
+          </p:nvPr>
+        </p:nvSpPr>
+        <p:spPr/>
+        <p:txBody>
+          <a:bodyPr/>
+          <a:lstStyle/>
+          <a:p>
+            <a:r>
+              <a:rPr lang="en-US"/>
+              <a:t>avidary@gmail.com  2002 (c)</a:t>
+            </a:r>
+            <a:endParaRPr lang="he-IL"/>
+          </a:p>
+        </p:txBody>
+      </p:sp>
+    </p:spTree>
+    <p:extLst>
+      <p:ext uri="{BB962C8B-B14F-4D97-AF65-F5344CB8AC3E}">
+        <p14:creationId xmlns:p14="http://schemas.microsoft.com/office/powerpoint/2010/main" val="2504531988"/>
+      </p:ext>
+    </p:extLst>
+  </p:cSld>
+  <p:clrMapOvr>
+    <a:masterClrMapping/>
+  </p:clrMapOvr>
+</p:sld>
+</file>
+
+<file path=ppt/slides/slide44.xml><?xml version="1.0" encoding="utf-8"?>
+<p:sld xmlns:a="http://schemas.openxmlformats.org/drawingml/2006/main" xmlns:r="http://schemas.openxmlformats.org/officeDocument/2006/relationships" xmlns:p="http://schemas.openxmlformats.org/presentationml/2006/main">
+  <p:cSld>
+    <p:spTree>
+      <p:nvGrpSpPr>
+        <p:cNvPr id="1" name=""/>
+        <p:cNvGrpSpPr/>
+        <p:nvPr/>
+      </p:nvGrpSpPr>
+      <p:grpSpPr>
+        <a:xfrm>
+          <a:off x="0" y="0"/>
+          <a:ext cx="0" cy="0"/>
+          <a:chOff x="0" y="0"/>
+          <a:chExt cx="0" cy="0"/>
+        </a:xfrm>
+      </p:grpSpPr>
+      <p:sp>
+        <p:nvSpPr>
+          <p:cNvPr id="2" name="Title 1">
+            <a:extLst>
+              <a:ext uri="{FF2B5EF4-FFF2-40B4-BE49-F238E27FC236}">
+                <a16:creationId xmlns:a16="http://schemas.microsoft.com/office/drawing/2014/main" id="{4A1CD3CD-E874-4713-AAC8-6531E392E140}"/>
+              </a:ext>
+            </a:extLst>
+          </p:cNvPr>
+          <p:cNvSpPr>
+            <a:spLocks noGrp="1"/>
+          </p:cNvSpPr>
+          <p:nvPr>
+            <p:ph type="title"/>
+          </p:nvPr>
+        </p:nvSpPr>
+        <p:spPr/>
+        <p:txBody>
+          <a:bodyPr/>
+          <a:lstStyle/>
+          <a:p>
+            <a:endParaRPr lang="he-IL"/>
+          </a:p>
+        </p:txBody>
+      </p:sp>
+      <p:sp>
+        <p:nvSpPr>
+          <p:cNvPr id="3" name="Content Placeholder 2">
+            <a:extLst>
+              <a:ext uri="{FF2B5EF4-FFF2-40B4-BE49-F238E27FC236}">
+                <a16:creationId xmlns:a16="http://schemas.microsoft.com/office/drawing/2014/main" id="{7E4A14D9-178D-4D16-9180-6D625AB7FFB1}"/>
+              </a:ext>
+            </a:extLst>
+          </p:cNvPr>
+          <p:cNvSpPr>
+            <a:spLocks noGrp="1"/>
+          </p:cNvSpPr>
+          <p:nvPr>
+            <p:ph idx="1"/>
+          </p:nvPr>
+        </p:nvSpPr>
+        <p:spPr/>
+        <p:txBody>
+          <a:bodyPr/>
+          <a:lstStyle/>
+          <a:p>
+            <a:endParaRPr lang="he-IL"/>
+          </a:p>
+        </p:txBody>
+      </p:sp>
+      <p:sp>
+        <p:nvSpPr>
+          <p:cNvPr id="4" name="Footer Placeholder 3">
+            <a:extLst>
+              <a:ext uri="{FF2B5EF4-FFF2-40B4-BE49-F238E27FC236}">
+                <a16:creationId xmlns:a16="http://schemas.microsoft.com/office/drawing/2014/main" id="{9298EC29-7E6E-4B19-B80F-80800A644455}"/>
+              </a:ext>
+            </a:extLst>
+          </p:cNvPr>
+          <p:cNvSpPr>
+            <a:spLocks noGrp="1"/>
+          </p:cNvSpPr>
+          <p:nvPr>
+            <p:ph type="ftr" sz="quarter" idx="11"/>
+          </p:nvPr>
+        </p:nvSpPr>
+        <p:spPr/>
+        <p:txBody>
+          <a:bodyPr/>
+          <a:lstStyle/>
+          <a:p>
+            <a:r>
+              <a:rPr lang="en-US"/>
+              <a:t>avidary@gmail.com  2002 (c)</a:t>
+            </a:r>
+            <a:endParaRPr lang="he-IL"/>
+          </a:p>
+        </p:txBody>
+      </p:sp>
+    </p:spTree>
+    <p:extLst>
+      <p:ext uri="{BB962C8B-B14F-4D97-AF65-F5344CB8AC3E}">
+        <p14:creationId xmlns:p14="http://schemas.microsoft.com/office/powerpoint/2010/main" val="489067156"/>
+      </p:ext>
+    </p:extLst>
+  </p:cSld>
+  <p:clrMapOvr>
+    <a:masterClrMapping/>
+  </p:clrMapOvr>
+</p:sld>
+</file>
+
+<file path=ppt/slides/slide45.xml><?xml version="1.0" encoding="utf-8"?>
+<p:sld xmlns:a="http://schemas.openxmlformats.org/drawingml/2006/main" xmlns:r="http://schemas.openxmlformats.org/officeDocument/2006/relationships" xmlns:p="http://schemas.openxmlformats.org/presentationml/2006/main">
+  <p:cSld>
+    <p:spTree>
+      <p:nvGrpSpPr>
+        <p:cNvPr id="1" name=""/>
+        <p:cNvGrpSpPr/>
+        <p:nvPr/>
+      </p:nvGrpSpPr>
+      <p:grpSpPr>
+        <a:xfrm>
+          <a:off x="0" y="0"/>
+          <a:ext cx="0" cy="0"/>
+          <a:chOff x="0" y="0"/>
+          <a:chExt cx="0" cy="0"/>
+        </a:xfrm>
+      </p:grpSpPr>
+      <p:sp>
+        <p:nvSpPr>
+          <p:cNvPr id="2" name="Title 1">
+            <a:extLst>
+              <a:ext uri="{FF2B5EF4-FFF2-40B4-BE49-F238E27FC236}">
+                <a16:creationId xmlns:a16="http://schemas.microsoft.com/office/drawing/2014/main" id="{BE5D6318-C76E-4A76-B0D4-6127F014C1EE}"/>
+              </a:ext>
+            </a:extLst>
+          </p:cNvPr>
+          <p:cNvSpPr>
+            <a:spLocks noGrp="1"/>
+          </p:cNvSpPr>
+          <p:nvPr>
+            <p:ph type="title"/>
+          </p:nvPr>
+        </p:nvSpPr>
+        <p:spPr/>
+        <p:txBody>
+          <a:bodyPr/>
+          <a:lstStyle/>
+          <a:p>
+            <a:pPr algn="r"/>
+            <a:r>
+              <a:rPr lang="he-IL" dirty="0"/>
+              <a:t>התניות</a:t>
+            </a:r>
+          </a:p>
+        </p:txBody>
+      </p:sp>
+      <p:sp>
+        <p:nvSpPr>
+          <p:cNvPr id="3" name="Content Placeholder 2">
+            <a:extLst>
+              <a:ext uri="{FF2B5EF4-FFF2-40B4-BE49-F238E27FC236}">
+                <a16:creationId xmlns:a16="http://schemas.microsoft.com/office/drawing/2014/main" id="{3E0CD643-5062-49E7-9B33-0A24A2E3AEE0}"/>
+              </a:ext>
+            </a:extLst>
+          </p:cNvPr>
+          <p:cNvSpPr>
+            <a:spLocks noGrp="1"/>
+          </p:cNvSpPr>
+          <p:nvPr>
+            <p:ph idx="1"/>
+          </p:nvPr>
+        </p:nvSpPr>
+        <p:spPr/>
+        <p:txBody>
+          <a:bodyPr>
+            <a:normAutofit fontScale="92500" lnSpcReduction="10000"/>
+          </a:bodyPr>
+          <a:lstStyle/>
+          <a:p>
+            <a:pPr marL="685800" algn="r" rtl="1">
+              <a:lnSpc>
+                <a:spcPct val="115000"/>
+              </a:lnSpc>
+            </a:pPr>
+            <a:r>
+              <a:rPr lang="he-IL" sz="2400" dirty="0">
+                <a:effectLst/>
+                <a:latin typeface="Calibri" panose="020F0502020204030204" pitchFamily="34" charset="0"/>
+                <a:ea typeface="Calibri" panose="020F0502020204030204" pitchFamily="34" charset="0"/>
+                <a:cs typeface="Gisha" panose="020B0502040204020203" pitchFamily="34" charset="-79"/>
+              </a:rPr>
+              <a:t>על מנת למקד את </a:t>
+            </a:r>
+            <a:r>
+              <a:rPr lang="he-IL" sz="2400" dirty="0" err="1">
+                <a:effectLst/>
+                <a:latin typeface="Calibri" panose="020F0502020204030204" pitchFamily="34" charset="0"/>
+                <a:ea typeface="Calibri" panose="020F0502020204030204" pitchFamily="34" charset="0"/>
+                <a:cs typeface="Gisha" panose="020B0502040204020203" pitchFamily="34" charset="-79"/>
+              </a:rPr>
+              <a:t>השאילתא</a:t>
+            </a:r>
+            <a:r>
+              <a:rPr lang="he-IL" sz="2400" dirty="0">
+                <a:effectLst/>
+                <a:latin typeface="Calibri" panose="020F0502020204030204" pitchFamily="34" charset="0"/>
+                <a:ea typeface="Calibri" panose="020F0502020204030204" pitchFamily="34" charset="0"/>
+                <a:cs typeface="Gisha" panose="020B0502040204020203" pitchFamily="34" charset="-79"/>
+              </a:rPr>
+              <a:t> יש צורך לבצע סינונים:</a:t>
+            </a:r>
+            <a:endParaRPr lang="en-US" sz="2400" dirty="0">
+              <a:effectLst/>
+              <a:latin typeface="Calibri" panose="020F0502020204030204" pitchFamily="34" charset="0"/>
+              <a:ea typeface="Calibri" panose="020F0502020204030204" pitchFamily="34" charset="0"/>
+              <a:cs typeface="Arial" panose="020B0604020202020204" pitchFamily="34" charset="0"/>
+            </a:endParaRPr>
+          </a:p>
+          <a:p>
+            <a:pPr marL="685800" algn="r" rtl="1">
+              <a:lnSpc>
+                <a:spcPct val="115000"/>
+              </a:lnSpc>
+            </a:pPr>
+            <a:r>
+              <a:rPr lang="he-IL" sz="2400" b="1" u="sng" dirty="0">
+                <a:effectLst/>
+                <a:latin typeface="Calibri" panose="020F0502020204030204" pitchFamily="34" charset="0"/>
+                <a:ea typeface="Calibri" panose="020F0502020204030204" pitchFamily="34" charset="0"/>
+                <a:cs typeface="Gisha" panose="020B0502040204020203" pitchFamily="34" charset="-79"/>
+              </a:rPr>
+              <a:t>תחביר:</a:t>
+            </a:r>
+            <a:endParaRPr lang="en-US" sz="2400" dirty="0">
+              <a:effectLst/>
+              <a:latin typeface="Calibri" panose="020F0502020204030204" pitchFamily="34" charset="0"/>
+              <a:ea typeface="Calibri" panose="020F0502020204030204" pitchFamily="34" charset="0"/>
+              <a:cs typeface="Arial" panose="020B0604020202020204" pitchFamily="34" charset="0"/>
+            </a:endParaRPr>
+          </a:p>
+          <a:p>
+            <a:pPr marL="457200" indent="0" algn="l" rtl="0">
+              <a:lnSpc>
+                <a:spcPct val="115000"/>
+              </a:lnSpc>
+              <a:spcAft>
+                <a:spcPts val="1000"/>
+              </a:spcAft>
+              <a:buNone/>
+            </a:pPr>
+            <a:r>
+              <a:rPr lang="en-US" sz="2400" dirty="0">
+                <a:effectLst/>
+                <a:latin typeface="Gisha" panose="020B0502040204020203" pitchFamily="34" charset="-79"/>
+                <a:ea typeface="Calibri" panose="020F0502020204030204" pitchFamily="34" charset="0"/>
+                <a:cs typeface="Arial" panose="020B0604020202020204" pitchFamily="34" charset="0"/>
+              </a:rPr>
+              <a:t>Select * From </a:t>
+            </a:r>
+            <a:r>
+              <a:rPr lang="en-US" sz="2400" dirty="0" err="1">
+                <a:effectLst/>
+                <a:latin typeface="Gisha" panose="020B0502040204020203" pitchFamily="34" charset="-79"/>
+                <a:ea typeface="Calibri" panose="020F0502020204030204" pitchFamily="34" charset="0"/>
+                <a:cs typeface="Arial" panose="020B0604020202020204" pitchFamily="34" charset="0"/>
+              </a:rPr>
+              <a:t>Table_name</a:t>
+            </a:r>
+            <a:endParaRPr lang="en-US" sz="2400" dirty="0">
+              <a:effectLst/>
+              <a:latin typeface="Gisha" panose="020B0502040204020203" pitchFamily="34" charset="-79"/>
+              <a:ea typeface="Calibri" panose="020F0502020204030204" pitchFamily="34" charset="0"/>
+              <a:cs typeface="Arial" panose="020B0604020202020204" pitchFamily="34" charset="0"/>
+            </a:endParaRPr>
+          </a:p>
+          <a:p>
+            <a:pPr marL="457200" indent="0" algn="l" rtl="0">
+              <a:lnSpc>
+                <a:spcPct val="115000"/>
+              </a:lnSpc>
+              <a:spcAft>
+                <a:spcPts val="1000"/>
+              </a:spcAft>
+              <a:buNone/>
+            </a:pPr>
+            <a:r>
+              <a:rPr lang="en-US" sz="2400" b="1" dirty="0">
+                <a:effectLst/>
+                <a:latin typeface="Gisha" panose="020B0502040204020203" pitchFamily="34" charset="-79"/>
+                <a:ea typeface="Calibri" panose="020F0502020204030204" pitchFamily="34" charset="0"/>
+                <a:cs typeface="Arial" panose="020B0604020202020204" pitchFamily="34" charset="0"/>
+              </a:rPr>
+              <a:t>Where</a:t>
+            </a:r>
+            <a:r>
+              <a:rPr lang="en-US" sz="2400" dirty="0">
+                <a:effectLst/>
+                <a:latin typeface="Gisha" panose="020B0502040204020203" pitchFamily="34" charset="-79"/>
+                <a:ea typeface="Calibri" panose="020F0502020204030204" pitchFamily="34" charset="0"/>
+                <a:cs typeface="Arial" panose="020B0604020202020204" pitchFamily="34" charset="0"/>
+              </a:rPr>
+              <a:t> X=Y </a:t>
+            </a:r>
+            <a:r>
+              <a:rPr lang="en-US" sz="2400" b="1" dirty="0">
+                <a:effectLst/>
+                <a:latin typeface="Gisha" panose="020B0502040204020203" pitchFamily="34" charset="-79"/>
+                <a:ea typeface="Calibri" panose="020F0502020204030204" pitchFamily="34" charset="0"/>
+                <a:cs typeface="Arial" panose="020B0604020202020204" pitchFamily="34" charset="0"/>
+              </a:rPr>
+              <a:t>And</a:t>
+            </a:r>
+            <a:r>
+              <a:rPr lang="en-US" sz="2400" dirty="0">
+                <a:effectLst/>
+                <a:latin typeface="Gisha" panose="020B0502040204020203" pitchFamily="34" charset="-79"/>
+                <a:ea typeface="Calibri" panose="020F0502020204030204" pitchFamily="34" charset="0"/>
+                <a:cs typeface="Arial" panose="020B0604020202020204" pitchFamily="34" charset="0"/>
+              </a:rPr>
+              <a:t> Y&gt;Z</a:t>
+            </a:r>
+            <a:endParaRPr lang="en-US" sz="2400" dirty="0">
+              <a:effectLst/>
+              <a:latin typeface="Calibri" panose="020F0502020204030204" pitchFamily="34" charset="0"/>
+              <a:ea typeface="Calibri" panose="020F0502020204030204" pitchFamily="34" charset="0"/>
+              <a:cs typeface="Arial" panose="020B0604020202020204" pitchFamily="34" charset="0"/>
+            </a:endParaRPr>
+          </a:p>
+          <a:p>
+            <a:pPr marL="457200" indent="0" algn="l" rtl="0">
+              <a:lnSpc>
+                <a:spcPct val="115000"/>
+              </a:lnSpc>
+              <a:spcAft>
+                <a:spcPts val="1000"/>
+              </a:spcAft>
+              <a:buNone/>
+            </a:pPr>
+            <a:r>
+              <a:rPr lang="en-US" sz="2400" dirty="0">
+                <a:effectLst/>
+                <a:latin typeface="Gisha" panose="020B0502040204020203" pitchFamily="34" charset="-79"/>
+                <a:ea typeface="Calibri" panose="020F0502020204030204" pitchFamily="34" charset="0"/>
+                <a:cs typeface="Arial" panose="020B0604020202020204" pitchFamily="34" charset="0"/>
+              </a:rPr>
+              <a:t>And …</a:t>
+            </a:r>
+            <a:endParaRPr lang="en-US" sz="2400" dirty="0">
+              <a:effectLst/>
+              <a:latin typeface="Calibri" panose="020F0502020204030204" pitchFamily="34" charset="0"/>
+              <a:ea typeface="Calibri" panose="020F0502020204030204" pitchFamily="34" charset="0"/>
+              <a:cs typeface="Arial" panose="020B0604020202020204" pitchFamily="34" charset="0"/>
+            </a:endParaRPr>
+          </a:p>
+          <a:p>
+            <a:pPr marL="685800" algn="r" rtl="1">
+              <a:lnSpc>
+                <a:spcPct val="115000"/>
+              </a:lnSpc>
+            </a:pPr>
+            <a:r>
+              <a:rPr lang="he-IL" sz="2400" dirty="0">
+                <a:effectLst/>
+                <a:latin typeface="Calibri" panose="020F0502020204030204" pitchFamily="34" charset="0"/>
+                <a:ea typeface="Calibri" panose="020F0502020204030204" pitchFamily="34" charset="0"/>
+                <a:cs typeface="Gisha" panose="020B0502040204020203" pitchFamily="34" charset="-79"/>
+              </a:rPr>
+              <a:t>דגשים- כאשר ממבצעים התניה/השוואה בין 2 שדות- הן חייבות להיות מאותו הסוג (זה יכול לעבוד עד אשר יהיה ערך שונה).** למשל קוד שמוגדר כמחרוזת ויש לו תחילית של 0</a:t>
+            </a:r>
+            <a:endParaRPr lang="en-US" sz="2400" dirty="0">
+              <a:effectLst/>
+              <a:latin typeface="Calibri" panose="020F0502020204030204" pitchFamily="34" charset="0"/>
+              <a:ea typeface="Calibri" panose="020F0502020204030204" pitchFamily="34" charset="0"/>
+              <a:cs typeface="Arial" panose="020B0604020202020204" pitchFamily="34" charset="0"/>
+            </a:endParaRPr>
+          </a:p>
+          <a:p>
+            <a:pPr marL="685800" algn="r" rtl="1">
+              <a:lnSpc>
+                <a:spcPct val="115000"/>
+              </a:lnSpc>
+              <a:spcAft>
+                <a:spcPts val="1000"/>
+              </a:spcAft>
+            </a:pPr>
+            <a:r>
+              <a:rPr lang="he-IL" sz="2400" dirty="0">
+                <a:effectLst/>
+                <a:latin typeface="Calibri" panose="020F0502020204030204" pitchFamily="34" charset="0"/>
+                <a:ea typeface="Calibri" panose="020F0502020204030204" pitchFamily="34" charset="0"/>
+                <a:cs typeface="Gisha" panose="020B0502040204020203" pitchFamily="34" charset="-79"/>
+              </a:rPr>
+              <a:t>תנאים פשוטים: (=, &lt;, &lt;=, &gt;, =&gt;, &gt;&lt; , =! ,  </a:t>
+            </a:r>
+            <a:r>
+              <a:rPr lang="en-US" sz="2400" dirty="0">
+                <a:effectLst/>
+                <a:latin typeface="Gisha" panose="020B0502040204020203" pitchFamily="34" charset="-79"/>
+                <a:ea typeface="Calibri" panose="020F0502020204030204" pitchFamily="34" charset="0"/>
+                <a:cs typeface="Arial" panose="020B0604020202020204" pitchFamily="34" charset="0"/>
+              </a:rPr>
+              <a:t>between</a:t>
+            </a:r>
+            <a:r>
+              <a:rPr lang="he-IL" sz="2400" dirty="0">
+                <a:effectLst/>
+                <a:latin typeface="Calibri" panose="020F0502020204030204" pitchFamily="34" charset="0"/>
+                <a:ea typeface="Calibri" panose="020F0502020204030204" pitchFamily="34" charset="0"/>
+                <a:cs typeface="Gisha" panose="020B0502040204020203" pitchFamily="34" charset="-79"/>
+              </a:rPr>
+              <a:t>, </a:t>
+            </a:r>
+            <a:r>
+              <a:rPr lang="en-US" sz="2400" dirty="0">
+                <a:effectLst/>
+                <a:latin typeface="Gisha" panose="020B0502040204020203" pitchFamily="34" charset="-79"/>
+                <a:ea typeface="Calibri" panose="020F0502020204030204" pitchFamily="34" charset="0"/>
+                <a:cs typeface="Arial" panose="020B0604020202020204" pitchFamily="34" charset="0"/>
+              </a:rPr>
+              <a:t>in </a:t>
+            </a:r>
+            <a:r>
+              <a:rPr lang="he-IL" sz="2400" dirty="0">
+                <a:effectLst/>
+                <a:latin typeface="Calibri" panose="020F0502020204030204" pitchFamily="34" charset="0"/>
+                <a:ea typeface="Calibri" panose="020F0502020204030204" pitchFamily="34" charset="0"/>
+                <a:cs typeface="Gisha" panose="020B0502040204020203" pitchFamily="34" charset="-79"/>
+              </a:rPr>
+              <a:t>)</a:t>
+            </a:r>
+            <a:endParaRPr lang="en-US" sz="2400" dirty="0">
+              <a:effectLst/>
+              <a:latin typeface="Calibri" panose="020F0502020204030204" pitchFamily="34" charset="0"/>
+              <a:ea typeface="Calibri" panose="020F0502020204030204" pitchFamily="34" charset="0"/>
+              <a:cs typeface="Arial" panose="020B0604020202020204" pitchFamily="34" charset="0"/>
+            </a:endParaRPr>
+          </a:p>
+          <a:p>
+            <a:endParaRPr lang="he-IL" dirty="0"/>
+          </a:p>
+        </p:txBody>
+      </p:sp>
+      <p:sp>
+        <p:nvSpPr>
+          <p:cNvPr id="4" name="Footer Placeholder 3">
+            <a:extLst>
+              <a:ext uri="{FF2B5EF4-FFF2-40B4-BE49-F238E27FC236}">
+                <a16:creationId xmlns:a16="http://schemas.microsoft.com/office/drawing/2014/main" id="{E383C24D-BEA6-474F-A840-896AD0E01479}"/>
+              </a:ext>
+            </a:extLst>
+          </p:cNvPr>
+          <p:cNvSpPr>
+            <a:spLocks noGrp="1"/>
+          </p:cNvSpPr>
+          <p:nvPr>
+            <p:ph type="ftr" sz="quarter" idx="11"/>
+          </p:nvPr>
+        </p:nvSpPr>
+        <p:spPr/>
+        <p:txBody>
+          <a:bodyPr/>
+          <a:lstStyle/>
+          <a:p>
+            <a:r>
+              <a:rPr lang="en-US"/>
+              <a:t>avidary@gmail.com  2002 (c)</a:t>
+            </a:r>
+            <a:endParaRPr lang="he-IL"/>
+          </a:p>
+        </p:txBody>
+      </p:sp>
+    </p:spTree>
+    <p:extLst>
+      <p:ext uri="{BB962C8B-B14F-4D97-AF65-F5344CB8AC3E}">
+        <p14:creationId xmlns:p14="http://schemas.microsoft.com/office/powerpoint/2010/main" val="794722524"/>
+      </p:ext>
+    </p:extLst>
+  </p:cSld>
+  <p:clrMapOvr>
+    <a:masterClrMapping/>
+  </p:clrMapOvr>
+</p:sld>
+</file>
+
+<file path=ppt/slides/slide46.xml><?xml version="1.0" encoding="utf-8"?>
+<p:sld xmlns:a="http://schemas.openxmlformats.org/drawingml/2006/main" xmlns:r="http://schemas.openxmlformats.org/officeDocument/2006/relationships" xmlns:p="http://schemas.openxmlformats.org/presentationml/2006/main">
+  <p:cSld>
+    <p:spTree>
+      <p:nvGrpSpPr>
+        <p:cNvPr id="1" name=""/>
+        <p:cNvGrpSpPr/>
+        <p:nvPr/>
+      </p:nvGrpSpPr>
+      <p:grpSpPr>
+        <a:xfrm>
+          <a:off x="0" y="0"/>
+          <a:ext cx="0" cy="0"/>
+          <a:chOff x="0" y="0"/>
+          <a:chExt cx="0" cy="0"/>
+        </a:xfrm>
+      </p:grpSpPr>
+      <p:sp>
+        <p:nvSpPr>
+          <p:cNvPr id="2" name="Title 1">
+            <a:extLst>
+              <a:ext uri="{FF2B5EF4-FFF2-40B4-BE49-F238E27FC236}">
+                <a16:creationId xmlns:a16="http://schemas.microsoft.com/office/drawing/2014/main" id="{BE5D6318-C76E-4A76-B0D4-6127F014C1EE}"/>
+              </a:ext>
+            </a:extLst>
+          </p:cNvPr>
+          <p:cNvSpPr>
+            <a:spLocks noGrp="1"/>
+          </p:cNvSpPr>
+          <p:nvPr>
+            <p:ph type="title"/>
+          </p:nvPr>
+        </p:nvSpPr>
+        <p:spPr/>
+        <p:txBody>
+          <a:bodyPr/>
+          <a:lstStyle/>
+          <a:p>
+            <a:pPr algn="r"/>
+            <a:r>
+              <a:rPr lang="he-IL" dirty="0"/>
+              <a:t>התניות</a:t>
+            </a:r>
+          </a:p>
+        </p:txBody>
+      </p:sp>
+      <p:sp>
+        <p:nvSpPr>
+          <p:cNvPr id="3" name="Content Placeholder 2">
+            <a:extLst>
+              <a:ext uri="{FF2B5EF4-FFF2-40B4-BE49-F238E27FC236}">
+                <a16:creationId xmlns:a16="http://schemas.microsoft.com/office/drawing/2014/main" id="{3E0CD643-5062-49E7-9B33-0A24A2E3AEE0}"/>
+              </a:ext>
+            </a:extLst>
+          </p:cNvPr>
+          <p:cNvSpPr>
+            <a:spLocks noGrp="1"/>
+          </p:cNvSpPr>
+          <p:nvPr>
+            <p:ph idx="1"/>
+          </p:nvPr>
+        </p:nvSpPr>
+        <p:spPr/>
+        <p:txBody>
+          <a:bodyPr>
+            <a:normAutofit fontScale="92500" lnSpcReduction="10000"/>
+          </a:bodyPr>
+          <a:lstStyle/>
+          <a:p>
+            <a:pPr marL="685800" algn="r" rtl="1">
+              <a:lnSpc>
+                <a:spcPct val="115000"/>
+              </a:lnSpc>
+            </a:pPr>
+            <a:r>
+              <a:rPr lang="he-IL" sz="2400" dirty="0">
+                <a:effectLst/>
+                <a:latin typeface="Calibri" panose="020F0502020204030204" pitchFamily="34" charset="0"/>
+                <a:ea typeface="Calibri" panose="020F0502020204030204" pitchFamily="34" charset="0"/>
+                <a:cs typeface="Gisha" panose="020B0502040204020203" pitchFamily="34" charset="-79"/>
+              </a:rPr>
+              <a:t>על מנת למקד את </a:t>
+            </a:r>
+            <a:r>
+              <a:rPr lang="he-IL" sz="2400" dirty="0" err="1">
+                <a:effectLst/>
+                <a:latin typeface="Calibri" panose="020F0502020204030204" pitchFamily="34" charset="0"/>
+                <a:ea typeface="Calibri" panose="020F0502020204030204" pitchFamily="34" charset="0"/>
+                <a:cs typeface="Gisha" panose="020B0502040204020203" pitchFamily="34" charset="-79"/>
+              </a:rPr>
+              <a:t>השאילתא</a:t>
+            </a:r>
+            <a:r>
+              <a:rPr lang="he-IL" sz="2400" dirty="0">
+                <a:effectLst/>
+                <a:latin typeface="Calibri" panose="020F0502020204030204" pitchFamily="34" charset="0"/>
+                <a:ea typeface="Calibri" panose="020F0502020204030204" pitchFamily="34" charset="0"/>
+                <a:cs typeface="Gisha" panose="020B0502040204020203" pitchFamily="34" charset="-79"/>
+              </a:rPr>
+              <a:t> יש צורך לבצע סינונים:</a:t>
+            </a:r>
+            <a:endParaRPr lang="en-US" sz="2400" dirty="0">
+              <a:effectLst/>
+              <a:latin typeface="Calibri" panose="020F0502020204030204" pitchFamily="34" charset="0"/>
+              <a:ea typeface="Calibri" panose="020F0502020204030204" pitchFamily="34" charset="0"/>
+              <a:cs typeface="Arial" panose="020B0604020202020204" pitchFamily="34" charset="0"/>
+            </a:endParaRPr>
+          </a:p>
+          <a:p>
+            <a:pPr marL="685800" algn="r" rtl="1">
+              <a:lnSpc>
+                <a:spcPct val="115000"/>
+              </a:lnSpc>
+            </a:pPr>
+            <a:r>
+              <a:rPr lang="he-IL" sz="2400" b="1" u="sng" dirty="0">
+                <a:effectLst/>
+                <a:latin typeface="Calibri" panose="020F0502020204030204" pitchFamily="34" charset="0"/>
+                <a:ea typeface="Calibri" panose="020F0502020204030204" pitchFamily="34" charset="0"/>
+                <a:cs typeface="Gisha" panose="020B0502040204020203" pitchFamily="34" charset="-79"/>
+              </a:rPr>
+              <a:t>תחביר:</a:t>
+            </a:r>
+            <a:endParaRPr lang="en-US" sz="2400" dirty="0">
+              <a:effectLst/>
+              <a:latin typeface="Calibri" panose="020F0502020204030204" pitchFamily="34" charset="0"/>
+              <a:ea typeface="Calibri" panose="020F0502020204030204" pitchFamily="34" charset="0"/>
+              <a:cs typeface="Arial" panose="020B0604020202020204" pitchFamily="34" charset="0"/>
+            </a:endParaRPr>
+          </a:p>
+          <a:p>
+            <a:pPr marL="457200" indent="0" algn="l" rtl="0">
+              <a:lnSpc>
+                <a:spcPct val="115000"/>
+              </a:lnSpc>
+              <a:spcAft>
+                <a:spcPts val="1000"/>
+              </a:spcAft>
+              <a:buNone/>
+            </a:pPr>
+            <a:r>
+              <a:rPr lang="en-US" sz="2400" dirty="0">
+                <a:effectLst/>
+                <a:latin typeface="Gisha" panose="020B0502040204020203" pitchFamily="34" charset="-79"/>
+                <a:ea typeface="Calibri" panose="020F0502020204030204" pitchFamily="34" charset="0"/>
+                <a:cs typeface="Arial" panose="020B0604020202020204" pitchFamily="34" charset="0"/>
+              </a:rPr>
+              <a:t>Select * From </a:t>
+            </a:r>
+            <a:r>
+              <a:rPr lang="en-US" sz="2400" dirty="0" err="1">
+                <a:effectLst/>
+                <a:latin typeface="Gisha" panose="020B0502040204020203" pitchFamily="34" charset="-79"/>
+                <a:ea typeface="Calibri" panose="020F0502020204030204" pitchFamily="34" charset="0"/>
+                <a:cs typeface="Arial" panose="020B0604020202020204" pitchFamily="34" charset="0"/>
+              </a:rPr>
+              <a:t>Table_name</a:t>
+            </a:r>
+            <a:endParaRPr lang="en-US" sz="2400" dirty="0">
+              <a:effectLst/>
+              <a:latin typeface="Gisha" panose="020B0502040204020203" pitchFamily="34" charset="-79"/>
+              <a:ea typeface="Calibri" panose="020F0502020204030204" pitchFamily="34" charset="0"/>
+              <a:cs typeface="Arial" panose="020B0604020202020204" pitchFamily="34" charset="0"/>
+            </a:endParaRPr>
+          </a:p>
+          <a:p>
+            <a:pPr marL="457200" indent="0" algn="l" rtl="0">
+              <a:lnSpc>
+                <a:spcPct val="115000"/>
+              </a:lnSpc>
+              <a:spcAft>
+                <a:spcPts val="1000"/>
+              </a:spcAft>
+              <a:buNone/>
+            </a:pPr>
+            <a:r>
+              <a:rPr lang="en-US" sz="2400" b="1" dirty="0">
+                <a:effectLst/>
+                <a:latin typeface="Gisha" panose="020B0502040204020203" pitchFamily="34" charset="-79"/>
+                <a:ea typeface="Calibri" panose="020F0502020204030204" pitchFamily="34" charset="0"/>
+                <a:cs typeface="Arial" panose="020B0604020202020204" pitchFamily="34" charset="0"/>
+              </a:rPr>
+              <a:t>Where</a:t>
+            </a:r>
+            <a:r>
+              <a:rPr lang="en-US" sz="2400" dirty="0">
+                <a:effectLst/>
+                <a:latin typeface="Gisha" panose="020B0502040204020203" pitchFamily="34" charset="-79"/>
+                <a:ea typeface="Calibri" panose="020F0502020204030204" pitchFamily="34" charset="0"/>
+                <a:cs typeface="Arial" panose="020B0604020202020204" pitchFamily="34" charset="0"/>
+              </a:rPr>
+              <a:t> X=Y </a:t>
+            </a:r>
+            <a:r>
+              <a:rPr lang="en-US" sz="2400" b="1" dirty="0">
+                <a:effectLst/>
+                <a:latin typeface="Gisha" panose="020B0502040204020203" pitchFamily="34" charset="-79"/>
+                <a:ea typeface="Calibri" panose="020F0502020204030204" pitchFamily="34" charset="0"/>
+                <a:cs typeface="Arial" panose="020B0604020202020204" pitchFamily="34" charset="0"/>
+              </a:rPr>
+              <a:t>And</a:t>
+            </a:r>
+            <a:r>
+              <a:rPr lang="en-US" sz="2400" dirty="0">
+                <a:effectLst/>
+                <a:latin typeface="Gisha" panose="020B0502040204020203" pitchFamily="34" charset="-79"/>
+                <a:ea typeface="Calibri" panose="020F0502020204030204" pitchFamily="34" charset="0"/>
+                <a:cs typeface="Arial" panose="020B0604020202020204" pitchFamily="34" charset="0"/>
+              </a:rPr>
+              <a:t> Y&gt;Z</a:t>
+            </a:r>
+            <a:endParaRPr lang="en-US" sz="2400" dirty="0">
+              <a:effectLst/>
+              <a:latin typeface="Calibri" panose="020F0502020204030204" pitchFamily="34" charset="0"/>
+              <a:ea typeface="Calibri" panose="020F0502020204030204" pitchFamily="34" charset="0"/>
+              <a:cs typeface="Arial" panose="020B0604020202020204" pitchFamily="34" charset="0"/>
+            </a:endParaRPr>
+          </a:p>
+          <a:p>
+            <a:pPr marL="457200" indent="0" algn="l" rtl="0">
+              <a:lnSpc>
+                <a:spcPct val="115000"/>
+              </a:lnSpc>
+              <a:spcAft>
+                <a:spcPts val="1000"/>
+              </a:spcAft>
+              <a:buNone/>
+            </a:pPr>
+            <a:r>
+              <a:rPr lang="en-US" sz="2400" dirty="0">
+                <a:effectLst/>
+                <a:latin typeface="Gisha" panose="020B0502040204020203" pitchFamily="34" charset="-79"/>
+                <a:ea typeface="Calibri" panose="020F0502020204030204" pitchFamily="34" charset="0"/>
+                <a:cs typeface="Arial" panose="020B0604020202020204" pitchFamily="34" charset="0"/>
+              </a:rPr>
+              <a:t>And …</a:t>
+            </a:r>
+            <a:endParaRPr lang="en-US" sz="2400" dirty="0">
+              <a:effectLst/>
+              <a:latin typeface="Calibri" panose="020F0502020204030204" pitchFamily="34" charset="0"/>
+              <a:ea typeface="Calibri" panose="020F0502020204030204" pitchFamily="34" charset="0"/>
+              <a:cs typeface="Arial" panose="020B0604020202020204" pitchFamily="34" charset="0"/>
+            </a:endParaRPr>
+          </a:p>
+          <a:p>
+            <a:pPr marL="685800" algn="r" rtl="1">
+              <a:lnSpc>
+                <a:spcPct val="115000"/>
+              </a:lnSpc>
+            </a:pPr>
+            <a:r>
+              <a:rPr lang="he-IL" sz="2400" dirty="0">
+                <a:effectLst/>
+                <a:latin typeface="Calibri" panose="020F0502020204030204" pitchFamily="34" charset="0"/>
+                <a:ea typeface="Calibri" panose="020F0502020204030204" pitchFamily="34" charset="0"/>
+                <a:cs typeface="Gisha" panose="020B0502040204020203" pitchFamily="34" charset="-79"/>
+              </a:rPr>
+              <a:t>דגשים- כאשר ממבצעים התניה/השוואה בין 2 שדות- הן חייבות להיות מאותו הסוג (זה יכול לעבוד עד אשר יהיה ערך שונה).** למשל קוד שמוגדר כמחרוזת ויש לו תחילית של 0</a:t>
+            </a:r>
+            <a:endParaRPr lang="en-US" sz="2400" dirty="0">
+              <a:effectLst/>
+              <a:latin typeface="Calibri" panose="020F0502020204030204" pitchFamily="34" charset="0"/>
+              <a:ea typeface="Calibri" panose="020F0502020204030204" pitchFamily="34" charset="0"/>
+              <a:cs typeface="Arial" panose="020B0604020202020204" pitchFamily="34" charset="0"/>
+            </a:endParaRPr>
+          </a:p>
+          <a:p>
+            <a:pPr marL="685800" algn="r" rtl="1">
+              <a:lnSpc>
+                <a:spcPct val="115000"/>
+              </a:lnSpc>
+              <a:spcAft>
+                <a:spcPts val="1000"/>
+              </a:spcAft>
+            </a:pPr>
+            <a:r>
+              <a:rPr lang="he-IL" sz="2400" dirty="0">
+                <a:effectLst/>
+                <a:latin typeface="Calibri" panose="020F0502020204030204" pitchFamily="34" charset="0"/>
+                <a:ea typeface="Calibri" panose="020F0502020204030204" pitchFamily="34" charset="0"/>
+                <a:cs typeface="Gisha" panose="020B0502040204020203" pitchFamily="34" charset="-79"/>
+              </a:rPr>
+              <a:t>תנאים פשוטים: (=, &lt;, &lt;=, &gt;, =&gt;, &gt;&lt; , =! ,  </a:t>
+            </a:r>
+            <a:r>
+              <a:rPr lang="en-US" sz="2400" dirty="0">
+                <a:effectLst/>
+                <a:latin typeface="Gisha" panose="020B0502040204020203" pitchFamily="34" charset="-79"/>
+                <a:ea typeface="Calibri" panose="020F0502020204030204" pitchFamily="34" charset="0"/>
+                <a:cs typeface="Arial" panose="020B0604020202020204" pitchFamily="34" charset="0"/>
+              </a:rPr>
+              <a:t>between</a:t>
+            </a:r>
+            <a:r>
+              <a:rPr lang="he-IL" sz="2400" dirty="0">
+                <a:effectLst/>
+                <a:latin typeface="Calibri" panose="020F0502020204030204" pitchFamily="34" charset="0"/>
+                <a:ea typeface="Calibri" panose="020F0502020204030204" pitchFamily="34" charset="0"/>
+                <a:cs typeface="Gisha" panose="020B0502040204020203" pitchFamily="34" charset="-79"/>
+              </a:rPr>
+              <a:t>, </a:t>
+            </a:r>
+            <a:r>
+              <a:rPr lang="en-US" sz="2400" dirty="0">
+                <a:effectLst/>
+                <a:latin typeface="Gisha" panose="020B0502040204020203" pitchFamily="34" charset="-79"/>
+                <a:ea typeface="Calibri" panose="020F0502020204030204" pitchFamily="34" charset="0"/>
+                <a:cs typeface="Arial" panose="020B0604020202020204" pitchFamily="34" charset="0"/>
+              </a:rPr>
+              <a:t>in </a:t>
+            </a:r>
+            <a:r>
+              <a:rPr lang="he-IL" sz="2400" dirty="0">
+                <a:effectLst/>
+                <a:latin typeface="Calibri" panose="020F0502020204030204" pitchFamily="34" charset="0"/>
+                <a:ea typeface="Calibri" panose="020F0502020204030204" pitchFamily="34" charset="0"/>
+                <a:cs typeface="Gisha" panose="020B0502040204020203" pitchFamily="34" charset="-79"/>
+              </a:rPr>
+              <a:t>)</a:t>
+            </a:r>
+            <a:endParaRPr lang="en-US" sz="2400" dirty="0">
+              <a:effectLst/>
+              <a:latin typeface="Calibri" panose="020F0502020204030204" pitchFamily="34" charset="0"/>
+              <a:ea typeface="Calibri" panose="020F0502020204030204" pitchFamily="34" charset="0"/>
+              <a:cs typeface="Arial" panose="020B0604020202020204" pitchFamily="34" charset="0"/>
+            </a:endParaRPr>
+          </a:p>
+          <a:p>
+            <a:endParaRPr lang="he-IL" dirty="0"/>
+          </a:p>
+        </p:txBody>
+      </p:sp>
+      <p:sp>
+        <p:nvSpPr>
+          <p:cNvPr id="4" name="Footer Placeholder 3">
+            <a:extLst>
+              <a:ext uri="{FF2B5EF4-FFF2-40B4-BE49-F238E27FC236}">
+                <a16:creationId xmlns:a16="http://schemas.microsoft.com/office/drawing/2014/main" id="{E383C24D-BEA6-474F-A840-896AD0E01479}"/>
+              </a:ext>
+            </a:extLst>
+          </p:cNvPr>
+          <p:cNvSpPr>
+            <a:spLocks noGrp="1"/>
+          </p:cNvSpPr>
+          <p:nvPr>
+            <p:ph type="ftr" sz="quarter" idx="11"/>
+          </p:nvPr>
+        </p:nvSpPr>
+        <p:spPr/>
+        <p:txBody>
+          <a:bodyPr/>
+          <a:lstStyle/>
+          <a:p>
+            <a:r>
+              <a:rPr lang="en-US"/>
+              <a:t>avidary@gmail.com  2002 (c)</a:t>
+            </a:r>
+            <a:endParaRPr lang="he-IL"/>
+          </a:p>
+        </p:txBody>
+      </p:sp>
+    </p:spTree>
+    <p:extLst>
+      <p:ext uri="{BB962C8B-B14F-4D97-AF65-F5344CB8AC3E}">
+        <p14:creationId xmlns:p14="http://schemas.microsoft.com/office/powerpoint/2010/main" val="732532065"/>
+      </p:ext>
+    </p:extLst>
+  </p:cSld>
+  <p:clrMapOvr>
+    <a:masterClrMapping/>
+  </p:clrMapOvr>
+</p:sld>
+</file>
+
+<file path=ppt/slides/slide47.xml><?xml version="1.0" encoding="utf-8"?>
+<p:sld xmlns:a="http://schemas.openxmlformats.org/drawingml/2006/main" xmlns:r="http://schemas.openxmlformats.org/officeDocument/2006/relationships" xmlns:p="http://schemas.openxmlformats.org/presentationml/2006/main">
+  <p:cSld>
+    <p:spTree>
+      <p:nvGrpSpPr>
+        <p:cNvPr id="1" name=""/>
+        <p:cNvGrpSpPr/>
+        <p:nvPr/>
+      </p:nvGrpSpPr>
+      <p:grpSpPr>
+        <a:xfrm>
+          <a:off x="0" y="0"/>
+          <a:ext cx="0" cy="0"/>
+          <a:chOff x="0" y="0"/>
+          <a:chExt cx="0" cy="0"/>
+        </a:xfrm>
+      </p:grpSpPr>
+      <p:sp>
+        <p:nvSpPr>
+          <p:cNvPr id="2" name="Title 1">
+            <a:extLst>
+              <a:ext uri="{FF2B5EF4-FFF2-40B4-BE49-F238E27FC236}">
+                <a16:creationId xmlns:a16="http://schemas.microsoft.com/office/drawing/2014/main" id="{BE5D6318-C76E-4A76-B0D4-6127F014C1EE}"/>
+              </a:ext>
+            </a:extLst>
+          </p:cNvPr>
+          <p:cNvSpPr>
+            <a:spLocks noGrp="1"/>
+          </p:cNvSpPr>
+          <p:nvPr>
+            <p:ph type="title"/>
+          </p:nvPr>
+        </p:nvSpPr>
+        <p:spPr/>
+        <p:txBody>
+          <a:bodyPr/>
+          <a:lstStyle/>
+          <a:p>
+            <a:pPr algn="r"/>
+            <a:r>
+              <a:rPr lang="he-IL" dirty="0"/>
+              <a:t>התניות</a:t>
+            </a:r>
+          </a:p>
+        </p:txBody>
+      </p:sp>
+      <p:sp>
+        <p:nvSpPr>
+          <p:cNvPr id="3" name="Content Placeholder 2">
+            <a:extLst>
+              <a:ext uri="{FF2B5EF4-FFF2-40B4-BE49-F238E27FC236}">
+                <a16:creationId xmlns:a16="http://schemas.microsoft.com/office/drawing/2014/main" id="{3E0CD643-5062-49E7-9B33-0A24A2E3AEE0}"/>
+              </a:ext>
+            </a:extLst>
+          </p:cNvPr>
+          <p:cNvSpPr>
+            <a:spLocks noGrp="1"/>
+          </p:cNvSpPr>
+          <p:nvPr>
+            <p:ph idx="1"/>
+          </p:nvPr>
+        </p:nvSpPr>
+        <p:spPr/>
+        <p:txBody>
+          <a:bodyPr>
+            <a:normAutofit fontScale="92500" lnSpcReduction="10000"/>
+          </a:bodyPr>
+          <a:lstStyle/>
+          <a:p>
+            <a:pPr marL="685800" algn="r" rtl="1">
+              <a:lnSpc>
+                <a:spcPct val="115000"/>
+              </a:lnSpc>
+            </a:pPr>
+            <a:r>
+              <a:rPr lang="he-IL" sz="2400" dirty="0">
+                <a:effectLst/>
+                <a:latin typeface="Calibri" panose="020F0502020204030204" pitchFamily="34" charset="0"/>
+                <a:ea typeface="Calibri" panose="020F0502020204030204" pitchFamily="34" charset="0"/>
+                <a:cs typeface="Gisha" panose="020B0502040204020203" pitchFamily="34" charset="-79"/>
+              </a:rPr>
+              <a:t>על מנת למקד את </a:t>
+            </a:r>
+            <a:r>
+              <a:rPr lang="he-IL" sz="2400" dirty="0" err="1">
+                <a:effectLst/>
+                <a:latin typeface="Calibri" panose="020F0502020204030204" pitchFamily="34" charset="0"/>
+                <a:ea typeface="Calibri" panose="020F0502020204030204" pitchFamily="34" charset="0"/>
+                <a:cs typeface="Gisha" panose="020B0502040204020203" pitchFamily="34" charset="-79"/>
+              </a:rPr>
+              <a:t>השאילתא</a:t>
+            </a:r>
+            <a:r>
+              <a:rPr lang="he-IL" sz="2400" dirty="0">
+                <a:effectLst/>
+                <a:latin typeface="Calibri" panose="020F0502020204030204" pitchFamily="34" charset="0"/>
+                <a:ea typeface="Calibri" panose="020F0502020204030204" pitchFamily="34" charset="0"/>
+                <a:cs typeface="Gisha" panose="020B0502040204020203" pitchFamily="34" charset="-79"/>
+              </a:rPr>
+              <a:t> יש צורך לבצע סינונים:</a:t>
+            </a:r>
+            <a:endParaRPr lang="en-US" sz="2400" dirty="0">
+              <a:effectLst/>
+              <a:latin typeface="Calibri" panose="020F0502020204030204" pitchFamily="34" charset="0"/>
+              <a:ea typeface="Calibri" panose="020F0502020204030204" pitchFamily="34" charset="0"/>
+              <a:cs typeface="Arial" panose="020B0604020202020204" pitchFamily="34" charset="0"/>
+            </a:endParaRPr>
+          </a:p>
+          <a:p>
+            <a:pPr marL="685800" algn="r" rtl="1">
+              <a:lnSpc>
+                <a:spcPct val="115000"/>
+              </a:lnSpc>
+            </a:pPr>
+            <a:r>
+              <a:rPr lang="he-IL" sz="2400" b="1" u="sng" dirty="0">
+                <a:effectLst/>
+                <a:latin typeface="Calibri" panose="020F0502020204030204" pitchFamily="34" charset="0"/>
+                <a:ea typeface="Calibri" panose="020F0502020204030204" pitchFamily="34" charset="0"/>
+                <a:cs typeface="Gisha" panose="020B0502040204020203" pitchFamily="34" charset="-79"/>
+              </a:rPr>
+              <a:t>תחביר:</a:t>
+            </a:r>
+            <a:endParaRPr lang="en-US" sz="2400" dirty="0">
+              <a:effectLst/>
+              <a:latin typeface="Calibri" panose="020F0502020204030204" pitchFamily="34" charset="0"/>
+              <a:ea typeface="Calibri" panose="020F0502020204030204" pitchFamily="34" charset="0"/>
+              <a:cs typeface="Arial" panose="020B0604020202020204" pitchFamily="34" charset="0"/>
+            </a:endParaRPr>
+          </a:p>
+          <a:p>
+            <a:pPr marL="457200" indent="0" algn="l" rtl="0">
+              <a:lnSpc>
+                <a:spcPct val="115000"/>
+              </a:lnSpc>
+              <a:spcAft>
+                <a:spcPts val="1000"/>
+              </a:spcAft>
+              <a:buNone/>
+            </a:pPr>
+            <a:r>
+              <a:rPr lang="en-US" sz="2400" dirty="0">
+                <a:effectLst/>
+                <a:latin typeface="Gisha" panose="020B0502040204020203" pitchFamily="34" charset="-79"/>
+                <a:ea typeface="Calibri" panose="020F0502020204030204" pitchFamily="34" charset="0"/>
+                <a:cs typeface="Arial" panose="020B0604020202020204" pitchFamily="34" charset="0"/>
+              </a:rPr>
+              <a:t>Select * From </a:t>
+            </a:r>
+            <a:r>
+              <a:rPr lang="en-US" sz="2400" dirty="0" err="1">
+                <a:effectLst/>
+                <a:latin typeface="Gisha" panose="020B0502040204020203" pitchFamily="34" charset="-79"/>
+                <a:ea typeface="Calibri" panose="020F0502020204030204" pitchFamily="34" charset="0"/>
+                <a:cs typeface="Arial" panose="020B0604020202020204" pitchFamily="34" charset="0"/>
+              </a:rPr>
+              <a:t>Table_name</a:t>
+            </a:r>
+            <a:endParaRPr lang="en-US" sz="2400" dirty="0">
+              <a:effectLst/>
+              <a:latin typeface="Gisha" panose="020B0502040204020203" pitchFamily="34" charset="-79"/>
+              <a:ea typeface="Calibri" panose="020F0502020204030204" pitchFamily="34" charset="0"/>
+              <a:cs typeface="Arial" panose="020B0604020202020204" pitchFamily="34" charset="0"/>
+            </a:endParaRPr>
+          </a:p>
+          <a:p>
+            <a:pPr marL="457200" indent="0" algn="l" rtl="0">
+              <a:lnSpc>
+                <a:spcPct val="115000"/>
+              </a:lnSpc>
+              <a:spcAft>
+                <a:spcPts val="1000"/>
+              </a:spcAft>
+              <a:buNone/>
+            </a:pPr>
+            <a:r>
+              <a:rPr lang="en-US" sz="2400" b="1" dirty="0">
+                <a:effectLst/>
+                <a:latin typeface="Gisha" panose="020B0502040204020203" pitchFamily="34" charset="-79"/>
+                <a:ea typeface="Calibri" panose="020F0502020204030204" pitchFamily="34" charset="0"/>
+                <a:cs typeface="Arial" panose="020B0604020202020204" pitchFamily="34" charset="0"/>
+              </a:rPr>
+              <a:t>Where</a:t>
+            </a:r>
+            <a:r>
+              <a:rPr lang="en-US" sz="2400" dirty="0">
+                <a:effectLst/>
+                <a:latin typeface="Gisha" panose="020B0502040204020203" pitchFamily="34" charset="-79"/>
+                <a:ea typeface="Calibri" panose="020F0502020204030204" pitchFamily="34" charset="0"/>
+                <a:cs typeface="Arial" panose="020B0604020202020204" pitchFamily="34" charset="0"/>
+              </a:rPr>
+              <a:t> X=Y </a:t>
+            </a:r>
+            <a:r>
+              <a:rPr lang="en-US" sz="2400" b="1" dirty="0">
+                <a:effectLst/>
+                <a:latin typeface="Gisha" panose="020B0502040204020203" pitchFamily="34" charset="-79"/>
+                <a:ea typeface="Calibri" panose="020F0502020204030204" pitchFamily="34" charset="0"/>
+                <a:cs typeface="Arial" panose="020B0604020202020204" pitchFamily="34" charset="0"/>
+              </a:rPr>
+              <a:t>And</a:t>
+            </a:r>
+            <a:r>
+              <a:rPr lang="en-US" sz="2400" dirty="0">
+                <a:effectLst/>
+                <a:latin typeface="Gisha" panose="020B0502040204020203" pitchFamily="34" charset="-79"/>
+                <a:ea typeface="Calibri" panose="020F0502020204030204" pitchFamily="34" charset="0"/>
+                <a:cs typeface="Arial" panose="020B0604020202020204" pitchFamily="34" charset="0"/>
+              </a:rPr>
+              <a:t> Y&gt;Z</a:t>
+            </a:r>
+            <a:endParaRPr lang="en-US" sz="2400" dirty="0">
+              <a:effectLst/>
+              <a:latin typeface="Calibri" panose="020F0502020204030204" pitchFamily="34" charset="0"/>
+              <a:ea typeface="Calibri" panose="020F0502020204030204" pitchFamily="34" charset="0"/>
+              <a:cs typeface="Arial" panose="020B0604020202020204" pitchFamily="34" charset="0"/>
+            </a:endParaRPr>
+          </a:p>
+          <a:p>
+            <a:pPr marL="457200" indent="0" algn="l" rtl="0">
+              <a:lnSpc>
+                <a:spcPct val="115000"/>
+              </a:lnSpc>
+              <a:spcAft>
+                <a:spcPts val="1000"/>
+              </a:spcAft>
+              <a:buNone/>
+            </a:pPr>
+            <a:r>
+              <a:rPr lang="en-US" sz="2400" dirty="0">
+                <a:effectLst/>
+                <a:latin typeface="Gisha" panose="020B0502040204020203" pitchFamily="34" charset="-79"/>
+                <a:ea typeface="Calibri" panose="020F0502020204030204" pitchFamily="34" charset="0"/>
+                <a:cs typeface="Arial" panose="020B0604020202020204" pitchFamily="34" charset="0"/>
+              </a:rPr>
+              <a:t>And …</a:t>
+            </a:r>
+            <a:endParaRPr lang="en-US" sz="2400" dirty="0">
+              <a:effectLst/>
+              <a:latin typeface="Calibri" panose="020F0502020204030204" pitchFamily="34" charset="0"/>
+              <a:ea typeface="Calibri" panose="020F0502020204030204" pitchFamily="34" charset="0"/>
+              <a:cs typeface="Arial" panose="020B0604020202020204" pitchFamily="34" charset="0"/>
+            </a:endParaRPr>
+          </a:p>
+          <a:p>
+            <a:pPr marL="685800" algn="r" rtl="1">
+              <a:lnSpc>
+                <a:spcPct val="115000"/>
+              </a:lnSpc>
+            </a:pPr>
+            <a:r>
+              <a:rPr lang="he-IL" sz="2400" dirty="0">
+                <a:effectLst/>
+                <a:latin typeface="Calibri" panose="020F0502020204030204" pitchFamily="34" charset="0"/>
+                <a:ea typeface="Calibri" panose="020F0502020204030204" pitchFamily="34" charset="0"/>
+                <a:cs typeface="Gisha" panose="020B0502040204020203" pitchFamily="34" charset="-79"/>
+              </a:rPr>
+              <a:t>דגשים- כאשר ממבצעים התניה/השוואה בין 2 שדות- הן חייבות להיות מאותו הסוג (זה יכול לעבוד עד אשר יהיה ערך שונה).** למשל קוד שמוגדר כמחרוזת ויש לו תחילית של 0</a:t>
+            </a:r>
+            <a:endParaRPr lang="en-US" sz="2400" dirty="0">
+              <a:effectLst/>
+              <a:latin typeface="Calibri" panose="020F0502020204030204" pitchFamily="34" charset="0"/>
+              <a:ea typeface="Calibri" panose="020F0502020204030204" pitchFamily="34" charset="0"/>
+              <a:cs typeface="Arial" panose="020B0604020202020204" pitchFamily="34" charset="0"/>
+            </a:endParaRPr>
+          </a:p>
+          <a:p>
+            <a:pPr marL="685800" algn="r" rtl="1">
+              <a:lnSpc>
+                <a:spcPct val="115000"/>
+              </a:lnSpc>
+              <a:spcAft>
+                <a:spcPts val="1000"/>
+              </a:spcAft>
+            </a:pPr>
+            <a:r>
+              <a:rPr lang="he-IL" sz="2400" dirty="0">
+                <a:effectLst/>
+                <a:latin typeface="Calibri" panose="020F0502020204030204" pitchFamily="34" charset="0"/>
+                <a:ea typeface="Calibri" panose="020F0502020204030204" pitchFamily="34" charset="0"/>
+                <a:cs typeface="Gisha" panose="020B0502040204020203" pitchFamily="34" charset="-79"/>
+              </a:rPr>
+              <a:t>תנאים פשוטים: (=, &lt;, &lt;=, &gt;, =&gt;, &gt;&lt; , =! ,  </a:t>
+            </a:r>
+            <a:r>
+              <a:rPr lang="en-US" sz="2400" dirty="0">
+                <a:effectLst/>
+                <a:latin typeface="Gisha" panose="020B0502040204020203" pitchFamily="34" charset="-79"/>
+                <a:ea typeface="Calibri" panose="020F0502020204030204" pitchFamily="34" charset="0"/>
+                <a:cs typeface="Arial" panose="020B0604020202020204" pitchFamily="34" charset="0"/>
+              </a:rPr>
+              <a:t>between</a:t>
+            </a:r>
+            <a:r>
+              <a:rPr lang="he-IL" sz="2400" dirty="0">
+                <a:effectLst/>
+                <a:latin typeface="Calibri" panose="020F0502020204030204" pitchFamily="34" charset="0"/>
+                <a:ea typeface="Calibri" panose="020F0502020204030204" pitchFamily="34" charset="0"/>
+                <a:cs typeface="Gisha" panose="020B0502040204020203" pitchFamily="34" charset="-79"/>
+              </a:rPr>
+              <a:t>, </a:t>
+            </a:r>
+            <a:r>
+              <a:rPr lang="en-US" sz="2400" dirty="0">
+                <a:effectLst/>
+                <a:latin typeface="Gisha" panose="020B0502040204020203" pitchFamily="34" charset="-79"/>
+                <a:ea typeface="Calibri" panose="020F0502020204030204" pitchFamily="34" charset="0"/>
+                <a:cs typeface="Arial" panose="020B0604020202020204" pitchFamily="34" charset="0"/>
+              </a:rPr>
+              <a:t>in </a:t>
+            </a:r>
+            <a:r>
+              <a:rPr lang="he-IL" sz="2400" dirty="0">
+                <a:effectLst/>
+                <a:latin typeface="Calibri" panose="020F0502020204030204" pitchFamily="34" charset="0"/>
+                <a:ea typeface="Calibri" panose="020F0502020204030204" pitchFamily="34" charset="0"/>
+                <a:cs typeface="Gisha" panose="020B0502040204020203" pitchFamily="34" charset="-79"/>
+              </a:rPr>
+              <a:t>)</a:t>
+            </a:r>
+            <a:endParaRPr lang="en-US" sz="2400" dirty="0">
+              <a:effectLst/>
+              <a:latin typeface="Calibri" panose="020F0502020204030204" pitchFamily="34" charset="0"/>
+              <a:ea typeface="Calibri" panose="020F0502020204030204" pitchFamily="34" charset="0"/>
+              <a:cs typeface="Arial" panose="020B0604020202020204" pitchFamily="34" charset="0"/>
+            </a:endParaRPr>
+          </a:p>
+          <a:p>
+            <a:endParaRPr lang="he-IL" dirty="0"/>
+          </a:p>
+        </p:txBody>
+      </p:sp>
+      <p:sp>
+        <p:nvSpPr>
+          <p:cNvPr id="4" name="Footer Placeholder 3">
+            <a:extLst>
+              <a:ext uri="{FF2B5EF4-FFF2-40B4-BE49-F238E27FC236}">
+                <a16:creationId xmlns:a16="http://schemas.microsoft.com/office/drawing/2014/main" id="{E383C24D-BEA6-474F-A840-896AD0E01479}"/>
+              </a:ext>
+            </a:extLst>
+          </p:cNvPr>
+          <p:cNvSpPr>
+            <a:spLocks noGrp="1"/>
+          </p:cNvSpPr>
+          <p:nvPr>
+            <p:ph type="ftr" sz="quarter" idx="11"/>
+          </p:nvPr>
+        </p:nvSpPr>
+        <p:spPr/>
+        <p:txBody>
+          <a:bodyPr/>
+          <a:lstStyle/>
+          <a:p>
+            <a:r>
+              <a:rPr lang="en-US"/>
+              <a:t>avidary@gmail.com  2002 (c)</a:t>
+            </a:r>
+            <a:endParaRPr lang="he-IL"/>
+          </a:p>
+        </p:txBody>
+      </p:sp>
+    </p:spTree>
+    <p:extLst>
+      <p:ext uri="{BB962C8B-B14F-4D97-AF65-F5344CB8AC3E}">
+        <p14:creationId xmlns:p14="http://schemas.microsoft.com/office/powerpoint/2010/main" val="3815306868"/>
+      </p:ext>
+    </p:extLst>
+  </p:cSld>
+  <p:clrMapOvr>
+    <a:masterClrMapping/>
+  </p:clrMapOvr>
+</p:sld>
+</file>
+
+<file path=ppt/slides/slide48.xml><?xml version="1.0" encoding="utf-8"?>
+<p:sld xmlns:a="http://schemas.openxmlformats.org/drawingml/2006/main" xmlns:r="http://schemas.openxmlformats.org/officeDocument/2006/relationships" xmlns:p="http://schemas.openxmlformats.org/presentationml/2006/main">
+  <p:cSld>
+    <p:spTree>
+      <p:nvGrpSpPr>
+        <p:cNvPr id="1" name=""/>
+        <p:cNvGrpSpPr/>
+        <p:nvPr/>
+      </p:nvGrpSpPr>
+      <p:grpSpPr>
+        <a:xfrm>
+          <a:off x="0" y="0"/>
+          <a:ext cx="0" cy="0"/>
+          <a:chOff x="0" y="0"/>
+          <a:chExt cx="0" cy="0"/>
+        </a:xfrm>
+      </p:grpSpPr>
+      <p:sp>
+        <p:nvSpPr>
+          <p:cNvPr id="2" name="Title 1">
+            <a:extLst>
+              <a:ext uri="{FF2B5EF4-FFF2-40B4-BE49-F238E27FC236}">
+                <a16:creationId xmlns:a16="http://schemas.microsoft.com/office/drawing/2014/main" id="{BE5D6318-C76E-4A76-B0D4-6127F014C1EE}"/>
+              </a:ext>
+            </a:extLst>
+          </p:cNvPr>
+          <p:cNvSpPr>
+            <a:spLocks noGrp="1"/>
+          </p:cNvSpPr>
+          <p:nvPr>
+            <p:ph type="title"/>
+          </p:nvPr>
+        </p:nvSpPr>
         <p:spPr>
           <a:xfrm>
             <a:off x="838200" y="388773"/>
@@ -10251,7 +14600,7 @@
           <a:p>
             <a:r>
               <a:rPr lang="en-US"/>
-              <a:t>Avidar Yerushalmi 2002 (c)</a:t>
+              <a:t>avidary@gmail.com  2002 (c)</a:t>
             </a:r>
             <a:endParaRPr lang="he-IL"/>
           </a:p>
@@ -10319,182 +14668,6 @@
 </p:sld>
 </file>
 
-<file path=ppt/slides/slide4.xml><?xml version="1.0" encoding="utf-8"?>
-<p:sld xmlns:a="http://schemas.openxmlformats.org/drawingml/2006/main" xmlns:r="http://schemas.openxmlformats.org/officeDocument/2006/relationships" xmlns:p="http://schemas.openxmlformats.org/presentationml/2006/main">
-  <p:cSld>
-    <p:spTree>
-      <p:nvGrpSpPr>
-        <p:cNvPr id="1" name=""/>
-        <p:cNvGrpSpPr/>
-        <p:nvPr/>
-      </p:nvGrpSpPr>
-      <p:grpSpPr>
-        <a:xfrm>
-          <a:off x="0" y="0"/>
-          <a:ext cx="0" cy="0"/>
-          <a:chOff x="0" y="0"/>
-          <a:chExt cx="0" cy="0"/>
-        </a:xfrm>
-      </p:grpSpPr>
-      <p:sp>
-        <p:nvSpPr>
-          <p:cNvPr id="2" name="Title 1">
-            <a:extLst>
-              <a:ext uri="{FF2B5EF4-FFF2-40B4-BE49-F238E27FC236}">
-                <a16:creationId xmlns:a16="http://schemas.microsoft.com/office/drawing/2014/main" id="{B5C84732-D22A-4399-BB74-BDB765B35672}"/>
-              </a:ext>
-            </a:extLst>
-          </p:cNvPr>
-          <p:cNvSpPr>
-            <a:spLocks noGrp="1"/>
-          </p:cNvSpPr>
-          <p:nvPr>
-            <p:ph type="ctrTitle"/>
-          </p:nvPr>
-        </p:nvSpPr>
-        <p:spPr>
-          <a:xfrm>
-            <a:off x="1606194" y="944849"/>
-            <a:ext cx="9144000" cy="1074988"/>
-          </a:xfrm>
-        </p:spPr>
-        <p:txBody>
-          <a:bodyPr/>
-          <a:lstStyle/>
-          <a:p>
-            <a:pPr algn="r" rtl="1"/>
-            <a:r>
-              <a:rPr lang="he-IL" b="0" i="0" dirty="0">
-                <a:solidFill>
-                  <a:srgbClr val="000000"/>
-                </a:solidFill>
-                <a:effectLst/>
-                <a:latin typeface="Arial" panose="020B0604020202020204" pitchFamily="34" charset="0"/>
-              </a:rPr>
-              <a:t>בסיסי נתונים נפוצים</a:t>
-            </a:r>
-          </a:p>
-        </p:txBody>
-      </p:sp>
-      <p:sp>
-        <p:nvSpPr>
-          <p:cNvPr id="3" name="Subtitle 2">
-            <a:extLst>
-              <a:ext uri="{FF2B5EF4-FFF2-40B4-BE49-F238E27FC236}">
-                <a16:creationId xmlns:a16="http://schemas.microsoft.com/office/drawing/2014/main" id="{DA0EC8F0-B1F7-41C2-B373-C2F68B6F1685}"/>
-              </a:ext>
-            </a:extLst>
-          </p:cNvPr>
-          <p:cNvSpPr>
-            <a:spLocks noGrp="1"/>
-          </p:cNvSpPr>
-          <p:nvPr>
-            <p:ph type="subTitle" idx="1"/>
-          </p:nvPr>
-        </p:nvSpPr>
-        <p:spPr>
-          <a:xfrm>
-            <a:off x="1524000" y="3036958"/>
-            <a:ext cx="9144000" cy="3035069"/>
-          </a:xfrm>
-        </p:spPr>
-        <p:txBody>
-          <a:bodyPr>
-            <a:normAutofit/>
-          </a:bodyPr>
-          <a:lstStyle/>
-          <a:p>
-            <a:pPr marL="342900" indent="-342900" algn="just" rtl="1">
-              <a:buFont typeface="Arial" panose="020B0604020202020204" pitchFamily="34" charset="0"/>
-              <a:buChar char="•"/>
-            </a:pPr>
-            <a:r>
-              <a:rPr lang="he-IL" sz="2400" dirty="0">
-                <a:solidFill>
-                  <a:srgbClr val="202122"/>
-                </a:solidFill>
-                <a:latin typeface="Arial" panose="020B0604020202020204" pitchFamily="34" charset="0"/>
-              </a:rPr>
-              <a:t>מודל רישתי - מציג את בסיס הנתונים כרשת של צמתים וערוצים</a:t>
-            </a:r>
-          </a:p>
-          <a:p>
-            <a:pPr marL="342900" indent="-342900" algn="just" rtl="1">
-              <a:buFont typeface="Arial" panose="020B0604020202020204" pitchFamily="34" charset="0"/>
-              <a:buChar char="•"/>
-            </a:pPr>
-            <a:r>
-              <a:rPr lang="he-IL" dirty="0"/>
-              <a:t>מודל היררכי - מודל זה הנתונים מאורגנים במבנה של עץ לפי היררכיית התפקידים שלהם והיחסים ביניהם.</a:t>
-            </a:r>
-            <a:endParaRPr lang="he-IL" dirty="0">
-              <a:solidFill>
-                <a:srgbClr val="202122"/>
-              </a:solidFill>
-              <a:latin typeface="Arial" panose="020B0604020202020204" pitchFamily="34" charset="0"/>
-            </a:endParaRPr>
-          </a:p>
-          <a:p>
-            <a:pPr marL="342900" indent="-342900" algn="just" rtl="1">
-              <a:buFont typeface="Arial" panose="020B0604020202020204" pitchFamily="34" charset="0"/>
-              <a:buChar char="•"/>
-            </a:pPr>
-            <a:r>
-              <a:rPr lang="en-US" dirty="0"/>
-              <a:t>NOSQL </a:t>
-            </a:r>
-            <a:r>
-              <a:rPr lang="he-IL" dirty="0"/>
-              <a:t> הוא קטגוריה חדשה יחסית של בסיסי נתונים, אשר נותנים פתרון אחסון וגישה למידע שאינו ממודל במבנה טבלאי יחסי אשר נפוץ בבסיסי נתונים יחסיים.</a:t>
-            </a:r>
-          </a:p>
-          <a:p>
-            <a:endParaRPr lang="he-IL" dirty="0"/>
-          </a:p>
-        </p:txBody>
-      </p:sp>
-      <p:sp>
-        <p:nvSpPr>
-          <p:cNvPr id="4" name="Footer Placeholder 3">
-            <a:extLst>
-              <a:ext uri="{FF2B5EF4-FFF2-40B4-BE49-F238E27FC236}">
-                <a16:creationId xmlns:a16="http://schemas.microsoft.com/office/drawing/2014/main" id="{0C472EF7-694F-4E4C-9210-17AE5A8C4709}"/>
-              </a:ext>
-            </a:extLst>
-          </p:cNvPr>
-          <p:cNvSpPr>
-            <a:spLocks noGrp="1"/>
-          </p:cNvSpPr>
-          <p:nvPr>
-            <p:ph type="ftr" sz="quarter" idx="11"/>
-          </p:nvPr>
-        </p:nvSpPr>
-        <p:spPr/>
-        <p:txBody>
-          <a:bodyPr/>
-          <a:lstStyle/>
-          <a:p>
-            <a:r>
-              <a:rPr lang="en-US"/>
-              <a:t>Avidar Yerushalmi 2002 (c)</a:t>
-            </a:r>
-            <a:endParaRPr lang="he-IL"/>
-          </a:p>
-        </p:txBody>
-      </p:sp>
-    </p:spTree>
-    <p:extLst>
-      <p:ext uri="{BB962C8B-B14F-4D97-AF65-F5344CB8AC3E}">
-        <p14:creationId xmlns:p14="http://schemas.microsoft.com/office/powerpoint/2010/main" val="2824730165"/>
-      </p:ext>
-    </p:extLst>
-  </p:cSld>
-  <p:clrMapOvr>
-    <a:masterClrMapping/>
-  </p:clrMapOvr>
-</p:sld>
-</file>
-
 <file path=ppt/slides/slide5.xml><?xml version="1.0" encoding="utf-8"?>
 <p:sld xmlns:a="http://schemas.openxmlformats.org/drawingml/2006/main" xmlns:r="http://schemas.openxmlformats.org/officeDocument/2006/relationships" xmlns:p="http://schemas.openxmlformats.org/presentationml/2006/main">
   <p:cSld>
@@ -10668,7 +14841,7 @@
           <a:p>
             <a:r>
               <a:rPr lang="en-US"/>
-              <a:t>Avidar Yerushalmi 2002 (c)</a:t>
+              <a:t>avidary@gmail.com  2002 (c)</a:t>
             </a:r>
             <a:endParaRPr lang="he-IL"/>
           </a:p>
@@ -10961,7 +15134,7 @@
           <a:p>
             <a:r>
               <a:rPr lang="en-US"/>
-              <a:t>Avidar Yerushalmi 2002 (c)</a:t>
+              <a:t>avidary@gmail.com  2002 (c)</a:t>
             </a:r>
             <a:endParaRPr lang="he-IL"/>
           </a:p>
@@ -11287,7 +15460,7 @@
           <a:p>
             <a:r>
               <a:rPr lang="en-US"/>
-              <a:t>Avidar Yerushalmi 2002 (c)</a:t>
+              <a:t>avidary@gmail.com  2002 (c)</a:t>
             </a:r>
             <a:endParaRPr lang="he-IL"/>
           </a:p>
@@ -11592,7 +15765,7 @@
           <a:p>
             <a:r>
               <a:rPr lang="en-US"/>
-              <a:t>Avidar Yerushalmi 2002 (c)</a:t>
+              <a:t>avidary@gmail.com  2002 (c)</a:t>
             </a:r>
             <a:endParaRPr lang="he-IL"/>
           </a:p>
@@ -11772,7 +15945,7 @@
           <a:p>
             <a:r>
               <a:rPr lang="en-US"/>
-              <a:t>Avidar Yerushalmi 2002 (c)</a:t>
+              <a:t>avidary@gmail.com  2002 (c)</a:t>
             </a:r>
             <a:endParaRPr lang="he-IL"/>
           </a:p>
@@ -12379,4 +16552,262 @@
     </a:ext>
   </a:extLst>
 </a:theme>
+</file>
+
+<file path=ppt/theme/themeOverride1.xml><?xml version="1.0" encoding="utf-8"?>
+<a:themeOverride xmlns:a="http://schemas.openxmlformats.org/drawingml/2006/main">
+  <a:clrScheme name="Office">
+    <a:dk1>
+      <a:sysClr val="windowText" lastClr="000000"/>
+    </a:dk1>
+    <a:lt1>
+      <a:sysClr val="window" lastClr="FFFFFF"/>
+    </a:lt1>
+    <a:dk2>
+      <a:srgbClr val="44546A"/>
+    </a:dk2>
+    <a:lt2>
+      <a:srgbClr val="E7E6E6"/>
+    </a:lt2>
+    <a:accent1>
+      <a:srgbClr val="4472C4"/>
+    </a:accent1>
+    <a:accent2>
+      <a:srgbClr val="ED7D31"/>
+    </a:accent2>
+    <a:accent3>
+      <a:srgbClr val="A5A5A5"/>
+    </a:accent3>
+    <a:accent4>
+      <a:srgbClr val="FFC000"/>
+    </a:accent4>
+    <a:accent5>
+      <a:srgbClr val="5B9BD5"/>
+    </a:accent5>
+    <a:accent6>
+      <a:srgbClr val="70AD47"/>
+    </a:accent6>
+    <a:hlink>
+      <a:srgbClr val="0563C1"/>
+    </a:hlink>
+    <a:folHlink>
+      <a:srgbClr val="954F72"/>
+    </a:folHlink>
+  </a:clrScheme>
+</a:themeOverride>
+</file>
+
+<file path=ppt/theme/themeOverride2.xml><?xml version="1.0" encoding="utf-8"?>
+<a:themeOverride xmlns:a="http://schemas.openxmlformats.org/drawingml/2006/main">
+  <a:clrScheme name="Office">
+    <a:dk1>
+      <a:sysClr val="windowText" lastClr="000000"/>
+    </a:dk1>
+    <a:lt1>
+      <a:sysClr val="window" lastClr="FFFFFF"/>
+    </a:lt1>
+    <a:dk2>
+      <a:srgbClr val="44546A"/>
+    </a:dk2>
+    <a:lt2>
+      <a:srgbClr val="E7E6E6"/>
+    </a:lt2>
+    <a:accent1>
+      <a:srgbClr val="4472C4"/>
+    </a:accent1>
+    <a:accent2>
+      <a:srgbClr val="ED7D31"/>
+    </a:accent2>
+    <a:accent3>
+      <a:srgbClr val="A5A5A5"/>
+    </a:accent3>
+    <a:accent4>
+      <a:srgbClr val="FFC000"/>
+    </a:accent4>
+    <a:accent5>
+      <a:srgbClr val="5B9BD5"/>
+    </a:accent5>
+    <a:accent6>
+      <a:srgbClr val="70AD47"/>
+    </a:accent6>
+    <a:hlink>
+      <a:srgbClr val="0563C1"/>
+    </a:hlink>
+    <a:folHlink>
+      <a:srgbClr val="954F72"/>
+    </a:folHlink>
+  </a:clrScheme>
+</a:themeOverride>
+</file>
+
+<file path=ppt/theme/themeOverride3.xml><?xml version="1.0" encoding="utf-8"?>
+<a:themeOverride xmlns:a="http://schemas.openxmlformats.org/drawingml/2006/main">
+  <a:clrScheme name="Office">
+    <a:dk1>
+      <a:sysClr val="windowText" lastClr="000000"/>
+    </a:dk1>
+    <a:lt1>
+      <a:sysClr val="window" lastClr="FFFFFF"/>
+    </a:lt1>
+    <a:dk2>
+      <a:srgbClr val="44546A"/>
+    </a:dk2>
+    <a:lt2>
+      <a:srgbClr val="E7E6E6"/>
+    </a:lt2>
+    <a:accent1>
+      <a:srgbClr val="4472C4"/>
+    </a:accent1>
+    <a:accent2>
+      <a:srgbClr val="ED7D31"/>
+    </a:accent2>
+    <a:accent3>
+      <a:srgbClr val="A5A5A5"/>
+    </a:accent3>
+    <a:accent4>
+      <a:srgbClr val="FFC000"/>
+    </a:accent4>
+    <a:accent5>
+      <a:srgbClr val="5B9BD5"/>
+    </a:accent5>
+    <a:accent6>
+      <a:srgbClr val="70AD47"/>
+    </a:accent6>
+    <a:hlink>
+      <a:srgbClr val="0563C1"/>
+    </a:hlink>
+    <a:folHlink>
+      <a:srgbClr val="954F72"/>
+    </a:folHlink>
+  </a:clrScheme>
+</a:themeOverride>
+</file>
+
+<file path=ppt/theme/themeOverride4.xml><?xml version="1.0" encoding="utf-8"?>
+<a:themeOverride xmlns:a="http://schemas.openxmlformats.org/drawingml/2006/main">
+  <a:clrScheme name="Office">
+    <a:dk1>
+      <a:sysClr val="windowText" lastClr="000000"/>
+    </a:dk1>
+    <a:lt1>
+      <a:sysClr val="window" lastClr="FFFFFF"/>
+    </a:lt1>
+    <a:dk2>
+      <a:srgbClr val="44546A"/>
+    </a:dk2>
+    <a:lt2>
+      <a:srgbClr val="E7E6E6"/>
+    </a:lt2>
+    <a:accent1>
+      <a:srgbClr val="4472C4"/>
+    </a:accent1>
+    <a:accent2>
+      <a:srgbClr val="ED7D31"/>
+    </a:accent2>
+    <a:accent3>
+      <a:srgbClr val="A5A5A5"/>
+    </a:accent3>
+    <a:accent4>
+      <a:srgbClr val="FFC000"/>
+    </a:accent4>
+    <a:accent5>
+      <a:srgbClr val="5B9BD5"/>
+    </a:accent5>
+    <a:accent6>
+      <a:srgbClr val="70AD47"/>
+    </a:accent6>
+    <a:hlink>
+      <a:srgbClr val="0563C1"/>
+    </a:hlink>
+    <a:folHlink>
+      <a:srgbClr val="954F72"/>
+    </a:folHlink>
+  </a:clrScheme>
+</a:themeOverride>
+</file>
+
+<file path=ppt/theme/themeOverride5.xml><?xml version="1.0" encoding="utf-8"?>
+<a:themeOverride xmlns:a="http://schemas.openxmlformats.org/drawingml/2006/main">
+  <a:clrScheme name="Office">
+    <a:dk1>
+      <a:sysClr val="windowText" lastClr="000000"/>
+    </a:dk1>
+    <a:lt1>
+      <a:sysClr val="window" lastClr="FFFFFF"/>
+    </a:lt1>
+    <a:dk2>
+      <a:srgbClr val="44546A"/>
+    </a:dk2>
+    <a:lt2>
+      <a:srgbClr val="E7E6E6"/>
+    </a:lt2>
+    <a:accent1>
+      <a:srgbClr val="4472C4"/>
+    </a:accent1>
+    <a:accent2>
+      <a:srgbClr val="ED7D31"/>
+    </a:accent2>
+    <a:accent3>
+      <a:srgbClr val="A5A5A5"/>
+    </a:accent3>
+    <a:accent4>
+      <a:srgbClr val="FFC000"/>
+    </a:accent4>
+    <a:accent5>
+      <a:srgbClr val="5B9BD5"/>
+    </a:accent5>
+    <a:accent6>
+      <a:srgbClr val="70AD47"/>
+    </a:accent6>
+    <a:hlink>
+      <a:srgbClr val="0563C1"/>
+    </a:hlink>
+    <a:folHlink>
+      <a:srgbClr val="954F72"/>
+    </a:folHlink>
+  </a:clrScheme>
+</a:themeOverride>
+</file>
+
+<file path=ppt/theme/themeOverride6.xml><?xml version="1.0" encoding="utf-8"?>
+<a:themeOverride xmlns:a="http://schemas.openxmlformats.org/drawingml/2006/main">
+  <a:clrScheme name="Office">
+    <a:dk1>
+      <a:sysClr val="windowText" lastClr="000000"/>
+    </a:dk1>
+    <a:lt1>
+      <a:sysClr val="window" lastClr="FFFFFF"/>
+    </a:lt1>
+    <a:dk2>
+      <a:srgbClr val="44546A"/>
+    </a:dk2>
+    <a:lt2>
+      <a:srgbClr val="E7E6E6"/>
+    </a:lt2>
+    <a:accent1>
+      <a:srgbClr val="4472C4"/>
+    </a:accent1>
+    <a:accent2>
+      <a:srgbClr val="ED7D31"/>
+    </a:accent2>
+    <a:accent3>
+      <a:srgbClr val="A5A5A5"/>
+    </a:accent3>
+    <a:accent4>
+      <a:srgbClr val="FFC000"/>
+    </a:accent4>
+    <a:accent5>
+      <a:srgbClr val="5B9BD5"/>
+    </a:accent5>
+    <a:accent6>
+      <a:srgbClr val="70AD47"/>
+    </a:accent6>
+    <a:hlink>
+      <a:srgbClr val="0563C1"/>
+    </a:hlink>
+    <a:folHlink>
+      <a:srgbClr val="954F72"/>
+    </a:folHlink>
+  </a:clrScheme>
+</a:themeOverride>
 </file>
--- a/Smart QA - SQL for testing.pptx
+++ b/Smart QA - SQL for testing.pptx
@@ -5,7 +5,7 @@
     <p:sldMasterId id="2147483648" r:id="rId1"/>
   </p:sldMasterIdLst>
   <p:notesMasterIdLst>
-    <p:notesMasterId r:id="rId50"/>
+    <p:notesMasterId r:id="rId46"/>
   </p:notesMasterIdLst>
   <p:sldIdLst>
     <p:sldId id="256" r:id="rId2"/>
@@ -14,48 +14,44 @@
     <p:sldId id="261" r:id="rId5"/>
     <p:sldId id="262" r:id="rId6"/>
     <p:sldId id="263" r:id="rId7"/>
-    <p:sldId id="264" r:id="rId8"/>
-    <p:sldId id="265" r:id="rId9"/>
-    <p:sldId id="257" r:id="rId10"/>
-    <p:sldId id="259" r:id="rId11"/>
-    <p:sldId id="266" r:id="rId12"/>
-    <p:sldId id="269" r:id="rId13"/>
-    <p:sldId id="274" r:id="rId14"/>
-    <p:sldId id="275" r:id="rId15"/>
-    <p:sldId id="271" r:id="rId16"/>
-    <p:sldId id="272" r:id="rId17"/>
-    <p:sldId id="277" r:id="rId18"/>
-    <p:sldId id="273" r:id="rId19"/>
-    <p:sldId id="276" r:id="rId20"/>
-    <p:sldId id="267" r:id="rId21"/>
-    <p:sldId id="270" r:id="rId22"/>
-    <p:sldId id="281" r:id="rId23"/>
-    <p:sldId id="282" r:id="rId24"/>
-    <p:sldId id="283" r:id="rId25"/>
-    <p:sldId id="284" r:id="rId26"/>
-    <p:sldId id="285" r:id="rId27"/>
-    <p:sldId id="286" r:id="rId28"/>
-    <p:sldId id="287" r:id="rId29"/>
-    <p:sldId id="288" r:id="rId30"/>
-    <p:sldId id="289" r:id="rId31"/>
-    <p:sldId id="290" r:id="rId32"/>
-    <p:sldId id="292" r:id="rId33"/>
-    <p:sldId id="301" r:id="rId34"/>
-    <p:sldId id="293" r:id="rId35"/>
-    <p:sldId id="294" r:id="rId36"/>
-    <p:sldId id="295" r:id="rId37"/>
-    <p:sldId id="296" r:id="rId38"/>
-    <p:sldId id="297" r:id="rId39"/>
-    <p:sldId id="298" r:id="rId40"/>
-    <p:sldId id="299" r:id="rId41"/>
-    <p:sldId id="300" r:id="rId42"/>
-    <p:sldId id="304" r:id="rId43"/>
-    <p:sldId id="303" r:id="rId44"/>
-    <p:sldId id="302" r:id="rId45"/>
-    <p:sldId id="280" r:id="rId46"/>
-    <p:sldId id="279" r:id="rId47"/>
-    <p:sldId id="278" r:id="rId48"/>
-    <p:sldId id="268" r:id="rId49"/>
+    <p:sldId id="303" r:id="rId8"/>
+    <p:sldId id="264" r:id="rId9"/>
+    <p:sldId id="265" r:id="rId10"/>
+    <p:sldId id="257" r:id="rId11"/>
+    <p:sldId id="268" r:id="rId12"/>
+    <p:sldId id="259" r:id="rId13"/>
+    <p:sldId id="266" r:id="rId14"/>
+    <p:sldId id="269" r:id="rId15"/>
+    <p:sldId id="274" r:id="rId16"/>
+    <p:sldId id="275" r:id="rId17"/>
+    <p:sldId id="271" r:id="rId18"/>
+    <p:sldId id="272" r:id="rId19"/>
+    <p:sldId id="277" r:id="rId20"/>
+    <p:sldId id="273" r:id="rId21"/>
+    <p:sldId id="276" r:id="rId22"/>
+    <p:sldId id="267" r:id="rId23"/>
+    <p:sldId id="270" r:id="rId24"/>
+    <p:sldId id="281" r:id="rId25"/>
+    <p:sldId id="282" r:id="rId26"/>
+    <p:sldId id="283" r:id="rId27"/>
+    <p:sldId id="284" r:id="rId28"/>
+    <p:sldId id="285" r:id="rId29"/>
+    <p:sldId id="286" r:id="rId30"/>
+    <p:sldId id="287" r:id="rId31"/>
+    <p:sldId id="288" r:id="rId32"/>
+    <p:sldId id="289" r:id="rId33"/>
+    <p:sldId id="290" r:id="rId34"/>
+    <p:sldId id="292" r:id="rId35"/>
+    <p:sldId id="301" r:id="rId36"/>
+    <p:sldId id="293" r:id="rId37"/>
+    <p:sldId id="294" r:id="rId38"/>
+    <p:sldId id="295" r:id="rId39"/>
+    <p:sldId id="296" r:id="rId40"/>
+    <p:sldId id="297" r:id="rId41"/>
+    <p:sldId id="298" r:id="rId42"/>
+    <p:sldId id="299" r:id="rId43"/>
+    <p:sldId id="300" r:id="rId44"/>
+    <p:sldId id="304" r:id="rId45"/>
   </p:sldIdLst>
   <p:sldSz cx="12192000" cy="6858000"/>
   <p:notesSz cx="6858000" cy="9144000"/>
@@ -244,7 +240,7 @@
           <a:p>
             <a:fld id="{EF474AB9-969B-49E0-9E72-0EDACE44FECF}" type="datetimeFigureOut">
               <a:rPr lang="he-IL" smtClean="0"/>
-              <a:t>כ"ג/שבט/תשפ"א</a:t>
+              <a:t>ז'/טבת/תשפ"ה</a:t>
             </a:fld>
             <a:endParaRPr lang="he-IL"/>
           </a:p>
@@ -661,7 +657,7 @@
           <a:p>
             <a:fld id="{17FCE807-EA62-4C5A-80D4-B75D07B093C1}" type="datetime8">
               <a:rPr lang="he-IL" smtClean="0"/>
-              <a:t>05 פברואר 21</a:t>
+              <a:t>07 ינואר 25</a:t>
             </a:fld>
             <a:endParaRPr lang="he-IL"/>
           </a:p>
@@ -865,7 +861,7 @@
           <a:p>
             <a:fld id="{7EA45927-4A8A-47FB-8DBD-CDE2EFCB173D}" type="datetime8">
               <a:rPr lang="he-IL" smtClean="0"/>
-              <a:t>05 פברואר 21</a:t>
+              <a:t>07 ינואר 25</a:t>
             </a:fld>
             <a:endParaRPr lang="he-IL"/>
           </a:p>
@@ -1079,7 +1075,7 @@
           <a:p>
             <a:fld id="{8BDE8CEB-5F5E-46D8-AC92-837ECBAA9281}" type="datetime8">
               <a:rPr lang="he-IL" smtClean="0"/>
-              <a:t>05 פברואר 21</a:t>
+              <a:t>07 ינואר 25</a:t>
             </a:fld>
             <a:endParaRPr lang="he-IL"/>
           </a:p>
@@ -1283,7 +1279,7 @@
           <a:p>
             <a:fld id="{C099D4C4-7081-4998-AAC4-054EC3898E45}" type="datetime8">
               <a:rPr lang="he-IL" smtClean="0"/>
-              <a:t>05 פברואר 21</a:t>
+              <a:t>07 ינואר 25</a:t>
             </a:fld>
             <a:endParaRPr lang="he-IL"/>
           </a:p>
@@ -1563,7 +1559,7 @@
           <a:p>
             <a:fld id="{479F8A64-A8D7-4851-9871-D37FE0AEF3EF}" type="datetime8">
               <a:rPr lang="he-IL" smtClean="0"/>
-              <a:t>05 פברואר 21</a:t>
+              <a:t>07 ינואר 25</a:t>
             </a:fld>
             <a:endParaRPr lang="he-IL"/>
           </a:p>
@@ -1835,7 +1831,7 @@
           <a:p>
             <a:fld id="{48E73273-2817-4409-81E7-7CEE2D181E84}" type="datetime8">
               <a:rPr lang="he-IL" smtClean="0"/>
-              <a:t>05 פברואר 21</a:t>
+              <a:t>07 ינואר 25</a:t>
             </a:fld>
             <a:endParaRPr lang="he-IL"/>
           </a:p>
@@ -2254,7 +2250,7 @@
           <a:p>
             <a:fld id="{D7DDF675-EE7D-4923-B509-2D50FB10FE16}" type="datetime8">
               <a:rPr lang="he-IL" smtClean="0"/>
-              <a:t>05 פברואר 21</a:t>
+              <a:t>07 ינואר 25</a:t>
             </a:fld>
             <a:endParaRPr lang="he-IL"/>
           </a:p>
@@ -2400,7 +2396,7 @@
           <a:p>
             <a:fld id="{3D6D360D-DF76-461F-A9E3-523EF86A7890}" type="datetime8">
               <a:rPr lang="he-IL" smtClean="0"/>
-              <a:t>05 פברואר 21</a:t>
+              <a:t>07 ינואר 25</a:t>
             </a:fld>
             <a:endParaRPr lang="he-IL"/>
           </a:p>
@@ -2517,7 +2513,7 @@
           <a:p>
             <a:fld id="{E5BD7085-FD96-42DA-A6CE-C146E5122AEC}" type="datetime8">
               <a:rPr lang="he-IL" smtClean="0"/>
-              <a:t>05 פברואר 21</a:t>
+              <a:t>07 ינואר 25</a:t>
             </a:fld>
             <a:endParaRPr lang="he-IL"/>
           </a:p>
@@ -2834,7 +2830,7 @@
           <a:p>
             <a:fld id="{649CAE1C-F715-4D0A-B619-C3C6E86F5786}" type="datetime8">
               <a:rPr lang="he-IL" smtClean="0"/>
-              <a:t>05 פברואר 21</a:t>
+              <a:t>07 ינואר 25</a:t>
             </a:fld>
             <a:endParaRPr lang="he-IL"/>
           </a:p>
@@ -3127,7 +3123,7 @@
           <a:p>
             <a:fld id="{DB0960C7-54D1-4D80-ADAE-43FDA349A37E}" type="datetime8">
               <a:rPr lang="he-IL" smtClean="0"/>
-              <a:t>05 פברואר 21</a:t>
+              <a:t>07 ינואר 25</a:t>
             </a:fld>
             <a:endParaRPr lang="he-IL"/>
           </a:p>
@@ -3384,7 +3380,7 @@
           <a:p>
             <a:fld id="{5EDB5B18-1B27-4419-AC6F-7DFD02A94ED0}" type="datetime8">
               <a:rPr lang="he-IL" smtClean="0"/>
-              <a:t>05 פברואר 21</a:t>
+              <a:t>07 ינואר 25</a:t>
             </a:fld>
             <a:endParaRPr lang="he-IL"/>
           </a:p>
@@ -3945,6 +3941,265 @@
           <p:cNvPr id="2" name="Title 1">
             <a:extLst>
               <a:ext uri="{FF2B5EF4-FFF2-40B4-BE49-F238E27FC236}">
+                <a16:creationId xmlns:a16="http://schemas.microsoft.com/office/drawing/2014/main" id="{98133B72-FA2E-426D-A647-D207AC895B80}"/>
+              </a:ext>
+            </a:extLst>
+          </p:cNvPr>
+          <p:cNvSpPr>
+            <a:spLocks noGrp="1"/>
+          </p:cNvSpPr>
+          <p:nvPr>
+            <p:ph type="title"/>
+          </p:nvPr>
+        </p:nvSpPr>
+        <p:spPr/>
+        <p:txBody>
+          <a:bodyPr/>
+          <a:lstStyle/>
+          <a:p>
+            <a:r>
+              <a:rPr lang="en-US" dirty="0"/>
+              <a:t>Over view of SQL Management system</a:t>
+            </a:r>
+            <a:endParaRPr lang="he-IL" dirty="0"/>
+          </a:p>
+        </p:txBody>
+      </p:sp>
+      <p:pic>
+        <p:nvPicPr>
+          <p:cNvPr id="6" name="Content Placeholder 5">
+            <a:extLst>
+              <a:ext uri="{FF2B5EF4-FFF2-40B4-BE49-F238E27FC236}">
+                <a16:creationId xmlns:a16="http://schemas.microsoft.com/office/drawing/2014/main" id="{12FFEDEF-1255-4363-B37E-59B68DFDA24D}"/>
+              </a:ext>
+            </a:extLst>
+          </p:cNvPr>
+          <p:cNvPicPr>
+            <a:picLocks noGrp="1" noChangeAspect="1"/>
+          </p:cNvPicPr>
+          <p:nvPr>
+            <p:ph idx="1"/>
+          </p:nvPr>
+        </p:nvPicPr>
+        <p:blipFill>
+          <a:blip r:embed="rId2"/>
+          <a:stretch>
+            <a:fillRect/>
+          </a:stretch>
+        </p:blipFill>
+        <p:spPr>
+          <a:xfrm>
+            <a:off x="977462" y="1617555"/>
+            <a:ext cx="10097814" cy="4811929"/>
+          </a:xfrm>
+        </p:spPr>
+      </p:pic>
+      <p:sp>
+        <p:nvSpPr>
+          <p:cNvPr id="5" name="Footer Placeholder 4">
+            <a:extLst>
+              <a:ext uri="{FF2B5EF4-FFF2-40B4-BE49-F238E27FC236}">
+                <a16:creationId xmlns:a16="http://schemas.microsoft.com/office/drawing/2014/main" id="{B95AC892-4C4B-430D-B962-24619616AA47}"/>
+              </a:ext>
+            </a:extLst>
+          </p:cNvPr>
+          <p:cNvSpPr>
+            <a:spLocks noGrp="1"/>
+          </p:cNvSpPr>
+          <p:nvPr>
+            <p:ph type="ftr" sz="quarter" idx="11"/>
+          </p:nvPr>
+        </p:nvSpPr>
+        <p:spPr/>
+        <p:txBody>
+          <a:bodyPr/>
+          <a:lstStyle/>
+          <a:p>
+            <a:r>
+              <a:rPr lang="en-US"/>
+              <a:t>avidary@gmail.com  2002 (c)</a:t>
+            </a:r>
+            <a:endParaRPr lang="he-IL"/>
+          </a:p>
+        </p:txBody>
+      </p:sp>
+    </p:spTree>
+    <p:extLst>
+      <p:ext uri="{BB962C8B-B14F-4D97-AF65-F5344CB8AC3E}">
+        <p14:creationId xmlns:p14="http://schemas.microsoft.com/office/powerpoint/2010/main" val="2859465609"/>
+      </p:ext>
+    </p:extLst>
+  </p:cSld>
+  <p:clrMapOvr>
+    <a:masterClrMapping/>
+  </p:clrMapOvr>
+</p:sld>
+</file>
+
+<file path=ppt/slides/slide11.xml><?xml version="1.0" encoding="utf-8"?>
+<p:sld xmlns:a="http://schemas.openxmlformats.org/drawingml/2006/main" xmlns:r="http://schemas.openxmlformats.org/officeDocument/2006/relationships" xmlns:p="http://schemas.openxmlformats.org/presentationml/2006/main">
+  <p:cSld>
+    <p:spTree>
+      <p:nvGrpSpPr>
+        <p:cNvPr id="1" name=""/>
+        <p:cNvGrpSpPr/>
+        <p:nvPr/>
+      </p:nvGrpSpPr>
+      <p:grpSpPr>
+        <a:xfrm>
+          <a:off x="0" y="0"/>
+          <a:ext cx="0" cy="0"/>
+          <a:chOff x="0" y="0"/>
+          <a:chExt cx="0" cy="0"/>
+        </a:xfrm>
+      </p:grpSpPr>
+      <p:sp>
+        <p:nvSpPr>
+          <p:cNvPr id="2" name="Title 1">
+            <a:extLst>
+              <a:ext uri="{FF2B5EF4-FFF2-40B4-BE49-F238E27FC236}">
+                <a16:creationId xmlns:a16="http://schemas.microsoft.com/office/drawing/2014/main" id="{BE5D6318-C76E-4A76-B0D4-6127F014C1EE}"/>
+              </a:ext>
+            </a:extLst>
+          </p:cNvPr>
+          <p:cNvSpPr>
+            <a:spLocks noGrp="1"/>
+          </p:cNvSpPr>
+          <p:nvPr>
+            <p:ph type="title"/>
+          </p:nvPr>
+        </p:nvSpPr>
+        <p:spPr>
+          <a:xfrm>
+            <a:off x="838200" y="388773"/>
+            <a:ext cx="10515600" cy="1325563"/>
+          </a:xfrm>
+        </p:spPr>
+        <p:txBody>
+          <a:bodyPr/>
+          <a:lstStyle/>
+          <a:p>
+            <a:r>
+              <a:rPr lang="en-US" dirty="0"/>
+              <a:t> Select structure</a:t>
+            </a:r>
+            <a:endParaRPr lang="he-IL" dirty="0"/>
+          </a:p>
+        </p:txBody>
+      </p:sp>
+      <p:sp>
+        <p:nvSpPr>
+          <p:cNvPr id="4" name="Footer Placeholder 3">
+            <a:extLst>
+              <a:ext uri="{FF2B5EF4-FFF2-40B4-BE49-F238E27FC236}">
+                <a16:creationId xmlns:a16="http://schemas.microsoft.com/office/drawing/2014/main" id="{E383C24D-BEA6-474F-A840-896AD0E01479}"/>
+              </a:ext>
+            </a:extLst>
+          </p:cNvPr>
+          <p:cNvSpPr>
+            <a:spLocks noGrp="1"/>
+          </p:cNvSpPr>
+          <p:nvPr>
+            <p:ph type="ftr" sz="quarter" idx="11"/>
+          </p:nvPr>
+        </p:nvSpPr>
+        <p:spPr/>
+        <p:txBody>
+          <a:bodyPr/>
+          <a:lstStyle/>
+          <a:p>
+            <a:r>
+              <a:rPr lang="en-US"/>
+              <a:t>avidary@gmail.com  2002 (c)</a:t>
+            </a:r>
+            <a:endParaRPr lang="he-IL"/>
+          </a:p>
+        </p:txBody>
+      </p:sp>
+      <p:pic>
+        <p:nvPicPr>
+          <p:cNvPr id="1026" name="Picture 2" descr="basic sql select statement">
+            <a:extLst>
+              <a:ext uri="{FF2B5EF4-FFF2-40B4-BE49-F238E27FC236}">
+                <a16:creationId xmlns:a16="http://schemas.microsoft.com/office/drawing/2014/main" id="{0B0BA976-2DB6-4F7D-ADB2-C6779F3E5F42}"/>
+              </a:ext>
+            </a:extLst>
+          </p:cNvPr>
+          <p:cNvPicPr>
+            <a:picLocks noGrp="1" noChangeAspect="1" noChangeArrowheads="1"/>
+          </p:cNvPicPr>
+          <p:nvPr>
+            <p:ph idx="1"/>
+          </p:nvPr>
+        </p:nvPicPr>
+        <p:blipFill>
+          <a:blip r:embed="rId2">
+            <a:extLst>
+              <a:ext uri="{28A0092B-C50C-407E-A947-70E740481C1C}">
+                <a14:useLocalDpi xmlns:a14="http://schemas.microsoft.com/office/drawing/2010/main" val="0"/>
+              </a:ext>
+            </a:extLst>
+          </a:blip>
+          <a:srcRect/>
+          <a:stretch>
+            <a:fillRect/>
+          </a:stretch>
+        </p:blipFill>
+        <p:spPr bwMode="auto">
+          <a:xfrm>
+            <a:off x="615490" y="1565631"/>
+            <a:ext cx="10738310" cy="4180900"/>
+          </a:xfrm>
+          <a:prstGeom prst="rect">
+            <a:avLst/>
+          </a:prstGeom>
+          <a:noFill/>
+          <a:extLst>
+            <a:ext uri="{909E8E84-426E-40DD-AFC4-6F175D3DCCD1}">
+              <a14:hiddenFill xmlns:a14="http://schemas.microsoft.com/office/drawing/2010/main">
+                <a:solidFill>
+                  <a:srgbClr val="FFFFFF"/>
+                </a:solidFill>
+              </a14:hiddenFill>
+            </a:ext>
+          </a:extLst>
+        </p:spPr>
+      </p:pic>
+    </p:spTree>
+    <p:extLst>
+      <p:ext uri="{BB962C8B-B14F-4D97-AF65-F5344CB8AC3E}">
+        <p14:creationId xmlns:p14="http://schemas.microsoft.com/office/powerpoint/2010/main" val="1248988149"/>
+      </p:ext>
+    </p:extLst>
+  </p:cSld>
+  <p:clrMapOvr>
+    <a:masterClrMapping/>
+  </p:clrMapOvr>
+</p:sld>
+</file>
+
+<file path=ppt/slides/slide12.xml><?xml version="1.0" encoding="utf-8"?>
+<p:sld xmlns:a="http://schemas.openxmlformats.org/drawingml/2006/main" xmlns:r="http://schemas.openxmlformats.org/officeDocument/2006/relationships" xmlns:p="http://schemas.openxmlformats.org/presentationml/2006/main">
+  <p:cSld>
+    <p:spTree>
+      <p:nvGrpSpPr>
+        <p:cNvPr id="1" name=""/>
+        <p:cNvGrpSpPr/>
+        <p:nvPr/>
+      </p:nvGrpSpPr>
+      <p:grpSpPr>
+        <a:xfrm>
+          <a:off x="0" y="0"/>
+          <a:ext cx="0" cy="0"/>
+          <a:chOff x="0" y="0"/>
+          <a:chExt cx="0" cy="0"/>
+        </a:xfrm>
+      </p:grpSpPr>
+      <p:sp>
+        <p:nvSpPr>
+          <p:cNvPr id="2" name="Title 1">
+            <a:extLst>
+              <a:ext uri="{FF2B5EF4-FFF2-40B4-BE49-F238E27FC236}">
                 <a16:creationId xmlns:a16="http://schemas.microsoft.com/office/drawing/2014/main" id="{BE5D6318-C76E-4A76-B0D4-6127F014C1EE}"/>
               </a:ext>
             </a:extLst>
@@ -4121,7 +4376,7 @@
 </p:sld>
 </file>
 
-<file path=ppt/slides/slide11.xml><?xml version="1.0" encoding="utf-8"?>
+<file path=ppt/slides/slide13.xml><?xml version="1.0" encoding="utf-8"?>
 <p:sld xmlns:a="http://schemas.openxmlformats.org/drawingml/2006/main" xmlns:r="http://schemas.openxmlformats.org/officeDocument/2006/relationships" xmlns:p="http://schemas.openxmlformats.org/presentationml/2006/main">
   <p:cSld>
     <p:spTree>
@@ -4237,1129 +4492,6 @@
 </p:sld>
 </file>
 
-<file path=ppt/slides/slide12.xml><?xml version="1.0" encoding="utf-8"?>
-<p:sld xmlns:a="http://schemas.openxmlformats.org/drawingml/2006/main" xmlns:r="http://schemas.openxmlformats.org/officeDocument/2006/relationships" xmlns:p="http://schemas.openxmlformats.org/presentationml/2006/main">
-  <p:cSld>
-    <p:spTree>
-      <p:nvGrpSpPr>
-        <p:cNvPr id="1" name=""/>
-        <p:cNvGrpSpPr/>
-        <p:nvPr/>
-      </p:nvGrpSpPr>
-      <p:grpSpPr>
-        <a:xfrm>
-          <a:off x="0" y="0"/>
-          <a:ext cx="0" cy="0"/>
-          <a:chOff x="0" y="0"/>
-          <a:chExt cx="0" cy="0"/>
-        </a:xfrm>
-      </p:grpSpPr>
-      <p:sp>
-        <p:nvSpPr>
-          <p:cNvPr id="2" name="Title 1">
-            <a:extLst>
-              <a:ext uri="{FF2B5EF4-FFF2-40B4-BE49-F238E27FC236}">
-                <a16:creationId xmlns:a16="http://schemas.microsoft.com/office/drawing/2014/main" id="{BE5D6318-C76E-4A76-B0D4-6127F014C1EE}"/>
-              </a:ext>
-            </a:extLst>
-          </p:cNvPr>
-          <p:cNvSpPr>
-            <a:spLocks noGrp="1"/>
-          </p:cNvSpPr>
-          <p:nvPr>
-            <p:ph type="title"/>
-          </p:nvPr>
-        </p:nvSpPr>
-        <p:spPr/>
-        <p:txBody>
-          <a:bodyPr/>
-          <a:lstStyle/>
-          <a:p>
-            <a:pPr algn="r"/>
-            <a:r>
-              <a:rPr lang="he-IL" dirty="0"/>
-              <a:t>סוגי נתונים - מספרים</a:t>
-            </a:r>
-          </a:p>
-        </p:txBody>
-      </p:sp>
-      <p:sp>
-        <p:nvSpPr>
-          <p:cNvPr id="3" name="Content Placeholder 2">
-            <a:extLst>
-              <a:ext uri="{FF2B5EF4-FFF2-40B4-BE49-F238E27FC236}">
-                <a16:creationId xmlns:a16="http://schemas.microsoft.com/office/drawing/2014/main" id="{3E0CD643-5062-49E7-9B33-0A24A2E3AEE0}"/>
-              </a:ext>
-            </a:extLst>
-          </p:cNvPr>
-          <p:cNvSpPr>
-            <a:spLocks noGrp="1"/>
-          </p:cNvSpPr>
-          <p:nvPr>
-            <p:ph idx="1"/>
-          </p:nvPr>
-        </p:nvSpPr>
-        <p:spPr/>
-        <p:txBody>
-          <a:bodyPr>
-            <a:normAutofit/>
-          </a:bodyPr>
-          <a:lstStyle/>
-          <a:p>
-            <a:pPr marL="342900" lvl="0" indent="-342900" algn="l" rtl="0">
-              <a:lnSpc>
-                <a:spcPct val="115000"/>
-              </a:lnSpc>
-              <a:spcAft>
-                <a:spcPts val="1000"/>
-              </a:spcAft>
-              <a:buFont typeface="Symbol" panose="05050102010706020507" pitchFamily="18" charset="2"/>
-              <a:buChar char=""/>
-            </a:pPr>
-            <a:r>
-              <a:rPr lang="en-US" sz="2400" dirty="0" err="1">
-                <a:effectLst/>
-                <a:latin typeface="Gisha" panose="020B0502040204020203" pitchFamily="34" charset="-79"/>
-                <a:ea typeface="Calibri" panose="020F0502020204030204" pitchFamily="34" charset="0"/>
-                <a:cs typeface="Arial" panose="020B0604020202020204" pitchFamily="34" charset="0"/>
-              </a:rPr>
-              <a:t>Account_number</a:t>
-            </a:r>
-            <a:r>
-              <a:rPr lang="en-US" sz="2400" b="1" dirty="0">
-                <a:effectLst/>
-                <a:latin typeface="Gisha" panose="020B0502040204020203" pitchFamily="34" charset="-79"/>
-                <a:ea typeface="Calibri" panose="020F0502020204030204" pitchFamily="34" charset="0"/>
-                <a:cs typeface="Arial" panose="020B0604020202020204" pitchFamily="34" charset="0"/>
-              </a:rPr>
-              <a:t> </a:t>
-            </a:r>
-            <a:r>
-              <a:rPr lang="en-US" sz="2400" b="1" dirty="0">
-                <a:solidFill>
-                  <a:srgbClr val="FF0000"/>
-                </a:solidFill>
-                <a:effectLst/>
-                <a:latin typeface="Gisha" panose="020B0502040204020203" pitchFamily="34" charset="-79"/>
-                <a:ea typeface="Calibri" panose="020F0502020204030204" pitchFamily="34" charset="0"/>
-                <a:cs typeface="Arial" panose="020B0604020202020204" pitchFamily="34" charset="0"/>
-              </a:rPr>
-              <a:t>=</a:t>
-            </a:r>
-            <a:r>
-              <a:rPr lang="en-US" sz="2400" dirty="0">
-                <a:solidFill>
-                  <a:srgbClr val="FF0000"/>
-                </a:solidFill>
-                <a:effectLst/>
-                <a:latin typeface="Gisha" panose="020B0502040204020203" pitchFamily="34" charset="-79"/>
-                <a:ea typeface="Calibri" panose="020F0502020204030204" pitchFamily="34" charset="0"/>
-                <a:cs typeface="Arial" panose="020B0604020202020204" pitchFamily="34" charset="0"/>
-              </a:rPr>
-              <a:t> </a:t>
-            </a:r>
-            <a:r>
-              <a:rPr lang="en-US" sz="2400" dirty="0">
-                <a:effectLst/>
-                <a:latin typeface="Gisha" panose="020B0502040204020203" pitchFamily="34" charset="-79"/>
-                <a:ea typeface="Calibri" panose="020F0502020204030204" pitchFamily="34" charset="0"/>
-                <a:cs typeface="Arial" panose="020B0604020202020204" pitchFamily="34" charset="0"/>
-              </a:rPr>
-              <a:t>13</a:t>
-            </a:r>
-            <a:endParaRPr lang="en-US" sz="2400" dirty="0">
-              <a:effectLst/>
-              <a:latin typeface="Calibri" panose="020F0502020204030204" pitchFamily="34" charset="0"/>
-              <a:ea typeface="Calibri" panose="020F0502020204030204" pitchFamily="34" charset="0"/>
-              <a:cs typeface="Arial" panose="020B0604020202020204" pitchFamily="34" charset="0"/>
-            </a:endParaRPr>
-          </a:p>
-          <a:p>
-            <a:pPr marL="342900" lvl="0" indent="-342900" algn="l" rtl="0">
-              <a:lnSpc>
-                <a:spcPct val="115000"/>
-              </a:lnSpc>
-              <a:spcAft>
-                <a:spcPts val="1000"/>
-              </a:spcAft>
-              <a:buFont typeface="Symbol" panose="05050102010706020507" pitchFamily="18" charset="2"/>
-              <a:buChar char=""/>
-            </a:pPr>
-            <a:r>
-              <a:rPr lang="en-US" sz="2400" dirty="0" err="1">
-                <a:effectLst/>
-                <a:latin typeface="Gisha" panose="020B0502040204020203" pitchFamily="34" charset="-79"/>
-                <a:ea typeface="Calibri" panose="020F0502020204030204" pitchFamily="34" charset="0"/>
-                <a:cs typeface="Arial" panose="020B0604020202020204" pitchFamily="34" charset="0"/>
-              </a:rPr>
-              <a:t>Offer_id</a:t>
-            </a:r>
-            <a:r>
-              <a:rPr lang="en-US" sz="2400" dirty="0">
-                <a:effectLst/>
-                <a:latin typeface="Gisha" panose="020B0502040204020203" pitchFamily="34" charset="-79"/>
-                <a:ea typeface="Calibri" panose="020F0502020204030204" pitchFamily="34" charset="0"/>
-                <a:cs typeface="Arial" panose="020B0604020202020204" pitchFamily="34" charset="0"/>
-              </a:rPr>
-              <a:t> </a:t>
-            </a:r>
-            <a:r>
-              <a:rPr lang="en-US" sz="2400" b="1" dirty="0">
-                <a:solidFill>
-                  <a:srgbClr val="FF0000"/>
-                </a:solidFill>
-                <a:effectLst/>
-                <a:latin typeface="Gisha" panose="020B0502040204020203" pitchFamily="34" charset="-79"/>
-                <a:ea typeface="Calibri" panose="020F0502020204030204" pitchFamily="34" charset="0"/>
-                <a:cs typeface="Arial" panose="020B0604020202020204" pitchFamily="34" charset="0"/>
-              </a:rPr>
-              <a:t>&gt;=</a:t>
-            </a:r>
-            <a:r>
-              <a:rPr lang="en-US" sz="2400" dirty="0">
-                <a:effectLst/>
-                <a:latin typeface="Gisha" panose="020B0502040204020203" pitchFamily="34" charset="-79"/>
-                <a:ea typeface="Calibri" panose="020F0502020204030204" pitchFamily="34" charset="0"/>
-                <a:cs typeface="Arial" panose="020B0604020202020204" pitchFamily="34" charset="0"/>
-              </a:rPr>
-              <a:t>  1694</a:t>
-            </a:r>
-            <a:endParaRPr lang="en-US" sz="2400" dirty="0">
-              <a:effectLst/>
-              <a:latin typeface="Calibri" panose="020F0502020204030204" pitchFamily="34" charset="0"/>
-              <a:ea typeface="Calibri" panose="020F0502020204030204" pitchFamily="34" charset="0"/>
-              <a:cs typeface="Arial" panose="020B0604020202020204" pitchFamily="34" charset="0"/>
-            </a:endParaRPr>
-          </a:p>
-          <a:p>
-            <a:pPr marL="342900" lvl="0" indent="-342900" algn="l" rtl="0">
-              <a:lnSpc>
-                <a:spcPct val="115000"/>
-              </a:lnSpc>
-              <a:spcAft>
-                <a:spcPts val="1000"/>
-              </a:spcAft>
-              <a:buFont typeface="Symbol" panose="05050102010706020507" pitchFamily="18" charset="2"/>
-              <a:buChar char=""/>
-            </a:pPr>
-            <a:r>
-              <a:rPr lang="en-US" sz="2400" dirty="0" err="1">
-                <a:effectLst/>
-                <a:latin typeface="Gisha" panose="020B0502040204020203" pitchFamily="34" charset="-79"/>
-                <a:ea typeface="Calibri" panose="020F0502020204030204" pitchFamily="34" charset="0"/>
-                <a:cs typeface="Arial" panose="020B0604020202020204" pitchFamily="34" charset="0"/>
-              </a:rPr>
-              <a:t>Total_amount</a:t>
-            </a:r>
-            <a:r>
-              <a:rPr lang="en-US" sz="2400" dirty="0">
-                <a:effectLst/>
-                <a:latin typeface="Gisha" panose="020B0502040204020203" pitchFamily="34" charset="-79"/>
-                <a:ea typeface="Calibri" panose="020F0502020204030204" pitchFamily="34" charset="0"/>
-                <a:cs typeface="Arial" panose="020B0604020202020204" pitchFamily="34" charset="0"/>
-              </a:rPr>
-              <a:t> </a:t>
-            </a:r>
-            <a:r>
-              <a:rPr lang="en-US" sz="2400" b="1" dirty="0" err="1">
-                <a:solidFill>
-                  <a:srgbClr val="FF0000"/>
-                </a:solidFill>
-                <a:effectLst/>
-                <a:latin typeface="Gisha" panose="020B0502040204020203" pitchFamily="34" charset="-79"/>
-                <a:ea typeface="Calibri" panose="020F0502020204030204" pitchFamily="34" charset="0"/>
-                <a:cs typeface="Arial" panose="020B0604020202020204" pitchFamily="34" charset="0"/>
-              </a:rPr>
-              <a:t>beween</a:t>
-            </a:r>
-            <a:r>
-              <a:rPr lang="en-US" sz="2400" dirty="0">
-                <a:solidFill>
-                  <a:srgbClr val="FF0000"/>
-                </a:solidFill>
-                <a:effectLst/>
-                <a:latin typeface="Gisha" panose="020B0502040204020203" pitchFamily="34" charset="-79"/>
-                <a:ea typeface="Calibri" panose="020F0502020204030204" pitchFamily="34" charset="0"/>
-                <a:cs typeface="Arial" panose="020B0604020202020204" pitchFamily="34" charset="0"/>
-              </a:rPr>
-              <a:t> </a:t>
-            </a:r>
-            <a:r>
-              <a:rPr lang="en-US" sz="2400" dirty="0">
-                <a:effectLst/>
-                <a:latin typeface="Gisha" panose="020B0502040204020203" pitchFamily="34" charset="-79"/>
-                <a:ea typeface="Calibri" panose="020F0502020204030204" pitchFamily="34" charset="0"/>
-                <a:cs typeface="Arial" panose="020B0604020202020204" pitchFamily="34" charset="0"/>
-              </a:rPr>
-              <a:t>0 </a:t>
-            </a:r>
-            <a:r>
-              <a:rPr lang="en-US" sz="2400" b="1" dirty="0">
-                <a:solidFill>
-                  <a:srgbClr val="FF0000"/>
-                </a:solidFill>
-                <a:effectLst/>
-                <a:latin typeface="Gisha" panose="020B0502040204020203" pitchFamily="34" charset="-79"/>
-                <a:ea typeface="Calibri" panose="020F0502020204030204" pitchFamily="34" charset="0"/>
-                <a:cs typeface="Arial" panose="020B0604020202020204" pitchFamily="34" charset="0"/>
-              </a:rPr>
-              <a:t>and</a:t>
-            </a:r>
-            <a:r>
-              <a:rPr lang="en-US" sz="2400" dirty="0">
-                <a:solidFill>
-                  <a:srgbClr val="FF0000"/>
-                </a:solidFill>
-                <a:effectLst/>
-                <a:latin typeface="Gisha" panose="020B0502040204020203" pitchFamily="34" charset="-79"/>
-                <a:ea typeface="Calibri" panose="020F0502020204030204" pitchFamily="34" charset="0"/>
-                <a:cs typeface="Arial" panose="020B0604020202020204" pitchFamily="34" charset="0"/>
-              </a:rPr>
-              <a:t> </a:t>
-            </a:r>
-            <a:r>
-              <a:rPr lang="en-US" sz="2400" dirty="0">
-                <a:effectLst/>
-                <a:latin typeface="Gisha" panose="020B0502040204020203" pitchFamily="34" charset="-79"/>
-                <a:ea typeface="Calibri" panose="020F0502020204030204" pitchFamily="34" charset="0"/>
-                <a:cs typeface="Arial" panose="020B0604020202020204" pitchFamily="34" charset="0"/>
-              </a:rPr>
-              <a:t>1000</a:t>
-            </a:r>
-            <a:endParaRPr lang="en-US" sz="2400" dirty="0">
-              <a:effectLst/>
-              <a:latin typeface="Calibri" panose="020F0502020204030204" pitchFamily="34" charset="0"/>
-              <a:ea typeface="Calibri" panose="020F0502020204030204" pitchFamily="34" charset="0"/>
-              <a:cs typeface="Arial" panose="020B0604020202020204" pitchFamily="34" charset="0"/>
-            </a:endParaRPr>
-          </a:p>
-          <a:p>
-            <a:pPr marL="342900" lvl="0" indent="-342900" algn="l" rtl="0">
-              <a:lnSpc>
-                <a:spcPct val="115000"/>
-              </a:lnSpc>
-              <a:spcAft>
-                <a:spcPts val="1000"/>
-              </a:spcAft>
-              <a:buFont typeface="Symbol" panose="05050102010706020507" pitchFamily="18" charset="2"/>
-              <a:buChar char=""/>
-            </a:pPr>
-            <a:r>
-              <a:rPr lang="en-US" sz="2400" dirty="0" err="1">
-                <a:effectLst/>
-                <a:latin typeface="Gisha" panose="020B0502040204020203" pitchFamily="34" charset="-79"/>
-                <a:ea typeface="Calibri" panose="020F0502020204030204" pitchFamily="34" charset="0"/>
-                <a:cs typeface="Arial" panose="020B0604020202020204" pitchFamily="34" charset="0"/>
-              </a:rPr>
-              <a:t>Content_ID</a:t>
-            </a:r>
-            <a:r>
-              <a:rPr lang="en-US" sz="2400" dirty="0">
-                <a:effectLst/>
-                <a:latin typeface="Gisha" panose="020B0502040204020203" pitchFamily="34" charset="-79"/>
-                <a:ea typeface="Calibri" panose="020F0502020204030204" pitchFamily="34" charset="0"/>
-                <a:cs typeface="Arial" panose="020B0604020202020204" pitchFamily="34" charset="0"/>
-              </a:rPr>
-              <a:t> </a:t>
-            </a:r>
-            <a:r>
-              <a:rPr lang="en-US" sz="2400" b="1" dirty="0">
-                <a:solidFill>
-                  <a:srgbClr val="FF0000"/>
-                </a:solidFill>
-                <a:effectLst/>
-                <a:latin typeface="Gisha" panose="020B0502040204020203" pitchFamily="34" charset="-79"/>
-                <a:ea typeface="Calibri" panose="020F0502020204030204" pitchFamily="34" charset="0"/>
-                <a:cs typeface="Arial" panose="020B0604020202020204" pitchFamily="34" charset="0"/>
-              </a:rPr>
-              <a:t>in</a:t>
-            </a:r>
-            <a:r>
-              <a:rPr lang="en-US" sz="2400" dirty="0">
-                <a:solidFill>
-                  <a:srgbClr val="FF0000"/>
-                </a:solidFill>
-                <a:effectLst/>
-                <a:latin typeface="Gisha" panose="020B0502040204020203" pitchFamily="34" charset="-79"/>
-                <a:ea typeface="Calibri" panose="020F0502020204030204" pitchFamily="34" charset="0"/>
-                <a:cs typeface="Arial" panose="020B0604020202020204" pitchFamily="34" charset="0"/>
-              </a:rPr>
-              <a:t> </a:t>
-            </a:r>
-            <a:r>
-              <a:rPr lang="en-US" sz="2400" b="1" dirty="0">
-                <a:solidFill>
-                  <a:srgbClr val="FF0000"/>
-                </a:solidFill>
-                <a:effectLst/>
-                <a:latin typeface="Gisha" panose="020B0502040204020203" pitchFamily="34" charset="-79"/>
-                <a:ea typeface="Calibri" panose="020F0502020204030204" pitchFamily="34" charset="0"/>
-                <a:cs typeface="Arial" panose="020B0604020202020204" pitchFamily="34" charset="0"/>
-              </a:rPr>
-              <a:t>(</a:t>
-            </a:r>
-            <a:r>
-              <a:rPr lang="en-US" sz="2400" dirty="0">
-                <a:effectLst/>
-                <a:latin typeface="Gisha" panose="020B0502040204020203" pitchFamily="34" charset="-79"/>
-                <a:ea typeface="Calibri" panose="020F0502020204030204" pitchFamily="34" charset="0"/>
-                <a:cs typeface="Arial" panose="020B0604020202020204" pitchFamily="34" charset="0"/>
-              </a:rPr>
-              <a:t>123</a:t>
-            </a:r>
-            <a:r>
-              <a:rPr lang="en-US" sz="2400" b="1" dirty="0">
-                <a:solidFill>
-                  <a:srgbClr val="FF0000"/>
-                </a:solidFill>
-                <a:effectLst/>
-                <a:latin typeface="Gisha" panose="020B0502040204020203" pitchFamily="34" charset="-79"/>
-                <a:ea typeface="Calibri" panose="020F0502020204030204" pitchFamily="34" charset="0"/>
-                <a:cs typeface="Arial" panose="020B0604020202020204" pitchFamily="34" charset="0"/>
-              </a:rPr>
-              <a:t>,</a:t>
-            </a:r>
-            <a:r>
-              <a:rPr lang="en-US" sz="2400" dirty="0">
-                <a:effectLst/>
-                <a:latin typeface="Gisha" panose="020B0502040204020203" pitchFamily="34" charset="-79"/>
-                <a:ea typeface="Calibri" panose="020F0502020204030204" pitchFamily="34" charset="0"/>
-                <a:cs typeface="Arial" panose="020B0604020202020204" pitchFamily="34" charset="0"/>
-              </a:rPr>
-              <a:t>1586,24)  </a:t>
-            </a:r>
-            <a:r>
-              <a:rPr lang="en-US" sz="2400" dirty="0">
-                <a:effectLst/>
-                <a:latin typeface="Gisha" panose="020B0502040204020203" pitchFamily="34" charset="-79"/>
-                <a:ea typeface="Calibri" panose="020F0502020204030204" pitchFamily="34" charset="0"/>
-                <a:cs typeface="Gisha" panose="020B0502040204020203" pitchFamily="34" charset="-79"/>
-                <a:sym typeface="Wingdings" panose="05000000000000000000" pitchFamily="2" charset="2"/>
-              </a:rPr>
-              <a:t></a:t>
-            </a:r>
-            <a:r>
-              <a:rPr lang="en-US" sz="2400" dirty="0">
-                <a:effectLst/>
-                <a:latin typeface="Gisha" panose="020B0502040204020203" pitchFamily="34" charset="-79"/>
-                <a:ea typeface="Calibri" panose="020F0502020204030204" pitchFamily="34" charset="0"/>
-                <a:cs typeface="Arial" panose="020B0604020202020204" pitchFamily="34" charset="0"/>
-              </a:rPr>
-              <a:t> </a:t>
-            </a:r>
-            <a:r>
-              <a:rPr lang="he-IL" sz="2400" dirty="0">
-                <a:effectLst/>
-                <a:latin typeface="Gisha" panose="020B0502040204020203" pitchFamily="34" charset="-79"/>
-                <a:ea typeface="Calibri" panose="020F0502020204030204" pitchFamily="34" charset="0"/>
-                <a:cs typeface="Arial" panose="020B0604020202020204" pitchFamily="34" charset="0"/>
-              </a:rPr>
-              <a:t>יש להקפיד על הסוגריים והפסיקים</a:t>
-            </a:r>
-            <a:endParaRPr lang="en-US" sz="2400" dirty="0">
-              <a:effectLst/>
-              <a:latin typeface="Calibri" panose="020F0502020204030204" pitchFamily="34" charset="0"/>
-              <a:ea typeface="Calibri" panose="020F0502020204030204" pitchFamily="34" charset="0"/>
-              <a:cs typeface="Arial" panose="020B0604020202020204" pitchFamily="34" charset="0"/>
-            </a:endParaRPr>
-          </a:p>
-          <a:p>
-            <a:pPr marL="342900" lvl="0" indent="-342900" algn="l" rtl="0">
-              <a:lnSpc>
-                <a:spcPct val="115000"/>
-              </a:lnSpc>
-              <a:spcAft>
-                <a:spcPts val="1000"/>
-              </a:spcAft>
-              <a:buFont typeface="Symbol" panose="05050102010706020507" pitchFamily="18" charset="2"/>
-              <a:buChar char=""/>
-            </a:pPr>
-            <a:r>
-              <a:rPr lang="en-US" sz="2400" dirty="0" err="1">
-                <a:effectLst/>
-                <a:latin typeface="Gisha" panose="020B0502040204020203" pitchFamily="34" charset="-79"/>
-                <a:ea typeface="Calibri" panose="020F0502020204030204" pitchFamily="34" charset="0"/>
-                <a:cs typeface="Arial" panose="020B0604020202020204" pitchFamily="34" charset="0"/>
-              </a:rPr>
-              <a:t>Content_ID</a:t>
-            </a:r>
-            <a:r>
-              <a:rPr lang="en-US" sz="2400" dirty="0">
-                <a:effectLst/>
-                <a:latin typeface="Gisha" panose="020B0502040204020203" pitchFamily="34" charset="-79"/>
-                <a:ea typeface="Calibri" panose="020F0502020204030204" pitchFamily="34" charset="0"/>
-                <a:cs typeface="Arial" panose="020B0604020202020204" pitchFamily="34" charset="0"/>
-              </a:rPr>
-              <a:t> </a:t>
-            </a:r>
-            <a:r>
-              <a:rPr lang="en-US" sz="2400" b="1" dirty="0">
-                <a:solidFill>
-                  <a:srgbClr val="FF0000"/>
-                </a:solidFill>
-                <a:effectLst/>
-                <a:latin typeface="Gisha" panose="020B0502040204020203" pitchFamily="34" charset="-79"/>
-                <a:ea typeface="Calibri" panose="020F0502020204030204" pitchFamily="34" charset="0"/>
-                <a:cs typeface="Arial" panose="020B0604020202020204" pitchFamily="34" charset="0"/>
-              </a:rPr>
-              <a:t>NOT</a:t>
-            </a:r>
-            <a:r>
-              <a:rPr lang="en-US" sz="2400" dirty="0">
-                <a:solidFill>
-                  <a:srgbClr val="FF0000"/>
-                </a:solidFill>
-                <a:effectLst/>
-                <a:latin typeface="Gisha" panose="020B0502040204020203" pitchFamily="34" charset="-79"/>
-                <a:ea typeface="Calibri" panose="020F0502020204030204" pitchFamily="34" charset="0"/>
-                <a:cs typeface="Arial" panose="020B0604020202020204" pitchFamily="34" charset="0"/>
-              </a:rPr>
-              <a:t> </a:t>
-            </a:r>
-            <a:r>
-              <a:rPr lang="en-US" sz="2400" b="1" dirty="0">
-                <a:solidFill>
-                  <a:srgbClr val="FF0000"/>
-                </a:solidFill>
-                <a:effectLst/>
-                <a:latin typeface="Gisha" panose="020B0502040204020203" pitchFamily="34" charset="-79"/>
-                <a:ea typeface="Calibri" panose="020F0502020204030204" pitchFamily="34" charset="0"/>
-                <a:cs typeface="Arial" panose="020B0604020202020204" pitchFamily="34" charset="0"/>
-              </a:rPr>
-              <a:t>in</a:t>
-            </a:r>
-            <a:r>
-              <a:rPr lang="en-US" sz="2400" dirty="0">
-                <a:solidFill>
-                  <a:srgbClr val="FF0000"/>
-                </a:solidFill>
-                <a:effectLst/>
-                <a:latin typeface="Gisha" panose="020B0502040204020203" pitchFamily="34" charset="-79"/>
-                <a:ea typeface="Calibri" panose="020F0502020204030204" pitchFamily="34" charset="0"/>
-                <a:cs typeface="Arial" panose="020B0604020202020204" pitchFamily="34" charset="0"/>
-              </a:rPr>
-              <a:t> </a:t>
-            </a:r>
-            <a:r>
-              <a:rPr lang="en-US" sz="2400" b="1" dirty="0">
-                <a:solidFill>
-                  <a:srgbClr val="FF0000"/>
-                </a:solidFill>
-                <a:effectLst/>
-                <a:latin typeface="Gisha" panose="020B0502040204020203" pitchFamily="34" charset="-79"/>
-                <a:ea typeface="Calibri" panose="020F0502020204030204" pitchFamily="34" charset="0"/>
-                <a:cs typeface="Arial" panose="020B0604020202020204" pitchFamily="34" charset="0"/>
-              </a:rPr>
-              <a:t>(</a:t>
-            </a:r>
-            <a:r>
-              <a:rPr lang="en-US" sz="2400" dirty="0">
-                <a:effectLst/>
-                <a:latin typeface="Gisha" panose="020B0502040204020203" pitchFamily="34" charset="-79"/>
-                <a:ea typeface="Calibri" panose="020F0502020204030204" pitchFamily="34" charset="0"/>
-                <a:cs typeface="Arial" panose="020B0604020202020204" pitchFamily="34" charset="0"/>
-              </a:rPr>
-              <a:t>123</a:t>
-            </a:r>
-            <a:r>
-              <a:rPr lang="en-US" sz="2400" b="1" dirty="0">
-                <a:solidFill>
-                  <a:srgbClr val="FF0000"/>
-                </a:solidFill>
-                <a:effectLst/>
-                <a:latin typeface="Gisha" panose="020B0502040204020203" pitchFamily="34" charset="-79"/>
-                <a:ea typeface="Calibri" panose="020F0502020204030204" pitchFamily="34" charset="0"/>
-                <a:cs typeface="Arial" panose="020B0604020202020204" pitchFamily="34" charset="0"/>
-              </a:rPr>
-              <a:t>,</a:t>
-            </a:r>
-            <a:r>
-              <a:rPr lang="en-US" sz="2400" dirty="0">
-                <a:effectLst/>
-                <a:latin typeface="Gisha" panose="020B0502040204020203" pitchFamily="34" charset="-79"/>
-                <a:ea typeface="Calibri" panose="020F0502020204030204" pitchFamily="34" charset="0"/>
-                <a:cs typeface="Arial" panose="020B0604020202020204" pitchFamily="34" charset="0"/>
-              </a:rPr>
-              <a:t>1586,24)  </a:t>
-            </a:r>
-            <a:endParaRPr lang="en-US" sz="2400" dirty="0">
-              <a:effectLst/>
-              <a:latin typeface="Calibri" panose="020F0502020204030204" pitchFamily="34" charset="0"/>
-              <a:ea typeface="Calibri" panose="020F0502020204030204" pitchFamily="34" charset="0"/>
-              <a:cs typeface="Arial" panose="020B0604020202020204" pitchFamily="34" charset="0"/>
-            </a:endParaRPr>
-          </a:p>
-          <a:p>
-            <a:endParaRPr lang="he-IL" dirty="0"/>
-          </a:p>
-        </p:txBody>
-      </p:sp>
-      <p:sp>
-        <p:nvSpPr>
-          <p:cNvPr id="4" name="Footer Placeholder 3">
-            <a:extLst>
-              <a:ext uri="{FF2B5EF4-FFF2-40B4-BE49-F238E27FC236}">
-                <a16:creationId xmlns:a16="http://schemas.microsoft.com/office/drawing/2014/main" id="{E383C24D-BEA6-474F-A840-896AD0E01479}"/>
-              </a:ext>
-            </a:extLst>
-          </p:cNvPr>
-          <p:cNvSpPr>
-            <a:spLocks noGrp="1"/>
-          </p:cNvSpPr>
-          <p:nvPr>
-            <p:ph type="ftr" sz="quarter" idx="11"/>
-          </p:nvPr>
-        </p:nvSpPr>
-        <p:spPr/>
-        <p:txBody>
-          <a:bodyPr/>
-          <a:lstStyle/>
-          <a:p>
-            <a:r>
-              <a:rPr lang="en-US"/>
-              <a:t>avidary@gmail.com  2002 (c)</a:t>
-            </a:r>
-            <a:endParaRPr lang="he-IL"/>
-          </a:p>
-        </p:txBody>
-      </p:sp>
-    </p:spTree>
-    <p:extLst>
-      <p:ext uri="{BB962C8B-B14F-4D97-AF65-F5344CB8AC3E}">
-        <p14:creationId xmlns:p14="http://schemas.microsoft.com/office/powerpoint/2010/main" val="3197249339"/>
-      </p:ext>
-    </p:extLst>
-  </p:cSld>
-  <p:clrMapOvr>
-    <a:masterClrMapping/>
-  </p:clrMapOvr>
-</p:sld>
-</file>
-
-<file path=ppt/slides/slide13.xml><?xml version="1.0" encoding="utf-8"?>
-<p:sld xmlns:a="http://schemas.openxmlformats.org/drawingml/2006/main" xmlns:r="http://schemas.openxmlformats.org/officeDocument/2006/relationships" xmlns:p="http://schemas.openxmlformats.org/presentationml/2006/main">
-  <p:cSld>
-    <p:spTree>
-      <p:nvGrpSpPr>
-        <p:cNvPr id="1" name=""/>
-        <p:cNvGrpSpPr/>
-        <p:nvPr/>
-      </p:nvGrpSpPr>
-      <p:grpSpPr>
-        <a:xfrm>
-          <a:off x="0" y="0"/>
-          <a:ext cx="0" cy="0"/>
-          <a:chOff x="0" y="0"/>
-          <a:chExt cx="0" cy="0"/>
-        </a:xfrm>
-      </p:grpSpPr>
-      <p:sp>
-        <p:nvSpPr>
-          <p:cNvPr id="2" name="Title 1">
-            <a:extLst>
-              <a:ext uri="{FF2B5EF4-FFF2-40B4-BE49-F238E27FC236}">
-                <a16:creationId xmlns:a16="http://schemas.microsoft.com/office/drawing/2014/main" id="{BE5D6318-C76E-4A76-B0D4-6127F014C1EE}"/>
-              </a:ext>
-            </a:extLst>
-          </p:cNvPr>
-          <p:cNvSpPr>
-            <a:spLocks noGrp="1"/>
-          </p:cNvSpPr>
-          <p:nvPr>
-            <p:ph type="title"/>
-          </p:nvPr>
-        </p:nvSpPr>
-        <p:spPr/>
-        <p:txBody>
-          <a:bodyPr/>
-          <a:lstStyle/>
-          <a:p>
-            <a:pPr algn="r"/>
-            <a:r>
-              <a:rPr lang="he-IL" dirty="0"/>
-              <a:t>סוגי נתונים - מחרוזות</a:t>
-            </a:r>
-          </a:p>
-        </p:txBody>
-      </p:sp>
-      <p:sp>
-        <p:nvSpPr>
-          <p:cNvPr id="3" name="Content Placeholder 2">
-            <a:extLst>
-              <a:ext uri="{FF2B5EF4-FFF2-40B4-BE49-F238E27FC236}">
-                <a16:creationId xmlns:a16="http://schemas.microsoft.com/office/drawing/2014/main" id="{3E0CD643-5062-49E7-9B33-0A24A2E3AEE0}"/>
-              </a:ext>
-            </a:extLst>
-          </p:cNvPr>
-          <p:cNvSpPr>
-            <a:spLocks noGrp="1"/>
-          </p:cNvSpPr>
-          <p:nvPr>
-            <p:ph idx="1"/>
-          </p:nvPr>
-        </p:nvSpPr>
-        <p:spPr/>
-        <p:txBody>
-          <a:bodyPr>
-            <a:normAutofit/>
-          </a:bodyPr>
-          <a:lstStyle/>
-          <a:p>
-            <a:pPr marL="685800" algn="r" rtl="1">
-              <a:lnSpc>
-                <a:spcPct val="115000"/>
-              </a:lnSpc>
-            </a:pPr>
-            <a:r>
-              <a:rPr lang="he-IL" sz="1800" dirty="0">
-                <a:effectLst/>
-                <a:latin typeface="Calibri" panose="020F0502020204030204" pitchFamily="34" charset="0"/>
-                <a:ea typeface="Calibri" panose="020F0502020204030204" pitchFamily="34" charset="0"/>
-                <a:cs typeface="Gisha" panose="020B0502040204020203" pitchFamily="34" charset="-79"/>
-              </a:rPr>
-              <a:t>דגשים:</a:t>
-            </a:r>
-            <a:endParaRPr lang="en-US" sz="1800" dirty="0">
-              <a:effectLst/>
-              <a:latin typeface="Calibri" panose="020F0502020204030204" pitchFamily="34" charset="0"/>
-              <a:ea typeface="Calibri" panose="020F0502020204030204" pitchFamily="34" charset="0"/>
-              <a:cs typeface="Arial" panose="020B0604020202020204" pitchFamily="34" charset="0"/>
-            </a:endParaRPr>
-          </a:p>
-          <a:p>
-            <a:pPr marL="342900" lvl="0" indent="-342900" algn="r" rtl="1">
-              <a:lnSpc>
-                <a:spcPct val="115000"/>
-              </a:lnSpc>
-              <a:buFont typeface="+mj-lt"/>
-              <a:buAutoNum type="arabicPeriod"/>
-            </a:pPr>
-            <a:r>
-              <a:rPr lang="he-IL" sz="1800" dirty="0">
-                <a:effectLst/>
-                <a:latin typeface="Calibri" panose="020F0502020204030204" pitchFamily="34" charset="0"/>
-                <a:ea typeface="Calibri" panose="020F0502020204030204" pitchFamily="34" charset="0"/>
-                <a:cs typeface="Gisha" panose="020B0502040204020203" pitchFamily="34" charset="-79"/>
-              </a:rPr>
-              <a:t>יש לרשום את המחרוזת בתוך גרשיים '</a:t>
-            </a:r>
-            <a:r>
-              <a:rPr lang="en-US" sz="1800" dirty="0" err="1">
-                <a:effectLst/>
-                <a:latin typeface="Gisha" panose="020B0502040204020203" pitchFamily="34" charset="-79"/>
-                <a:ea typeface="Calibri" panose="020F0502020204030204" pitchFamily="34" charset="0"/>
-                <a:cs typeface="Arial" panose="020B0604020202020204" pitchFamily="34" charset="0"/>
-              </a:rPr>
-              <a:t>abc</a:t>
-            </a:r>
-            <a:r>
-              <a:rPr lang="he-IL" sz="1800" dirty="0">
-                <a:effectLst/>
-                <a:latin typeface="Calibri" panose="020F0502020204030204" pitchFamily="34" charset="0"/>
-                <a:ea typeface="Calibri" panose="020F0502020204030204" pitchFamily="34" charset="0"/>
-                <a:cs typeface="Gisha" panose="020B0502040204020203" pitchFamily="34" charset="-79"/>
-              </a:rPr>
-              <a:t>'</a:t>
-            </a:r>
-            <a:endParaRPr lang="en-US" sz="1800" dirty="0">
-              <a:effectLst/>
-              <a:latin typeface="Calibri" panose="020F0502020204030204" pitchFamily="34" charset="0"/>
-              <a:ea typeface="Calibri" panose="020F0502020204030204" pitchFamily="34" charset="0"/>
-              <a:cs typeface="Arial" panose="020B0604020202020204" pitchFamily="34" charset="0"/>
-            </a:endParaRPr>
-          </a:p>
-          <a:p>
-            <a:pPr marL="342900" lvl="0" indent="-342900" algn="r" rtl="1">
-              <a:lnSpc>
-                <a:spcPct val="115000"/>
-              </a:lnSpc>
-              <a:buFont typeface="+mj-lt"/>
-              <a:buAutoNum type="arabicPeriod"/>
-            </a:pPr>
-            <a:r>
-              <a:rPr lang="he-IL" sz="1800" dirty="0">
-                <a:effectLst/>
-                <a:latin typeface="Calibri" panose="020F0502020204030204" pitchFamily="34" charset="0"/>
-                <a:ea typeface="Calibri" panose="020F0502020204030204" pitchFamily="34" charset="0"/>
-                <a:cs typeface="Gisha" panose="020B0502040204020203" pitchFamily="34" charset="-79"/>
-              </a:rPr>
-              <a:t>יש חשיבות לאותיות </a:t>
-            </a:r>
-            <a:r>
-              <a:rPr lang="he-IL" sz="1800" dirty="0" err="1">
-                <a:effectLst/>
-                <a:latin typeface="Calibri" panose="020F0502020204030204" pitchFamily="34" charset="0"/>
-                <a:ea typeface="Calibri" panose="020F0502020204030204" pitchFamily="34" charset="0"/>
-                <a:cs typeface="Gisha" panose="020B0502040204020203" pitchFamily="34" charset="-79"/>
-              </a:rPr>
-              <a:t>רשיות</a:t>
-            </a:r>
-            <a:r>
-              <a:rPr lang="he-IL" sz="1800" dirty="0">
-                <a:effectLst/>
-                <a:latin typeface="Calibri" panose="020F0502020204030204" pitchFamily="34" charset="0"/>
-                <a:ea typeface="Calibri" panose="020F0502020204030204" pitchFamily="34" charset="0"/>
-                <a:cs typeface="Gisha" panose="020B0502040204020203" pitchFamily="34" charset="-79"/>
-              </a:rPr>
-              <a:t> (בהמשך נראה כיצד ניתן להתמודד) </a:t>
-            </a:r>
-            <a:endParaRPr lang="en-US" sz="1800" dirty="0">
-              <a:effectLst/>
-              <a:latin typeface="Calibri" panose="020F0502020204030204" pitchFamily="34" charset="0"/>
-              <a:ea typeface="Calibri" panose="020F0502020204030204" pitchFamily="34" charset="0"/>
-              <a:cs typeface="Arial" panose="020B0604020202020204" pitchFamily="34" charset="0"/>
-            </a:endParaRPr>
-          </a:p>
-          <a:p>
-            <a:pPr marL="342900" lvl="0" indent="-342900" algn="r" rtl="1">
-              <a:lnSpc>
-                <a:spcPct val="115000"/>
-              </a:lnSpc>
-              <a:buFont typeface="+mj-lt"/>
-              <a:buAutoNum type="arabicPeriod"/>
-            </a:pPr>
-            <a:r>
-              <a:rPr lang="he-IL" sz="1800" dirty="0">
-                <a:effectLst/>
-                <a:latin typeface="Calibri" panose="020F0502020204030204" pitchFamily="34" charset="0"/>
-                <a:ea typeface="Calibri" panose="020F0502020204030204" pitchFamily="34" charset="0"/>
-                <a:cs typeface="Gisha" panose="020B0502040204020203" pitchFamily="34" charset="-79"/>
-              </a:rPr>
-              <a:t>ניתן לחפש מילה חלקית</a:t>
-            </a:r>
-            <a:endParaRPr lang="en-US" sz="1800" dirty="0">
-              <a:effectLst/>
-              <a:latin typeface="Calibri" panose="020F0502020204030204" pitchFamily="34" charset="0"/>
-              <a:ea typeface="Calibri" panose="020F0502020204030204" pitchFamily="34" charset="0"/>
-              <a:cs typeface="Arial" panose="020B0604020202020204" pitchFamily="34" charset="0"/>
-            </a:endParaRPr>
-          </a:p>
-          <a:p>
-            <a:pPr marL="342900" lvl="0" indent="-342900" algn="r" rtl="1">
-              <a:lnSpc>
-                <a:spcPct val="115000"/>
-              </a:lnSpc>
-              <a:buFont typeface="+mj-lt"/>
-              <a:buAutoNum type="arabicPeriod"/>
-            </a:pPr>
-            <a:r>
-              <a:rPr lang="he-IL" sz="1800" dirty="0">
-                <a:effectLst/>
-                <a:latin typeface="Calibri" panose="020F0502020204030204" pitchFamily="34" charset="0"/>
-                <a:ea typeface="Calibri" panose="020F0502020204030204" pitchFamily="34" charset="0"/>
-                <a:cs typeface="Gisha" panose="020B0502040204020203" pitchFamily="34" charset="-79"/>
-              </a:rPr>
-              <a:t>חיפוש מספר ערכים</a:t>
-            </a:r>
-            <a:endParaRPr lang="en-US" sz="1800" dirty="0">
-              <a:effectLst/>
-              <a:latin typeface="Calibri" panose="020F0502020204030204" pitchFamily="34" charset="0"/>
-              <a:ea typeface="Calibri" panose="020F0502020204030204" pitchFamily="34" charset="0"/>
-              <a:cs typeface="Arial" panose="020B0604020202020204" pitchFamily="34" charset="0"/>
-            </a:endParaRPr>
-          </a:p>
-          <a:p>
-            <a:pPr indent="457200" algn="r" rtl="1">
-              <a:lnSpc>
-                <a:spcPct val="115000"/>
-              </a:lnSpc>
-              <a:spcAft>
-                <a:spcPts val="1000"/>
-              </a:spcAft>
-            </a:pPr>
-            <a:r>
-              <a:rPr lang="he-IL" sz="1800" dirty="0">
-                <a:effectLst/>
-                <a:latin typeface="Calibri" panose="020F0502020204030204" pitchFamily="34" charset="0"/>
-                <a:ea typeface="Calibri" panose="020F0502020204030204" pitchFamily="34" charset="0"/>
-                <a:cs typeface="Gisha" panose="020B0502040204020203" pitchFamily="34" charset="-79"/>
-              </a:rPr>
-              <a:t>דוגמאות:</a:t>
-            </a:r>
-            <a:endParaRPr lang="en-US" sz="1800" dirty="0">
-              <a:effectLst/>
-              <a:latin typeface="Calibri" panose="020F0502020204030204" pitchFamily="34" charset="0"/>
-              <a:ea typeface="Calibri" panose="020F0502020204030204" pitchFamily="34" charset="0"/>
-              <a:cs typeface="Arial" panose="020B0604020202020204" pitchFamily="34" charset="0"/>
-            </a:endParaRPr>
-          </a:p>
-          <a:p>
-            <a:pPr marL="0" indent="0" algn="r">
-              <a:lnSpc>
-                <a:spcPct val="115000"/>
-              </a:lnSpc>
-              <a:spcAft>
-                <a:spcPts val="1000"/>
-              </a:spcAft>
-              <a:buNone/>
-            </a:pPr>
-            <a:r>
-              <a:rPr lang="en-US" sz="1800" dirty="0" err="1">
-                <a:effectLst/>
-                <a:latin typeface="Gisha" panose="020B0502040204020203" pitchFamily="34" charset="-79"/>
-                <a:ea typeface="Calibri" panose="020F0502020204030204" pitchFamily="34" charset="0"/>
-                <a:cs typeface="Arial" panose="020B0604020202020204" pitchFamily="34" charset="0"/>
-              </a:rPr>
-              <a:t>First_name</a:t>
-            </a:r>
-            <a:r>
-              <a:rPr lang="en-US" sz="1800" dirty="0">
-                <a:effectLst/>
-                <a:latin typeface="Gisha" panose="020B0502040204020203" pitchFamily="34" charset="-79"/>
-                <a:ea typeface="Calibri" panose="020F0502020204030204" pitchFamily="34" charset="0"/>
-                <a:cs typeface="Arial" panose="020B0604020202020204" pitchFamily="34" charset="0"/>
-              </a:rPr>
-              <a:t> </a:t>
-            </a:r>
-            <a:r>
-              <a:rPr lang="en-US" sz="1800" b="1" dirty="0">
-                <a:solidFill>
-                  <a:srgbClr val="FF0000"/>
-                </a:solidFill>
-                <a:effectLst/>
-                <a:latin typeface="Gisha" panose="020B0502040204020203" pitchFamily="34" charset="-79"/>
-                <a:ea typeface="Calibri" panose="020F0502020204030204" pitchFamily="34" charset="0"/>
-                <a:cs typeface="Arial" panose="020B0604020202020204" pitchFamily="34" charset="0"/>
-              </a:rPr>
-              <a:t>=</a:t>
-            </a:r>
-            <a:r>
-              <a:rPr lang="en-US" sz="1800" dirty="0">
-                <a:effectLst/>
-                <a:latin typeface="Gisha" panose="020B0502040204020203" pitchFamily="34" charset="-79"/>
-                <a:ea typeface="Calibri" panose="020F0502020204030204" pitchFamily="34" charset="0"/>
-                <a:cs typeface="Arial" panose="020B0604020202020204" pitchFamily="34" charset="0"/>
-              </a:rPr>
-              <a:t> 'MERAV’</a:t>
-            </a:r>
-            <a:r>
-              <a:rPr lang="en-US" sz="1800" dirty="0">
-                <a:effectLst/>
-                <a:latin typeface="Calibri" panose="020F0502020204030204" pitchFamily="34" charset="0"/>
-                <a:ea typeface="Calibri" panose="020F0502020204030204" pitchFamily="34" charset="0"/>
-                <a:cs typeface="Gisha" panose="020B0502040204020203" pitchFamily="34" charset="-79"/>
-              </a:rPr>
-              <a:t> </a:t>
-            </a:r>
-            <a:r>
-              <a:rPr lang="en-US" sz="1800" dirty="0">
-                <a:effectLst/>
-                <a:latin typeface="Gisha" panose="020B0502040204020203" pitchFamily="34" charset="-79"/>
-                <a:ea typeface="Calibri" panose="020F0502020204030204" pitchFamily="34" charset="0"/>
-                <a:cs typeface="Arial" panose="020B0604020202020204" pitchFamily="34" charset="0"/>
-              </a:rPr>
-              <a:t> is the same as  </a:t>
-            </a:r>
-            <a:r>
-              <a:rPr lang="en-US" sz="1800" dirty="0" err="1">
-                <a:effectLst/>
-                <a:latin typeface="Gisha" panose="020B0502040204020203" pitchFamily="34" charset="-79"/>
-                <a:ea typeface="Calibri" panose="020F0502020204030204" pitchFamily="34" charset="0"/>
-                <a:cs typeface="Arial" panose="020B0604020202020204" pitchFamily="34" charset="0"/>
-              </a:rPr>
-              <a:t>First_name</a:t>
-            </a:r>
-            <a:r>
-              <a:rPr lang="en-US" sz="1800" dirty="0">
-                <a:effectLst/>
-                <a:latin typeface="Gisha" panose="020B0502040204020203" pitchFamily="34" charset="-79"/>
-                <a:ea typeface="Calibri" panose="020F0502020204030204" pitchFamily="34" charset="0"/>
-                <a:cs typeface="Arial" panose="020B0604020202020204" pitchFamily="34" charset="0"/>
-              </a:rPr>
-              <a:t> </a:t>
-            </a:r>
-            <a:r>
-              <a:rPr lang="en-US" sz="1800" b="1" dirty="0">
-                <a:solidFill>
-                  <a:srgbClr val="FF0000"/>
-                </a:solidFill>
-                <a:effectLst/>
-                <a:latin typeface="Gisha" panose="020B0502040204020203" pitchFamily="34" charset="-79"/>
-                <a:ea typeface="Calibri" panose="020F0502020204030204" pitchFamily="34" charset="0"/>
-                <a:cs typeface="Arial" panose="020B0604020202020204" pitchFamily="34" charset="0"/>
-              </a:rPr>
-              <a:t>like</a:t>
-            </a:r>
-            <a:r>
-              <a:rPr lang="en-US" sz="1800" dirty="0">
-                <a:solidFill>
-                  <a:srgbClr val="FF0000"/>
-                </a:solidFill>
-                <a:effectLst/>
-                <a:latin typeface="Gisha" panose="020B0502040204020203" pitchFamily="34" charset="-79"/>
-                <a:ea typeface="Calibri" panose="020F0502020204030204" pitchFamily="34" charset="0"/>
-                <a:cs typeface="Arial" panose="020B0604020202020204" pitchFamily="34" charset="0"/>
-              </a:rPr>
-              <a:t> </a:t>
-            </a:r>
-            <a:r>
-              <a:rPr lang="en-US" sz="1800" dirty="0">
-                <a:effectLst/>
-                <a:latin typeface="Gisha" panose="020B0502040204020203" pitchFamily="34" charset="-79"/>
-                <a:ea typeface="Calibri" panose="020F0502020204030204" pitchFamily="34" charset="0"/>
-                <a:cs typeface="Arial" panose="020B0604020202020204" pitchFamily="34" charset="0"/>
-              </a:rPr>
-              <a:t>'MERAV'</a:t>
-            </a:r>
-            <a:endParaRPr lang="en-US" sz="1800" dirty="0">
-              <a:effectLst/>
-              <a:latin typeface="Calibri" panose="020F0502020204030204" pitchFamily="34" charset="0"/>
-              <a:ea typeface="Calibri" panose="020F0502020204030204" pitchFamily="34" charset="0"/>
-              <a:cs typeface="Arial" panose="020B0604020202020204" pitchFamily="34" charset="0"/>
-            </a:endParaRPr>
-          </a:p>
-          <a:p>
-            <a:pPr indent="457200" algn="r" rtl="1">
-              <a:lnSpc>
-                <a:spcPct val="115000"/>
-              </a:lnSpc>
-              <a:spcAft>
-                <a:spcPts val="1000"/>
-              </a:spcAft>
-            </a:pPr>
-            <a:r>
-              <a:rPr lang="he-IL" sz="1800" dirty="0">
-                <a:effectLst/>
-                <a:latin typeface="Calibri" panose="020F0502020204030204" pitchFamily="34" charset="0"/>
-                <a:ea typeface="Calibri" panose="020F0502020204030204" pitchFamily="34" charset="0"/>
-                <a:cs typeface="Gisha" panose="020B0502040204020203" pitchFamily="34" charset="-79"/>
-              </a:rPr>
-              <a:t>חיפוש חלקי:</a:t>
-            </a:r>
-          </a:p>
-          <a:p>
-            <a:pPr indent="457200" algn="r" rtl="1">
-              <a:lnSpc>
-                <a:spcPct val="115000"/>
-              </a:lnSpc>
-              <a:spcAft>
-                <a:spcPts val="1000"/>
-              </a:spcAft>
-            </a:pPr>
-            <a:r>
-              <a:rPr lang="en-US" sz="1800" dirty="0" err="1">
-                <a:effectLst/>
-                <a:latin typeface="Gisha" panose="020B0502040204020203" pitchFamily="34" charset="-79"/>
-                <a:ea typeface="Calibri" panose="020F0502020204030204" pitchFamily="34" charset="0"/>
-                <a:cs typeface="Arial" panose="020B0604020202020204" pitchFamily="34" charset="0"/>
-              </a:rPr>
-              <a:t>Offer_Name</a:t>
-            </a:r>
-            <a:r>
-              <a:rPr lang="en-US" sz="1800" dirty="0">
-                <a:effectLst/>
-                <a:latin typeface="Gisha" panose="020B0502040204020203" pitchFamily="34" charset="-79"/>
-                <a:ea typeface="Calibri" panose="020F0502020204030204" pitchFamily="34" charset="0"/>
-                <a:cs typeface="Arial" panose="020B0604020202020204" pitchFamily="34" charset="0"/>
-              </a:rPr>
-              <a:t> </a:t>
-            </a:r>
-            <a:r>
-              <a:rPr lang="en-US" sz="1800" dirty="0">
-                <a:effectLst/>
-                <a:highlight>
-                  <a:srgbClr val="FF0000"/>
-                </a:highlight>
-                <a:latin typeface="Gisha" panose="020B0502040204020203" pitchFamily="34" charset="-79"/>
-                <a:ea typeface="Calibri" panose="020F0502020204030204" pitchFamily="34" charset="0"/>
-                <a:cs typeface="Arial" panose="020B0604020202020204" pitchFamily="34" charset="0"/>
-              </a:rPr>
-              <a:t>like</a:t>
-            </a:r>
-            <a:r>
-              <a:rPr lang="en-US" sz="1800" dirty="0">
-                <a:effectLst/>
-                <a:latin typeface="Gisha" panose="020B0502040204020203" pitchFamily="34" charset="-79"/>
-                <a:ea typeface="Calibri" panose="020F0502020204030204" pitchFamily="34" charset="0"/>
-                <a:cs typeface="Arial" panose="020B0604020202020204" pitchFamily="34" charset="0"/>
-              </a:rPr>
-              <a:t> 'Stand By% is not the same as </a:t>
-            </a:r>
-            <a:r>
-              <a:rPr lang="en-US" sz="1800" dirty="0" err="1">
-                <a:effectLst/>
-                <a:latin typeface="Gisha" panose="020B0502040204020203" pitchFamily="34" charset="-79"/>
-                <a:ea typeface="Calibri" panose="020F0502020204030204" pitchFamily="34" charset="0"/>
-                <a:cs typeface="Arial" panose="020B0604020202020204" pitchFamily="34" charset="0"/>
-              </a:rPr>
-              <a:t>Offer_name</a:t>
-            </a:r>
-            <a:r>
-              <a:rPr lang="en-US" sz="1800" dirty="0">
-                <a:effectLst/>
-                <a:latin typeface="Gisha" panose="020B0502040204020203" pitchFamily="34" charset="-79"/>
-                <a:ea typeface="Calibri" panose="020F0502020204030204" pitchFamily="34" charset="0"/>
-                <a:cs typeface="Arial" panose="020B0604020202020204" pitchFamily="34" charset="0"/>
-              </a:rPr>
-              <a:t> </a:t>
-            </a:r>
-            <a:r>
-              <a:rPr lang="en-US" sz="1800" dirty="0">
-                <a:effectLst/>
-                <a:highlight>
-                  <a:srgbClr val="FF0000"/>
-                </a:highlight>
-                <a:latin typeface="Gisha" panose="020B0502040204020203" pitchFamily="34" charset="-79"/>
-                <a:ea typeface="Calibri" panose="020F0502020204030204" pitchFamily="34" charset="0"/>
-                <a:cs typeface="Arial" panose="020B0604020202020204" pitchFamily="34" charset="0"/>
-              </a:rPr>
-              <a:t>=</a:t>
-            </a:r>
-            <a:r>
-              <a:rPr lang="en-US" sz="1800" dirty="0">
-                <a:effectLst/>
-                <a:latin typeface="Gisha" panose="020B0502040204020203" pitchFamily="34" charset="-79"/>
-                <a:ea typeface="Calibri" panose="020F0502020204030204" pitchFamily="34" charset="0"/>
-                <a:cs typeface="Arial" panose="020B0604020202020204" pitchFamily="34" charset="0"/>
-              </a:rPr>
-              <a:t> 'Stand By%' </a:t>
-            </a:r>
-            <a:endParaRPr lang="he-IL" dirty="0"/>
-          </a:p>
-        </p:txBody>
-      </p:sp>
-      <p:sp>
-        <p:nvSpPr>
-          <p:cNvPr id="4" name="Footer Placeholder 3">
-            <a:extLst>
-              <a:ext uri="{FF2B5EF4-FFF2-40B4-BE49-F238E27FC236}">
-                <a16:creationId xmlns:a16="http://schemas.microsoft.com/office/drawing/2014/main" id="{E383C24D-BEA6-474F-A840-896AD0E01479}"/>
-              </a:ext>
-            </a:extLst>
-          </p:cNvPr>
-          <p:cNvSpPr>
-            <a:spLocks noGrp="1"/>
-          </p:cNvSpPr>
-          <p:nvPr>
-            <p:ph type="ftr" sz="quarter" idx="11"/>
-          </p:nvPr>
-        </p:nvSpPr>
-        <p:spPr/>
-        <p:txBody>
-          <a:bodyPr/>
-          <a:lstStyle/>
-          <a:p>
-            <a:r>
-              <a:rPr lang="en-US"/>
-              <a:t>avidary@gmail.com  2002 (c)</a:t>
-            </a:r>
-            <a:endParaRPr lang="he-IL"/>
-          </a:p>
-        </p:txBody>
-      </p:sp>
-    </p:spTree>
-    <p:extLst>
-      <p:ext uri="{BB962C8B-B14F-4D97-AF65-F5344CB8AC3E}">
-        <p14:creationId xmlns:p14="http://schemas.microsoft.com/office/powerpoint/2010/main" val="1393977367"/>
-      </p:ext>
-    </p:extLst>
-  </p:cSld>
-  <p:clrMapOvr>
-    <a:masterClrMapping/>
-  </p:clrMapOvr>
-</p:sld>
-</file>
-
 <file path=ppt/slides/slide14.xml><?xml version="1.0" encoding="utf-8"?>
 <p:sld xmlns:a="http://schemas.openxmlformats.org/drawingml/2006/main" xmlns:r="http://schemas.openxmlformats.org/officeDocument/2006/relationships" xmlns:p="http://schemas.openxmlformats.org/presentationml/2006/main">
   <p:cSld>
@@ -5401,7 +4533,7 @@
             <a:pPr algn="r"/>
             <a:r>
               <a:rPr lang="he-IL" dirty="0"/>
-              <a:t>סוגי נתונים – חיפוש מספר ערכים</a:t>
+              <a:t>סוגי נתונים - מספרים</a:t>
             </a:r>
           </a:p>
         </p:txBody>
@@ -5425,17 +4557,19 @@
         <p:spPr/>
         <p:txBody>
           <a:bodyPr>
-            <a:normAutofit fontScale="92500" lnSpcReduction="10000"/>
+            <a:normAutofit/>
           </a:bodyPr>
           <a:lstStyle/>
           <a:p>
-            <a:pPr algn="l" rtl="0">
+            <a:pPr marL="342900" lvl="0" indent="-342900" algn="l" rtl="0">
               <a:lnSpc>
                 <a:spcPct val="115000"/>
               </a:lnSpc>
               <a:spcAft>
                 <a:spcPts val="1000"/>
               </a:spcAft>
+              <a:buFont typeface="Symbol" panose="05050102010706020507" pitchFamily="18" charset="2"/>
+              <a:buChar char=""/>
             </a:pPr>
             <a:r>
               <a:rPr lang="en-US" sz="2400" dirty="0" err="1">
@@ -5444,10 +4578,10 @@
                 <a:ea typeface="Calibri" panose="020F0502020204030204" pitchFamily="34" charset="0"/>
                 <a:cs typeface="Arial" panose="020B0604020202020204" pitchFamily="34" charset="0"/>
               </a:rPr>
-              <a:t>Product_code</a:t>
-            </a:r>
-            <a:r>
-              <a:rPr lang="en-US" sz="2400" dirty="0">
+              <a:t>Account_number</a:t>
+            </a:r>
+            <a:r>
+              <a:rPr lang="en-US" sz="2400" b="1" dirty="0">
                 <a:effectLst/>
                 <a:latin typeface="Gisha" panose="020B0502040204020203" pitchFamily="34" charset="-79"/>
                 <a:ea typeface="Calibri" panose="020F0502020204030204" pitchFamily="34" charset="0"/>
@@ -5465,7 +4599,7 @@
                 <a:ea typeface="Calibri" panose="020F0502020204030204" pitchFamily="34" charset="0"/>
                 <a:cs typeface="Arial" panose="020B0604020202020204" pitchFamily="34" charset="0"/>
               </a:rPr>
-              <a:t>in</a:t>
+              <a:t>=</a:t>
             </a:r>
             <a:r>
               <a:rPr lang="en-US" sz="2400" dirty="0">
@@ -5480,74 +4614,13 @@
               <a:t> </a:t>
             </a:r>
             <a:r>
-              <a:rPr lang="en-US" sz="2400" b="1" dirty="0">
-                <a:solidFill>
-                  <a:srgbClr val="FF0000"/>
-                </a:solidFill>
+              <a:rPr lang="en-US" sz="2400" dirty="0">
                 <a:effectLst/>
                 <a:latin typeface="Gisha" panose="020B0502040204020203" pitchFamily="34" charset="-79"/>
                 <a:ea typeface="Calibri" panose="020F0502020204030204" pitchFamily="34" charset="0"/>
                 <a:cs typeface="Arial" panose="020B0604020202020204" pitchFamily="34" charset="0"/>
               </a:rPr>
-              <a:t>(</a:t>
-            </a:r>
-            <a:r>
-              <a:rPr lang="en-US" sz="2400" dirty="0">
-                <a:effectLst/>
-                <a:latin typeface="Gisha" panose="020B0502040204020203" pitchFamily="34" charset="-79"/>
-                <a:ea typeface="Calibri" panose="020F0502020204030204" pitchFamily="34" charset="0"/>
-                <a:cs typeface="Arial" panose="020B0604020202020204" pitchFamily="34" charset="0"/>
-              </a:rPr>
-              <a:t>'BSS'</a:t>
-            </a:r>
-            <a:r>
-              <a:rPr lang="en-US" sz="2400" b="1" dirty="0">
-                <a:solidFill>
-                  <a:srgbClr val="FF0000"/>
-                </a:solidFill>
-                <a:effectLst/>
-                <a:latin typeface="Gisha" panose="020B0502040204020203" pitchFamily="34" charset="-79"/>
-                <a:ea typeface="Calibri" panose="020F0502020204030204" pitchFamily="34" charset="0"/>
-                <a:cs typeface="Arial" panose="020B0604020202020204" pitchFamily="34" charset="0"/>
-              </a:rPr>
-              <a:t>,'</a:t>
-            </a:r>
-            <a:r>
-              <a:rPr lang="en-US" sz="2400" dirty="0">
-                <a:effectLst/>
-                <a:latin typeface="Gisha" panose="020B0502040204020203" pitchFamily="34" charset="-79"/>
-                <a:ea typeface="Calibri" panose="020F0502020204030204" pitchFamily="34" charset="0"/>
-                <a:cs typeface="Arial" panose="020B0604020202020204" pitchFamily="34" charset="0"/>
-              </a:rPr>
-              <a:t>HAN','MOV') </a:t>
-            </a:r>
-            <a:r>
-              <a:rPr lang="en-US" sz="2400" dirty="0">
-                <a:effectLst/>
-                <a:latin typeface="Gisha" panose="020B0502040204020203" pitchFamily="34" charset="-79"/>
-                <a:ea typeface="Calibri" panose="020F0502020204030204" pitchFamily="34" charset="0"/>
-                <a:cs typeface="Gisha" panose="020B0502040204020203" pitchFamily="34" charset="-79"/>
-                <a:sym typeface="Wingdings" panose="05000000000000000000" pitchFamily="2" charset="2"/>
-              </a:rPr>
-              <a:t></a:t>
-            </a:r>
-            <a:r>
-              <a:rPr lang="en-US" sz="2400" dirty="0">
-                <a:effectLst/>
-                <a:latin typeface="Gisha" panose="020B0502040204020203" pitchFamily="34" charset="-79"/>
-                <a:ea typeface="Calibri" panose="020F0502020204030204" pitchFamily="34" charset="0"/>
-                <a:cs typeface="Arial" panose="020B0604020202020204" pitchFamily="34" charset="0"/>
-              </a:rPr>
-              <a:t> </a:t>
-            </a:r>
-            <a:r>
-              <a:rPr lang="he-IL" sz="2400" dirty="0">
-                <a:effectLst/>
-                <a:latin typeface="Gisha" panose="020B0502040204020203" pitchFamily="34" charset="-79"/>
-                <a:ea typeface="Calibri" panose="020F0502020204030204" pitchFamily="34" charset="0"/>
-                <a:cs typeface="Arial" panose="020B0604020202020204" pitchFamily="34" charset="0"/>
-              </a:rPr>
-              <a:t>יש להקפיד על הסוגריים והפסיקים</a:t>
+              <a:t>13</a:t>
             </a:r>
             <a:endParaRPr lang="en-US" sz="2400" dirty="0">
               <a:effectLst/>
@@ -5557,41 +4630,54 @@
             </a:endParaRPr>
           </a:p>
           <a:p>
-            <a:pPr indent="0" algn="r" rtl="1">
+            <a:pPr marL="342900" lvl="0" indent="-342900" algn="l" rtl="0">
               <a:lnSpc>
                 <a:spcPct val="115000"/>
               </a:lnSpc>
               <a:spcAft>
                 <a:spcPts val="1000"/>
               </a:spcAft>
-              <a:buNone/>
+              <a:buFont typeface="Symbol" panose="05050102010706020507" pitchFamily="18" charset="2"/>
+              <a:buChar char=""/>
             </a:pPr>
             <a:r>
-              <a:rPr lang="he-IL" sz="2400" dirty="0">
-                <a:effectLst/>
-                <a:latin typeface="Calibri" panose="020F0502020204030204" pitchFamily="34" charset="0"/>
+              <a:rPr lang="en-US" sz="2400" dirty="0" err="1">
+                <a:effectLst/>
+                <a:latin typeface="Gisha" panose="020B0502040204020203" pitchFamily="34" charset="-79"/>
                 <a:ea typeface="Calibri" panose="020F0502020204030204" pitchFamily="34" charset="0"/>
-                <a:cs typeface="Gisha" panose="020B0502040204020203" pitchFamily="34" charset="-79"/>
-              </a:rPr>
-              <a:t>אותיות </a:t>
-            </a:r>
-            <a:r>
-              <a:rPr lang="he-IL" sz="2400" dirty="0" err="1">
-                <a:effectLst/>
-                <a:latin typeface="Calibri" panose="020F0502020204030204" pitchFamily="34" charset="0"/>
+                <a:cs typeface="Arial" panose="020B0604020202020204" pitchFamily="34" charset="0"/>
+              </a:rPr>
+              <a:t>Offer_id</a:t>
+            </a:r>
+            <a:r>
+              <a:rPr lang="en-US" sz="2400" dirty="0">
+                <a:effectLst/>
+                <a:latin typeface="Gisha" panose="020B0502040204020203" pitchFamily="34" charset="-79"/>
                 <a:ea typeface="Calibri" panose="020F0502020204030204" pitchFamily="34" charset="0"/>
-                <a:cs typeface="Gisha" panose="020B0502040204020203" pitchFamily="34" charset="-79"/>
-              </a:rPr>
-              <a:t>רישיות</a:t>
-            </a:r>
-            <a:r>
-              <a:rPr lang="he-IL" sz="2400" dirty="0">
-                <a:effectLst/>
-                <a:latin typeface="Calibri" panose="020F0502020204030204" pitchFamily="34" charset="0"/>
+                <a:cs typeface="Arial" panose="020B0604020202020204" pitchFamily="34" charset="0"/>
+              </a:rPr>
+              <a:t> </a:t>
+            </a:r>
+            <a:r>
+              <a:rPr lang="en-US" sz="2400" b="1" dirty="0">
+                <a:solidFill>
+                  <a:srgbClr val="FF0000"/>
+                </a:solidFill>
+                <a:effectLst/>
+                <a:latin typeface="Gisha" panose="020B0502040204020203" pitchFamily="34" charset="-79"/>
                 <a:ea typeface="Calibri" panose="020F0502020204030204" pitchFamily="34" charset="0"/>
-                <a:cs typeface="Gisha" panose="020B0502040204020203" pitchFamily="34" charset="-79"/>
-              </a:rPr>
-              <a:t>/ קטנות:</a:t>
+                <a:cs typeface="Arial" panose="020B0604020202020204" pitchFamily="34" charset="0"/>
+              </a:rPr>
+              <a:t>&gt;=</a:t>
+            </a:r>
+            <a:r>
+              <a:rPr lang="en-US" sz="2400" dirty="0">
+                <a:effectLst/>
+                <a:latin typeface="Gisha" panose="020B0502040204020203" pitchFamily="34" charset="-79"/>
+                <a:ea typeface="Calibri" panose="020F0502020204030204" pitchFamily="34" charset="0"/>
+                <a:cs typeface="Arial" panose="020B0604020202020204" pitchFamily="34" charset="0"/>
+              </a:rPr>
+              <a:t>  1694</a:t>
             </a:r>
             <a:endParaRPr lang="en-US" sz="2400" dirty="0">
               <a:effectLst/>
@@ -5601,58 +4687,99 @@
             </a:endParaRPr>
           </a:p>
           <a:p>
-            <a:pPr marL="457200" algn="r" rtl="1">
+            <a:pPr marL="342900" lvl="0" indent="-342900" algn="l" rtl="0">
               <a:lnSpc>
                 <a:spcPct val="115000"/>
               </a:lnSpc>
               <a:spcAft>
                 <a:spcPts val="1000"/>
               </a:spcAft>
+              <a:buFont typeface="Symbol" panose="05050102010706020507" pitchFamily="18" charset="2"/>
+              <a:buChar char=""/>
             </a:pPr>
             <a:r>
-              <a:rPr lang="he-IL" sz="2400" dirty="0">
-                <a:effectLst/>
-                <a:latin typeface="Calibri" panose="020F0502020204030204" pitchFamily="34" charset="0"/>
-                <a:ea typeface="Calibri" panose="020F0502020204030204" pitchFamily="34" charset="0"/>
-                <a:cs typeface="Gisha" panose="020B0502040204020203" pitchFamily="34" charset="-79"/>
-              </a:rPr>
-              <a:t>על מנת להפוך את כל המחרוזת לאותיות </a:t>
-            </a:r>
-            <a:r>
-              <a:rPr lang="he-IL" sz="2400" dirty="0" err="1">
-                <a:effectLst/>
-                <a:latin typeface="Calibri" panose="020F0502020204030204" pitchFamily="34" charset="0"/>
-                <a:ea typeface="Calibri" panose="020F0502020204030204" pitchFamily="34" charset="0"/>
-                <a:cs typeface="Gisha" panose="020B0502040204020203" pitchFamily="34" charset="-79"/>
-              </a:rPr>
-              <a:t>רשיות</a:t>
-            </a:r>
-            <a:r>
-              <a:rPr lang="he-IL" sz="2400" dirty="0">
-                <a:effectLst/>
-                <a:latin typeface="Calibri" panose="020F0502020204030204" pitchFamily="34" charset="0"/>
-                <a:ea typeface="Calibri" panose="020F0502020204030204" pitchFamily="34" charset="0"/>
-                <a:cs typeface="Gisha" panose="020B0502040204020203" pitchFamily="34" charset="-79"/>
-              </a:rPr>
-              <a:t>, יש לרשום את המילה </a:t>
-            </a:r>
-            <a:r>
-              <a:rPr lang="en-US" sz="2400" dirty="0">
+              <a:rPr lang="en-US" sz="2400" dirty="0" err="1">
                 <a:effectLst/>
                 <a:latin typeface="Gisha" panose="020B0502040204020203" pitchFamily="34" charset="-79"/>
                 <a:ea typeface="Calibri" panose="020F0502020204030204" pitchFamily="34" charset="0"/>
                 <a:cs typeface="Arial" panose="020B0604020202020204" pitchFamily="34" charset="0"/>
               </a:rPr>
-              <a:t>Upper</a:t>
-            </a:r>
-            <a:r>
-              <a:rPr lang="he-IL" sz="2400" dirty="0">
-                <a:effectLst/>
-                <a:latin typeface="Calibri" panose="020F0502020204030204" pitchFamily="34" charset="0"/>
+              <a:t>Total_amount</a:t>
+            </a:r>
+            <a:r>
+              <a:rPr lang="en-US" sz="2400" dirty="0">
+                <a:effectLst/>
+                <a:latin typeface="Gisha" panose="020B0502040204020203" pitchFamily="34" charset="-79"/>
                 <a:ea typeface="Calibri" panose="020F0502020204030204" pitchFamily="34" charset="0"/>
-                <a:cs typeface="Gisha" panose="020B0502040204020203" pitchFamily="34" charset="-79"/>
-              </a:rPr>
-              <a:t> לפני המחרוזת:</a:t>
+                <a:cs typeface="Arial" panose="020B0604020202020204" pitchFamily="34" charset="0"/>
+              </a:rPr>
+              <a:t> </a:t>
+            </a:r>
+            <a:r>
+              <a:rPr lang="en-US" sz="2400" b="1" dirty="0" err="1">
+                <a:solidFill>
+                  <a:srgbClr val="FF0000"/>
+                </a:solidFill>
+                <a:effectLst/>
+                <a:latin typeface="Gisha" panose="020B0502040204020203" pitchFamily="34" charset="-79"/>
+                <a:ea typeface="Calibri" panose="020F0502020204030204" pitchFamily="34" charset="0"/>
+                <a:cs typeface="Arial" panose="020B0604020202020204" pitchFamily="34" charset="0"/>
+              </a:rPr>
+              <a:t>beween</a:t>
+            </a:r>
+            <a:r>
+              <a:rPr lang="en-US" sz="2400" dirty="0">
+                <a:solidFill>
+                  <a:srgbClr val="FF0000"/>
+                </a:solidFill>
+                <a:effectLst/>
+                <a:latin typeface="Gisha" panose="020B0502040204020203" pitchFamily="34" charset="-79"/>
+                <a:ea typeface="Calibri" panose="020F0502020204030204" pitchFamily="34" charset="0"/>
+                <a:cs typeface="Arial" panose="020B0604020202020204" pitchFamily="34" charset="0"/>
+              </a:rPr>
+              <a:t> </a:t>
+            </a:r>
+            <a:r>
+              <a:rPr lang="en-US" sz="2400" dirty="0">
+                <a:effectLst/>
+                <a:latin typeface="Gisha" panose="020B0502040204020203" pitchFamily="34" charset="-79"/>
+                <a:ea typeface="Calibri" panose="020F0502020204030204" pitchFamily="34" charset="0"/>
+                <a:cs typeface="Arial" panose="020B0604020202020204" pitchFamily="34" charset="0"/>
+              </a:rPr>
+              <a:t>0 </a:t>
+            </a:r>
+            <a:r>
+              <a:rPr lang="en-US" sz="2400" b="1" dirty="0">
+                <a:solidFill>
+                  <a:srgbClr val="FF0000"/>
+                </a:solidFill>
+                <a:effectLst/>
+                <a:latin typeface="Gisha" panose="020B0502040204020203" pitchFamily="34" charset="-79"/>
+                <a:ea typeface="Calibri" panose="020F0502020204030204" pitchFamily="34" charset="0"/>
+                <a:cs typeface="Arial" panose="020B0604020202020204" pitchFamily="34" charset="0"/>
+              </a:rPr>
+              <a:t>and</a:t>
+            </a:r>
+            <a:r>
+              <a:rPr lang="en-US" sz="2400" dirty="0">
+                <a:solidFill>
+                  <a:srgbClr val="FF0000"/>
+                </a:solidFill>
+                <a:effectLst/>
+                <a:latin typeface="Gisha" panose="020B0502040204020203" pitchFamily="34" charset="-79"/>
+                <a:ea typeface="Calibri" panose="020F0502020204030204" pitchFamily="34" charset="0"/>
+                <a:cs typeface="Arial" panose="020B0604020202020204" pitchFamily="34" charset="0"/>
+              </a:rPr>
+              <a:t> </a:t>
+            </a:r>
+            <a:r>
+              <a:rPr lang="en-US" sz="2400" dirty="0">
+                <a:effectLst/>
+                <a:latin typeface="Gisha" panose="020B0502040204020203" pitchFamily="34" charset="-79"/>
+                <a:ea typeface="Calibri" panose="020F0502020204030204" pitchFamily="34" charset="0"/>
+                <a:cs typeface="Arial" panose="020B0604020202020204" pitchFamily="34" charset="0"/>
+              </a:rPr>
+              <a:t>1000</a:t>
             </a:r>
             <a:endParaRPr lang="en-US" sz="2400" dirty="0">
               <a:effectLst/>
@@ -5662,14 +4789,34 @@
             </a:endParaRPr>
           </a:p>
           <a:p>
-            <a:pPr algn="l" rtl="0">
+            <a:pPr marL="342900" lvl="0" indent="-342900" algn="l" rtl="0">
               <a:lnSpc>
                 <a:spcPct val="115000"/>
               </a:lnSpc>
               <a:spcAft>
                 <a:spcPts val="1000"/>
               </a:spcAft>
+              <a:buFont typeface="Symbol" panose="05050102010706020507" pitchFamily="18" charset="2"/>
+              <a:buChar char=""/>
             </a:pPr>
+            <a:r>
+              <a:rPr lang="en-US" sz="2400" dirty="0" err="1">
+                <a:effectLst/>
+                <a:latin typeface="Gisha" panose="020B0502040204020203" pitchFamily="34" charset="-79"/>
+                <a:ea typeface="Calibri" panose="020F0502020204030204" pitchFamily="34" charset="0"/>
+                <a:cs typeface="Arial" panose="020B0604020202020204" pitchFamily="34" charset="0"/>
+              </a:rPr>
+              <a:t>Content_ID</a:t>
+            </a:r>
+            <a:r>
+              <a:rPr lang="en-US" sz="2400" dirty="0">
+                <a:effectLst/>
+                <a:latin typeface="Gisha" panose="020B0502040204020203" pitchFamily="34" charset="-79"/>
+                <a:ea typeface="Calibri" panose="020F0502020204030204" pitchFamily="34" charset="0"/>
+                <a:cs typeface="Arial" panose="020B0604020202020204" pitchFamily="34" charset="0"/>
+              </a:rPr>
+              <a:t> </a:t>
+            </a:r>
             <a:r>
               <a:rPr lang="en-US" sz="2400" b="1" dirty="0">
                 <a:solidFill>
@@ -5680,7 +4827,7 @@
                 <a:ea typeface="Calibri" panose="020F0502020204030204" pitchFamily="34" charset="0"/>
                 <a:cs typeface="Arial" panose="020B0604020202020204" pitchFamily="34" charset="0"/>
               </a:rPr>
-              <a:t>Upper</a:t>
+              <a:t>in</a:t>
             </a:r>
             <a:r>
               <a:rPr lang="en-US" sz="2400" dirty="0">
@@ -5695,33 +4842,6 @@
               <a:t> </a:t>
             </a:r>
             <a:r>
-              <a:rPr lang="en-US" sz="2400" dirty="0">
-                <a:effectLst/>
-                <a:latin typeface="Gisha" panose="020B0502040204020203" pitchFamily="34" charset="-79"/>
-                <a:ea typeface="Calibri" panose="020F0502020204030204" pitchFamily="34" charset="0"/>
-                <a:cs typeface="Arial" panose="020B0604020202020204" pitchFamily="34" charset="0"/>
-              </a:rPr>
-              <a:t>(</a:t>
-            </a:r>
-            <a:r>
-              <a:rPr lang="en-US" sz="2400" dirty="0" err="1">
-                <a:effectLst/>
-                <a:latin typeface="Gisha" panose="020B0502040204020203" pitchFamily="34" charset="-79"/>
-                <a:ea typeface="Calibri" panose="020F0502020204030204" pitchFamily="34" charset="0"/>
-                <a:cs typeface="Arial" panose="020B0604020202020204" pitchFamily="34" charset="0"/>
-              </a:rPr>
-              <a:t>First_name</a:t>
-            </a:r>
-            <a:r>
-              <a:rPr lang="en-US" sz="2400" dirty="0">
-                <a:effectLst/>
-                <a:latin typeface="Gisha" panose="020B0502040204020203" pitchFamily="34" charset="-79"/>
-                <a:ea typeface="Calibri" panose="020F0502020204030204" pitchFamily="34" charset="0"/>
-                <a:cs typeface="Arial" panose="020B0604020202020204" pitchFamily="34" charset="0"/>
-              </a:rPr>
-              <a:t>) </a:t>
-            </a:r>
-            <a:r>
               <a:rPr lang="en-US" sz="2400" b="1" dirty="0">
                 <a:solidFill>
                   <a:srgbClr val="FF0000"/>
@@ -5731,10 +4851,19 @@
                 <a:ea typeface="Calibri" panose="020F0502020204030204" pitchFamily="34" charset="0"/>
                 <a:cs typeface="Arial" panose="020B0604020202020204" pitchFamily="34" charset="0"/>
               </a:rPr>
-              <a:t>like</a:t>
+              <a:t>(</a:t>
             </a:r>
             <a:r>
               <a:rPr lang="en-US" sz="2400" dirty="0">
+                <a:effectLst/>
+                <a:latin typeface="Gisha" panose="020B0502040204020203" pitchFamily="34" charset="-79"/>
+                <a:ea typeface="Calibri" panose="020F0502020204030204" pitchFamily="34" charset="0"/>
+                <a:cs typeface="Arial" panose="020B0604020202020204" pitchFamily="34" charset="0"/>
+              </a:rPr>
+              <a:t>123</a:t>
+            </a:r>
+            <a:r>
+              <a:rPr lang="en-US" sz="2400" b="1" dirty="0">
                 <a:solidFill>
                   <a:srgbClr val="FF0000"/>
                 </a:solidFill>
@@ -5743,7 +4872,7 @@
                 <a:ea typeface="Calibri" panose="020F0502020204030204" pitchFamily="34" charset="0"/>
                 <a:cs typeface="Arial" panose="020B0604020202020204" pitchFamily="34" charset="0"/>
               </a:rPr>
-              <a:t> </a:t>
+              <a:t>,</a:t>
             </a:r>
             <a:r>
               <a:rPr lang="en-US" sz="2400" dirty="0">
@@ -5752,7 +4881,35 @@
                 <a:ea typeface="Calibri" panose="020F0502020204030204" pitchFamily="34" charset="0"/>
                 <a:cs typeface="Arial" panose="020B0604020202020204" pitchFamily="34" charset="0"/>
               </a:rPr>
-              <a:t>'MERAV'</a:t>
+              <a:t>1586,24)  </a:t>
+            </a:r>
+            <a:r>
+              <a:rPr lang="en-US" sz="2400" dirty="0">
+                <a:effectLst/>
+                <a:latin typeface="Gisha" panose="020B0502040204020203" pitchFamily="34" charset="-79"/>
+                <a:ea typeface="Calibri" panose="020F0502020204030204" pitchFamily="34" charset="0"/>
+                <a:cs typeface="Gisha" panose="020B0502040204020203" pitchFamily="34" charset="-79"/>
+                <a:sym typeface="Wingdings" panose="05000000000000000000" pitchFamily="2" charset="2"/>
+              </a:rPr>
+              <a:t></a:t>
+            </a:r>
+            <a:r>
+              <a:rPr lang="en-US" sz="2400" dirty="0">
+                <a:effectLst/>
+                <a:latin typeface="Gisha" panose="020B0502040204020203" pitchFamily="34" charset="-79"/>
+                <a:ea typeface="Calibri" panose="020F0502020204030204" pitchFamily="34" charset="0"/>
+                <a:cs typeface="Arial" panose="020B0604020202020204" pitchFamily="34" charset="0"/>
+              </a:rPr>
+              <a:t> </a:t>
+            </a:r>
+            <a:r>
+              <a:rPr lang="he-IL" sz="2400" dirty="0">
+                <a:effectLst/>
+                <a:latin typeface="Gisha" panose="020B0502040204020203" pitchFamily="34" charset="-79"/>
+                <a:ea typeface="Calibri" panose="020F0502020204030204" pitchFamily="34" charset="0"/>
+                <a:cs typeface="Arial" panose="020B0604020202020204" pitchFamily="34" charset="0"/>
+              </a:rPr>
+              <a:t>יש להקפיד על הסוגריים והפסיקים</a:t>
             </a:r>
             <a:endParaRPr lang="en-US" sz="2400" dirty="0">
               <a:effectLst/>
@@ -5762,40 +4919,123 @@
             </a:endParaRPr>
           </a:p>
           <a:p>
-            <a:pPr marL="457200" algn="r" rtl="1">
+            <a:pPr marL="342900" lvl="0" indent="-342900" algn="l" rtl="0">
               <a:lnSpc>
                 <a:spcPct val="115000"/>
               </a:lnSpc>
               <a:spcAft>
                 <a:spcPts val="1000"/>
               </a:spcAft>
+              <a:buFont typeface="Symbol" panose="05050102010706020507" pitchFamily="18" charset="2"/>
+              <a:buChar char=""/>
             </a:pPr>
             <a:r>
-              <a:rPr lang="he-IL" sz="2400" dirty="0">
-                <a:effectLst/>
-                <a:latin typeface="Calibri" panose="020F0502020204030204" pitchFamily="34" charset="0"/>
-                <a:ea typeface="Calibri" panose="020F0502020204030204" pitchFamily="34" charset="0"/>
-                <a:cs typeface="Gisha" panose="020B0502040204020203" pitchFamily="34" charset="-79"/>
-              </a:rPr>
-              <a:t>על מנת להפוך את כל המחרוזת לאותיות קטנות, יש לרשום את המילה </a:t>
-            </a:r>
-            <a:r>
-              <a:rPr lang="en-US" sz="2400" dirty="0">
+              <a:rPr lang="en-US" sz="2400" dirty="0" err="1">
                 <a:effectLst/>
                 <a:latin typeface="Gisha" panose="020B0502040204020203" pitchFamily="34" charset="-79"/>
                 <a:ea typeface="Calibri" panose="020F0502020204030204" pitchFamily="34" charset="0"/>
                 <a:cs typeface="Arial" panose="020B0604020202020204" pitchFamily="34" charset="0"/>
               </a:rPr>
-              <a:t>Lower</a:t>
-            </a:r>
-            <a:r>
-              <a:rPr lang="he-IL" sz="2400" dirty="0">
-                <a:effectLst/>
-                <a:latin typeface="Calibri" panose="020F0502020204030204" pitchFamily="34" charset="0"/>
+              <a:t>Content_ID</a:t>
+            </a:r>
+            <a:r>
+              <a:rPr lang="en-US" sz="2400" dirty="0">
+                <a:effectLst/>
+                <a:latin typeface="Gisha" panose="020B0502040204020203" pitchFamily="34" charset="-79"/>
                 <a:ea typeface="Calibri" panose="020F0502020204030204" pitchFamily="34" charset="0"/>
-                <a:cs typeface="Gisha" panose="020B0502040204020203" pitchFamily="34" charset="-79"/>
-              </a:rPr>
-              <a:t> לפני המחרוזת:</a:t>
+                <a:cs typeface="Arial" panose="020B0604020202020204" pitchFamily="34" charset="0"/>
+              </a:rPr>
+              <a:t> </a:t>
+            </a:r>
+            <a:r>
+              <a:rPr lang="en-US" sz="2400" b="1" dirty="0">
+                <a:solidFill>
+                  <a:srgbClr val="FF0000"/>
+                </a:solidFill>
+                <a:effectLst/>
+                <a:latin typeface="Gisha" panose="020B0502040204020203" pitchFamily="34" charset="-79"/>
+                <a:ea typeface="Calibri" panose="020F0502020204030204" pitchFamily="34" charset="0"/>
+                <a:cs typeface="Arial" panose="020B0604020202020204" pitchFamily="34" charset="0"/>
+              </a:rPr>
+              <a:t>NOT</a:t>
+            </a:r>
+            <a:r>
+              <a:rPr lang="en-US" sz="2400" dirty="0">
+                <a:solidFill>
+                  <a:srgbClr val="FF0000"/>
+                </a:solidFill>
+                <a:effectLst/>
+                <a:latin typeface="Gisha" panose="020B0502040204020203" pitchFamily="34" charset="-79"/>
+                <a:ea typeface="Calibri" panose="020F0502020204030204" pitchFamily="34" charset="0"/>
+                <a:cs typeface="Arial" panose="020B0604020202020204" pitchFamily="34" charset="0"/>
+              </a:rPr>
+              <a:t> </a:t>
+            </a:r>
+            <a:r>
+              <a:rPr lang="en-US" sz="2400" b="1" dirty="0">
+                <a:solidFill>
+                  <a:srgbClr val="FF0000"/>
+                </a:solidFill>
+                <a:effectLst/>
+                <a:latin typeface="Gisha" panose="020B0502040204020203" pitchFamily="34" charset="-79"/>
+                <a:ea typeface="Calibri" panose="020F0502020204030204" pitchFamily="34" charset="0"/>
+                <a:cs typeface="Arial" panose="020B0604020202020204" pitchFamily="34" charset="0"/>
+              </a:rPr>
+              <a:t>in</a:t>
+            </a:r>
+            <a:r>
+              <a:rPr lang="en-US" sz="2400" dirty="0">
+                <a:solidFill>
+                  <a:srgbClr val="FF0000"/>
+                </a:solidFill>
+                <a:effectLst/>
+                <a:latin typeface="Gisha" panose="020B0502040204020203" pitchFamily="34" charset="-79"/>
+                <a:ea typeface="Calibri" panose="020F0502020204030204" pitchFamily="34" charset="0"/>
+                <a:cs typeface="Arial" panose="020B0604020202020204" pitchFamily="34" charset="0"/>
+              </a:rPr>
+              <a:t> </a:t>
+            </a:r>
+            <a:r>
+              <a:rPr lang="en-US" sz="2400" b="1" dirty="0">
+                <a:solidFill>
+                  <a:srgbClr val="FF0000"/>
+                </a:solidFill>
+                <a:effectLst/>
+                <a:latin typeface="Gisha" panose="020B0502040204020203" pitchFamily="34" charset="-79"/>
+                <a:ea typeface="Calibri" panose="020F0502020204030204" pitchFamily="34" charset="0"/>
+                <a:cs typeface="Arial" panose="020B0604020202020204" pitchFamily="34" charset="0"/>
+              </a:rPr>
+              <a:t>(</a:t>
+            </a:r>
+            <a:r>
+              <a:rPr lang="en-US" sz="2400" dirty="0">
+                <a:effectLst/>
+                <a:latin typeface="Gisha" panose="020B0502040204020203" pitchFamily="34" charset="-79"/>
+                <a:ea typeface="Calibri" panose="020F0502020204030204" pitchFamily="34" charset="0"/>
+                <a:cs typeface="Arial" panose="020B0604020202020204" pitchFamily="34" charset="0"/>
+              </a:rPr>
+              <a:t>123</a:t>
+            </a:r>
+            <a:r>
+              <a:rPr lang="en-US" sz="2400" b="1" dirty="0">
+                <a:solidFill>
+                  <a:srgbClr val="FF0000"/>
+                </a:solidFill>
+                <a:effectLst/>
+                <a:latin typeface="Gisha" panose="020B0502040204020203" pitchFamily="34" charset="-79"/>
+                <a:ea typeface="Calibri" panose="020F0502020204030204" pitchFamily="34" charset="0"/>
+                <a:cs typeface="Arial" panose="020B0604020202020204" pitchFamily="34" charset="0"/>
+              </a:rPr>
+              <a:t>,</a:t>
+            </a:r>
+            <a:r>
+              <a:rPr lang="en-US" sz="2400" dirty="0">
+                <a:effectLst/>
+                <a:latin typeface="Gisha" panose="020B0502040204020203" pitchFamily="34" charset="-79"/>
+                <a:ea typeface="Calibri" panose="020F0502020204030204" pitchFamily="34" charset="0"/>
+                <a:cs typeface="Arial" panose="020B0604020202020204" pitchFamily="34" charset="0"/>
+              </a:rPr>
+              <a:t>1586,24)  </a:t>
             </a:r>
             <a:endParaRPr lang="en-US" sz="2400" dirty="0">
               <a:effectLst/>
@@ -5805,129 +5045,6 @@
             </a:endParaRPr>
           </a:p>
           <a:p>
-            <a:pPr algn="l" rtl="0">
-              <a:lnSpc>
-                <a:spcPct val="115000"/>
-              </a:lnSpc>
-              <a:spcAft>
-                <a:spcPts val="1000"/>
-              </a:spcAft>
-            </a:pPr>
-            <a:r>
-              <a:rPr lang="en-US" sz="2400" b="1" dirty="0">
-                <a:solidFill>
-                  <a:srgbClr val="FF0000"/>
-                </a:solidFill>
-                <a:effectLst/>
-                <a:latin typeface="Gisha" panose="020B0502040204020203" pitchFamily="34" charset="-79"/>
-                <a:ea typeface="Calibri" panose="020F0502020204030204" pitchFamily="34" charset="0"/>
-                <a:cs typeface="Arial" panose="020B0604020202020204" pitchFamily="34" charset="0"/>
-              </a:rPr>
-              <a:t>Lower</a:t>
-            </a:r>
-            <a:r>
-              <a:rPr lang="en-US" sz="2400" dirty="0">
-                <a:solidFill>
-                  <a:srgbClr val="FF0000"/>
-                </a:solidFill>
-                <a:effectLst/>
-                <a:latin typeface="Gisha" panose="020B0502040204020203" pitchFamily="34" charset="-79"/>
-                <a:ea typeface="Calibri" panose="020F0502020204030204" pitchFamily="34" charset="0"/>
-                <a:cs typeface="Arial" panose="020B0604020202020204" pitchFamily="34" charset="0"/>
-              </a:rPr>
-              <a:t> </a:t>
-            </a:r>
-            <a:r>
-              <a:rPr lang="en-US" sz="2400" dirty="0">
-                <a:effectLst/>
-                <a:latin typeface="Gisha" panose="020B0502040204020203" pitchFamily="34" charset="-79"/>
-                <a:ea typeface="Calibri" panose="020F0502020204030204" pitchFamily="34" charset="0"/>
-                <a:cs typeface="Arial" panose="020B0604020202020204" pitchFamily="34" charset="0"/>
-              </a:rPr>
-              <a:t>(</a:t>
-            </a:r>
-            <a:r>
-              <a:rPr lang="en-US" sz="2400" dirty="0" err="1">
-                <a:effectLst/>
-                <a:latin typeface="Gisha" panose="020B0502040204020203" pitchFamily="34" charset="-79"/>
-                <a:ea typeface="Calibri" panose="020F0502020204030204" pitchFamily="34" charset="0"/>
-                <a:cs typeface="Arial" panose="020B0604020202020204" pitchFamily="34" charset="0"/>
-              </a:rPr>
-              <a:t>First_name</a:t>
-            </a:r>
-            <a:r>
-              <a:rPr lang="en-US" sz="2400" dirty="0">
-                <a:effectLst/>
-                <a:latin typeface="Gisha" panose="020B0502040204020203" pitchFamily="34" charset="-79"/>
-                <a:ea typeface="Calibri" panose="020F0502020204030204" pitchFamily="34" charset="0"/>
-                <a:cs typeface="Arial" panose="020B0604020202020204" pitchFamily="34" charset="0"/>
-              </a:rPr>
-              <a:t>) </a:t>
-            </a:r>
-            <a:r>
-              <a:rPr lang="en-US" sz="2400" b="1" dirty="0">
-                <a:solidFill>
-                  <a:srgbClr val="FF0000"/>
-                </a:solidFill>
-                <a:effectLst/>
-                <a:latin typeface="Gisha" panose="020B0502040204020203" pitchFamily="34" charset="-79"/>
-                <a:ea typeface="Calibri" panose="020F0502020204030204" pitchFamily="34" charset="0"/>
-                <a:cs typeface="Arial" panose="020B0604020202020204" pitchFamily="34" charset="0"/>
-              </a:rPr>
-              <a:t>like</a:t>
-            </a:r>
-            <a:r>
-              <a:rPr lang="en-US" sz="2400" dirty="0">
-                <a:solidFill>
-                  <a:srgbClr val="FF0000"/>
-                </a:solidFill>
-                <a:effectLst/>
-                <a:latin typeface="Gisha" panose="020B0502040204020203" pitchFamily="34" charset="-79"/>
-                <a:ea typeface="Calibri" panose="020F0502020204030204" pitchFamily="34" charset="0"/>
-                <a:cs typeface="Arial" panose="020B0604020202020204" pitchFamily="34" charset="0"/>
-              </a:rPr>
-              <a:t> </a:t>
-            </a:r>
-            <a:r>
-              <a:rPr lang="en-US" sz="2400" dirty="0">
-                <a:effectLst/>
-                <a:latin typeface="Gisha" panose="020B0502040204020203" pitchFamily="34" charset="-79"/>
-                <a:ea typeface="Calibri" panose="020F0502020204030204" pitchFamily="34" charset="0"/>
-                <a:cs typeface="Arial" panose="020B0604020202020204" pitchFamily="34" charset="0"/>
-              </a:rPr>
-              <a:t>'</a:t>
-            </a:r>
-            <a:r>
-              <a:rPr lang="en-US" sz="2400" dirty="0" err="1">
-                <a:effectLst/>
-                <a:latin typeface="Gisha" panose="020B0502040204020203" pitchFamily="34" charset="-79"/>
-                <a:ea typeface="Calibri" panose="020F0502020204030204" pitchFamily="34" charset="0"/>
-                <a:cs typeface="Arial" panose="020B0604020202020204" pitchFamily="34" charset="0"/>
-              </a:rPr>
-              <a:t>merav</a:t>
-            </a:r>
-            <a:r>
-              <a:rPr lang="en-US" sz="2400" dirty="0">
-                <a:effectLst/>
-                <a:latin typeface="Gisha" panose="020B0502040204020203" pitchFamily="34" charset="-79"/>
-                <a:ea typeface="Calibri" panose="020F0502020204030204" pitchFamily="34" charset="0"/>
-                <a:cs typeface="Arial" panose="020B0604020202020204" pitchFamily="34" charset="0"/>
-              </a:rPr>
-              <a:t>'</a:t>
-            </a:r>
-            <a:endParaRPr lang="en-US" sz="2400" dirty="0">
-              <a:effectLst/>
-              <a:latin typeface="Calibri" panose="020F0502020204030204" pitchFamily="34" charset="0"/>
-              <a:ea typeface="Calibri" panose="020F0502020204030204" pitchFamily="34" charset="0"/>
-              <a:cs typeface="Arial" panose="020B0604020202020204" pitchFamily="34" charset="0"/>
-            </a:endParaRPr>
-          </a:p>
-          <a:p>
-            <a:pPr marL="685800" algn="r" rtl="1">
-              <a:lnSpc>
-                <a:spcPct val="115000"/>
-              </a:lnSpc>
-            </a:pPr>
             <a:endParaRPr lang="he-IL" dirty="0"/>
           </a:p>
         </p:txBody>
@@ -5964,7 +5081,7 @@
     </p:spTree>
     <p:extLst>
       <p:ext uri="{BB962C8B-B14F-4D97-AF65-F5344CB8AC3E}">
-        <p14:creationId xmlns:p14="http://schemas.microsoft.com/office/powerpoint/2010/main" val="330748617"/>
+        <p14:creationId xmlns:p14="http://schemas.microsoft.com/office/powerpoint/2010/main" val="3197249339"/>
       </p:ext>
     </p:extLst>
   </p:cSld>
@@ -6014,45 +5131,448 @@
           <a:p>
             <a:pPr algn="r"/>
             <a:r>
-              <a:rPr lang="en-US" dirty="0"/>
-              <a:t>Alias</a:t>
-            </a:r>
-            <a:r>
               <a:rPr lang="he-IL" dirty="0"/>
-              <a:t> מתן שמות חלופים לעמודה  -</a:t>
-            </a:r>
-          </a:p>
-        </p:txBody>
-      </p:sp>
-      <p:pic>
-        <p:nvPicPr>
-          <p:cNvPr id="6" name="Content Placeholder 5">
-            <a:extLst>
-              <a:ext uri="{FF2B5EF4-FFF2-40B4-BE49-F238E27FC236}">
-                <a16:creationId xmlns:a16="http://schemas.microsoft.com/office/drawing/2014/main" id="{AA43A351-C1EF-46B5-B67F-5A74123AC500}"/>
-              </a:ext>
-            </a:extLst>
-          </p:cNvPr>
-          <p:cNvPicPr>
-            <a:picLocks noGrp="1" noChangeAspect="1"/>
-          </p:cNvPicPr>
+              <a:t>סוגי נתונים - מחרוזות</a:t>
+            </a:r>
+          </a:p>
+        </p:txBody>
+      </p:sp>
+      <p:sp>
+        <p:nvSpPr>
+          <p:cNvPr id="3" name="Content Placeholder 2">
+            <a:extLst>
+              <a:ext uri="{FF2B5EF4-FFF2-40B4-BE49-F238E27FC236}">
+                <a16:creationId xmlns:a16="http://schemas.microsoft.com/office/drawing/2014/main" id="{3E0CD643-5062-49E7-9B33-0A24A2E3AEE0}"/>
+              </a:ext>
+            </a:extLst>
+          </p:cNvPr>
+          <p:cNvSpPr>
+            <a:spLocks noGrp="1"/>
+          </p:cNvSpPr>
           <p:nvPr>
             <p:ph idx="1"/>
           </p:nvPr>
-        </p:nvPicPr>
-        <p:blipFill>
-          <a:blip r:embed="rId2"/>
-          <a:stretch>
-            <a:fillRect/>
-          </a:stretch>
-        </p:blipFill>
-        <p:spPr>
-          <a:xfrm>
-            <a:off x="780393" y="1690688"/>
-            <a:ext cx="8582738" cy="4658853"/>
-          </a:xfrm>
-        </p:spPr>
-      </p:pic>
+        </p:nvSpPr>
+        <p:spPr/>
+        <p:txBody>
+          <a:bodyPr>
+            <a:normAutofit/>
+          </a:bodyPr>
+          <a:lstStyle/>
+          <a:p>
+            <a:pPr marL="685800" algn="r" rtl="1">
+              <a:lnSpc>
+                <a:spcPct val="115000"/>
+              </a:lnSpc>
+            </a:pPr>
+            <a:r>
+              <a:rPr lang="he-IL" sz="1800" dirty="0">
+                <a:effectLst/>
+                <a:latin typeface="Calibri" panose="020F0502020204030204" pitchFamily="34" charset="0"/>
+                <a:ea typeface="Calibri" panose="020F0502020204030204" pitchFamily="34" charset="0"/>
+                <a:cs typeface="Gisha" panose="020B0502040204020203" pitchFamily="34" charset="-79"/>
+              </a:rPr>
+              <a:t>דגשים:</a:t>
+            </a:r>
+            <a:endParaRPr lang="en-US" sz="1800" dirty="0">
+              <a:effectLst/>
+              <a:latin typeface="Calibri" panose="020F0502020204030204" pitchFamily="34" charset="0"/>
+              <a:ea typeface="Calibri" panose="020F0502020204030204" pitchFamily="34" charset="0"/>
+              <a:cs typeface="Arial" panose="020B0604020202020204" pitchFamily="34" charset="0"/>
+            </a:endParaRPr>
+          </a:p>
+          <a:p>
+            <a:pPr marL="342900" lvl="0" indent="-342900" algn="r" rtl="1">
+              <a:lnSpc>
+                <a:spcPct val="115000"/>
+              </a:lnSpc>
+              <a:buFont typeface="+mj-lt"/>
+              <a:buAutoNum type="arabicPeriod"/>
+            </a:pPr>
+            <a:r>
+              <a:rPr lang="he-IL" sz="1800" dirty="0">
+                <a:effectLst/>
+                <a:latin typeface="Calibri" panose="020F0502020204030204" pitchFamily="34" charset="0"/>
+                <a:ea typeface="Calibri" panose="020F0502020204030204" pitchFamily="34" charset="0"/>
+                <a:cs typeface="Gisha" panose="020B0502040204020203" pitchFamily="34" charset="-79"/>
+              </a:rPr>
+              <a:t>יש לרשום את המחרוזת בתוך גרשיים '</a:t>
+            </a:r>
+            <a:r>
+              <a:rPr lang="en-US" sz="1800" dirty="0" err="1">
+                <a:effectLst/>
+                <a:latin typeface="Gisha" panose="020B0502040204020203" pitchFamily="34" charset="-79"/>
+                <a:ea typeface="Calibri" panose="020F0502020204030204" pitchFamily="34" charset="0"/>
+                <a:cs typeface="Arial" panose="020B0604020202020204" pitchFamily="34" charset="0"/>
+              </a:rPr>
+              <a:t>abc</a:t>
+            </a:r>
+            <a:r>
+              <a:rPr lang="he-IL" sz="1800" dirty="0">
+                <a:effectLst/>
+                <a:latin typeface="Calibri" panose="020F0502020204030204" pitchFamily="34" charset="0"/>
+                <a:ea typeface="Calibri" panose="020F0502020204030204" pitchFamily="34" charset="0"/>
+                <a:cs typeface="Gisha" panose="020B0502040204020203" pitchFamily="34" charset="-79"/>
+              </a:rPr>
+              <a:t>'</a:t>
+            </a:r>
+            <a:endParaRPr lang="en-US" sz="1800" dirty="0">
+              <a:effectLst/>
+              <a:latin typeface="Calibri" panose="020F0502020204030204" pitchFamily="34" charset="0"/>
+              <a:ea typeface="Calibri" panose="020F0502020204030204" pitchFamily="34" charset="0"/>
+              <a:cs typeface="Arial" panose="020B0604020202020204" pitchFamily="34" charset="0"/>
+            </a:endParaRPr>
+          </a:p>
+          <a:p>
+            <a:pPr marL="342900" lvl="0" indent="-342900" algn="r" rtl="1">
+              <a:lnSpc>
+                <a:spcPct val="115000"/>
+              </a:lnSpc>
+              <a:buFont typeface="+mj-lt"/>
+              <a:buAutoNum type="arabicPeriod"/>
+            </a:pPr>
+            <a:r>
+              <a:rPr lang="he-IL" sz="1800" dirty="0">
+                <a:effectLst/>
+                <a:latin typeface="Calibri" panose="020F0502020204030204" pitchFamily="34" charset="0"/>
+                <a:ea typeface="Calibri" panose="020F0502020204030204" pitchFamily="34" charset="0"/>
+                <a:cs typeface="Gisha" panose="020B0502040204020203" pitchFamily="34" charset="-79"/>
+              </a:rPr>
+              <a:t>יש חשיבות לאותיות </a:t>
+            </a:r>
+            <a:r>
+              <a:rPr lang="he-IL" sz="1800" dirty="0" err="1">
+                <a:effectLst/>
+                <a:latin typeface="Calibri" panose="020F0502020204030204" pitchFamily="34" charset="0"/>
+                <a:ea typeface="Calibri" panose="020F0502020204030204" pitchFamily="34" charset="0"/>
+                <a:cs typeface="Gisha" panose="020B0502040204020203" pitchFamily="34" charset="-79"/>
+              </a:rPr>
+              <a:t>רשיות</a:t>
+            </a:r>
+            <a:r>
+              <a:rPr lang="he-IL" sz="1800" dirty="0">
+                <a:effectLst/>
+                <a:latin typeface="Calibri" panose="020F0502020204030204" pitchFamily="34" charset="0"/>
+                <a:ea typeface="Calibri" panose="020F0502020204030204" pitchFamily="34" charset="0"/>
+                <a:cs typeface="Gisha" panose="020B0502040204020203" pitchFamily="34" charset="-79"/>
+              </a:rPr>
+              <a:t> (בהמשך נראה כיצד ניתן להתמודד) </a:t>
+            </a:r>
+            <a:endParaRPr lang="en-US" sz="1800" dirty="0">
+              <a:effectLst/>
+              <a:latin typeface="Calibri" panose="020F0502020204030204" pitchFamily="34" charset="0"/>
+              <a:ea typeface="Calibri" panose="020F0502020204030204" pitchFamily="34" charset="0"/>
+              <a:cs typeface="Arial" panose="020B0604020202020204" pitchFamily="34" charset="0"/>
+            </a:endParaRPr>
+          </a:p>
+          <a:p>
+            <a:pPr marL="342900" lvl="0" indent="-342900" algn="r" rtl="1">
+              <a:lnSpc>
+                <a:spcPct val="115000"/>
+              </a:lnSpc>
+              <a:buFont typeface="+mj-lt"/>
+              <a:buAutoNum type="arabicPeriod"/>
+            </a:pPr>
+            <a:r>
+              <a:rPr lang="he-IL" sz="1800" dirty="0">
+                <a:effectLst/>
+                <a:latin typeface="Calibri" panose="020F0502020204030204" pitchFamily="34" charset="0"/>
+                <a:ea typeface="Calibri" panose="020F0502020204030204" pitchFamily="34" charset="0"/>
+                <a:cs typeface="Gisha" panose="020B0502040204020203" pitchFamily="34" charset="-79"/>
+              </a:rPr>
+              <a:t>ניתן לחפש מילה חלקית</a:t>
+            </a:r>
+            <a:endParaRPr lang="en-US" sz="1800" dirty="0">
+              <a:effectLst/>
+              <a:latin typeface="Calibri" panose="020F0502020204030204" pitchFamily="34" charset="0"/>
+              <a:ea typeface="Calibri" panose="020F0502020204030204" pitchFamily="34" charset="0"/>
+              <a:cs typeface="Arial" panose="020B0604020202020204" pitchFamily="34" charset="0"/>
+            </a:endParaRPr>
+          </a:p>
+          <a:p>
+            <a:pPr marL="342900" lvl="0" indent="-342900" algn="r" rtl="1">
+              <a:lnSpc>
+                <a:spcPct val="115000"/>
+              </a:lnSpc>
+              <a:buFont typeface="+mj-lt"/>
+              <a:buAutoNum type="arabicPeriod"/>
+            </a:pPr>
+            <a:r>
+              <a:rPr lang="he-IL" sz="1800" dirty="0">
+                <a:effectLst/>
+                <a:latin typeface="Calibri" panose="020F0502020204030204" pitchFamily="34" charset="0"/>
+                <a:ea typeface="Calibri" panose="020F0502020204030204" pitchFamily="34" charset="0"/>
+                <a:cs typeface="Gisha" panose="020B0502040204020203" pitchFamily="34" charset="-79"/>
+              </a:rPr>
+              <a:t>חיפוש מספר ערכים</a:t>
+            </a:r>
+            <a:endParaRPr lang="en-US" sz="1800" dirty="0">
+              <a:effectLst/>
+              <a:latin typeface="Calibri" panose="020F0502020204030204" pitchFamily="34" charset="0"/>
+              <a:ea typeface="Calibri" panose="020F0502020204030204" pitchFamily="34" charset="0"/>
+              <a:cs typeface="Arial" panose="020B0604020202020204" pitchFamily="34" charset="0"/>
+            </a:endParaRPr>
+          </a:p>
+          <a:p>
+            <a:pPr indent="457200" algn="r" rtl="1">
+              <a:lnSpc>
+                <a:spcPct val="115000"/>
+              </a:lnSpc>
+              <a:spcAft>
+                <a:spcPts val="1000"/>
+              </a:spcAft>
+            </a:pPr>
+            <a:r>
+              <a:rPr lang="he-IL" sz="1800" dirty="0">
+                <a:effectLst/>
+                <a:latin typeface="Calibri" panose="020F0502020204030204" pitchFamily="34" charset="0"/>
+                <a:ea typeface="Calibri" panose="020F0502020204030204" pitchFamily="34" charset="0"/>
+                <a:cs typeface="Gisha" panose="020B0502040204020203" pitchFamily="34" charset="-79"/>
+              </a:rPr>
+              <a:t>דוגמאות:</a:t>
+            </a:r>
+            <a:endParaRPr lang="en-US" sz="1800" dirty="0">
+              <a:effectLst/>
+              <a:latin typeface="Calibri" panose="020F0502020204030204" pitchFamily="34" charset="0"/>
+              <a:ea typeface="Calibri" panose="020F0502020204030204" pitchFamily="34" charset="0"/>
+              <a:cs typeface="Arial" panose="020B0604020202020204" pitchFamily="34" charset="0"/>
+            </a:endParaRPr>
+          </a:p>
+          <a:p>
+            <a:pPr marL="0" indent="0" algn="r">
+              <a:lnSpc>
+                <a:spcPct val="115000"/>
+              </a:lnSpc>
+              <a:spcAft>
+                <a:spcPts val="1000"/>
+              </a:spcAft>
+              <a:buNone/>
+            </a:pPr>
+            <a:r>
+              <a:rPr lang="en-US" sz="1800" dirty="0" err="1">
+                <a:effectLst/>
+                <a:latin typeface="Gisha" panose="020B0502040204020203" pitchFamily="34" charset="-79"/>
+                <a:ea typeface="Calibri" panose="020F0502020204030204" pitchFamily="34" charset="0"/>
+                <a:cs typeface="Arial" panose="020B0604020202020204" pitchFamily="34" charset="0"/>
+              </a:rPr>
+              <a:t>First_name</a:t>
+            </a:r>
+            <a:r>
+              <a:rPr lang="en-US" sz="1800" dirty="0">
+                <a:effectLst/>
+                <a:latin typeface="Gisha" panose="020B0502040204020203" pitchFamily="34" charset="-79"/>
+                <a:ea typeface="Calibri" panose="020F0502020204030204" pitchFamily="34" charset="0"/>
+                <a:cs typeface="Arial" panose="020B0604020202020204" pitchFamily="34" charset="0"/>
+              </a:rPr>
+              <a:t> </a:t>
+            </a:r>
+            <a:r>
+              <a:rPr lang="en-US" sz="1800" b="1" dirty="0">
+                <a:solidFill>
+                  <a:srgbClr val="FF0000"/>
+                </a:solidFill>
+                <a:effectLst/>
+                <a:latin typeface="Gisha" panose="020B0502040204020203" pitchFamily="34" charset="-79"/>
+                <a:ea typeface="Calibri" panose="020F0502020204030204" pitchFamily="34" charset="0"/>
+                <a:cs typeface="Arial" panose="020B0604020202020204" pitchFamily="34" charset="0"/>
+              </a:rPr>
+              <a:t>=</a:t>
+            </a:r>
+            <a:r>
+              <a:rPr lang="en-US" sz="1800" dirty="0">
+                <a:effectLst/>
+                <a:latin typeface="Gisha" panose="020B0502040204020203" pitchFamily="34" charset="-79"/>
+                <a:ea typeface="Calibri" panose="020F0502020204030204" pitchFamily="34" charset="0"/>
+                <a:cs typeface="Arial" panose="020B0604020202020204" pitchFamily="34" charset="0"/>
+              </a:rPr>
+              <a:t> 'MERAV’</a:t>
+            </a:r>
+            <a:r>
+              <a:rPr lang="en-US" sz="1800" dirty="0">
+                <a:effectLst/>
+                <a:latin typeface="Calibri" panose="020F0502020204030204" pitchFamily="34" charset="0"/>
+                <a:ea typeface="Calibri" panose="020F0502020204030204" pitchFamily="34" charset="0"/>
+                <a:cs typeface="Gisha" panose="020B0502040204020203" pitchFamily="34" charset="-79"/>
+              </a:rPr>
+              <a:t> </a:t>
+            </a:r>
+            <a:r>
+              <a:rPr lang="en-US" sz="1800" dirty="0">
+                <a:effectLst/>
+                <a:latin typeface="Gisha" panose="020B0502040204020203" pitchFamily="34" charset="-79"/>
+                <a:ea typeface="Calibri" panose="020F0502020204030204" pitchFamily="34" charset="0"/>
+                <a:cs typeface="Arial" panose="020B0604020202020204" pitchFamily="34" charset="0"/>
+              </a:rPr>
+              <a:t> is the same as  </a:t>
+            </a:r>
+            <a:r>
+              <a:rPr lang="en-US" sz="1800" dirty="0" err="1">
+                <a:effectLst/>
+                <a:latin typeface="Gisha" panose="020B0502040204020203" pitchFamily="34" charset="-79"/>
+                <a:ea typeface="Calibri" panose="020F0502020204030204" pitchFamily="34" charset="0"/>
+                <a:cs typeface="Arial" panose="020B0604020202020204" pitchFamily="34" charset="0"/>
+              </a:rPr>
+              <a:t>First_name</a:t>
+            </a:r>
+            <a:r>
+              <a:rPr lang="en-US" sz="1800" dirty="0">
+                <a:effectLst/>
+                <a:latin typeface="Gisha" panose="020B0502040204020203" pitchFamily="34" charset="-79"/>
+                <a:ea typeface="Calibri" panose="020F0502020204030204" pitchFamily="34" charset="0"/>
+                <a:cs typeface="Arial" panose="020B0604020202020204" pitchFamily="34" charset="0"/>
+              </a:rPr>
+              <a:t> </a:t>
+            </a:r>
+            <a:r>
+              <a:rPr lang="en-US" sz="1800" b="1" dirty="0">
+                <a:solidFill>
+                  <a:srgbClr val="FF0000"/>
+                </a:solidFill>
+                <a:effectLst/>
+                <a:latin typeface="Gisha" panose="020B0502040204020203" pitchFamily="34" charset="-79"/>
+                <a:ea typeface="Calibri" panose="020F0502020204030204" pitchFamily="34" charset="0"/>
+                <a:cs typeface="Arial" panose="020B0604020202020204" pitchFamily="34" charset="0"/>
+              </a:rPr>
+              <a:t>like</a:t>
+            </a:r>
+            <a:r>
+              <a:rPr lang="en-US" sz="1800" dirty="0">
+                <a:solidFill>
+                  <a:srgbClr val="FF0000"/>
+                </a:solidFill>
+                <a:effectLst/>
+                <a:latin typeface="Gisha" panose="020B0502040204020203" pitchFamily="34" charset="-79"/>
+                <a:ea typeface="Calibri" panose="020F0502020204030204" pitchFamily="34" charset="0"/>
+                <a:cs typeface="Arial" panose="020B0604020202020204" pitchFamily="34" charset="0"/>
+              </a:rPr>
+              <a:t> </a:t>
+            </a:r>
+            <a:r>
+              <a:rPr lang="en-US" sz="1800" dirty="0">
+                <a:effectLst/>
+                <a:latin typeface="Gisha" panose="020B0502040204020203" pitchFamily="34" charset="-79"/>
+                <a:ea typeface="Calibri" panose="020F0502020204030204" pitchFamily="34" charset="0"/>
+                <a:cs typeface="Arial" panose="020B0604020202020204" pitchFamily="34" charset="0"/>
+              </a:rPr>
+              <a:t>'MERAV'</a:t>
+            </a:r>
+            <a:endParaRPr lang="en-US" sz="1800" dirty="0">
+              <a:effectLst/>
+              <a:latin typeface="Calibri" panose="020F0502020204030204" pitchFamily="34" charset="0"/>
+              <a:ea typeface="Calibri" panose="020F0502020204030204" pitchFamily="34" charset="0"/>
+              <a:cs typeface="Arial" panose="020B0604020202020204" pitchFamily="34" charset="0"/>
+            </a:endParaRPr>
+          </a:p>
+          <a:p>
+            <a:pPr indent="457200" algn="r" rtl="1">
+              <a:lnSpc>
+                <a:spcPct val="115000"/>
+              </a:lnSpc>
+              <a:spcAft>
+                <a:spcPts val="1000"/>
+              </a:spcAft>
+            </a:pPr>
+            <a:r>
+              <a:rPr lang="he-IL" sz="1800" dirty="0">
+                <a:effectLst/>
+                <a:latin typeface="Calibri" panose="020F0502020204030204" pitchFamily="34" charset="0"/>
+                <a:ea typeface="Calibri" panose="020F0502020204030204" pitchFamily="34" charset="0"/>
+                <a:cs typeface="Gisha" panose="020B0502040204020203" pitchFamily="34" charset="-79"/>
+              </a:rPr>
+              <a:t>חיפוש חלקי:</a:t>
+            </a:r>
+          </a:p>
+          <a:p>
+            <a:pPr indent="457200" algn="r" rtl="1">
+              <a:lnSpc>
+                <a:spcPct val="115000"/>
+              </a:lnSpc>
+              <a:spcAft>
+                <a:spcPts val="1000"/>
+              </a:spcAft>
+            </a:pPr>
+            <a:r>
+              <a:rPr lang="en-US" sz="1800" dirty="0" err="1">
+                <a:effectLst/>
+                <a:latin typeface="Gisha" panose="020B0502040204020203" pitchFamily="34" charset="-79"/>
+                <a:ea typeface="Calibri" panose="020F0502020204030204" pitchFamily="34" charset="0"/>
+                <a:cs typeface="Arial" panose="020B0604020202020204" pitchFamily="34" charset="0"/>
+              </a:rPr>
+              <a:t>Offer_Name</a:t>
+            </a:r>
+            <a:r>
+              <a:rPr lang="en-US" sz="1800" dirty="0">
+                <a:effectLst/>
+                <a:latin typeface="Gisha" panose="020B0502040204020203" pitchFamily="34" charset="-79"/>
+                <a:ea typeface="Calibri" panose="020F0502020204030204" pitchFamily="34" charset="0"/>
+                <a:cs typeface="Arial" panose="020B0604020202020204" pitchFamily="34" charset="0"/>
+              </a:rPr>
+              <a:t> </a:t>
+            </a:r>
+            <a:r>
+              <a:rPr lang="en-US" sz="1800" dirty="0">
+                <a:effectLst/>
+                <a:highlight>
+                  <a:srgbClr val="FF0000"/>
+                </a:highlight>
+                <a:latin typeface="Gisha" panose="020B0502040204020203" pitchFamily="34" charset="-79"/>
+                <a:ea typeface="Calibri" panose="020F0502020204030204" pitchFamily="34" charset="0"/>
+                <a:cs typeface="Arial" panose="020B0604020202020204" pitchFamily="34" charset="0"/>
+              </a:rPr>
+              <a:t>like</a:t>
+            </a:r>
+            <a:r>
+              <a:rPr lang="en-US" sz="1800" dirty="0">
+                <a:effectLst/>
+                <a:latin typeface="Gisha" panose="020B0502040204020203" pitchFamily="34" charset="-79"/>
+                <a:ea typeface="Calibri" panose="020F0502020204030204" pitchFamily="34" charset="0"/>
+                <a:cs typeface="Arial" panose="020B0604020202020204" pitchFamily="34" charset="0"/>
+              </a:rPr>
+              <a:t> 'Stand By% is not the same as </a:t>
+            </a:r>
+            <a:r>
+              <a:rPr lang="en-US" sz="1800" dirty="0" err="1">
+                <a:effectLst/>
+                <a:latin typeface="Gisha" panose="020B0502040204020203" pitchFamily="34" charset="-79"/>
+                <a:ea typeface="Calibri" panose="020F0502020204030204" pitchFamily="34" charset="0"/>
+                <a:cs typeface="Arial" panose="020B0604020202020204" pitchFamily="34" charset="0"/>
+              </a:rPr>
+              <a:t>Offer_name</a:t>
+            </a:r>
+            <a:r>
+              <a:rPr lang="en-US" sz="1800" dirty="0">
+                <a:effectLst/>
+                <a:latin typeface="Gisha" panose="020B0502040204020203" pitchFamily="34" charset="-79"/>
+                <a:ea typeface="Calibri" panose="020F0502020204030204" pitchFamily="34" charset="0"/>
+                <a:cs typeface="Arial" panose="020B0604020202020204" pitchFamily="34" charset="0"/>
+              </a:rPr>
+              <a:t> </a:t>
+            </a:r>
+            <a:r>
+              <a:rPr lang="en-US" sz="1800" dirty="0">
+                <a:effectLst/>
+                <a:highlight>
+                  <a:srgbClr val="FF0000"/>
+                </a:highlight>
+                <a:latin typeface="Gisha" panose="020B0502040204020203" pitchFamily="34" charset="-79"/>
+                <a:ea typeface="Calibri" panose="020F0502020204030204" pitchFamily="34" charset="0"/>
+                <a:cs typeface="Arial" panose="020B0604020202020204" pitchFamily="34" charset="0"/>
+              </a:rPr>
+              <a:t>=</a:t>
+            </a:r>
+            <a:r>
+              <a:rPr lang="en-US" sz="1800" dirty="0">
+                <a:effectLst/>
+                <a:latin typeface="Gisha" panose="020B0502040204020203" pitchFamily="34" charset="-79"/>
+                <a:ea typeface="Calibri" panose="020F0502020204030204" pitchFamily="34" charset="0"/>
+                <a:cs typeface="Arial" panose="020B0604020202020204" pitchFamily="34" charset="0"/>
+              </a:rPr>
+              <a:t> 'Stand By%' </a:t>
+            </a:r>
+            <a:endParaRPr lang="he-IL" dirty="0"/>
+          </a:p>
+        </p:txBody>
+      </p:sp>
       <p:sp>
         <p:nvSpPr>
           <p:cNvPr id="4" name="Footer Placeholder 3">
@@ -6085,7 +5605,7 @@
     </p:spTree>
     <p:extLst>
       <p:ext uri="{BB962C8B-B14F-4D97-AF65-F5344CB8AC3E}">
-        <p14:creationId xmlns:p14="http://schemas.microsoft.com/office/powerpoint/2010/main" val="1816459306"/>
+        <p14:creationId xmlns:p14="http://schemas.microsoft.com/office/powerpoint/2010/main" val="1393977367"/>
       </p:ext>
     </p:extLst>
   </p:cSld>
@@ -6128,93 +5648,545 @@
             <p:ph type="title"/>
           </p:nvPr>
         </p:nvSpPr>
-        <p:spPr>
-          <a:xfrm>
-            <a:off x="838200" y="365125"/>
-            <a:ext cx="10515600" cy="1281113"/>
-          </a:xfrm>
-        </p:spPr>
+        <p:spPr/>
+        <p:txBody>
+          <a:bodyPr/>
+          <a:lstStyle/>
+          <a:p>
+            <a:pPr algn="r"/>
+            <a:r>
+              <a:rPr lang="he-IL" dirty="0"/>
+              <a:t>סוגי נתונים – חיפוש מספר ערכים</a:t>
+            </a:r>
+          </a:p>
+        </p:txBody>
+      </p:sp>
+      <p:sp>
+        <p:nvSpPr>
+          <p:cNvPr id="3" name="Content Placeholder 2">
+            <a:extLst>
+              <a:ext uri="{FF2B5EF4-FFF2-40B4-BE49-F238E27FC236}">
+                <a16:creationId xmlns:a16="http://schemas.microsoft.com/office/drawing/2014/main" id="{3E0CD643-5062-49E7-9B33-0A24A2E3AEE0}"/>
+              </a:ext>
+            </a:extLst>
+          </p:cNvPr>
+          <p:cNvSpPr>
+            <a:spLocks noGrp="1"/>
+          </p:cNvSpPr>
+          <p:nvPr>
+            <p:ph idx="1"/>
+          </p:nvPr>
+        </p:nvSpPr>
+        <p:spPr/>
         <p:txBody>
           <a:bodyPr>
-            <a:normAutofit fontScale="90000"/>
+            <a:normAutofit fontScale="92500" lnSpcReduction="10000"/>
           </a:bodyPr>
           <a:lstStyle/>
           <a:p>
-            <a:pPr algn="r" rtl="1"/>
-            <a:r>
-              <a:rPr lang="he-IL" dirty="0"/>
-              <a:t>שרשור שדות –</a:t>
-            </a:r>
-            <a:br>
-              <a:rPr lang="he-IL" dirty="0"/>
-            </a:br>
-            <a:r>
-              <a:rPr lang="he-IL" dirty="0"/>
+            <a:pPr algn="l" rtl="0">
+              <a:lnSpc>
+                <a:spcPct val="115000"/>
+              </a:lnSpc>
+              <a:spcAft>
+                <a:spcPts val="1000"/>
+              </a:spcAft>
+            </a:pPr>
+            <a:r>
+              <a:rPr lang="en-US" sz="2400" dirty="0" err="1">
+                <a:effectLst/>
+                <a:latin typeface="Gisha" panose="020B0502040204020203" pitchFamily="34" charset="-79"/>
+                <a:ea typeface="Calibri" panose="020F0502020204030204" pitchFamily="34" charset="0"/>
+                <a:cs typeface="Arial" panose="020B0604020202020204" pitchFamily="34" charset="0"/>
+              </a:rPr>
+              <a:t>Product_code</a:t>
+            </a:r>
+            <a:r>
+              <a:rPr lang="en-US" sz="2400" dirty="0">
+                <a:effectLst/>
+                <a:latin typeface="Gisha" panose="020B0502040204020203" pitchFamily="34" charset="-79"/>
+                <a:ea typeface="Calibri" panose="020F0502020204030204" pitchFamily="34" charset="0"/>
+                <a:cs typeface="Arial" panose="020B0604020202020204" pitchFamily="34" charset="0"/>
+              </a:rPr>
               <a:t> </a:t>
             </a:r>
             <a:r>
-              <a:rPr lang="he-IL" sz="1800" b="0" i="0" u="none" strike="noStrike" baseline="0" dirty="0">
-                <a:latin typeface="ArialMT"/>
-              </a:rPr>
-              <a:t>שרשור פירושו הצגת שילוב שדות כשדה אחד בפלט </a:t>
-            </a:r>
-            <a:r>
-              <a:rPr lang="he-IL" sz="1800" b="0" i="0" u="none" strike="noStrike" baseline="0" dirty="0">
-                <a:latin typeface="Arial" panose="020B0604020202020204" pitchFamily="34" charset="0"/>
-              </a:rPr>
-              <a:t>. </a:t>
-            </a:r>
-            <a:r>
-              <a:rPr lang="he-IL" sz="1800" b="0" i="0" u="none" strike="noStrike" baseline="0" dirty="0">
-                <a:latin typeface="ArialMT"/>
-              </a:rPr>
-              <a:t>כשם שניתן לשרשר שדות </a:t>
-            </a:r>
-            <a:r>
-              <a:rPr lang="he-IL" sz="1800" b="0" i="0" u="none" strike="noStrike" baseline="0" dirty="0">
-                <a:latin typeface="Arial" panose="020B0604020202020204" pitchFamily="34" charset="0"/>
-              </a:rPr>
-              <a:t>, </a:t>
-            </a:r>
-            <a:r>
-              <a:rPr lang="he-IL" sz="1800" b="0" i="0" u="none" strike="noStrike" baseline="0" dirty="0">
-                <a:latin typeface="ArialMT"/>
-              </a:rPr>
-              <a:t>אפשר לשרשר גם טקסט חופשי</a:t>
-            </a:r>
+              <a:rPr lang="en-US" sz="2400" b="1" dirty="0">
+                <a:solidFill>
+                  <a:srgbClr val="FF0000"/>
+                </a:solidFill>
+                <a:effectLst/>
+                <a:latin typeface="Gisha" panose="020B0502040204020203" pitchFamily="34" charset="-79"/>
+                <a:ea typeface="Calibri" panose="020F0502020204030204" pitchFamily="34" charset="0"/>
+                <a:cs typeface="Arial" panose="020B0604020202020204" pitchFamily="34" charset="0"/>
+              </a:rPr>
+              <a:t>in</a:t>
+            </a:r>
+            <a:r>
+              <a:rPr lang="en-US" sz="2400" dirty="0">
+                <a:solidFill>
+                  <a:srgbClr val="FF0000"/>
+                </a:solidFill>
+                <a:effectLst/>
+                <a:latin typeface="Gisha" panose="020B0502040204020203" pitchFamily="34" charset="-79"/>
+                <a:ea typeface="Calibri" panose="020F0502020204030204" pitchFamily="34" charset="0"/>
+                <a:cs typeface="Arial" panose="020B0604020202020204" pitchFamily="34" charset="0"/>
+              </a:rPr>
+              <a:t> </a:t>
+            </a:r>
+            <a:r>
+              <a:rPr lang="en-US" sz="2400" b="1" dirty="0">
+                <a:solidFill>
+                  <a:srgbClr val="FF0000"/>
+                </a:solidFill>
+                <a:effectLst/>
+                <a:latin typeface="Gisha" panose="020B0502040204020203" pitchFamily="34" charset="-79"/>
+                <a:ea typeface="Calibri" panose="020F0502020204030204" pitchFamily="34" charset="0"/>
+                <a:cs typeface="Arial" panose="020B0604020202020204" pitchFamily="34" charset="0"/>
+              </a:rPr>
+              <a:t>(</a:t>
+            </a:r>
+            <a:r>
+              <a:rPr lang="en-US" sz="2400" dirty="0">
+                <a:effectLst/>
+                <a:latin typeface="Gisha" panose="020B0502040204020203" pitchFamily="34" charset="-79"/>
+                <a:ea typeface="Calibri" panose="020F0502020204030204" pitchFamily="34" charset="0"/>
+                <a:cs typeface="Arial" panose="020B0604020202020204" pitchFamily="34" charset="0"/>
+              </a:rPr>
+              <a:t>'BSS'</a:t>
+            </a:r>
+            <a:r>
+              <a:rPr lang="en-US" sz="2400" b="1" dirty="0">
+                <a:solidFill>
+                  <a:srgbClr val="FF0000"/>
+                </a:solidFill>
+                <a:effectLst/>
+                <a:latin typeface="Gisha" panose="020B0502040204020203" pitchFamily="34" charset="-79"/>
+                <a:ea typeface="Calibri" panose="020F0502020204030204" pitchFamily="34" charset="0"/>
+                <a:cs typeface="Arial" panose="020B0604020202020204" pitchFamily="34" charset="0"/>
+              </a:rPr>
+              <a:t>,'</a:t>
+            </a:r>
+            <a:r>
+              <a:rPr lang="en-US" sz="2400" dirty="0">
+                <a:effectLst/>
+                <a:latin typeface="Gisha" panose="020B0502040204020203" pitchFamily="34" charset="-79"/>
+                <a:ea typeface="Calibri" panose="020F0502020204030204" pitchFamily="34" charset="0"/>
+                <a:cs typeface="Arial" panose="020B0604020202020204" pitchFamily="34" charset="0"/>
+              </a:rPr>
+              <a:t>HAN','MOV') </a:t>
+            </a:r>
+            <a:r>
+              <a:rPr lang="en-US" sz="2400" dirty="0">
+                <a:effectLst/>
+                <a:latin typeface="Gisha" panose="020B0502040204020203" pitchFamily="34" charset="-79"/>
+                <a:ea typeface="Calibri" panose="020F0502020204030204" pitchFamily="34" charset="0"/>
+                <a:cs typeface="Gisha" panose="020B0502040204020203" pitchFamily="34" charset="-79"/>
+                <a:sym typeface="Wingdings" panose="05000000000000000000" pitchFamily="2" charset="2"/>
+              </a:rPr>
+              <a:t></a:t>
+            </a:r>
+            <a:r>
+              <a:rPr lang="en-US" sz="2400" dirty="0">
+                <a:effectLst/>
+                <a:latin typeface="Gisha" panose="020B0502040204020203" pitchFamily="34" charset="-79"/>
+                <a:ea typeface="Calibri" panose="020F0502020204030204" pitchFamily="34" charset="0"/>
+                <a:cs typeface="Arial" panose="020B0604020202020204" pitchFamily="34" charset="0"/>
+              </a:rPr>
+              <a:t> </a:t>
+            </a:r>
+            <a:r>
+              <a:rPr lang="he-IL" sz="2400" dirty="0">
+                <a:effectLst/>
+                <a:latin typeface="Gisha" panose="020B0502040204020203" pitchFamily="34" charset="-79"/>
+                <a:ea typeface="Calibri" panose="020F0502020204030204" pitchFamily="34" charset="0"/>
+                <a:cs typeface="Arial" panose="020B0604020202020204" pitchFamily="34" charset="0"/>
+              </a:rPr>
+              <a:t>יש להקפיד על הסוגריים והפסיקים</a:t>
+            </a:r>
+            <a:endParaRPr lang="en-US" sz="2400" dirty="0">
+              <a:effectLst/>
+              <a:latin typeface="Calibri" panose="020F0502020204030204" pitchFamily="34" charset="0"/>
+              <a:ea typeface="Calibri" panose="020F0502020204030204" pitchFamily="34" charset="0"/>
+              <a:cs typeface="Arial" panose="020B0604020202020204" pitchFamily="34" charset="0"/>
+            </a:endParaRPr>
+          </a:p>
+          <a:p>
+            <a:pPr indent="0" algn="r" rtl="1">
+              <a:lnSpc>
+                <a:spcPct val="115000"/>
+              </a:lnSpc>
+              <a:spcAft>
+                <a:spcPts val="1000"/>
+              </a:spcAft>
+              <a:buNone/>
+            </a:pPr>
+            <a:r>
+              <a:rPr lang="he-IL" sz="2400" dirty="0">
+                <a:effectLst/>
+                <a:latin typeface="Calibri" panose="020F0502020204030204" pitchFamily="34" charset="0"/>
+                <a:ea typeface="Calibri" panose="020F0502020204030204" pitchFamily="34" charset="0"/>
+                <a:cs typeface="Gisha" panose="020B0502040204020203" pitchFamily="34" charset="-79"/>
+              </a:rPr>
+              <a:t>אותיות </a:t>
+            </a:r>
+            <a:r>
+              <a:rPr lang="he-IL" sz="2400" dirty="0" err="1">
+                <a:effectLst/>
+                <a:latin typeface="Calibri" panose="020F0502020204030204" pitchFamily="34" charset="0"/>
+                <a:ea typeface="Calibri" panose="020F0502020204030204" pitchFamily="34" charset="0"/>
+                <a:cs typeface="Gisha" panose="020B0502040204020203" pitchFamily="34" charset="-79"/>
+              </a:rPr>
+              <a:t>רישיות</a:t>
+            </a:r>
+            <a:r>
+              <a:rPr lang="he-IL" sz="2400" dirty="0">
+                <a:effectLst/>
+                <a:latin typeface="Calibri" panose="020F0502020204030204" pitchFamily="34" charset="0"/>
+                <a:ea typeface="Calibri" panose="020F0502020204030204" pitchFamily="34" charset="0"/>
+                <a:cs typeface="Gisha" panose="020B0502040204020203" pitchFamily="34" charset="-79"/>
+              </a:rPr>
+              <a:t>/ קטנות:</a:t>
+            </a:r>
+            <a:endParaRPr lang="en-US" sz="2400" dirty="0">
+              <a:effectLst/>
+              <a:latin typeface="Calibri" panose="020F0502020204030204" pitchFamily="34" charset="0"/>
+              <a:ea typeface="Calibri" panose="020F0502020204030204" pitchFamily="34" charset="0"/>
+              <a:cs typeface="Arial" panose="020B0604020202020204" pitchFamily="34" charset="0"/>
+            </a:endParaRPr>
+          </a:p>
+          <a:p>
+            <a:pPr marL="457200" algn="r" rtl="1">
+              <a:lnSpc>
+                <a:spcPct val="115000"/>
+              </a:lnSpc>
+              <a:spcAft>
+                <a:spcPts val="1000"/>
+              </a:spcAft>
+            </a:pPr>
+            <a:r>
+              <a:rPr lang="he-IL" sz="2400" dirty="0">
+                <a:effectLst/>
+                <a:latin typeface="Calibri" panose="020F0502020204030204" pitchFamily="34" charset="0"/>
+                <a:ea typeface="Calibri" panose="020F0502020204030204" pitchFamily="34" charset="0"/>
+                <a:cs typeface="Gisha" panose="020B0502040204020203" pitchFamily="34" charset="-79"/>
+              </a:rPr>
+              <a:t>על מנת להפוך את כל המחרוזת לאותיות </a:t>
+            </a:r>
+            <a:r>
+              <a:rPr lang="he-IL" sz="2400" dirty="0" err="1">
+                <a:effectLst/>
+                <a:latin typeface="Calibri" panose="020F0502020204030204" pitchFamily="34" charset="0"/>
+                <a:ea typeface="Calibri" panose="020F0502020204030204" pitchFamily="34" charset="0"/>
+                <a:cs typeface="Gisha" panose="020B0502040204020203" pitchFamily="34" charset="-79"/>
+              </a:rPr>
+              <a:t>רשיות</a:t>
+            </a:r>
+            <a:r>
+              <a:rPr lang="he-IL" sz="2400" dirty="0">
+                <a:effectLst/>
+                <a:latin typeface="Calibri" panose="020F0502020204030204" pitchFamily="34" charset="0"/>
+                <a:ea typeface="Calibri" panose="020F0502020204030204" pitchFamily="34" charset="0"/>
+                <a:cs typeface="Gisha" panose="020B0502040204020203" pitchFamily="34" charset="-79"/>
+              </a:rPr>
+              <a:t>, יש לרשום את המילה </a:t>
+            </a:r>
+            <a:r>
+              <a:rPr lang="en-US" sz="2400" dirty="0">
+                <a:effectLst/>
+                <a:latin typeface="Gisha" panose="020B0502040204020203" pitchFamily="34" charset="-79"/>
+                <a:ea typeface="Calibri" panose="020F0502020204030204" pitchFamily="34" charset="0"/>
+                <a:cs typeface="Arial" panose="020B0604020202020204" pitchFamily="34" charset="0"/>
+              </a:rPr>
+              <a:t>Upper</a:t>
+            </a:r>
+            <a:r>
+              <a:rPr lang="he-IL" sz="2400" dirty="0">
+                <a:effectLst/>
+                <a:latin typeface="Calibri" panose="020F0502020204030204" pitchFamily="34" charset="0"/>
+                <a:ea typeface="Calibri" panose="020F0502020204030204" pitchFamily="34" charset="0"/>
+                <a:cs typeface="Gisha" panose="020B0502040204020203" pitchFamily="34" charset="-79"/>
+              </a:rPr>
+              <a:t> לפני המחרוזת:</a:t>
+            </a:r>
+            <a:endParaRPr lang="en-US" sz="2400" dirty="0">
+              <a:effectLst/>
+              <a:latin typeface="Calibri" panose="020F0502020204030204" pitchFamily="34" charset="0"/>
+              <a:ea typeface="Calibri" panose="020F0502020204030204" pitchFamily="34" charset="0"/>
+              <a:cs typeface="Arial" panose="020B0604020202020204" pitchFamily="34" charset="0"/>
+            </a:endParaRPr>
+          </a:p>
+          <a:p>
+            <a:pPr algn="l" rtl="0">
+              <a:lnSpc>
+                <a:spcPct val="115000"/>
+              </a:lnSpc>
+              <a:spcAft>
+                <a:spcPts val="1000"/>
+              </a:spcAft>
+            </a:pPr>
+            <a:r>
+              <a:rPr lang="en-US" sz="2400" b="1" dirty="0">
+                <a:solidFill>
+                  <a:srgbClr val="FF0000"/>
+                </a:solidFill>
+                <a:effectLst/>
+                <a:latin typeface="Gisha" panose="020B0502040204020203" pitchFamily="34" charset="-79"/>
+                <a:ea typeface="Calibri" panose="020F0502020204030204" pitchFamily="34" charset="0"/>
+                <a:cs typeface="Arial" panose="020B0604020202020204" pitchFamily="34" charset="0"/>
+              </a:rPr>
+              <a:t>Upper</a:t>
+            </a:r>
+            <a:r>
+              <a:rPr lang="en-US" sz="2400" dirty="0">
+                <a:solidFill>
+                  <a:srgbClr val="FF0000"/>
+                </a:solidFill>
+                <a:effectLst/>
+                <a:latin typeface="Gisha" panose="020B0502040204020203" pitchFamily="34" charset="-79"/>
+                <a:ea typeface="Calibri" panose="020F0502020204030204" pitchFamily="34" charset="0"/>
+                <a:cs typeface="Arial" panose="020B0604020202020204" pitchFamily="34" charset="0"/>
+              </a:rPr>
+              <a:t> </a:t>
+            </a:r>
+            <a:r>
+              <a:rPr lang="en-US" sz="2400" dirty="0">
+                <a:effectLst/>
+                <a:latin typeface="Gisha" panose="020B0502040204020203" pitchFamily="34" charset="-79"/>
+                <a:ea typeface="Calibri" panose="020F0502020204030204" pitchFamily="34" charset="0"/>
+                <a:cs typeface="Arial" panose="020B0604020202020204" pitchFamily="34" charset="0"/>
+              </a:rPr>
+              <a:t>(</a:t>
+            </a:r>
+            <a:r>
+              <a:rPr lang="en-US" sz="2400" dirty="0" err="1">
+                <a:effectLst/>
+                <a:latin typeface="Gisha" panose="020B0502040204020203" pitchFamily="34" charset="-79"/>
+                <a:ea typeface="Calibri" panose="020F0502020204030204" pitchFamily="34" charset="0"/>
+                <a:cs typeface="Arial" panose="020B0604020202020204" pitchFamily="34" charset="0"/>
+              </a:rPr>
+              <a:t>First_name</a:t>
+            </a:r>
+            <a:r>
+              <a:rPr lang="en-US" sz="2400" dirty="0">
+                <a:effectLst/>
+                <a:latin typeface="Gisha" panose="020B0502040204020203" pitchFamily="34" charset="-79"/>
+                <a:ea typeface="Calibri" panose="020F0502020204030204" pitchFamily="34" charset="0"/>
+                <a:cs typeface="Arial" panose="020B0604020202020204" pitchFamily="34" charset="0"/>
+              </a:rPr>
+              <a:t>) </a:t>
+            </a:r>
+            <a:r>
+              <a:rPr lang="en-US" sz="2400" b="1" dirty="0">
+                <a:solidFill>
+                  <a:srgbClr val="FF0000"/>
+                </a:solidFill>
+                <a:effectLst/>
+                <a:latin typeface="Gisha" panose="020B0502040204020203" pitchFamily="34" charset="-79"/>
+                <a:ea typeface="Calibri" panose="020F0502020204030204" pitchFamily="34" charset="0"/>
+                <a:cs typeface="Arial" panose="020B0604020202020204" pitchFamily="34" charset="0"/>
+              </a:rPr>
+              <a:t>like</a:t>
+            </a:r>
+            <a:r>
+              <a:rPr lang="en-US" sz="2400" dirty="0">
+                <a:solidFill>
+                  <a:srgbClr val="FF0000"/>
+                </a:solidFill>
+                <a:effectLst/>
+                <a:latin typeface="Gisha" panose="020B0502040204020203" pitchFamily="34" charset="-79"/>
+                <a:ea typeface="Calibri" panose="020F0502020204030204" pitchFamily="34" charset="0"/>
+                <a:cs typeface="Arial" panose="020B0604020202020204" pitchFamily="34" charset="0"/>
+              </a:rPr>
+              <a:t> </a:t>
+            </a:r>
+            <a:r>
+              <a:rPr lang="en-US" sz="2400" dirty="0">
+                <a:effectLst/>
+                <a:latin typeface="Gisha" panose="020B0502040204020203" pitchFamily="34" charset="-79"/>
+                <a:ea typeface="Calibri" panose="020F0502020204030204" pitchFamily="34" charset="0"/>
+                <a:cs typeface="Arial" panose="020B0604020202020204" pitchFamily="34" charset="0"/>
+              </a:rPr>
+              <a:t>'MERAV'</a:t>
+            </a:r>
+            <a:endParaRPr lang="en-US" sz="2400" dirty="0">
+              <a:effectLst/>
+              <a:latin typeface="Calibri" panose="020F0502020204030204" pitchFamily="34" charset="0"/>
+              <a:ea typeface="Calibri" panose="020F0502020204030204" pitchFamily="34" charset="0"/>
+              <a:cs typeface="Arial" panose="020B0604020202020204" pitchFamily="34" charset="0"/>
+            </a:endParaRPr>
+          </a:p>
+          <a:p>
+            <a:pPr marL="457200" algn="r" rtl="1">
+              <a:lnSpc>
+                <a:spcPct val="115000"/>
+              </a:lnSpc>
+              <a:spcAft>
+                <a:spcPts val="1000"/>
+              </a:spcAft>
+            </a:pPr>
+            <a:r>
+              <a:rPr lang="he-IL" sz="2400" dirty="0">
+                <a:effectLst/>
+                <a:latin typeface="Calibri" panose="020F0502020204030204" pitchFamily="34" charset="0"/>
+                <a:ea typeface="Calibri" panose="020F0502020204030204" pitchFamily="34" charset="0"/>
+                <a:cs typeface="Gisha" panose="020B0502040204020203" pitchFamily="34" charset="-79"/>
+              </a:rPr>
+              <a:t>על מנת להפוך את כל המחרוזת לאותיות קטנות, יש לרשום את המילה </a:t>
+            </a:r>
+            <a:r>
+              <a:rPr lang="en-US" sz="2400" dirty="0">
+                <a:effectLst/>
+                <a:latin typeface="Gisha" panose="020B0502040204020203" pitchFamily="34" charset="-79"/>
+                <a:ea typeface="Calibri" panose="020F0502020204030204" pitchFamily="34" charset="0"/>
+                <a:cs typeface="Arial" panose="020B0604020202020204" pitchFamily="34" charset="0"/>
+              </a:rPr>
+              <a:t>Lower</a:t>
+            </a:r>
+            <a:r>
+              <a:rPr lang="he-IL" sz="2400" dirty="0">
+                <a:effectLst/>
+                <a:latin typeface="Calibri" panose="020F0502020204030204" pitchFamily="34" charset="0"/>
+                <a:ea typeface="Calibri" panose="020F0502020204030204" pitchFamily="34" charset="0"/>
+                <a:cs typeface="Gisha" panose="020B0502040204020203" pitchFamily="34" charset="-79"/>
+              </a:rPr>
+              <a:t> לפני המחרוזת:</a:t>
+            </a:r>
+            <a:endParaRPr lang="en-US" sz="2400" dirty="0">
+              <a:effectLst/>
+              <a:latin typeface="Calibri" panose="020F0502020204030204" pitchFamily="34" charset="0"/>
+              <a:ea typeface="Calibri" panose="020F0502020204030204" pitchFamily="34" charset="0"/>
+              <a:cs typeface="Arial" panose="020B0604020202020204" pitchFamily="34" charset="0"/>
+            </a:endParaRPr>
+          </a:p>
+          <a:p>
+            <a:pPr algn="l" rtl="0">
+              <a:lnSpc>
+                <a:spcPct val="115000"/>
+              </a:lnSpc>
+              <a:spcAft>
+                <a:spcPts val="1000"/>
+              </a:spcAft>
+            </a:pPr>
+            <a:r>
+              <a:rPr lang="en-US" sz="2400" b="1" dirty="0">
+                <a:solidFill>
+                  <a:srgbClr val="FF0000"/>
+                </a:solidFill>
+                <a:effectLst/>
+                <a:latin typeface="Gisha" panose="020B0502040204020203" pitchFamily="34" charset="-79"/>
+                <a:ea typeface="Calibri" panose="020F0502020204030204" pitchFamily="34" charset="0"/>
+                <a:cs typeface="Arial" panose="020B0604020202020204" pitchFamily="34" charset="0"/>
+              </a:rPr>
+              <a:t>Lower</a:t>
+            </a:r>
+            <a:r>
+              <a:rPr lang="en-US" sz="2400" dirty="0">
+                <a:solidFill>
+                  <a:srgbClr val="FF0000"/>
+                </a:solidFill>
+                <a:effectLst/>
+                <a:latin typeface="Gisha" panose="020B0502040204020203" pitchFamily="34" charset="-79"/>
+                <a:ea typeface="Calibri" panose="020F0502020204030204" pitchFamily="34" charset="0"/>
+                <a:cs typeface="Arial" panose="020B0604020202020204" pitchFamily="34" charset="0"/>
+              </a:rPr>
+              <a:t> </a:t>
+            </a:r>
+            <a:r>
+              <a:rPr lang="en-US" sz="2400" dirty="0">
+                <a:effectLst/>
+                <a:latin typeface="Gisha" panose="020B0502040204020203" pitchFamily="34" charset="-79"/>
+                <a:ea typeface="Calibri" panose="020F0502020204030204" pitchFamily="34" charset="0"/>
+                <a:cs typeface="Arial" panose="020B0604020202020204" pitchFamily="34" charset="0"/>
+              </a:rPr>
+              <a:t>(</a:t>
+            </a:r>
+            <a:r>
+              <a:rPr lang="en-US" sz="2400" dirty="0" err="1">
+                <a:effectLst/>
+                <a:latin typeface="Gisha" panose="020B0502040204020203" pitchFamily="34" charset="-79"/>
+                <a:ea typeface="Calibri" panose="020F0502020204030204" pitchFamily="34" charset="0"/>
+                <a:cs typeface="Arial" panose="020B0604020202020204" pitchFamily="34" charset="0"/>
+              </a:rPr>
+              <a:t>First_name</a:t>
+            </a:r>
+            <a:r>
+              <a:rPr lang="en-US" sz="2400" dirty="0">
+                <a:effectLst/>
+                <a:latin typeface="Gisha" panose="020B0502040204020203" pitchFamily="34" charset="-79"/>
+                <a:ea typeface="Calibri" panose="020F0502020204030204" pitchFamily="34" charset="0"/>
+                <a:cs typeface="Arial" panose="020B0604020202020204" pitchFamily="34" charset="0"/>
+              </a:rPr>
+              <a:t>) </a:t>
+            </a:r>
+            <a:r>
+              <a:rPr lang="en-US" sz="2400" b="1" dirty="0">
+                <a:solidFill>
+                  <a:srgbClr val="FF0000"/>
+                </a:solidFill>
+                <a:effectLst/>
+                <a:latin typeface="Gisha" panose="020B0502040204020203" pitchFamily="34" charset="-79"/>
+                <a:ea typeface="Calibri" panose="020F0502020204030204" pitchFamily="34" charset="0"/>
+                <a:cs typeface="Arial" panose="020B0604020202020204" pitchFamily="34" charset="0"/>
+              </a:rPr>
+              <a:t>like</a:t>
+            </a:r>
+            <a:r>
+              <a:rPr lang="en-US" sz="2400" dirty="0">
+                <a:solidFill>
+                  <a:srgbClr val="FF0000"/>
+                </a:solidFill>
+                <a:effectLst/>
+                <a:latin typeface="Gisha" panose="020B0502040204020203" pitchFamily="34" charset="-79"/>
+                <a:ea typeface="Calibri" panose="020F0502020204030204" pitchFamily="34" charset="0"/>
+                <a:cs typeface="Arial" panose="020B0604020202020204" pitchFamily="34" charset="0"/>
+              </a:rPr>
+              <a:t> </a:t>
+            </a:r>
+            <a:r>
+              <a:rPr lang="en-US" sz="2400" dirty="0">
+                <a:effectLst/>
+                <a:latin typeface="Gisha" panose="020B0502040204020203" pitchFamily="34" charset="-79"/>
+                <a:ea typeface="Calibri" panose="020F0502020204030204" pitchFamily="34" charset="0"/>
+                <a:cs typeface="Arial" panose="020B0604020202020204" pitchFamily="34" charset="0"/>
+              </a:rPr>
+              <a:t>'</a:t>
+            </a:r>
+            <a:r>
+              <a:rPr lang="en-US" sz="2400" dirty="0" err="1">
+                <a:effectLst/>
+                <a:latin typeface="Gisha" panose="020B0502040204020203" pitchFamily="34" charset="-79"/>
+                <a:ea typeface="Calibri" panose="020F0502020204030204" pitchFamily="34" charset="0"/>
+                <a:cs typeface="Arial" panose="020B0604020202020204" pitchFamily="34" charset="0"/>
+              </a:rPr>
+              <a:t>merav</a:t>
+            </a:r>
+            <a:r>
+              <a:rPr lang="en-US" sz="2400" dirty="0">
+                <a:effectLst/>
+                <a:latin typeface="Gisha" panose="020B0502040204020203" pitchFamily="34" charset="-79"/>
+                <a:ea typeface="Calibri" panose="020F0502020204030204" pitchFamily="34" charset="0"/>
+                <a:cs typeface="Arial" panose="020B0604020202020204" pitchFamily="34" charset="0"/>
+              </a:rPr>
+              <a:t>'</a:t>
+            </a:r>
+            <a:endParaRPr lang="en-US" sz="2400" dirty="0">
+              <a:effectLst/>
+              <a:latin typeface="Calibri" panose="020F0502020204030204" pitchFamily="34" charset="0"/>
+              <a:ea typeface="Calibri" panose="020F0502020204030204" pitchFamily="34" charset="0"/>
+              <a:cs typeface="Arial" panose="020B0604020202020204" pitchFamily="34" charset="0"/>
+            </a:endParaRPr>
+          </a:p>
+          <a:p>
+            <a:pPr marL="685800" algn="r" rtl="1">
+              <a:lnSpc>
+                <a:spcPct val="115000"/>
+              </a:lnSpc>
+            </a:pPr>
             <a:endParaRPr lang="he-IL" dirty="0"/>
           </a:p>
         </p:txBody>
       </p:sp>
-      <p:pic>
-        <p:nvPicPr>
-          <p:cNvPr id="6" name="Content Placeholder 5">
-            <a:extLst>
-              <a:ext uri="{FF2B5EF4-FFF2-40B4-BE49-F238E27FC236}">
-                <a16:creationId xmlns:a16="http://schemas.microsoft.com/office/drawing/2014/main" id="{1DE11DA1-4D22-4A06-A476-7AE4CF95B4B5}"/>
-              </a:ext>
-            </a:extLst>
-          </p:cNvPr>
-          <p:cNvPicPr>
-            <a:picLocks noGrp="1" noChangeAspect="1"/>
-          </p:cNvPicPr>
-          <p:nvPr>
-            <p:ph idx="1"/>
-          </p:nvPr>
-        </p:nvPicPr>
-        <p:blipFill>
-          <a:blip r:embed="rId2"/>
-          <a:stretch>
-            <a:fillRect/>
-          </a:stretch>
-        </p:blipFill>
-        <p:spPr>
-          <a:xfrm>
-            <a:off x="838200" y="1646238"/>
-            <a:ext cx="8292662" cy="4513416"/>
-          </a:xfrm>
-        </p:spPr>
-      </p:pic>
       <p:sp>
         <p:nvSpPr>
           <p:cNvPr id="4" name="Footer Placeholder 3">
@@ -6247,7 +6219,7 @@
     </p:spTree>
     <p:extLst>
       <p:ext uri="{BB962C8B-B14F-4D97-AF65-F5344CB8AC3E}">
-        <p14:creationId xmlns:p14="http://schemas.microsoft.com/office/powerpoint/2010/main" val="287521807"/>
+        <p14:creationId xmlns:p14="http://schemas.microsoft.com/office/powerpoint/2010/main" val="330748617"/>
       </p:ext>
     </p:extLst>
   </p:cSld>
@@ -6292,36 +6264,18 @@
         </p:nvSpPr>
         <p:spPr/>
         <p:txBody>
-          <a:bodyPr>
-            <a:normAutofit/>
-          </a:bodyPr>
-          <a:lstStyle/>
-          <a:p>
-            <a:pPr algn="r" rtl="1"/>
-            <a:r>
-              <a:rPr lang="he-IL" b="1" i="0" u="none" strike="noStrike" baseline="0" dirty="0">
-                <a:latin typeface="Arial-BoldMT"/>
-              </a:rPr>
-              <a:t>שימוש בפעולות מתמטיות</a:t>
-            </a:r>
-            <a:br>
-              <a:rPr lang="he-IL" b="1" i="0" u="none" strike="noStrike" baseline="0" dirty="0">
-                <a:latin typeface="Arial-BoldMT"/>
-              </a:rPr>
-            </a:br>
-            <a:r>
-              <a:rPr lang="he-IL" sz="1800" b="0" i="0" u="none" strike="noStrike" baseline="0" dirty="0">
-                <a:latin typeface="ArialMT"/>
-              </a:rPr>
-              <a:t>ניתן לשלב פעולות חשבוניות כגון : חיבור ,חיסור ,כפל ,חילוק ועוד. בביצוע פעולות מתמטיות יתקבל שדה ללא כותרת, לכן מומלץ לתת </a:t>
-            </a:r>
-            <a:r>
-              <a:rPr lang="en-US" sz="1800" b="0" i="0" u="none" strike="noStrike" baseline="0" dirty="0">
-                <a:latin typeface="Arial" panose="020B0604020202020204" pitchFamily="34" charset="0"/>
-              </a:rPr>
+          <a:bodyPr/>
+          <a:lstStyle/>
+          <a:p>
+            <a:pPr algn="r"/>
+            <a:r>
+              <a:rPr lang="en-US" dirty="0"/>
               <a:t>Alias</a:t>
             </a:r>
-            <a:endParaRPr lang="he-IL" dirty="0"/>
+            <a:r>
+              <a:rPr lang="he-IL" dirty="0"/>
+              <a:t> מתן שמות חלופים לעמודה  -</a:t>
+            </a:r>
           </a:p>
         </p:txBody>
       </p:sp>
@@ -6330,7 +6284,7 @@
           <p:cNvPr id="6" name="Content Placeholder 5">
             <a:extLst>
               <a:ext uri="{FF2B5EF4-FFF2-40B4-BE49-F238E27FC236}">
-                <a16:creationId xmlns:a16="http://schemas.microsoft.com/office/drawing/2014/main" id="{7F900A67-CCB3-4D7D-97BC-60DDEBA48BCB}"/>
+                <a16:creationId xmlns:a16="http://schemas.microsoft.com/office/drawing/2014/main" id="{AA43A351-C1EF-46B5-B67F-5A74123AC500}"/>
               </a:ext>
             </a:extLst>
           </p:cNvPr>
@@ -6349,8 +6303,8 @@
         </p:blipFill>
         <p:spPr>
           <a:xfrm>
-            <a:off x="838200" y="1690688"/>
-            <a:ext cx="8400442" cy="4800253"/>
+            <a:off x="780393" y="1690688"/>
+            <a:ext cx="8582738" cy="4658853"/>
           </a:xfrm>
         </p:spPr>
       </p:pic>
@@ -6386,7 +6340,7 @@
     </p:spTree>
     <p:extLst>
       <p:ext uri="{BB962C8B-B14F-4D97-AF65-F5344CB8AC3E}">
-        <p14:creationId xmlns:p14="http://schemas.microsoft.com/office/powerpoint/2010/main" val="1518601561"/>
+        <p14:creationId xmlns:p14="http://schemas.microsoft.com/office/powerpoint/2010/main" val="1816459306"/>
       </p:ext>
     </p:extLst>
   </p:cSld>
@@ -6429,77 +6383,61 @@
             <p:ph type="title"/>
           </p:nvPr>
         </p:nvSpPr>
-        <p:spPr/>
+        <p:spPr>
+          <a:xfrm>
+            <a:off x="838200" y="365125"/>
+            <a:ext cx="10515600" cy="1281113"/>
+          </a:xfrm>
+        </p:spPr>
         <p:txBody>
           <a:bodyPr>
-            <a:normAutofit/>
+            <a:normAutofit fontScale="90000"/>
           </a:bodyPr>
           <a:lstStyle/>
           <a:p>
             <a:pPr algn="r" rtl="1"/>
             <a:r>
               <a:rPr lang="he-IL" dirty="0"/>
-              <a:t>כפילות של רשומות בטבלה -</a:t>
+              <a:t>שרשור שדות –</a:t>
             </a:r>
             <a:br>
               <a:rPr lang="he-IL" dirty="0"/>
             </a:br>
             <a:r>
-              <a:rPr lang="he-IL" sz="1800" dirty="0"/>
+              <a:rPr lang="he-IL" dirty="0"/>
               <a:t> </a:t>
             </a:r>
             <a:r>
               <a:rPr lang="he-IL" sz="1800" b="0" i="0" u="none" strike="noStrike" baseline="0" dirty="0">
                 <a:latin typeface="ArialMT"/>
               </a:rPr>
-              <a:t>בכדי למנוע חזרה של רשומות זהות בטבלה יש להשתמש ב  </a:t>
-            </a:r>
-            <a:r>
-              <a:rPr lang="en-US" sz="1800" b="0" i="0" u="none" strike="noStrike" baseline="0" dirty="0">
-                <a:latin typeface="ArialMT"/>
-              </a:rPr>
-              <a:t> </a:t>
-            </a:r>
-            <a:r>
-              <a:rPr lang="en-US" sz="1800" b="1" i="0" u="none" strike="noStrike" baseline="0" dirty="0">
-                <a:latin typeface="Arial" panose="020B0604020202020204" pitchFamily="34" charset="0"/>
-              </a:rPr>
-              <a:t>DISTINCT </a:t>
-            </a:r>
-            <a:r>
-              <a:rPr lang="he-IL" sz="1800" b="0" i="0" u="none" strike="noStrike" baseline="0" dirty="0">
-                <a:latin typeface="ArialMT"/>
-              </a:rPr>
-              <a:t>הפרמטר</a:t>
-            </a:r>
-            <a:r>
-              <a:rPr lang="en-US" sz="1800" b="0" i="0" u="none" strike="noStrike" baseline="0" dirty="0">
-                <a:latin typeface="Arial" panose="020B0604020202020204" pitchFamily="34" charset="0"/>
-              </a:rPr>
-              <a:t>DISTINCT </a:t>
+              <a:t>שרשור פירושו הצגת שילוב שדות כשדה אחד בפלט </a:t>
             </a:r>
             <a:r>
               <a:rPr lang="he-IL" sz="1800" b="0" i="0" u="none" strike="noStrike" baseline="0" dirty="0">
                 <a:latin typeface="Arial" panose="020B0604020202020204" pitchFamily="34" charset="0"/>
               </a:rPr>
-              <a:t> </a:t>
+              <a:t>. </a:t>
             </a:r>
             <a:r>
               <a:rPr lang="he-IL" sz="1800" b="0" i="0" u="none" strike="noStrike" baseline="0" dirty="0">
                 <a:latin typeface="ArialMT"/>
               </a:rPr>
-              <a:t>משמש לצורך הצגה של ערכים ייחודיים בלבד </a:t>
+              <a:t>כשם שניתן לשרשר שדות </a:t>
             </a:r>
             <a:r>
               <a:rPr lang="he-IL" sz="1800" b="0" i="0" u="none" strike="noStrike" baseline="0" dirty="0">
                 <a:latin typeface="Arial" panose="020B0604020202020204" pitchFamily="34" charset="0"/>
               </a:rPr>
-              <a:t>.</a:t>
-            </a:r>
-            <a:r>
-              <a:rPr lang="he-IL" sz="1800" dirty="0"/>
-              <a:t> </a:t>
-            </a:r>
+              <a:t>, </a:t>
+            </a:r>
+            <a:r>
+              <a:rPr lang="he-IL" sz="1800" b="0" i="0" u="none" strike="noStrike" baseline="0" dirty="0">
+                <a:latin typeface="ArialMT"/>
+              </a:rPr>
+              <a:t>אפשר לשרשר גם טקסט חופשי</a:t>
+            </a:r>
+            <a:endParaRPr lang="he-IL" dirty="0"/>
           </a:p>
         </p:txBody>
       </p:sp>
@@ -6508,7 +6446,7 @@
           <p:cNvPr id="6" name="Content Placeholder 5">
             <a:extLst>
               <a:ext uri="{FF2B5EF4-FFF2-40B4-BE49-F238E27FC236}">
-                <a16:creationId xmlns:a16="http://schemas.microsoft.com/office/drawing/2014/main" id="{5A4D4974-0FE2-49CA-8C19-D407A6D28DC8}"/>
+                <a16:creationId xmlns:a16="http://schemas.microsoft.com/office/drawing/2014/main" id="{1DE11DA1-4D22-4A06-A476-7AE4CF95B4B5}"/>
               </a:ext>
             </a:extLst>
           </p:cNvPr>
@@ -6527,8 +6465,8 @@
         </p:blipFill>
         <p:spPr>
           <a:xfrm>
-            <a:off x="838200" y="1690688"/>
-            <a:ext cx="8455572" cy="4903872"/>
+            <a:off x="838200" y="1646238"/>
+            <a:ext cx="8292662" cy="4513416"/>
           </a:xfrm>
         </p:spPr>
       </p:pic>
@@ -6564,7 +6502,7 @@
     </p:spTree>
     <p:extLst>
       <p:ext uri="{BB962C8B-B14F-4D97-AF65-F5344CB8AC3E}">
-        <p14:creationId xmlns:p14="http://schemas.microsoft.com/office/powerpoint/2010/main" val="883928861"/>
+        <p14:creationId xmlns:p14="http://schemas.microsoft.com/office/powerpoint/2010/main" val="287521807"/>
       </p:ext>
     </p:extLst>
   </p:cSld>
@@ -6616,353 +6554,61 @@
           <a:p>
             <a:pPr algn="r" rtl="1"/>
             <a:r>
-              <a:rPr lang="he-IL" dirty="0"/>
-              <a:t>סינון השאילתה – התניות  </a:t>
-            </a:r>
-            <a:r>
-              <a:rPr lang="en-US" dirty="0"/>
-              <a:t>where </a:t>
+              <a:rPr lang="he-IL" b="1" i="0" u="none" strike="noStrike" baseline="0" dirty="0">
+                <a:latin typeface="Arial-BoldMT"/>
+              </a:rPr>
+              <a:t>שימוש בפעולות מתמטיות</a:t>
             </a:r>
             <a:br>
-              <a:rPr lang="he-IL" dirty="0"/>
+              <a:rPr lang="he-IL" b="1" i="0" u="none" strike="noStrike" baseline="0" dirty="0">
+                <a:latin typeface="Arial-BoldMT"/>
+              </a:rPr>
             </a:br>
             <a:r>
               <a:rPr lang="he-IL" sz="1800" b="0" i="0" u="none" strike="noStrike" baseline="0" dirty="0">
                 <a:latin typeface="ArialMT"/>
               </a:rPr>
-              <a:t>סינון ,פילטר על משפט ה – </a:t>
+              <a:t>ניתן לשלב פעולות חשבוניות כגון : חיבור ,חיסור ,כפל ,חילוק ועוד. בביצוע פעולות מתמטיות יתקבל שדה ללא כותרת, לכן מומלץ לתת </a:t>
             </a:r>
             <a:r>
               <a:rPr lang="en-US" sz="1800" b="0" i="0" u="none" strike="noStrike" baseline="0" dirty="0">
                 <a:latin typeface="Arial" panose="020B0604020202020204" pitchFamily="34" charset="0"/>
               </a:rPr>
-              <a:t>select </a:t>
-            </a:r>
-            <a:r>
-              <a:rPr lang="en-US" sz="1800" b="0" i="0" u="none" strike="noStrike" baseline="0" dirty="0">
-                <a:latin typeface="ArialMT"/>
-              </a:rPr>
-              <a:t>.</a:t>
-            </a:r>
-            <a:br>
-              <a:rPr lang="en-US" sz="1800" b="0" i="0" u="none" strike="noStrike" baseline="0" dirty="0">
-                <a:latin typeface="ArialMT"/>
-              </a:rPr>
-            </a:br>
-            <a:r>
-              <a:rPr lang="he-IL" sz="1800" b="0" i="0" u="none" strike="noStrike" baseline="0" dirty="0">
-                <a:latin typeface="ArialMT"/>
-              </a:rPr>
-              <a:t>לאחר המילה </a:t>
-            </a:r>
-            <a:r>
-              <a:rPr lang="en-US" sz="1800" b="0" i="0" u="none" strike="noStrike" baseline="0" dirty="0">
-                <a:latin typeface="Arial" panose="020B0604020202020204" pitchFamily="34" charset="0"/>
-              </a:rPr>
-              <a:t>Where </a:t>
-            </a:r>
-            <a:r>
-              <a:rPr lang="he-IL" sz="1800" b="0" i="0" u="none" strike="noStrike" baseline="0" dirty="0">
-                <a:latin typeface="Arial" panose="020B0604020202020204" pitchFamily="34" charset="0"/>
-              </a:rPr>
-              <a:t> </a:t>
-            </a:r>
-            <a:r>
-              <a:rPr lang="he-IL" sz="1800" b="0" i="0" u="none" strike="noStrike" baseline="0" dirty="0">
-                <a:latin typeface="ArialMT"/>
-              </a:rPr>
-              <a:t>יופיע תנאי אחד או מספר תנאים אשר יגבילו את הרשומות החוזרות.</a:t>
+              <a:t>Alias</a:t>
             </a:r>
             <a:endParaRPr lang="he-IL" dirty="0"/>
           </a:p>
         </p:txBody>
       </p:sp>
-      <p:sp>
-        <p:nvSpPr>
-          <p:cNvPr id="3" name="Content Placeholder 2">
-            <a:extLst>
-              <a:ext uri="{FF2B5EF4-FFF2-40B4-BE49-F238E27FC236}">
-                <a16:creationId xmlns:a16="http://schemas.microsoft.com/office/drawing/2014/main" id="{3E0CD643-5062-49E7-9B33-0A24A2E3AEE0}"/>
-              </a:ext>
-            </a:extLst>
-          </p:cNvPr>
-          <p:cNvSpPr>
-            <a:spLocks noGrp="1"/>
-          </p:cNvSpPr>
+      <p:pic>
+        <p:nvPicPr>
+          <p:cNvPr id="6" name="Content Placeholder 5">
+            <a:extLst>
+              <a:ext uri="{FF2B5EF4-FFF2-40B4-BE49-F238E27FC236}">
+                <a16:creationId xmlns:a16="http://schemas.microsoft.com/office/drawing/2014/main" id="{7F900A67-CCB3-4D7D-97BC-60DDEBA48BCB}"/>
+              </a:ext>
+            </a:extLst>
+          </p:cNvPr>
+          <p:cNvPicPr>
+            <a:picLocks noGrp="1" noChangeAspect="1"/>
+          </p:cNvPicPr>
           <p:nvPr>
             <p:ph idx="1"/>
           </p:nvPr>
-        </p:nvSpPr>
-        <p:spPr/>
-        <p:txBody>
-          <a:bodyPr>
-            <a:normAutofit fontScale="92500" lnSpcReduction="10000"/>
-          </a:bodyPr>
-          <a:lstStyle/>
-          <a:p>
-            <a:pPr marL="685800" algn="r" rtl="1">
-              <a:lnSpc>
-                <a:spcPct val="115000"/>
-              </a:lnSpc>
-            </a:pPr>
-            <a:r>
-              <a:rPr lang="he-IL" sz="2400" dirty="0">
-                <a:effectLst/>
-                <a:latin typeface="Calibri" panose="020F0502020204030204" pitchFamily="34" charset="0"/>
-                <a:ea typeface="Calibri" panose="020F0502020204030204" pitchFamily="34" charset="0"/>
-                <a:cs typeface="Gisha" panose="020B0502040204020203" pitchFamily="34" charset="-79"/>
-              </a:rPr>
-              <a:t>על מנת למקד את </a:t>
-            </a:r>
-            <a:r>
-              <a:rPr lang="he-IL" sz="2400" dirty="0" err="1">
-                <a:effectLst/>
-                <a:latin typeface="Calibri" panose="020F0502020204030204" pitchFamily="34" charset="0"/>
-                <a:ea typeface="Calibri" panose="020F0502020204030204" pitchFamily="34" charset="0"/>
-                <a:cs typeface="Gisha" panose="020B0502040204020203" pitchFamily="34" charset="-79"/>
-              </a:rPr>
-              <a:t>השאילתא</a:t>
-            </a:r>
-            <a:r>
-              <a:rPr lang="he-IL" sz="2400" dirty="0">
-                <a:effectLst/>
-                <a:latin typeface="Calibri" panose="020F0502020204030204" pitchFamily="34" charset="0"/>
-                <a:ea typeface="Calibri" panose="020F0502020204030204" pitchFamily="34" charset="0"/>
-                <a:cs typeface="Gisha" panose="020B0502040204020203" pitchFamily="34" charset="-79"/>
-              </a:rPr>
-              <a:t> יש צורך לבצע סינונים:</a:t>
-            </a:r>
-            <a:endParaRPr lang="en-US" sz="2400" dirty="0">
-              <a:effectLst/>
-              <a:latin typeface="Calibri" panose="020F0502020204030204" pitchFamily="34" charset="0"/>
-              <a:ea typeface="Calibri" panose="020F0502020204030204" pitchFamily="34" charset="0"/>
-              <a:cs typeface="Arial" panose="020B0604020202020204" pitchFamily="34" charset="0"/>
-            </a:endParaRPr>
-          </a:p>
-          <a:p>
-            <a:pPr marL="685800" algn="r" rtl="1">
-              <a:lnSpc>
-                <a:spcPct val="115000"/>
-              </a:lnSpc>
-            </a:pPr>
-            <a:r>
-              <a:rPr lang="he-IL" sz="2400" b="1" u="sng" dirty="0">
-                <a:effectLst/>
-                <a:latin typeface="Calibri" panose="020F0502020204030204" pitchFamily="34" charset="0"/>
-                <a:ea typeface="Calibri" panose="020F0502020204030204" pitchFamily="34" charset="0"/>
-                <a:cs typeface="Gisha" panose="020B0502040204020203" pitchFamily="34" charset="-79"/>
-              </a:rPr>
-              <a:t>תחביר:</a:t>
-            </a:r>
-            <a:endParaRPr lang="en-US" sz="2400" dirty="0">
-              <a:effectLst/>
-              <a:latin typeface="Calibri" panose="020F0502020204030204" pitchFamily="34" charset="0"/>
-              <a:ea typeface="Calibri" panose="020F0502020204030204" pitchFamily="34" charset="0"/>
-              <a:cs typeface="Arial" panose="020B0604020202020204" pitchFamily="34" charset="0"/>
-            </a:endParaRPr>
-          </a:p>
-          <a:p>
-            <a:pPr marL="457200" indent="0" algn="l" rtl="0">
-              <a:lnSpc>
-                <a:spcPct val="115000"/>
-              </a:lnSpc>
-              <a:spcAft>
-                <a:spcPts val="1000"/>
-              </a:spcAft>
-              <a:buNone/>
-            </a:pPr>
-            <a:r>
-              <a:rPr lang="en-US" sz="2400" dirty="0">
-                <a:effectLst/>
-                <a:latin typeface="Gisha" panose="020B0502040204020203" pitchFamily="34" charset="-79"/>
-                <a:ea typeface="Calibri" panose="020F0502020204030204" pitchFamily="34" charset="0"/>
-                <a:cs typeface="Arial" panose="020B0604020202020204" pitchFamily="34" charset="0"/>
-              </a:rPr>
-              <a:t>Select * From </a:t>
-            </a:r>
-            <a:r>
-              <a:rPr lang="en-US" sz="2400" dirty="0" err="1">
-                <a:effectLst/>
-                <a:latin typeface="Gisha" panose="020B0502040204020203" pitchFamily="34" charset="-79"/>
-                <a:ea typeface="Calibri" panose="020F0502020204030204" pitchFamily="34" charset="0"/>
-                <a:cs typeface="Arial" panose="020B0604020202020204" pitchFamily="34" charset="0"/>
-              </a:rPr>
-              <a:t>Table_name</a:t>
-            </a:r>
-            <a:endParaRPr lang="en-US" sz="2400" dirty="0">
-              <a:effectLst/>
-              <a:latin typeface="Gisha" panose="020B0502040204020203" pitchFamily="34" charset="-79"/>
-              <a:ea typeface="Calibri" panose="020F0502020204030204" pitchFamily="34" charset="0"/>
-              <a:cs typeface="Arial" panose="020B0604020202020204" pitchFamily="34" charset="0"/>
-            </a:endParaRPr>
-          </a:p>
-          <a:p>
-            <a:pPr marL="457200" indent="0" algn="l" rtl="0">
-              <a:lnSpc>
-                <a:spcPct val="115000"/>
-              </a:lnSpc>
-              <a:spcAft>
-                <a:spcPts val="1000"/>
-              </a:spcAft>
-              <a:buNone/>
-            </a:pPr>
-            <a:r>
-              <a:rPr lang="en-US" sz="2400" b="1" dirty="0">
-                <a:effectLst/>
-                <a:latin typeface="Gisha" panose="020B0502040204020203" pitchFamily="34" charset="-79"/>
-                <a:ea typeface="Calibri" panose="020F0502020204030204" pitchFamily="34" charset="0"/>
-                <a:cs typeface="Arial" panose="020B0604020202020204" pitchFamily="34" charset="0"/>
-              </a:rPr>
-              <a:t>Where</a:t>
-            </a:r>
-            <a:r>
-              <a:rPr lang="en-US" sz="2400" dirty="0">
-                <a:effectLst/>
-                <a:latin typeface="Gisha" panose="020B0502040204020203" pitchFamily="34" charset="-79"/>
-                <a:ea typeface="Calibri" panose="020F0502020204030204" pitchFamily="34" charset="0"/>
-                <a:cs typeface="Arial" panose="020B0604020202020204" pitchFamily="34" charset="0"/>
-              </a:rPr>
-              <a:t> X=Y </a:t>
-            </a:r>
-            <a:r>
-              <a:rPr lang="en-US" sz="2400" b="1" dirty="0">
-                <a:effectLst/>
-                <a:latin typeface="Gisha" panose="020B0502040204020203" pitchFamily="34" charset="-79"/>
-                <a:ea typeface="Calibri" panose="020F0502020204030204" pitchFamily="34" charset="0"/>
-                <a:cs typeface="Arial" panose="020B0604020202020204" pitchFamily="34" charset="0"/>
-              </a:rPr>
-              <a:t>And</a:t>
-            </a:r>
-            <a:r>
-              <a:rPr lang="en-US" sz="2400" dirty="0">
-                <a:effectLst/>
-                <a:latin typeface="Gisha" panose="020B0502040204020203" pitchFamily="34" charset="-79"/>
-                <a:ea typeface="Calibri" panose="020F0502020204030204" pitchFamily="34" charset="0"/>
-                <a:cs typeface="Arial" panose="020B0604020202020204" pitchFamily="34" charset="0"/>
-              </a:rPr>
-              <a:t> Y&gt;Z</a:t>
-            </a:r>
-            <a:endParaRPr lang="en-US" sz="2400" dirty="0">
-              <a:effectLst/>
-              <a:latin typeface="Calibri" panose="020F0502020204030204" pitchFamily="34" charset="0"/>
-              <a:ea typeface="Calibri" panose="020F0502020204030204" pitchFamily="34" charset="0"/>
-              <a:cs typeface="Arial" panose="020B0604020202020204" pitchFamily="34" charset="0"/>
-            </a:endParaRPr>
-          </a:p>
-          <a:p>
-            <a:pPr marL="457200" indent="0" algn="l" rtl="0">
-              <a:lnSpc>
-                <a:spcPct val="115000"/>
-              </a:lnSpc>
-              <a:spcAft>
-                <a:spcPts val="1000"/>
-              </a:spcAft>
-              <a:buNone/>
-            </a:pPr>
-            <a:r>
-              <a:rPr lang="en-US" sz="2400" dirty="0">
-                <a:effectLst/>
-                <a:latin typeface="Gisha" panose="020B0502040204020203" pitchFamily="34" charset="-79"/>
-                <a:ea typeface="Calibri" panose="020F0502020204030204" pitchFamily="34" charset="0"/>
-                <a:cs typeface="Arial" panose="020B0604020202020204" pitchFamily="34" charset="0"/>
-              </a:rPr>
-              <a:t>And …</a:t>
-            </a:r>
-            <a:endParaRPr lang="en-US" sz="2400" dirty="0">
-              <a:effectLst/>
-              <a:latin typeface="Calibri" panose="020F0502020204030204" pitchFamily="34" charset="0"/>
-              <a:ea typeface="Calibri" panose="020F0502020204030204" pitchFamily="34" charset="0"/>
-              <a:cs typeface="Arial" panose="020B0604020202020204" pitchFamily="34" charset="0"/>
-            </a:endParaRPr>
-          </a:p>
-          <a:p>
-            <a:pPr marL="685800" algn="r" rtl="1">
-              <a:lnSpc>
-                <a:spcPct val="115000"/>
-              </a:lnSpc>
-            </a:pPr>
-            <a:r>
-              <a:rPr lang="he-IL" sz="2400" dirty="0">
-                <a:effectLst/>
-                <a:latin typeface="Calibri" panose="020F0502020204030204" pitchFamily="34" charset="0"/>
-                <a:ea typeface="Calibri" panose="020F0502020204030204" pitchFamily="34" charset="0"/>
-                <a:cs typeface="Gisha" panose="020B0502040204020203" pitchFamily="34" charset="-79"/>
-              </a:rPr>
-              <a:t>דגשים- כאשר ממבצעים התניה/השוואה בין 2 שדות- הן חייבות להיות מאותו הסוג (זה יכול לעבוד עד אשר יהיה ערך שונה).** למשל קוד שמוגדר כמחרוזת ויש לו תחילית של 0</a:t>
-            </a:r>
-            <a:endParaRPr lang="en-US" sz="2400" dirty="0">
-              <a:effectLst/>
-              <a:latin typeface="Calibri" panose="020F0502020204030204" pitchFamily="34" charset="0"/>
-              <a:ea typeface="Calibri" panose="020F0502020204030204" pitchFamily="34" charset="0"/>
-              <a:cs typeface="Arial" panose="020B0604020202020204" pitchFamily="34" charset="0"/>
-            </a:endParaRPr>
-          </a:p>
-          <a:p>
-            <a:pPr marL="685800" algn="r" rtl="1">
-              <a:lnSpc>
-                <a:spcPct val="115000"/>
-              </a:lnSpc>
-              <a:spcAft>
-                <a:spcPts val="1000"/>
-              </a:spcAft>
-            </a:pPr>
-            <a:r>
-              <a:rPr lang="he-IL" sz="2400" dirty="0">
-                <a:effectLst/>
-                <a:latin typeface="Calibri" panose="020F0502020204030204" pitchFamily="34" charset="0"/>
-                <a:ea typeface="Calibri" panose="020F0502020204030204" pitchFamily="34" charset="0"/>
-                <a:cs typeface="Gisha" panose="020B0502040204020203" pitchFamily="34" charset="-79"/>
-              </a:rPr>
-              <a:t>תנאים פשוטים: (=, &lt;, &lt;=, &gt;, =&gt;, &gt;&lt; , =! ,  </a:t>
-            </a:r>
-            <a:r>
-              <a:rPr lang="en-US" sz="2400" dirty="0">
-                <a:effectLst/>
-                <a:latin typeface="Gisha" panose="020B0502040204020203" pitchFamily="34" charset="-79"/>
-                <a:ea typeface="Calibri" panose="020F0502020204030204" pitchFamily="34" charset="0"/>
-                <a:cs typeface="Arial" panose="020B0604020202020204" pitchFamily="34" charset="0"/>
-              </a:rPr>
-              <a:t>between</a:t>
-            </a:r>
-            <a:r>
-              <a:rPr lang="he-IL" sz="2400" dirty="0">
-                <a:effectLst/>
-                <a:latin typeface="Calibri" panose="020F0502020204030204" pitchFamily="34" charset="0"/>
-                <a:ea typeface="Calibri" panose="020F0502020204030204" pitchFamily="34" charset="0"/>
-                <a:cs typeface="Gisha" panose="020B0502040204020203" pitchFamily="34" charset="-79"/>
-              </a:rPr>
-              <a:t>, </a:t>
-            </a:r>
-            <a:r>
-              <a:rPr lang="en-US" sz="2400" dirty="0">
-                <a:effectLst/>
-                <a:latin typeface="Gisha" panose="020B0502040204020203" pitchFamily="34" charset="-79"/>
-                <a:ea typeface="Calibri" panose="020F0502020204030204" pitchFamily="34" charset="0"/>
-                <a:cs typeface="Arial" panose="020B0604020202020204" pitchFamily="34" charset="0"/>
-              </a:rPr>
-              <a:t>in </a:t>
-            </a:r>
-            <a:r>
-              <a:rPr lang="he-IL" sz="2400" dirty="0">
-                <a:effectLst/>
-                <a:latin typeface="Calibri" panose="020F0502020204030204" pitchFamily="34" charset="0"/>
-                <a:ea typeface="Calibri" panose="020F0502020204030204" pitchFamily="34" charset="0"/>
-                <a:cs typeface="Gisha" panose="020B0502040204020203" pitchFamily="34" charset="-79"/>
-              </a:rPr>
-              <a:t>)</a:t>
-            </a:r>
-            <a:endParaRPr lang="en-US" sz="2400" dirty="0">
-              <a:effectLst/>
-              <a:latin typeface="Calibri" panose="020F0502020204030204" pitchFamily="34" charset="0"/>
-              <a:ea typeface="Calibri" panose="020F0502020204030204" pitchFamily="34" charset="0"/>
-              <a:cs typeface="Arial" panose="020B0604020202020204" pitchFamily="34" charset="0"/>
-            </a:endParaRPr>
-          </a:p>
-          <a:p>
-            <a:endParaRPr lang="he-IL" dirty="0"/>
-          </a:p>
-        </p:txBody>
-      </p:sp>
+        </p:nvPicPr>
+        <p:blipFill>
+          <a:blip r:embed="rId2"/>
+          <a:stretch>
+            <a:fillRect/>
+          </a:stretch>
+        </p:blipFill>
+        <p:spPr>
+          <a:xfrm>
+            <a:off x="838200" y="1690688"/>
+            <a:ext cx="8400442" cy="4800253"/>
+          </a:xfrm>
+        </p:spPr>
+      </p:pic>
       <p:sp>
         <p:nvSpPr>
           <p:cNvPr id="4" name="Footer Placeholder 3">
@@ -6995,7 +6641,7 @@
     </p:spTree>
     <p:extLst>
       <p:ext uri="{BB962C8B-B14F-4D97-AF65-F5344CB8AC3E}">
-        <p14:creationId xmlns:p14="http://schemas.microsoft.com/office/powerpoint/2010/main" val="673574206"/>
+        <p14:creationId xmlns:p14="http://schemas.microsoft.com/office/powerpoint/2010/main" val="1518601561"/>
       </p:ext>
     </p:extLst>
   </p:cSld>
@@ -7278,13 +6924,74 @@
         </p:nvSpPr>
         <p:spPr/>
         <p:txBody>
-          <a:bodyPr/>
-          <a:lstStyle/>
-          <a:p>
-            <a:pPr algn="r"/>
+          <a:bodyPr>
+            <a:normAutofit/>
+          </a:bodyPr>
+          <a:lstStyle/>
+          <a:p>
+            <a:pPr algn="r" rtl="1"/>
             <a:r>
               <a:rPr lang="he-IL" dirty="0"/>
-              <a:t>התניות דוגמא</a:t>
+              <a:t>כפילות של רשומות בטבלה -</a:t>
+            </a:r>
+            <a:br>
+              <a:rPr lang="he-IL" dirty="0"/>
+            </a:br>
+            <a:r>
+              <a:rPr lang="he-IL" sz="1800" dirty="0"/>
+              <a:t> </a:t>
+            </a:r>
+            <a:r>
+              <a:rPr lang="he-IL" sz="1800" b="0" i="0" u="none" strike="noStrike" baseline="0" dirty="0">
+                <a:latin typeface="ArialMT"/>
+              </a:rPr>
+              <a:t>בכדי למנוע חזרה של רשומות זהות בטבלה יש להשתמש ב  </a:t>
+            </a:r>
+            <a:r>
+              <a:rPr lang="en-US" sz="1800" b="0" i="0" u="none" strike="noStrike" baseline="0" dirty="0">
+                <a:latin typeface="ArialMT"/>
+              </a:rPr>
+              <a:t> </a:t>
+            </a:r>
+            <a:r>
+              <a:rPr lang="en-US" sz="1800" b="1" i="0" u="none" strike="noStrike" baseline="0" dirty="0">
+                <a:latin typeface="Arial" panose="020B0604020202020204" pitchFamily="34" charset="0"/>
+              </a:rPr>
+              <a:t>DISTINCT </a:t>
+            </a:r>
+            <a:r>
+              <a:rPr lang="he-IL" sz="1800" b="0" i="0" u="none" strike="noStrike" baseline="0" dirty="0">
+                <a:latin typeface="ArialMT"/>
+              </a:rPr>
+              <a:t>הפרמטר</a:t>
+            </a:r>
+            <a:r>
+              <a:rPr lang="en-US" sz="1800" b="0" i="0" u="none" strike="noStrike" baseline="0" dirty="0">
+                <a:latin typeface="Arial" panose="020B0604020202020204" pitchFamily="34" charset="0"/>
+              </a:rPr>
+              <a:t>DISTINCT </a:t>
+            </a:r>
+            <a:r>
+              <a:rPr lang="he-IL" sz="1800" b="0" i="0" u="none" strike="noStrike" baseline="0" dirty="0">
+                <a:latin typeface="Arial" panose="020B0604020202020204" pitchFamily="34" charset="0"/>
+              </a:rPr>
+              <a:t> </a:t>
+            </a:r>
+            <a:r>
+              <a:rPr lang="he-IL" sz="1800" b="0" i="0" u="none" strike="noStrike" baseline="0" dirty="0">
+                <a:latin typeface="ArialMT"/>
+              </a:rPr>
+              <a:t>משמש לצורך הצגה של ערכים ייחודיים בלבד </a:t>
+            </a:r>
+            <a:r>
+              <a:rPr lang="he-IL" sz="1800" b="0" i="0" u="none" strike="noStrike" baseline="0" dirty="0">
+                <a:latin typeface="Arial" panose="020B0604020202020204" pitchFamily="34" charset="0"/>
+              </a:rPr>
+              <a:t>.</a:t>
+            </a:r>
+            <a:r>
+              <a:rPr lang="he-IL" sz="1800" dirty="0"/>
+              <a:t> </a:t>
             </a:r>
           </a:p>
         </p:txBody>
@@ -7294,7 +7001,7 @@
           <p:cNvPr id="6" name="Content Placeholder 5">
             <a:extLst>
               <a:ext uri="{FF2B5EF4-FFF2-40B4-BE49-F238E27FC236}">
-                <a16:creationId xmlns:a16="http://schemas.microsoft.com/office/drawing/2014/main" id="{8F8C899C-3B7D-4B2D-8AC7-BB5D0E7D4702}"/>
+                <a16:creationId xmlns:a16="http://schemas.microsoft.com/office/drawing/2014/main" id="{5A4D4974-0FE2-49CA-8C19-D407A6D28DC8}"/>
               </a:ext>
             </a:extLst>
           </p:cNvPr>
@@ -7314,7 +7021,7 @@
         <p:spPr>
           <a:xfrm>
             <a:off x="838200" y="1690688"/>
-            <a:ext cx="8952186" cy="4909071"/>
+            <a:ext cx="8455572" cy="4903872"/>
           </a:xfrm>
         </p:spPr>
       </p:pic>
@@ -7350,7 +7057,7 @@
     </p:spTree>
     <p:extLst>
       <p:ext uri="{BB962C8B-B14F-4D97-AF65-F5344CB8AC3E}">
-        <p14:creationId xmlns:p14="http://schemas.microsoft.com/office/powerpoint/2010/main" val="2412040669"/>
+        <p14:creationId xmlns:p14="http://schemas.microsoft.com/office/powerpoint/2010/main" val="883928861"/>
       </p:ext>
     </p:extLst>
   </p:cSld>
@@ -7395,6 +7102,554 @@
         </p:nvSpPr>
         <p:spPr/>
         <p:txBody>
+          <a:bodyPr>
+            <a:normAutofit/>
+          </a:bodyPr>
+          <a:lstStyle/>
+          <a:p>
+            <a:pPr algn="r" rtl="1"/>
+            <a:r>
+              <a:rPr lang="he-IL" dirty="0"/>
+              <a:t>סינון השאילתה – התניות  </a:t>
+            </a:r>
+            <a:r>
+              <a:rPr lang="en-US" dirty="0"/>
+              <a:t>where </a:t>
+            </a:r>
+            <a:br>
+              <a:rPr lang="he-IL" dirty="0"/>
+            </a:br>
+            <a:r>
+              <a:rPr lang="he-IL" sz="1800" b="0" i="0" u="none" strike="noStrike" baseline="0" dirty="0">
+                <a:latin typeface="ArialMT"/>
+              </a:rPr>
+              <a:t>סינון ,פילטר על משפט ה – </a:t>
+            </a:r>
+            <a:r>
+              <a:rPr lang="en-US" sz="1800" b="0" i="0" u="none" strike="noStrike" baseline="0" dirty="0">
+                <a:latin typeface="Arial" panose="020B0604020202020204" pitchFamily="34" charset="0"/>
+              </a:rPr>
+              <a:t>select </a:t>
+            </a:r>
+            <a:r>
+              <a:rPr lang="en-US" sz="1800" b="0" i="0" u="none" strike="noStrike" baseline="0" dirty="0">
+                <a:latin typeface="ArialMT"/>
+              </a:rPr>
+              <a:t>.</a:t>
+            </a:r>
+            <a:br>
+              <a:rPr lang="en-US" sz="1800" b="0" i="0" u="none" strike="noStrike" baseline="0" dirty="0">
+                <a:latin typeface="ArialMT"/>
+              </a:rPr>
+            </a:br>
+            <a:r>
+              <a:rPr lang="he-IL" sz="1800" b="0" i="0" u="none" strike="noStrike" baseline="0" dirty="0">
+                <a:latin typeface="ArialMT"/>
+              </a:rPr>
+              <a:t>לאחר המילה </a:t>
+            </a:r>
+            <a:r>
+              <a:rPr lang="en-US" sz="1800" b="0" i="0" u="none" strike="noStrike" baseline="0" dirty="0">
+                <a:latin typeface="Arial" panose="020B0604020202020204" pitchFamily="34" charset="0"/>
+              </a:rPr>
+              <a:t>Where </a:t>
+            </a:r>
+            <a:r>
+              <a:rPr lang="he-IL" sz="1800" b="0" i="0" u="none" strike="noStrike" baseline="0" dirty="0">
+                <a:latin typeface="Arial" panose="020B0604020202020204" pitchFamily="34" charset="0"/>
+              </a:rPr>
+              <a:t> </a:t>
+            </a:r>
+            <a:r>
+              <a:rPr lang="he-IL" sz="1800" b="0" i="0" u="none" strike="noStrike" baseline="0" dirty="0">
+                <a:latin typeface="ArialMT"/>
+              </a:rPr>
+              <a:t>יופיע תנאי אחד או מספר תנאים אשר יגבילו את הרשומות החוזרות.</a:t>
+            </a:r>
+            <a:endParaRPr lang="he-IL" dirty="0"/>
+          </a:p>
+        </p:txBody>
+      </p:sp>
+      <p:sp>
+        <p:nvSpPr>
+          <p:cNvPr id="3" name="Content Placeholder 2">
+            <a:extLst>
+              <a:ext uri="{FF2B5EF4-FFF2-40B4-BE49-F238E27FC236}">
+                <a16:creationId xmlns:a16="http://schemas.microsoft.com/office/drawing/2014/main" id="{3E0CD643-5062-49E7-9B33-0A24A2E3AEE0}"/>
+              </a:ext>
+            </a:extLst>
+          </p:cNvPr>
+          <p:cNvSpPr>
+            <a:spLocks noGrp="1"/>
+          </p:cNvSpPr>
+          <p:nvPr>
+            <p:ph idx="1"/>
+          </p:nvPr>
+        </p:nvSpPr>
+        <p:spPr/>
+        <p:txBody>
+          <a:bodyPr>
+            <a:normAutofit fontScale="92500" lnSpcReduction="10000"/>
+          </a:bodyPr>
+          <a:lstStyle/>
+          <a:p>
+            <a:pPr marL="685800" algn="r" rtl="1">
+              <a:lnSpc>
+                <a:spcPct val="115000"/>
+              </a:lnSpc>
+            </a:pPr>
+            <a:r>
+              <a:rPr lang="he-IL" sz="2400" dirty="0">
+                <a:effectLst/>
+                <a:latin typeface="Calibri" panose="020F0502020204030204" pitchFamily="34" charset="0"/>
+                <a:ea typeface="Calibri" panose="020F0502020204030204" pitchFamily="34" charset="0"/>
+                <a:cs typeface="Gisha" panose="020B0502040204020203" pitchFamily="34" charset="-79"/>
+              </a:rPr>
+              <a:t>על מנת למקד את </a:t>
+            </a:r>
+            <a:r>
+              <a:rPr lang="he-IL" sz="2400" dirty="0" err="1">
+                <a:effectLst/>
+                <a:latin typeface="Calibri" panose="020F0502020204030204" pitchFamily="34" charset="0"/>
+                <a:ea typeface="Calibri" panose="020F0502020204030204" pitchFamily="34" charset="0"/>
+                <a:cs typeface="Gisha" panose="020B0502040204020203" pitchFamily="34" charset="-79"/>
+              </a:rPr>
+              <a:t>השאילתא</a:t>
+            </a:r>
+            <a:r>
+              <a:rPr lang="he-IL" sz="2400" dirty="0">
+                <a:effectLst/>
+                <a:latin typeface="Calibri" panose="020F0502020204030204" pitchFamily="34" charset="0"/>
+                <a:ea typeface="Calibri" panose="020F0502020204030204" pitchFamily="34" charset="0"/>
+                <a:cs typeface="Gisha" panose="020B0502040204020203" pitchFamily="34" charset="-79"/>
+              </a:rPr>
+              <a:t> יש צורך לבצע סינונים:</a:t>
+            </a:r>
+            <a:endParaRPr lang="en-US" sz="2400" dirty="0">
+              <a:effectLst/>
+              <a:latin typeface="Calibri" panose="020F0502020204030204" pitchFamily="34" charset="0"/>
+              <a:ea typeface="Calibri" panose="020F0502020204030204" pitchFamily="34" charset="0"/>
+              <a:cs typeface="Arial" panose="020B0604020202020204" pitchFamily="34" charset="0"/>
+            </a:endParaRPr>
+          </a:p>
+          <a:p>
+            <a:pPr marL="685800" algn="r" rtl="1">
+              <a:lnSpc>
+                <a:spcPct val="115000"/>
+              </a:lnSpc>
+            </a:pPr>
+            <a:r>
+              <a:rPr lang="he-IL" sz="2400" b="1" u="sng" dirty="0">
+                <a:effectLst/>
+                <a:latin typeface="Calibri" panose="020F0502020204030204" pitchFamily="34" charset="0"/>
+                <a:ea typeface="Calibri" panose="020F0502020204030204" pitchFamily="34" charset="0"/>
+                <a:cs typeface="Gisha" panose="020B0502040204020203" pitchFamily="34" charset="-79"/>
+              </a:rPr>
+              <a:t>תחביר:</a:t>
+            </a:r>
+            <a:endParaRPr lang="en-US" sz="2400" dirty="0">
+              <a:effectLst/>
+              <a:latin typeface="Calibri" panose="020F0502020204030204" pitchFamily="34" charset="0"/>
+              <a:ea typeface="Calibri" panose="020F0502020204030204" pitchFamily="34" charset="0"/>
+              <a:cs typeface="Arial" panose="020B0604020202020204" pitchFamily="34" charset="0"/>
+            </a:endParaRPr>
+          </a:p>
+          <a:p>
+            <a:pPr marL="457200" indent="0" algn="l" rtl="0">
+              <a:lnSpc>
+                <a:spcPct val="115000"/>
+              </a:lnSpc>
+              <a:spcAft>
+                <a:spcPts val="1000"/>
+              </a:spcAft>
+              <a:buNone/>
+            </a:pPr>
+            <a:r>
+              <a:rPr lang="en-US" sz="2400" dirty="0">
+                <a:effectLst/>
+                <a:latin typeface="Gisha" panose="020B0502040204020203" pitchFamily="34" charset="-79"/>
+                <a:ea typeface="Calibri" panose="020F0502020204030204" pitchFamily="34" charset="0"/>
+                <a:cs typeface="Arial" panose="020B0604020202020204" pitchFamily="34" charset="0"/>
+              </a:rPr>
+              <a:t>Select * From </a:t>
+            </a:r>
+            <a:r>
+              <a:rPr lang="en-US" sz="2400" dirty="0" err="1">
+                <a:effectLst/>
+                <a:latin typeface="Gisha" panose="020B0502040204020203" pitchFamily="34" charset="-79"/>
+                <a:ea typeface="Calibri" panose="020F0502020204030204" pitchFamily="34" charset="0"/>
+                <a:cs typeface="Arial" panose="020B0604020202020204" pitchFamily="34" charset="0"/>
+              </a:rPr>
+              <a:t>Table_name</a:t>
+            </a:r>
+            <a:endParaRPr lang="en-US" sz="2400" dirty="0">
+              <a:effectLst/>
+              <a:latin typeface="Gisha" panose="020B0502040204020203" pitchFamily="34" charset="-79"/>
+              <a:ea typeface="Calibri" panose="020F0502020204030204" pitchFamily="34" charset="0"/>
+              <a:cs typeface="Arial" panose="020B0604020202020204" pitchFamily="34" charset="0"/>
+            </a:endParaRPr>
+          </a:p>
+          <a:p>
+            <a:pPr marL="457200" indent="0" algn="l" rtl="0">
+              <a:lnSpc>
+                <a:spcPct val="115000"/>
+              </a:lnSpc>
+              <a:spcAft>
+                <a:spcPts val="1000"/>
+              </a:spcAft>
+              <a:buNone/>
+            </a:pPr>
+            <a:r>
+              <a:rPr lang="en-US" sz="2400" b="1" dirty="0">
+                <a:effectLst/>
+                <a:latin typeface="Gisha" panose="020B0502040204020203" pitchFamily="34" charset="-79"/>
+                <a:ea typeface="Calibri" panose="020F0502020204030204" pitchFamily="34" charset="0"/>
+                <a:cs typeface="Arial" panose="020B0604020202020204" pitchFamily="34" charset="0"/>
+              </a:rPr>
+              <a:t>Where</a:t>
+            </a:r>
+            <a:r>
+              <a:rPr lang="en-US" sz="2400" dirty="0">
+                <a:effectLst/>
+                <a:latin typeface="Gisha" panose="020B0502040204020203" pitchFamily="34" charset="-79"/>
+                <a:ea typeface="Calibri" panose="020F0502020204030204" pitchFamily="34" charset="0"/>
+                <a:cs typeface="Arial" panose="020B0604020202020204" pitchFamily="34" charset="0"/>
+              </a:rPr>
+              <a:t> X=Y </a:t>
+            </a:r>
+            <a:r>
+              <a:rPr lang="en-US" sz="2400" b="1" dirty="0">
+                <a:effectLst/>
+                <a:latin typeface="Gisha" panose="020B0502040204020203" pitchFamily="34" charset="-79"/>
+                <a:ea typeface="Calibri" panose="020F0502020204030204" pitchFamily="34" charset="0"/>
+                <a:cs typeface="Arial" panose="020B0604020202020204" pitchFamily="34" charset="0"/>
+              </a:rPr>
+              <a:t>And</a:t>
+            </a:r>
+            <a:r>
+              <a:rPr lang="en-US" sz="2400" dirty="0">
+                <a:effectLst/>
+                <a:latin typeface="Gisha" panose="020B0502040204020203" pitchFamily="34" charset="-79"/>
+                <a:ea typeface="Calibri" panose="020F0502020204030204" pitchFamily="34" charset="0"/>
+                <a:cs typeface="Arial" panose="020B0604020202020204" pitchFamily="34" charset="0"/>
+              </a:rPr>
+              <a:t> Y&gt;Z</a:t>
+            </a:r>
+            <a:endParaRPr lang="en-US" sz="2400" dirty="0">
+              <a:effectLst/>
+              <a:latin typeface="Calibri" panose="020F0502020204030204" pitchFamily="34" charset="0"/>
+              <a:ea typeface="Calibri" panose="020F0502020204030204" pitchFamily="34" charset="0"/>
+              <a:cs typeface="Arial" panose="020B0604020202020204" pitchFamily="34" charset="0"/>
+            </a:endParaRPr>
+          </a:p>
+          <a:p>
+            <a:pPr marL="457200" indent="0" algn="l" rtl="0">
+              <a:lnSpc>
+                <a:spcPct val="115000"/>
+              </a:lnSpc>
+              <a:spcAft>
+                <a:spcPts val="1000"/>
+              </a:spcAft>
+              <a:buNone/>
+            </a:pPr>
+            <a:r>
+              <a:rPr lang="en-US" sz="2400" dirty="0">
+                <a:effectLst/>
+                <a:latin typeface="Gisha" panose="020B0502040204020203" pitchFamily="34" charset="-79"/>
+                <a:ea typeface="Calibri" panose="020F0502020204030204" pitchFamily="34" charset="0"/>
+                <a:cs typeface="Arial" panose="020B0604020202020204" pitchFamily="34" charset="0"/>
+              </a:rPr>
+              <a:t>And …</a:t>
+            </a:r>
+            <a:endParaRPr lang="en-US" sz="2400" dirty="0">
+              <a:effectLst/>
+              <a:latin typeface="Calibri" panose="020F0502020204030204" pitchFamily="34" charset="0"/>
+              <a:ea typeface="Calibri" panose="020F0502020204030204" pitchFamily="34" charset="0"/>
+              <a:cs typeface="Arial" panose="020B0604020202020204" pitchFamily="34" charset="0"/>
+            </a:endParaRPr>
+          </a:p>
+          <a:p>
+            <a:pPr marL="685800" algn="r" rtl="1">
+              <a:lnSpc>
+                <a:spcPct val="115000"/>
+              </a:lnSpc>
+            </a:pPr>
+            <a:r>
+              <a:rPr lang="he-IL" sz="2400" dirty="0">
+                <a:effectLst/>
+                <a:latin typeface="Calibri" panose="020F0502020204030204" pitchFamily="34" charset="0"/>
+                <a:ea typeface="Calibri" panose="020F0502020204030204" pitchFamily="34" charset="0"/>
+                <a:cs typeface="Gisha" panose="020B0502040204020203" pitchFamily="34" charset="-79"/>
+              </a:rPr>
+              <a:t>דגשים- כאשר ממבצעים התניה/השוואה בין 2 שדות- הן חייבות להיות מאותו הסוג (זה יכול לעבוד עד אשר יהיה ערך שונה).** למשל קוד שמוגדר כמחרוזת ויש לו תחילית של 0</a:t>
+            </a:r>
+            <a:endParaRPr lang="en-US" sz="2400" dirty="0">
+              <a:effectLst/>
+              <a:latin typeface="Calibri" panose="020F0502020204030204" pitchFamily="34" charset="0"/>
+              <a:ea typeface="Calibri" panose="020F0502020204030204" pitchFamily="34" charset="0"/>
+              <a:cs typeface="Arial" panose="020B0604020202020204" pitchFamily="34" charset="0"/>
+            </a:endParaRPr>
+          </a:p>
+          <a:p>
+            <a:pPr marL="685800" algn="r" rtl="1">
+              <a:lnSpc>
+                <a:spcPct val="115000"/>
+              </a:lnSpc>
+              <a:spcAft>
+                <a:spcPts val="1000"/>
+              </a:spcAft>
+            </a:pPr>
+            <a:r>
+              <a:rPr lang="he-IL" sz="2400" dirty="0">
+                <a:effectLst/>
+                <a:latin typeface="Calibri" panose="020F0502020204030204" pitchFamily="34" charset="0"/>
+                <a:ea typeface="Calibri" panose="020F0502020204030204" pitchFamily="34" charset="0"/>
+                <a:cs typeface="Gisha" panose="020B0502040204020203" pitchFamily="34" charset="-79"/>
+              </a:rPr>
+              <a:t>תנאים פשוטים: (=, &lt;, &lt;=, &gt;, =&gt;, &gt;&lt; , =! ,  </a:t>
+            </a:r>
+            <a:r>
+              <a:rPr lang="en-US" sz="2400" dirty="0">
+                <a:effectLst/>
+                <a:latin typeface="Gisha" panose="020B0502040204020203" pitchFamily="34" charset="-79"/>
+                <a:ea typeface="Calibri" panose="020F0502020204030204" pitchFamily="34" charset="0"/>
+                <a:cs typeface="Arial" panose="020B0604020202020204" pitchFamily="34" charset="0"/>
+              </a:rPr>
+              <a:t>between</a:t>
+            </a:r>
+            <a:r>
+              <a:rPr lang="he-IL" sz="2400" dirty="0">
+                <a:effectLst/>
+                <a:latin typeface="Calibri" panose="020F0502020204030204" pitchFamily="34" charset="0"/>
+                <a:ea typeface="Calibri" panose="020F0502020204030204" pitchFamily="34" charset="0"/>
+                <a:cs typeface="Gisha" panose="020B0502040204020203" pitchFamily="34" charset="-79"/>
+              </a:rPr>
+              <a:t>, </a:t>
+            </a:r>
+            <a:r>
+              <a:rPr lang="en-US" sz="2400" dirty="0">
+                <a:effectLst/>
+                <a:latin typeface="Gisha" panose="020B0502040204020203" pitchFamily="34" charset="-79"/>
+                <a:ea typeface="Calibri" panose="020F0502020204030204" pitchFamily="34" charset="0"/>
+                <a:cs typeface="Arial" panose="020B0604020202020204" pitchFamily="34" charset="0"/>
+              </a:rPr>
+              <a:t>in </a:t>
+            </a:r>
+            <a:r>
+              <a:rPr lang="he-IL" sz="2400" dirty="0">
+                <a:effectLst/>
+                <a:latin typeface="Calibri" panose="020F0502020204030204" pitchFamily="34" charset="0"/>
+                <a:ea typeface="Calibri" panose="020F0502020204030204" pitchFamily="34" charset="0"/>
+                <a:cs typeface="Gisha" panose="020B0502040204020203" pitchFamily="34" charset="-79"/>
+              </a:rPr>
+              <a:t>)</a:t>
+            </a:r>
+            <a:endParaRPr lang="en-US" sz="2400" dirty="0">
+              <a:effectLst/>
+              <a:latin typeface="Calibri" panose="020F0502020204030204" pitchFamily="34" charset="0"/>
+              <a:ea typeface="Calibri" panose="020F0502020204030204" pitchFamily="34" charset="0"/>
+              <a:cs typeface="Arial" panose="020B0604020202020204" pitchFamily="34" charset="0"/>
+            </a:endParaRPr>
+          </a:p>
+          <a:p>
+            <a:endParaRPr lang="he-IL" dirty="0"/>
+          </a:p>
+        </p:txBody>
+      </p:sp>
+      <p:sp>
+        <p:nvSpPr>
+          <p:cNvPr id="4" name="Footer Placeholder 3">
+            <a:extLst>
+              <a:ext uri="{FF2B5EF4-FFF2-40B4-BE49-F238E27FC236}">
+                <a16:creationId xmlns:a16="http://schemas.microsoft.com/office/drawing/2014/main" id="{E383C24D-BEA6-474F-A840-896AD0E01479}"/>
+              </a:ext>
+            </a:extLst>
+          </p:cNvPr>
+          <p:cNvSpPr>
+            <a:spLocks noGrp="1"/>
+          </p:cNvSpPr>
+          <p:nvPr>
+            <p:ph type="ftr" sz="quarter" idx="11"/>
+          </p:nvPr>
+        </p:nvSpPr>
+        <p:spPr/>
+        <p:txBody>
+          <a:bodyPr/>
+          <a:lstStyle/>
+          <a:p>
+            <a:r>
+              <a:rPr lang="en-US"/>
+              <a:t>avidary@gmail.com  2002 (c)</a:t>
+            </a:r>
+            <a:endParaRPr lang="he-IL"/>
+          </a:p>
+        </p:txBody>
+      </p:sp>
+    </p:spTree>
+    <p:extLst>
+      <p:ext uri="{BB962C8B-B14F-4D97-AF65-F5344CB8AC3E}">
+        <p14:creationId xmlns:p14="http://schemas.microsoft.com/office/powerpoint/2010/main" val="673574206"/>
+      </p:ext>
+    </p:extLst>
+  </p:cSld>
+  <p:clrMapOvr>
+    <a:masterClrMapping/>
+  </p:clrMapOvr>
+</p:sld>
+</file>
+
+<file path=ppt/slides/slide22.xml><?xml version="1.0" encoding="utf-8"?>
+<p:sld xmlns:a="http://schemas.openxmlformats.org/drawingml/2006/main" xmlns:r="http://schemas.openxmlformats.org/officeDocument/2006/relationships" xmlns:p="http://schemas.openxmlformats.org/presentationml/2006/main">
+  <p:cSld>
+    <p:spTree>
+      <p:nvGrpSpPr>
+        <p:cNvPr id="1" name=""/>
+        <p:cNvGrpSpPr/>
+        <p:nvPr/>
+      </p:nvGrpSpPr>
+      <p:grpSpPr>
+        <a:xfrm>
+          <a:off x="0" y="0"/>
+          <a:ext cx="0" cy="0"/>
+          <a:chOff x="0" y="0"/>
+          <a:chExt cx="0" cy="0"/>
+        </a:xfrm>
+      </p:grpSpPr>
+      <p:sp>
+        <p:nvSpPr>
+          <p:cNvPr id="2" name="Title 1">
+            <a:extLst>
+              <a:ext uri="{FF2B5EF4-FFF2-40B4-BE49-F238E27FC236}">
+                <a16:creationId xmlns:a16="http://schemas.microsoft.com/office/drawing/2014/main" id="{BE5D6318-C76E-4A76-B0D4-6127F014C1EE}"/>
+              </a:ext>
+            </a:extLst>
+          </p:cNvPr>
+          <p:cNvSpPr>
+            <a:spLocks noGrp="1"/>
+          </p:cNvSpPr>
+          <p:nvPr>
+            <p:ph type="title"/>
+          </p:nvPr>
+        </p:nvSpPr>
+        <p:spPr/>
+        <p:txBody>
+          <a:bodyPr/>
+          <a:lstStyle/>
+          <a:p>
+            <a:pPr algn="r"/>
+            <a:r>
+              <a:rPr lang="he-IL" dirty="0"/>
+              <a:t>התניות דוגמא</a:t>
+            </a:r>
+          </a:p>
+        </p:txBody>
+      </p:sp>
+      <p:pic>
+        <p:nvPicPr>
+          <p:cNvPr id="6" name="Content Placeholder 5">
+            <a:extLst>
+              <a:ext uri="{FF2B5EF4-FFF2-40B4-BE49-F238E27FC236}">
+                <a16:creationId xmlns:a16="http://schemas.microsoft.com/office/drawing/2014/main" id="{8F8C899C-3B7D-4B2D-8AC7-BB5D0E7D4702}"/>
+              </a:ext>
+            </a:extLst>
+          </p:cNvPr>
+          <p:cNvPicPr>
+            <a:picLocks noGrp="1" noChangeAspect="1"/>
+          </p:cNvPicPr>
+          <p:nvPr>
+            <p:ph idx="1"/>
+          </p:nvPr>
+        </p:nvPicPr>
+        <p:blipFill>
+          <a:blip r:embed="rId2"/>
+          <a:stretch>
+            <a:fillRect/>
+          </a:stretch>
+        </p:blipFill>
+        <p:spPr>
+          <a:xfrm>
+            <a:off x="838200" y="1690688"/>
+            <a:ext cx="8952186" cy="4909071"/>
+          </a:xfrm>
+        </p:spPr>
+      </p:pic>
+      <p:sp>
+        <p:nvSpPr>
+          <p:cNvPr id="4" name="Footer Placeholder 3">
+            <a:extLst>
+              <a:ext uri="{FF2B5EF4-FFF2-40B4-BE49-F238E27FC236}">
+                <a16:creationId xmlns:a16="http://schemas.microsoft.com/office/drawing/2014/main" id="{E383C24D-BEA6-474F-A840-896AD0E01479}"/>
+              </a:ext>
+            </a:extLst>
+          </p:cNvPr>
+          <p:cNvSpPr>
+            <a:spLocks noGrp="1"/>
+          </p:cNvSpPr>
+          <p:nvPr>
+            <p:ph type="ftr" sz="quarter" idx="11"/>
+          </p:nvPr>
+        </p:nvSpPr>
+        <p:spPr/>
+        <p:txBody>
+          <a:bodyPr/>
+          <a:lstStyle/>
+          <a:p>
+            <a:r>
+              <a:rPr lang="en-US"/>
+              <a:t>avidary@gmail.com  2002 (c)</a:t>
+            </a:r>
+            <a:endParaRPr lang="he-IL"/>
+          </a:p>
+        </p:txBody>
+      </p:sp>
+    </p:spTree>
+    <p:extLst>
+      <p:ext uri="{BB962C8B-B14F-4D97-AF65-F5344CB8AC3E}">
+        <p14:creationId xmlns:p14="http://schemas.microsoft.com/office/powerpoint/2010/main" val="2412040669"/>
+      </p:ext>
+    </p:extLst>
+  </p:cSld>
+  <p:clrMapOvr>
+    <a:masterClrMapping/>
+  </p:clrMapOvr>
+</p:sld>
+</file>
+
+<file path=ppt/slides/slide23.xml><?xml version="1.0" encoding="utf-8"?>
+<p:sld xmlns:a="http://schemas.openxmlformats.org/drawingml/2006/main" xmlns:r="http://schemas.openxmlformats.org/officeDocument/2006/relationships" xmlns:p="http://schemas.openxmlformats.org/presentationml/2006/main">
+  <p:cSld>
+    <p:spTree>
+      <p:nvGrpSpPr>
+        <p:cNvPr id="1" name=""/>
+        <p:cNvGrpSpPr/>
+        <p:nvPr/>
+      </p:nvGrpSpPr>
+      <p:grpSpPr>
+        <a:xfrm>
+          <a:off x="0" y="0"/>
+          <a:ext cx="0" cy="0"/>
+          <a:chOff x="0" y="0"/>
+          <a:chExt cx="0" cy="0"/>
+        </a:xfrm>
+      </p:grpSpPr>
+      <p:sp>
+        <p:nvSpPr>
+          <p:cNvPr id="2" name="Title 1">
+            <a:extLst>
+              <a:ext uri="{FF2B5EF4-FFF2-40B4-BE49-F238E27FC236}">
+                <a16:creationId xmlns:a16="http://schemas.microsoft.com/office/drawing/2014/main" id="{BE5D6318-C76E-4A76-B0D4-6127F014C1EE}"/>
+              </a:ext>
+            </a:extLst>
+          </p:cNvPr>
+          <p:cNvSpPr>
+            <a:spLocks noGrp="1"/>
+          </p:cNvSpPr>
+          <p:nvPr>
+            <p:ph type="title"/>
+          </p:nvPr>
+        </p:nvSpPr>
+        <p:spPr/>
+        <p:txBody>
           <a:bodyPr/>
           <a:lstStyle/>
           <a:p>
@@ -7477,7 +7732,7 @@
 </p:sld>
 </file>
 
-<file path=ppt/slides/slide22.xml><?xml version="1.0" encoding="utf-8"?>
+<file path=ppt/slides/slide24.xml><?xml version="1.0" encoding="utf-8"?>
 <p:sld xmlns:a="http://schemas.openxmlformats.org/drawingml/2006/main" xmlns:r="http://schemas.openxmlformats.org/officeDocument/2006/relationships" xmlns:p="http://schemas.openxmlformats.org/presentationml/2006/main">
   <p:cSld>
     <p:spTree>
@@ -7687,7 +7942,7 @@
 </p:sld>
 </file>
 
-<file path=ppt/slides/slide23.xml><?xml version="1.0" encoding="utf-8"?>
+<file path=ppt/slides/slide25.xml><?xml version="1.0" encoding="utf-8"?>
 <p:sld xmlns:a="http://schemas.openxmlformats.org/drawingml/2006/main" xmlns:r="http://schemas.openxmlformats.org/officeDocument/2006/relationships" xmlns:p="http://schemas.openxmlformats.org/presentationml/2006/main">
   <p:cSld>
     <p:spTree>
@@ -7892,7 +8147,7 @@
 </p:sld>
 </file>
 
-<file path=ppt/slides/slide24.xml><?xml version="1.0" encoding="utf-8"?>
+<file path=ppt/slides/slide26.xml><?xml version="1.0" encoding="utf-8"?>
 <p:sld xmlns:a="http://schemas.openxmlformats.org/drawingml/2006/main" xmlns:r="http://schemas.openxmlformats.org/officeDocument/2006/relationships" xmlns:p="http://schemas.openxmlformats.org/presentationml/2006/main">
   <p:cSld>
     <p:spTree>
@@ -8149,7 +8404,7 @@
 </p:sld>
 </file>
 
-<file path=ppt/slides/slide25.xml><?xml version="1.0" encoding="utf-8"?>
+<file path=ppt/slides/slide27.xml><?xml version="1.0" encoding="utf-8"?>
 <p:sld xmlns:a="http://schemas.openxmlformats.org/drawingml/2006/main" xmlns:r="http://schemas.openxmlformats.org/officeDocument/2006/relationships" xmlns:p="http://schemas.openxmlformats.org/presentationml/2006/main">
   <p:cSld>
     <p:spTree>
@@ -8370,7 +8625,7 @@
 </p:sld>
 </file>
 
-<file path=ppt/slides/slide26.xml><?xml version="1.0" encoding="utf-8"?>
+<file path=ppt/slides/slide28.xml><?xml version="1.0" encoding="utf-8"?>
 <p:sld xmlns:a="http://schemas.openxmlformats.org/drawingml/2006/main" xmlns:r="http://schemas.openxmlformats.org/officeDocument/2006/relationships" xmlns:p="http://schemas.openxmlformats.org/presentationml/2006/main">
   <p:cSld>
     <p:spTree>
@@ -8603,7 +8858,7 @@
 </p:sld>
 </file>
 
-<file path=ppt/slides/slide27.xml><?xml version="1.0" encoding="utf-8"?>
+<file path=ppt/slides/slide29.xml><?xml version="1.0" encoding="utf-8"?>
 <p:sld xmlns:a="http://schemas.openxmlformats.org/drawingml/2006/main" xmlns:r="http://schemas.openxmlformats.org/officeDocument/2006/relationships" xmlns:p="http://schemas.openxmlformats.org/presentationml/2006/main">
   <p:cSld>
     <p:spTree>
@@ -8836,7 +9091,243 @@
 </p:sld>
 </file>
 
-<file path=ppt/slides/slide28.xml><?xml version="1.0" encoding="utf-8"?>
+<file path=ppt/slides/slide3.xml><?xml version="1.0" encoding="utf-8"?>
+<p:sld xmlns:a="http://schemas.openxmlformats.org/drawingml/2006/main" xmlns:r="http://schemas.openxmlformats.org/officeDocument/2006/relationships" xmlns:p="http://schemas.openxmlformats.org/presentationml/2006/main">
+  <p:cSld>
+    <p:spTree>
+      <p:nvGrpSpPr>
+        <p:cNvPr id="1" name=""/>
+        <p:cNvGrpSpPr/>
+        <p:nvPr/>
+      </p:nvGrpSpPr>
+      <p:grpSpPr>
+        <a:xfrm>
+          <a:off x="0" y="0"/>
+          <a:ext cx="0" cy="0"/>
+          <a:chOff x="0" y="0"/>
+          <a:chExt cx="0" cy="0"/>
+        </a:xfrm>
+      </p:grpSpPr>
+      <p:sp>
+        <p:nvSpPr>
+          <p:cNvPr id="2" name="Title 1">
+            <a:extLst>
+              <a:ext uri="{FF2B5EF4-FFF2-40B4-BE49-F238E27FC236}">
+                <a16:creationId xmlns:a16="http://schemas.microsoft.com/office/drawing/2014/main" id="{B5C84732-D22A-4399-BB74-BDB765B35672}"/>
+              </a:ext>
+            </a:extLst>
+          </p:cNvPr>
+          <p:cNvSpPr>
+            <a:spLocks noGrp="1"/>
+          </p:cNvSpPr>
+          <p:nvPr>
+            <p:ph type="ctrTitle"/>
+          </p:nvPr>
+        </p:nvSpPr>
+        <p:spPr>
+          <a:xfrm>
+            <a:off x="1678113" y="955123"/>
+            <a:ext cx="9144000" cy="1074988"/>
+          </a:xfrm>
+        </p:spPr>
+        <p:txBody>
+          <a:bodyPr/>
+          <a:lstStyle/>
+          <a:p>
+            <a:r>
+              <a:rPr lang="he-IL" dirty="0"/>
+              <a:t>מהו בסיס נתונים - המשך</a:t>
+            </a:r>
+          </a:p>
+        </p:txBody>
+      </p:sp>
+      <p:sp>
+        <p:nvSpPr>
+          <p:cNvPr id="3" name="Subtitle 2">
+            <a:extLst>
+              <a:ext uri="{FF2B5EF4-FFF2-40B4-BE49-F238E27FC236}">
+                <a16:creationId xmlns:a16="http://schemas.microsoft.com/office/drawing/2014/main" id="{DA0EC8F0-B1F7-41C2-B373-C2F68B6F1685}"/>
+              </a:ext>
+            </a:extLst>
+          </p:cNvPr>
+          <p:cNvSpPr>
+            <a:spLocks noGrp="1"/>
+          </p:cNvSpPr>
+          <p:nvPr>
+            <p:ph type="subTitle" idx="1"/>
+          </p:nvPr>
+        </p:nvSpPr>
+        <p:spPr>
+          <a:xfrm>
+            <a:off x="1524000" y="3036958"/>
+            <a:ext cx="9144000" cy="3035069"/>
+          </a:xfrm>
+        </p:spPr>
+        <p:txBody>
+          <a:bodyPr>
+            <a:normAutofit/>
+          </a:bodyPr>
+          <a:lstStyle/>
+          <a:p>
+            <a:pPr marL="342900" indent="-342900" algn="just" rtl="1">
+              <a:buFont typeface="Arial" panose="020B0604020202020204" pitchFamily="34" charset="0"/>
+              <a:buChar char="•"/>
+            </a:pPr>
+            <a:r>
+              <a:rPr lang="he-IL" sz="2400" dirty="0">
+                <a:solidFill>
+                  <a:srgbClr val="202122"/>
+                </a:solidFill>
+                <a:latin typeface="Arial" panose="020B0604020202020204" pitchFamily="34" charset="0"/>
+              </a:rPr>
+              <a:t>לכל רשומה בטבלה יש מפתח ראשי </a:t>
+            </a:r>
+            <a:r>
+              <a:rPr lang="en-US" sz="2400" dirty="0">
+                <a:solidFill>
+                  <a:srgbClr val="202122"/>
+                </a:solidFill>
+                <a:latin typeface="Arial" panose="020B0604020202020204" pitchFamily="34" charset="0"/>
+              </a:rPr>
+              <a:t>PK</a:t>
+            </a:r>
+            <a:r>
+              <a:rPr lang="he-IL" sz="2400" dirty="0">
+                <a:solidFill>
+                  <a:srgbClr val="202122"/>
+                </a:solidFill>
+                <a:latin typeface="Arial" panose="020B0604020202020204" pitchFamily="34" charset="0"/>
+              </a:rPr>
+              <a:t> חד-חד ערכי המזהה את הרשומה.</a:t>
+            </a:r>
+          </a:p>
+          <a:p>
+            <a:pPr marL="342900" indent="-342900" algn="just" rtl="1">
+              <a:buFont typeface="Arial" panose="020B0604020202020204" pitchFamily="34" charset="0"/>
+              <a:buChar char="•"/>
+            </a:pPr>
+            <a:r>
+              <a:rPr lang="he-IL" sz="2400" dirty="0">
+                <a:solidFill>
+                  <a:srgbClr val="202122"/>
+                </a:solidFill>
+                <a:latin typeface="Arial" panose="020B0604020202020204" pitchFamily="34" charset="0"/>
+              </a:rPr>
+              <a:t> הקשרים בין הטבלאות מתבצע באמצעות </a:t>
+            </a:r>
+            <a:r>
+              <a:rPr lang="en-US" sz="2400" dirty="0">
+                <a:solidFill>
+                  <a:srgbClr val="202122"/>
+                </a:solidFill>
+                <a:latin typeface="Arial" panose="020B0604020202020204" pitchFamily="34" charset="0"/>
+              </a:rPr>
+              <a:t> FK</a:t>
+            </a:r>
+            <a:r>
+              <a:rPr lang="he-IL" sz="2400" dirty="0">
+                <a:solidFill>
+                  <a:srgbClr val="202122"/>
+                </a:solidFill>
+                <a:latin typeface="Arial" panose="020B0604020202020204" pitchFamily="34" charset="0"/>
+              </a:rPr>
+              <a:t>מפתח חד-רב ערכי הקרוי 'מפתח זר’.</a:t>
+            </a:r>
+          </a:p>
+          <a:p>
+            <a:pPr marL="342900" indent="-342900" algn="just" rtl="1">
+              <a:buFont typeface="Arial" panose="020B0604020202020204" pitchFamily="34" charset="0"/>
+              <a:buChar char="•"/>
+            </a:pPr>
+            <a:r>
+              <a:rPr lang="he-IL" sz="2400" dirty="0">
+                <a:solidFill>
+                  <a:srgbClr val="202122"/>
+                </a:solidFill>
+                <a:latin typeface="Arial" panose="020B0604020202020204" pitchFamily="34" charset="0"/>
+              </a:rPr>
+              <a:t>שליפת ועדכון המידע בבסיס הנתונים הטבלאי מתבצע באמצעות שפת ה – </a:t>
+            </a:r>
+            <a:r>
+              <a:rPr lang="en-US" sz="2400" dirty="0">
+                <a:solidFill>
+                  <a:srgbClr val="202122"/>
+                </a:solidFill>
+                <a:latin typeface="Arial" panose="020B0604020202020204" pitchFamily="34" charset="0"/>
+              </a:rPr>
+              <a:t>SQL </a:t>
+            </a:r>
+            <a:r>
+              <a:rPr lang="he-IL" sz="2400" dirty="0">
+                <a:solidFill>
+                  <a:srgbClr val="202122"/>
+                </a:solidFill>
+                <a:latin typeface="Arial" panose="020B0604020202020204" pitchFamily="34" charset="0"/>
+              </a:rPr>
+              <a:t> המאפשרת גישה לנתונים ללא תלות באופן שמירתם הפיזי.</a:t>
+            </a:r>
+          </a:p>
+          <a:p>
+            <a:pPr algn="just" rtl="1"/>
+            <a:endParaRPr lang="he-IL" sz="2400" dirty="0">
+              <a:solidFill>
+                <a:srgbClr val="202122"/>
+              </a:solidFill>
+              <a:latin typeface="Arial" panose="020B0604020202020204" pitchFamily="34" charset="0"/>
+            </a:endParaRPr>
+          </a:p>
+          <a:p>
+            <a:pPr algn="just" rtl="1"/>
+            <a:endParaRPr lang="he-IL" dirty="0"/>
+          </a:p>
+          <a:p>
+            <a:endParaRPr lang="he-IL" dirty="0"/>
+          </a:p>
+        </p:txBody>
+      </p:sp>
+      <p:sp>
+        <p:nvSpPr>
+          <p:cNvPr id="4" name="Footer Placeholder 3">
+            <a:extLst>
+              <a:ext uri="{FF2B5EF4-FFF2-40B4-BE49-F238E27FC236}">
+                <a16:creationId xmlns:a16="http://schemas.microsoft.com/office/drawing/2014/main" id="{62823ECD-835A-47A8-8EBF-57E7AC46AA47}"/>
+              </a:ext>
+            </a:extLst>
+          </p:cNvPr>
+          <p:cNvSpPr>
+            <a:spLocks noGrp="1"/>
+          </p:cNvSpPr>
+          <p:nvPr>
+            <p:ph type="ftr" sz="quarter" idx="11"/>
+          </p:nvPr>
+        </p:nvSpPr>
+        <p:spPr/>
+        <p:txBody>
+          <a:bodyPr/>
+          <a:lstStyle/>
+          <a:p>
+            <a:r>
+              <a:rPr lang="en-US"/>
+              <a:t>avidary@gmail.com  2002 (c)</a:t>
+            </a:r>
+            <a:endParaRPr lang="he-IL"/>
+          </a:p>
+        </p:txBody>
+      </p:sp>
+    </p:spTree>
+    <p:extLst>
+      <p:ext uri="{BB962C8B-B14F-4D97-AF65-F5344CB8AC3E}">
+        <p14:creationId xmlns:p14="http://schemas.microsoft.com/office/powerpoint/2010/main" val="790258426"/>
+      </p:ext>
+    </p:extLst>
+  </p:cSld>
+  <p:clrMapOvr>
+    <a:masterClrMapping/>
+  </p:clrMapOvr>
+</p:sld>
+</file>
+
+<file path=ppt/slides/slide30.xml><?xml version="1.0" encoding="utf-8"?>
 <p:sld xmlns:a="http://schemas.openxmlformats.org/drawingml/2006/main" xmlns:r="http://schemas.openxmlformats.org/officeDocument/2006/relationships" xmlns:p="http://schemas.openxmlformats.org/presentationml/2006/main">
   <p:cSld>
     <p:spTree>
@@ -9098,7 +9589,7 @@
 </p:sld>
 </file>
 
-<file path=ppt/slides/slide29.xml><?xml version="1.0" encoding="utf-8"?>
+<file path=ppt/slides/slide31.xml><?xml version="1.0" encoding="utf-8"?>
 <p:sld xmlns:a="http://schemas.openxmlformats.org/drawingml/2006/main" xmlns:r="http://schemas.openxmlformats.org/officeDocument/2006/relationships" xmlns:p="http://schemas.openxmlformats.org/presentationml/2006/main">
   <p:cSld>
     <p:spTree>
@@ -9338,243 +9829,7 @@
 </p:sld>
 </file>
 
-<file path=ppt/slides/slide3.xml><?xml version="1.0" encoding="utf-8"?>
-<p:sld xmlns:a="http://schemas.openxmlformats.org/drawingml/2006/main" xmlns:r="http://schemas.openxmlformats.org/officeDocument/2006/relationships" xmlns:p="http://schemas.openxmlformats.org/presentationml/2006/main">
-  <p:cSld>
-    <p:spTree>
-      <p:nvGrpSpPr>
-        <p:cNvPr id="1" name=""/>
-        <p:cNvGrpSpPr/>
-        <p:nvPr/>
-      </p:nvGrpSpPr>
-      <p:grpSpPr>
-        <a:xfrm>
-          <a:off x="0" y="0"/>
-          <a:ext cx="0" cy="0"/>
-          <a:chOff x="0" y="0"/>
-          <a:chExt cx="0" cy="0"/>
-        </a:xfrm>
-      </p:grpSpPr>
-      <p:sp>
-        <p:nvSpPr>
-          <p:cNvPr id="2" name="Title 1">
-            <a:extLst>
-              <a:ext uri="{FF2B5EF4-FFF2-40B4-BE49-F238E27FC236}">
-                <a16:creationId xmlns:a16="http://schemas.microsoft.com/office/drawing/2014/main" id="{B5C84732-D22A-4399-BB74-BDB765B35672}"/>
-              </a:ext>
-            </a:extLst>
-          </p:cNvPr>
-          <p:cNvSpPr>
-            <a:spLocks noGrp="1"/>
-          </p:cNvSpPr>
-          <p:nvPr>
-            <p:ph type="ctrTitle"/>
-          </p:nvPr>
-        </p:nvSpPr>
-        <p:spPr>
-          <a:xfrm>
-            <a:off x="1678113" y="955123"/>
-            <a:ext cx="9144000" cy="1074988"/>
-          </a:xfrm>
-        </p:spPr>
-        <p:txBody>
-          <a:bodyPr/>
-          <a:lstStyle/>
-          <a:p>
-            <a:r>
-              <a:rPr lang="he-IL" dirty="0"/>
-              <a:t>מהו בסיס נתונים - המשך</a:t>
-            </a:r>
-          </a:p>
-        </p:txBody>
-      </p:sp>
-      <p:sp>
-        <p:nvSpPr>
-          <p:cNvPr id="3" name="Subtitle 2">
-            <a:extLst>
-              <a:ext uri="{FF2B5EF4-FFF2-40B4-BE49-F238E27FC236}">
-                <a16:creationId xmlns:a16="http://schemas.microsoft.com/office/drawing/2014/main" id="{DA0EC8F0-B1F7-41C2-B373-C2F68B6F1685}"/>
-              </a:ext>
-            </a:extLst>
-          </p:cNvPr>
-          <p:cNvSpPr>
-            <a:spLocks noGrp="1"/>
-          </p:cNvSpPr>
-          <p:nvPr>
-            <p:ph type="subTitle" idx="1"/>
-          </p:nvPr>
-        </p:nvSpPr>
-        <p:spPr>
-          <a:xfrm>
-            <a:off x="1524000" y="3036958"/>
-            <a:ext cx="9144000" cy="3035069"/>
-          </a:xfrm>
-        </p:spPr>
-        <p:txBody>
-          <a:bodyPr>
-            <a:normAutofit/>
-          </a:bodyPr>
-          <a:lstStyle/>
-          <a:p>
-            <a:pPr marL="342900" indent="-342900" algn="just" rtl="1">
-              <a:buFont typeface="Arial" panose="020B0604020202020204" pitchFamily="34" charset="0"/>
-              <a:buChar char="•"/>
-            </a:pPr>
-            <a:r>
-              <a:rPr lang="he-IL" sz="2400" dirty="0">
-                <a:solidFill>
-                  <a:srgbClr val="202122"/>
-                </a:solidFill>
-                <a:latin typeface="Arial" panose="020B0604020202020204" pitchFamily="34" charset="0"/>
-              </a:rPr>
-              <a:t>לכל רשומה בטבלה יש מפתח ראשי </a:t>
-            </a:r>
-            <a:r>
-              <a:rPr lang="en-US" sz="2400" dirty="0">
-                <a:solidFill>
-                  <a:srgbClr val="202122"/>
-                </a:solidFill>
-                <a:latin typeface="Arial" panose="020B0604020202020204" pitchFamily="34" charset="0"/>
-              </a:rPr>
-              <a:t>PK</a:t>
-            </a:r>
-            <a:r>
-              <a:rPr lang="he-IL" sz="2400" dirty="0">
-                <a:solidFill>
-                  <a:srgbClr val="202122"/>
-                </a:solidFill>
-                <a:latin typeface="Arial" panose="020B0604020202020204" pitchFamily="34" charset="0"/>
-              </a:rPr>
-              <a:t> חד-חד ערכי המזהה את הרשומה.</a:t>
-            </a:r>
-          </a:p>
-          <a:p>
-            <a:pPr marL="342900" indent="-342900" algn="just" rtl="1">
-              <a:buFont typeface="Arial" panose="020B0604020202020204" pitchFamily="34" charset="0"/>
-              <a:buChar char="•"/>
-            </a:pPr>
-            <a:r>
-              <a:rPr lang="he-IL" sz="2400" dirty="0">
-                <a:solidFill>
-                  <a:srgbClr val="202122"/>
-                </a:solidFill>
-                <a:latin typeface="Arial" panose="020B0604020202020204" pitchFamily="34" charset="0"/>
-              </a:rPr>
-              <a:t> הקשרים בין הטבלאות מתבצע באמצעות </a:t>
-            </a:r>
-            <a:r>
-              <a:rPr lang="en-US" sz="2400" dirty="0">
-                <a:solidFill>
-                  <a:srgbClr val="202122"/>
-                </a:solidFill>
-                <a:latin typeface="Arial" panose="020B0604020202020204" pitchFamily="34" charset="0"/>
-              </a:rPr>
-              <a:t> FK</a:t>
-            </a:r>
-            <a:r>
-              <a:rPr lang="he-IL" sz="2400" dirty="0">
-                <a:solidFill>
-                  <a:srgbClr val="202122"/>
-                </a:solidFill>
-                <a:latin typeface="Arial" panose="020B0604020202020204" pitchFamily="34" charset="0"/>
-              </a:rPr>
-              <a:t>מפתח חד-רב ערכי הקרוי 'מפתח זר’.</a:t>
-            </a:r>
-          </a:p>
-          <a:p>
-            <a:pPr marL="342900" indent="-342900" algn="just" rtl="1">
-              <a:buFont typeface="Arial" panose="020B0604020202020204" pitchFamily="34" charset="0"/>
-              <a:buChar char="•"/>
-            </a:pPr>
-            <a:r>
-              <a:rPr lang="he-IL" sz="2400" dirty="0">
-                <a:solidFill>
-                  <a:srgbClr val="202122"/>
-                </a:solidFill>
-                <a:latin typeface="Arial" panose="020B0604020202020204" pitchFamily="34" charset="0"/>
-              </a:rPr>
-              <a:t>שליפת ועדכון המידע בבסיס הנתונים הטבלאי מתבצע באמצעות שפת ה – </a:t>
-            </a:r>
-            <a:r>
-              <a:rPr lang="en-US" sz="2400" dirty="0">
-                <a:solidFill>
-                  <a:srgbClr val="202122"/>
-                </a:solidFill>
-                <a:latin typeface="Arial" panose="020B0604020202020204" pitchFamily="34" charset="0"/>
-              </a:rPr>
-              <a:t>SQL </a:t>
-            </a:r>
-            <a:r>
-              <a:rPr lang="he-IL" sz="2400" dirty="0">
-                <a:solidFill>
-                  <a:srgbClr val="202122"/>
-                </a:solidFill>
-                <a:latin typeface="Arial" panose="020B0604020202020204" pitchFamily="34" charset="0"/>
-              </a:rPr>
-              <a:t> המאפשרת גישה לנתונים ללא תלות באופן שמירתם הפיזי.</a:t>
-            </a:r>
-          </a:p>
-          <a:p>
-            <a:pPr algn="just" rtl="1"/>
-            <a:endParaRPr lang="he-IL" sz="2400" dirty="0">
-              <a:solidFill>
-                <a:srgbClr val="202122"/>
-              </a:solidFill>
-              <a:latin typeface="Arial" panose="020B0604020202020204" pitchFamily="34" charset="0"/>
-            </a:endParaRPr>
-          </a:p>
-          <a:p>
-            <a:pPr algn="just" rtl="1"/>
-            <a:endParaRPr lang="he-IL" dirty="0"/>
-          </a:p>
-          <a:p>
-            <a:endParaRPr lang="he-IL" dirty="0"/>
-          </a:p>
-        </p:txBody>
-      </p:sp>
-      <p:sp>
-        <p:nvSpPr>
-          <p:cNvPr id="4" name="Footer Placeholder 3">
-            <a:extLst>
-              <a:ext uri="{FF2B5EF4-FFF2-40B4-BE49-F238E27FC236}">
-                <a16:creationId xmlns:a16="http://schemas.microsoft.com/office/drawing/2014/main" id="{62823ECD-835A-47A8-8EBF-57E7AC46AA47}"/>
-              </a:ext>
-            </a:extLst>
-          </p:cNvPr>
-          <p:cNvSpPr>
-            <a:spLocks noGrp="1"/>
-          </p:cNvSpPr>
-          <p:nvPr>
-            <p:ph type="ftr" sz="quarter" idx="11"/>
-          </p:nvPr>
-        </p:nvSpPr>
-        <p:spPr/>
-        <p:txBody>
-          <a:bodyPr/>
-          <a:lstStyle/>
-          <a:p>
-            <a:r>
-              <a:rPr lang="en-US"/>
-              <a:t>avidary@gmail.com  2002 (c)</a:t>
-            </a:r>
-            <a:endParaRPr lang="he-IL"/>
-          </a:p>
-        </p:txBody>
-      </p:sp>
-    </p:spTree>
-    <p:extLst>
-      <p:ext uri="{BB962C8B-B14F-4D97-AF65-F5344CB8AC3E}">
-        <p14:creationId xmlns:p14="http://schemas.microsoft.com/office/powerpoint/2010/main" val="790258426"/>
-      </p:ext>
-    </p:extLst>
-  </p:cSld>
-  <p:clrMapOvr>
-    <a:masterClrMapping/>
-  </p:clrMapOvr>
-</p:sld>
-</file>
-
-<file path=ppt/slides/slide30.xml><?xml version="1.0" encoding="utf-8"?>
+<file path=ppt/slides/slide32.xml><?xml version="1.0" encoding="utf-8"?>
 <p:sld xmlns:a="http://schemas.openxmlformats.org/drawingml/2006/main" xmlns:r="http://schemas.openxmlformats.org/officeDocument/2006/relationships" xmlns:p="http://schemas.openxmlformats.org/presentationml/2006/main">
   <p:cSld>
     <p:spTree>
@@ -9767,7 +10022,7 @@
 </p:sld>
 </file>
 
-<file path=ppt/slides/slide31.xml><?xml version="1.0" encoding="utf-8"?>
+<file path=ppt/slides/slide33.xml><?xml version="1.0" encoding="utf-8"?>
 <p:sld xmlns:a="http://schemas.openxmlformats.org/drawingml/2006/main" xmlns:r="http://schemas.openxmlformats.org/officeDocument/2006/relationships" xmlns:p="http://schemas.openxmlformats.org/presentationml/2006/main">
   <p:cSld>
     <p:spTree>
@@ -9976,7 +10231,7 @@
 </p:sld>
 </file>
 
-<file path=ppt/slides/slide32.xml><?xml version="1.0" encoding="utf-8"?>
+<file path=ppt/slides/slide34.xml><?xml version="1.0" encoding="utf-8"?>
 <p:sld xmlns:a="http://schemas.openxmlformats.org/drawingml/2006/main" xmlns:r="http://schemas.openxmlformats.org/officeDocument/2006/relationships" xmlns:p="http://schemas.openxmlformats.org/presentationml/2006/main">
   <p:cSld>
     <p:spTree>
@@ -10248,7 +10503,7 @@
 </p:sld>
 </file>
 
-<file path=ppt/slides/slide33.xml><?xml version="1.0" encoding="utf-8"?>
+<file path=ppt/slides/slide35.xml><?xml version="1.0" encoding="utf-8"?>
 <p:sld xmlns:a="http://schemas.openxmlformats.org/drawingml/2006/main" xmlns:r="http://schemas.openxmlformats.org/officeDocument/2006/relationships" xmlns:p="http://schemas.openxmlformats.org/presentationml/2006/main">
   <p:cSld>
     <p:spTree>
@@ -10421,7 +10676,7 @@
 </p:sld>
 </file>
 
-<file path=ppt/slides/slide34.xml><?xml version="1.0" encoding="utf-8"?>
+<file path=ppt/slides/slide36.xml><?xml version="1.0" encoding="utf-8"?>
 <p:sld xmlns:a="http://schemas.openxmlformats.org/drawingml/2006/main" xmlns:r="http://schemas.openxmlformats.org/officeDocument/2006/relationships" xmlns:p="http://schemas.openxmlformats.org/presentationml/2006/main">
   <p:cSld>
     <p:spTree>
@@ -10594,540 +10849,6 @@
   </p:cSld>
   <p:clrMapOvr>
     <a:masterClrMapping/>
-  </p:clrMapOvr>
-</p:sld>
-</file>
-
-<file path=ppt/slides/slide35.xml><?xml version="1.0" encoding="utf-8"?>
-<p:sld xmlns:a="http://schemas.openxmlformats.org/drawingml/2006/main" xmlns:r="http://schemas.openxmlformats.org/officeDocument/2006/relationships" xmlns:p="http://schemas.openxmlformats.org/presentationml/2006/main">
-  <p:cSld>
-    <p:bg>
-      <p:bgPr>
-        <a:blipFill dpi="0" rotWithShape="1">
-          <a:blip r:embed="rId3">
-            <a:alphaModFix amt="68000"/>
-            <a:lum/>
-          </a:blip>
-          <a:srcRect/>
-          <a:stretch>
-            <a:fillRect/>
-          </a:stretch>
-        </a:blipFill>
-        <a:effectLst/>
-      </p:bgPr>
-    </p:bg>
-    <p:spTree>
-      <p:nvGrpSpPr>
-        <p:cNvPr id="1" name=""/>
-        <p:cNvGrpSpPr/>
-        <p:nvPr/>
-      </p:nvGrpSpPr>
-      <p:grpSpPr>
-        <a:xfrm>
-          <a:off x="0" y="0"/>
-          <a:ext cx="0" cy="0"/>
-          <a:chOff x="0" y="0"/>
-          <a:chExt cx="0" cy="0"/>
-        </a:xfrm>
-      </p:grpSpPr>
-      <p:sp>
-        <p:nvSpPr>
-          <p:cNvPr id="2" name="Title 1">
-            <a:extLst>
-              <a:ext uri="{FF2B5EF4-FFF2-40B4-BE49-F238E27FC236}">
-                <a16:creationId xmlns:a16="http://schemas.microsoft.com/office/drawing/2014/main" id="{BE5D6318-C76E-4A76-B0D4-6127F014C1EE}"/>
-              </a:ext>
-            </a:extLst>
-          </p:cNvPr>
-          <p:cNvSpPr>
-            <a:spLocks noGrp="1"/>
-          </p:cNvSpPr>
-          <p:nvPr>
-            <p:ph type="title"/>
-          </p:nvPr>
-        </p:nvSpPr>
-        <p:spPr/>
-        <p:txBody>
-          <a:bodyPr>
-            <a:normAutofit/>
-          </a:bodyPr>
-          <a:lstStyle/>
-          <a:p>
-            <a:pPr algn="r"/>
-            <a:r>
-              <a:rPr lang="he-IL" b="1" i="0" u="none" strike="noStrike" baseline="0" dirty="0">
-                <a:latin typeface="Arial-BoldMT"/>
-              </a:rPr>
-              <a:t>פונקציות </a:t>
-            </a:r>
-            <a:r>
-              <a:rPr lang="he-IL" b="1" i="0" u="none" strike="noStrike" baseline="0" dirty="0" err="1">
-                <a:latin typeface="Arial-BoldMT"/>
-              </a:rPr>
-              <a:t>סקלאריות</a:t>
-            </a:r>
-            <a:endParaRPr lang="he-IL" dirty="0"/>
-          </a:p>
-        </p:txBody>
-      </p:sp>
-      <p:sp>
-        <p:nvSpPr>
-          <p:cNvPr id="3" name="Content Placeholder 2">
-            <a:extLst>
-              <a:ext uri="{FF2B5EF4-FFF2-40B4-BE49-F238E27FC236}">
-                <a16:creationId xmlns:a16="http://schemas.microsoft.com/office/drawing/2014/main" id="{3E0CD643-5062-49E7-9B33-0A24A2E3AEE0}"/>
-              </a:ext>
-            </a:extLst>
-          </p:cNvPr>
-          <p:cNvSpPr>
-            <a:spLocks noGrp="1"/>
-          </p:cNvSpPr>
-          <p:nvPr>
-            <p:ph idx="1"/>
-          </p:nvPr>
-        </p:nvSpPr>
-        <p:spPr/>
-        <p:txBody>
-          <a:bodyPr>
-            <a:normAutofit/>
-          </a:bodyPr>
-          <a:lstStyle/>
-          <a:p>
-            <a:pPr algn="r" rtl="1"/>
-            <a:r>
-              <a:rPr lang="he-IL" sz="1800" b="1" i="0" u="none" strike="noStrike" baseline="0" dirty="0">
-                <a:latin typeface="ArialMT"/>
-              </a:rPr>
-              <a:t>פונקציות המאפשרות שימוש בפונקציות תכנות בשפת ה – </a:t>
-            </a:r>
-            <a:r>
-              <a:rPr lang="en-US" sz="1800" b="1" i="0" u="none" strike="noStrike" baseline="0" dirty="0">
-                <a:latin typeface="ArialMT"/>
-              </a:rPr>
-              <a:t>SQL .</a:t>
-            </a:r>
-          </a:p>
-          <a:p>
-            <a:pPr algn="r" rtl="1"/>
-            <a:r>
-              <a:rPr lang="he-IL" sz="1800" b="1" i="0" u="none" strike="noStrike" baseline="0" dirty="0">
-                <a:latin typeface="ArialMT"/>
-              </a:rPr>
-              <a:t>הן פועלות ברמת השורה ונחלקות לסוגים שונים :</a:t>
-            </a:r>
-          </a:p>
-          <a:p>
-            <a:pPr algn="r" rtl="1"/>
-            <a:r>
-              <a:rPr lang="he-IL" sz="1800" b="1" i="0" u="none" strike="noStrike" baseline="0" dirty="0">
-                <a:latin typeface="ArialMT"/>
-              </a:rPr>
-              <a:t>פונקציות מתמטיות</a:t>
-            </a:r>
-          </a:p>
-          <a:p>
-            <a:pPr algn="r" rtl="1"/>
-            <a:r>
-              <a:rPr lang="he-IL" sz="1800" b="1" i="0" u="none" strike="noStrike" baseline="0" dirty="0">
-                <a:latin typeface="ArialMT"/>
-              </a:rPr>
-              <a:t>פונקציות </a:t>
-            </a:r>
-            <a:r>
-              <a:rPr lang="he-IL" sz="1800" b="1" i="0" u="none" strike="noStrike" baseline="0" dirty="0" err="1">
-                <a:latin typeface="ArialMT"/>
-              </a:rPr>
-              <a:t>מחרוזתיות</a:t>
-            </a:r>
-            <a:endParaRPr lang="he-IL" sz="1800" b="1" i="0" u="none" strike="noStrike" baseline="0" dirty="0">
-              <a:latin typeface="ArialMT"/>
-            </a:endParaRPr>
-          </a:p>
-          <a:p>
-            <a:pPr algn="r" rtl="1"/>
-            <a:r>
-              <a:rPr lang="he-IL" sz="1800" b="1" i="0" u="none" strike="noStrike" baseline="0" dirty="0">
-                <a:latin typeface="ArialMT"/>
-              </a:rPr>
-              <a:t>פונקציות תאריכים</a:t>
-            </a:r>
-          </a:p>
-          <a:p>
-            <a:pPr algn="r" rtl="1"/>
-            <a:r>
-              <a:rPr lang="he-IL" sz="1800" b="1" i="0" u="none" strike="noStrike" baseline="0" dirty="0">
-                <a:latin typeface="ArialMT"/>
-              </a:rPr>
-              <a:t>פונקציות המרה</a:t>
-            </a:r>
-          </a:p>
-          <a:p>
-            <a:pPr algn="r" rtl="1"/>
-            <a:r>
-              <a:rPr lang="he-IL" sz="1800" b="1" i="0" u="none" strike="noStrike" baseline="0" dirty="0">
-                <a:latin typeface="ArialMT"/>
-              </a:rPr>
-              <a:t>פונקציות </a:t>
-            </a:r>
-            <a:r>
-              <a:rPr lang="en-US" sz="1800" b="1" i="0" u="none" strike="noStrike" baseline="0" dirty="0">
-                <a:latin typeface="ArialMT"/>
-              </a:rPr>
-              <a:t>IS NULL</a:t>
-            </a:r>
-          </a:p>
-          <a:p>
-            <a:pPr algn="r" rtl="1"/>
-            <a:r>
-              <a:rPr lang="he-IL" sz="1800" b="1" i="0" u="none" strike="noStrike" baseline="0" dirty="0">
-                <a:latin typeface="ArialMT"/>
-              </a:rPr>
-              <a:t>ניתן להשתמש בפונקציות אלה במשפטי ה- </a:t>
-            </a:r>
-            <a:r>
-              <a:rPr lang="en-US" sz="1800" b="1" i="0" u="none" strike="noStrike" baseline="0" dirty="0">
-                <a:latin typeface="ArialMT"/>
-              </a:rPr>
-              <a:t> select , order by </a:t>
-            </a:r>
-            <a:r>
-              <a:rPr lang="he-IL" sz="1800" b="1" i="0" u="none" strike="noStrike" baseline="0" dirty="0" err="1">
-                <a:latin typeface="ArialMT"/>
-              </a:rPr>
-              <a:t>וה</a:t>
-            </a:r>
-            <a:r>
-              <a:rPr lang="he-IL" sz="1800" b="1" i="0" u="none" strike="noStrike" baseline="0" dirty="0">
-                <a:latin typeface="ArialMT"/>
-              </a:rPr>
-              <a:t> – </a:t>
-            </a:r>
-            <a:r>
-              <a:rPr lang="en-US" sz="1800" b="1" i="0" u="none" strike="noStrike" baseline="0" dirty="0">
-                <a:latin typeface="ArialMT"/>
-              </a:rPr>
-              <a:t>where</a:t>
-            </a:r>
-            <a:endParaRPr lang="he-IL" sz="1800" b="1" i="0" u="none" strike="noStrike" baseline="0" dirty="0">
-              <a:latin typeface="ArialMT"/>
-            </a:endParaRPr>
-          </a:p>
-        </p:txBody>
-      </p:sp>
-      <p:sp>
-        <p:nvSpPr>
-          <p:cNvPr id="4" name="Footer Placeholder 3">
-            <a:extLst>
-              <a:ext uri="{FF2B5EF4-FFF2-40B4-BE49-F238E27FC236}">
-                <a16:creationId xmlns:a16="http://schemas.microsoft.com/office/drawing/2014/main" id="{E383C24D-BEA6-474F-A840-896AD0E01479}"/>
-              </a:ext>
-            </a:extLst>
-          </p:cNvPr>
-          <p:cNvSpPr>
-            <a:spLocks noGrp="1"/>
-          </p:cNvSpPr>
-          <p:nvPr>
-            <p:ph type="ftr" sz="quarter" idx="11"/>
-          </p:nvPr>
-        </p:nvSpPr>
-        <p:spPr/>
-        <p:txBody>
-          <a:bodyPr/>
-          <a:lstStyle/>
-          <a:p>
-            <a:r>
-              <a:rPr lang="en-US"/>
-              <a:t>avidary@gmail.com  2002 (c)</a:t>
-            </a:r>
-            <a:endParaRPr lang="he-IL"/>
-          </a:p>
-        </p:txBody>
-      </p:sp>
-    </p:spTree>
-    <p:extLst>
-      <p:ext uri="{BB962C8B-B14F-4D97-AF65-F5344CB8AC3E}">
-        <p14:creationId xmlns:p14="http://schemas.microsoft.com/office/powerpoint/2010/main" val="290585454"/>
-      </p:ext>
-    </p:extLst>
-  </p:cSld>
-  <p:clrMapOvr>
-    <a:overrideClrMapping bg1="lt1" tx1="dk1" bg2="lt2" tx2="dk2" accent1="accent1" accent2="accent2" accent3="accent3" accent4="accent4" accent5="accent5" accent6="accent6" hlink="hlink" folHlink="folHlink"/>
-  </p:clrMapOvr>
-</p:sld>
-</file>
-
-<file path=ppt/slides/slide36.xml><?xml version="1.0" encoding="utf-8"?>
-<p:sld xmlns:a="http://schemas.openxmlformats.org/drawingml/2006/main" xmlns:r="http://schemas.openxmlformats.org/officeDocument/2006/relationships" xmlns:p="http://schemas.openxmlformats.org/presentationml/2006/main">
-  <p:cSld>
-    <p:bg>
-      <p:bgPr>
-        <a:blipFill dpi="0" rotWithShape="1">
-          <a:blip r:embed="rId3">
-            <a:alphaModFix amt="68000"/>
-            <a:lum/>
-          </a:blip>
-          <a:srcRect/>
-          <a:stretch>
-            <a:fillRect/>
-          </a:stretch>
-        </a:blipFill>
-        <a:effectLst/>
-      </p:bgPr>
-    </p:bg>
-    <p:spTree>
-      <p:nvGrpSpPr>
-        <p:cNvPr id="1" name=""/>
-        <p:cNvGrpSpPr/>
-        <p:nvPr/>
-      </p:nvGrpSpPr>
-      <p:grpSpPr>
-        <a:xfrm>
-          <a:off x="0" y="0"/>
-          <a:ext cx="0" cy="0"/>
-          <a:chOff x="0" y="0"/>
-          <a:chExt cx="0" cy="0"/>
-        </a:xfrm>
-      </p:grpSpPr>
-      <p:sp>
-        <p:nvSpPr>
-          <p:cNvPr id="2" name="Title 1">
-            <a:extLst>
-              <a:ext uri="{FF2B5EF4-FFF2-40B4-BE49-F238E27FC236}">
-                <a16:creationId xmlns:a16="http://schemas.microsoft.com/office/drawing/2014/main" id="{BE5D6318-C76E-4A76-B0D4-6127F014C1EE}"/>
-              </a:ext>
-            </a:extLst>
-          </p:cNvPr>
-          <p:cNvSpPr>
-            <a:spLocks noGrp="1"/>
-          </p:cNvSpPr>
-          <p:nvPr>
-            <p:ph type="title"/>
-          </p:nvPr>
-        </p:nvSpPr>
-        <p:spPr/>
-        <p:txBody>
-          <a:bodyPr>
-            <a:normAutofit/>
-          </a:bodyPr>
-          <a:lstStyle/>
-          <a:p>
-            <a:pPr algn="r"/>
-            <a:r>
-              <a:rPr lang="he-IL" b="1" i="0" u="none" strike="noStrike" baseline="0" dirty="0">
-                <a:latin typeface="Arial-BoldMT"/>
-              </a:rPr>
-              <a:t>פונקציות </a:t>
-            </a:r>
-            <a:r>
-              <a:rPr lang="he-IL" b="1" i="0" u="none" strike="noStrike" baseline="0" dirty="0" err="1">
-                <a:latin typeface="Arial-BoldMT"/>
-              </a:rPr>
-              <a:t>סקלאריות</a:t>
-            </a:r>
-            <a:r>
-              <a:rPr lang="he-IL" b="1" i="0" u="none" strike="noStrike" baseline="0" dirty="0">
-                <a:latin typeface="Arial-BoldMT"/>
-              </a:rPr>
-              <a:t> – הרחבת ידע</a:t>
-            </a:r>
-            <a:endParaRPr lang="he-IL" dirty="0"/>
-          </a:p>
-        </p:txBody>
-      </p:sp>
-      <p:sp>
-        <p:nvSpPr>
-          <p:cNvPr id="3" name="Content Placeholder 2">
-            <a:extLst>
-              <a:ext uri="{FF2B5EF4-FFF2-40B4-BE49-F238E27FC236}">
-                <a16:creationId xmlns:a16="http://schemas.microsoft.com/office/drawing/2014/main" id="{3E0CD643-5062-49E7-9B33-0A24A2E3AEE0}"/>
-              </a:ext>
-            </a:extLst>
-          </p:cNvPr>
-          <p:cNvSpPr>
-            <a:spLocks noGrp="1"/>
-          </p:cNvSpPr>
-          <p:nvPr>
-            <p:ph idx="1"/>
-          </p:nvPr>
-        </p:nvSpPr>
-        <p:spPr/>
-        <p:txBody>
-          <a:bodyPr>
-            <a:normAutofit/>
-          </a:bodyPr>
-          <a:lstStyle/>
-          <a:p>
-            <a:pPr algn="r" rtl="1"/>
-            <a:r>
-              <a:rPr lang="he-IL" sz="1800" b="1" i="0" u="none" strike="noStrike" baseline="0" dirty="0">
-                <a:latin typeface="ArialMT"/>
-              </a:rPr>
-              <a:t>פונקציות המאפשרות שימוש בפונקציות תכנות בשפת ה – </a:t>
-            </a:r>
-            <a:r>
-              <a:rPr lang="en-US" sz="1800" b="1" i="0" u="none" strike="noStrike" baseline="0" dirty="0">
-                <a:latin typeface="ArialMT"/>
-              </a:rPr>
-              <a:t>SQL .</a:t>
-            </a:r>
-          </a:p>
-          <a:p>
-            <a:pPr algn="r" rtl="1"/>
-            <a:r>
-              <a:rPr lang="he-IL" sz="1800" b="1" i="0" u="none" strike="noStrike" baseline="0" dirty="0">
-                <a:latin typeface="ArialMT"/>
-              </a:rPr>
-              <a:t>הן פועלות ברמת השורה ונחלקות לסוגים שונים :</a:t>
-            </a:r>
-          </a:p>
-          <a:p>
-            <a:pPr algn="r" rtl="1"/>
-            <a:r>
-              <a:rPr lang="he-IL" sz="1800" b="1" i="0" u="none" strike="noStrike" baseline="0" dirty="0">
-                <a:latin typeface="ArialMT"/>
-              </a:rPr>
-              <a:t>פונקציות מתמטיות</a:t>
-            </a:r>
-          </a:p>
-          <a:p>
-            <a:pPr algn="r" rtl="1"/>
-            <a:r>
-              <a:rPr lang="he-IL" sz="1800" b="1" i="0" u="none" strike="noStrike" baseline="0" dirty="0">
-                <a:latin typeface="ArialMT"/>
-              </a:rPr>
-              <a:t>פונקציות </a:t>
-            </a:r>
-            <a:r>
-              <a:rPr lang="he-IL" sz="1800" b="1" i="0" u="none" strike="noStrike" baseline="0" dirty="0" err="1">
-                <a:latin typeface="ArialMT"/>
-              </a:rPr>
-              <a:t>מחרוזתיות</a:t>
-            </a:r>
-            <a:endParaRPr lang="he-IL" sz="1800" b="1" i="0" u="none" strike="noStrike" baseline="0" dirty="0">
-              <a:latin typeface="ArialMT"/>
-            </a:endParaRPr>
-          </a:p>
-          <a:p>
-            <a:pPr algn="r" rtl="1"/>
-            <a:r>
-              <a:rPr lang="he-IL" sz="1800" b="1" i="0" u="none" strike="noStrike" baseline="0" dirty="0">
-                <a:latin typeface="ArialMT"/>
-              </a:rPr>
-              <a:t>פונקציות תאריכים</a:t>
-            </a:r>
-          </a:p>
-          <a:p>
-            <a:pPr algn="r" rtl="1"/>
-            <a:r>
-              <a:rPr lang="he-IL" sz="1800" b="1" i="0" u="none" strike="noStrike" baseline="0" dirty="0">
-                <a:latin typeface="ArialMT"/>
-              </a:rPr>
-              <a:t>פונקציות המרה</a:t>
-            </a:r>
-          </a:p>
-          <a:p>
-            <a:pPr algn="r" rtl="1"/>
-            <a:r>
-              <a:rPr lang="he-IL" sz="1800" b="1" i="0" u="none" strike="noStrike" baseline="0" dirty="0">
-                <a:latin typeface="ArialMT"/>
-              </a:rPr>
-              <a:t>פונקציות </a:t>
-            </a:r>
-            <a:r>
-              <a:rPr lang="en-US" sz="1800" b="1" i="0" u="none" strike="noStrike" baseline="0" dirty="0">
-                <a:latin typeface="ArialMT"/>
-              </a:rPr>
-              <a:t>IS NULL</a:t>
-            </a:r>
-          </a:p>
-          <a:p>
-            <a:pPr algn="r" rtl="1"/>
-            <a:r>
-              <a:rPr lang="he-IL" sz="1800" b="1" i="0" u="none" strike="noStrike" baseline="0" dirty="0">
-                <a:latin typeface="ArialMT"/>
-              </a:rPr>
-              <a:t>ניתן להשתמש בפונקציות אלה במשפטי ה- </a:t>
-            </a:r>
-            <a:r>
-              <a:rPr lang="en-US" sz="1800" b="1" i="0" u="none" strike="noStrike" baseline="0" dirty="0">
-                <a:latin typeface="ArialMT"/>
-              </a:rPr>
-              <a:t> select , order by </a:t>
-            </a:r>
-            <a:r>
-              <a:rPr lang="he-IL" sz="1800" b="1" i="0" u="none" strike="noStrike" baseline="0" dirty="0" err="1">
-                <a:latin typeface="ArialMT"/>
-              </a:rPr>
-              <a:t>וה</a:t>
-            </a:r>
-            <a:r>
-              <a:rPr lang="he-IL" sz="1800" b="1" i="0" u="none" strike="noStrike" baseline="0" dirty="0">
-                <a:latin typeface="ArialMT"/>
-              </a:rPr>
-              <a:t> – </a:t>
-            </a:r>
-            <a:r>
-              <a:rPr lang="en-US" sz="1800" b="1" i="0" u="none" strike="noStrike" baseline="0" dirty="0">
-                <a:latin typeface="ArialMT"/>
-              </a:rPr>
-              <a:t>where</a:t>
-            </a:r>
-            <a:endParaRPr lang="he-IL" sz="1800" b="1" i="0" u="none" strike="noStrike" baseline="0" dirty="0">
-              <a:latin typeface="ArialMT"/>
-            </a:endParaRPr>
-          </a:p>
-          <a:p>
-            <a:pPr algn="r" rtl="1"/>
-            <a:r>
-              <a:rPr lang="he-IL" sz="1800" b="1" dirty="0">
-                <a:latin typeface="ArialMT"/>
-              </a:rPr>
-              <a:t>תוכלו למצוא המון חומר ודוגמאות באינטרנט ובמסמך של הקורס</a:t>
-            </a:r>
-            <a:endParaRPr lang="he-IL" sz="1800" b="1" i="0" u="none" strike="noStrike" baseline="0" dirty="0">
-              <a:latin typeface="ArialMT"/>
-            </a:endParaRPr>
-          </a:p>
-        </p:txBody>
-      </p:sp>
-      <p:sp>
-        <p:nvSpPr>
-          <p:cNvPr id="4" name="Footer Placeholder 3">
-            <a:extLst>
-              <a:ext uri="{FF2B5EF4-FFF2-40B4-BE49-F238E27FC236}">
-                <a16:creationId xmlns:a16="http://schemas.microsoft.com/office/drawing/2014/main" id="{E383C24D-BEA6-474F-A840-896AD0E01479}"/>
-              </a:ext>
-            </a:extLst>
-          </p:cNvPr>
-          <p:cNvSpPr>
-            <a:spLocks noGrp="1"/>
-          </p:cNvSpPr>
-          <p:nvPr>
-            <p:ph type="ftr" sz="quarter" idx="11"/>
-          </p:nvPr>
-        </p:nvSpPr>
-        <p:spPr/>
-        <p:txBody>
-          <a:bodyPr/>
-          <a:lstStyle/>
-          <a:p>
-            <a:r>
-              <a:rPr lang="en-US"/>
-              <a:t>avidary@gmail.com  2002 (c)</a:t>
-            </a:r>
-            <a:endParaRPr lang="he-IL"/>
-          </a:p>
-        </p:txBody>
-      </p:sp>
-    </p:spTree>
-    <p:extLst>
-      <p:ext uri="{BB962C8B-B14F-4D97-AF65-F5344CB8AC3E}">
-        <p14:creationId xmlns:p14="http://schemas.microsoft.com/office/powerpoint/2010/main" val="2008715323"/>
-      </p:ext>
-    </p:extLst>
-  </p:cSld>
-  <p:clrMapOvr>
-    <a:overrideClrMapping bg1="lt1" tx1="dk1" bg2="lt2" tx2="dk2" accent1="accent1" accent2="accent2" accent3="accent3" accent4="accent4" accent5="accent5" accent6="accent6" hlink="hlink" folHlink="folHlink"/>
   </p:clrMapOvr>
 </p:sld>
 </file>
@@ -11192,13 +10913,13 @@
               <a:rPr lang="he-IL" b="1" i="0" u="none" strike="noStrike" baseline="0" dirty="0">
                 <a:latin typeface="Arial-BoldMT"/>
               </a:rPr>
-              <a:t> - שילוב נתונים ממספר טבלאות</a:t>
-            </a:r>
-            <a:r>
-              <a:rPr lang="en-US" b="1" i="0" u="none" strike="noStrike" baseline="0" dirty="0">
+              <a:t>פונקציות </a:t>
+            </a:r>
+            <a:r>
+              <a:rPr lang="he-IL" b="1" i="0" u="none" strike="noStrike" baseline="0" dirty="0" err="1">
                 <a:latin typeface="Arial-BoldMT"/>
               </a:rPr>
-              <a:t>Join</a:t>
+              <a:t>סקלאריות</a:t>
             </a:r>
             <a:endParaRPr lang="he-IL" dirty="0"/>
           </a:p>
@@ -11232,7 +10953,13 @@
               <a:rPr lang="he-IL" sz="1800" b="1" i="0" u="none" strike="noStrike" baseline="0" dirty="0">
                 <a:latin typeface="ArialMT"/>
               </a:rPr>
-              <a:t>כינויים לטבלאות</a:t>
+              <a:t>פונקציות המאפשרות שימוש בפונקציות תכנות בשפת ה – </a:t>
+            </a:r>
+            <a:r>
+              <a:rPr lang="en-US" sz="1800" b="1" i="0" u="none" strike="noStrike" baseline="0" dirty="0">
+                <a:latin typeface="ArialMT"/>
+              </a:rPr>
+              <a:t>SQL .</a:t>
             </a:r>
           </a:p>
           <a:p>
@@ -11241,27 +10968,105 @@
               <a:rPr lang="he-IL" sz="1800" b="1" i="0" u="none" strike="noStrike" baseline="0" dirty="0">
                 <a:latin typeface="ArialMT"/>
               </a:rPr>
-              <a:t>כינויים לטבלאות מייעלים את נוחות הכתיבה ואת הקריאות של שאילתות בעיקר ב </a:t>
-            </a:r>
-            <a:r>
-              <a:rPr lang="en-US" sz="1800" b="1" i="0" u="none" strike="noStrike" baseline="0" dirty="0">
-                <a:latin typeface="ArialMT"/>
-              </a:rPr>
-              <a:t>JOIN </a:t>
-            </a:r>
+              <a:t>הן פועלות ברמת השורה ונחלקות לסוגים שונים :</a:t>
+            </a:r>
+          </a:p>
+          <a:p>
+            <a:pPr algn="r" rtl="1"/>
             <a:r>
               <a:rPr lang="he-IL" sz="1800" b="1" i="0" u="none" strike="noStrike" baseline="0" dirty="0">
                 <a:latin typeface="ArialMT"/>
               </a:rPr>
-              <a:t> , במקום לכתוב אחרי כל עמודה ועמודה שם טבלה מלא (דבר שעלול להיות מאוד ארוך ומסורבל) נשתמש בכינויים.</a:t>
+              <a:t>פונקציות מתמטיות</a:t>
             </a:r>
           </a:p>
           <a:p>
             <a:pPr algn="r" rtl="1"/>
+            <a:r>
+              <a:rPr lang="he-IL" sz="1800" b="1" i="0" u="none" strike="noStrike" baseline="0" dirty="0">
+                <a:latin typeface="ArialMT"/>
+              </a:rPr>
+              <a:t>פונקציות </a:t>
+            </a:r>
+            <a:r>
+              <a:rPr lang="he-IL" sz="1800" b="1" i="0" u="none" strike="noStrike" baseline="0" dirty="0" err="1">
+                <a:latin typeface="ArialMT"/>
+              </a:rPr>
+              <a:t>מחרוזתיות</a:t>
+            </a:r>
             <a:endParaRPr lang="he-IL" sz="1800" b="1" i="0" u="none" strike="noStrike" baseline="0" dirty="0">
               <a:latin typeface="ArialMT"/>
             </a:endParaRPr>
           </a:p>
+          <a:p>
+            <a:pPr algn="r" rtl="1"/>
+            <a:r>
+              <a:rPr lang="he-IL" sz="1800" b="1" i="0" u="none" strike="noStrike" baseline="0" dirty="0">
+                <a:latin typeface="ArialMT"/>
+              </a:rPr>
+              <a:t>פונקציות תאריכים</a:t>
+            </a:r>
+          </a:p>
+          <a:p>
+            <a:pPr algn="r" rtl="1"/>
+            <a:r>
+              <a:rPr lang="he-IL" sz="1800" b="1" i="0" u="none" strike="noStrike" baseline="0" dirty="0">
+                <a:latin typeface="ArialMT"/>
+              </a:rPr>
+              <a:t>פונקציות המרה</a:t>
+            </a:r>
+          </a:p>
+          <a:p>
+            <a:pPr algn="r" rtl="1"/>
+            <a:r>
+              <a:rPr lang="he-IL" sz="1800" b="1" i="0" u="none" strike="noStrike" baseline="0" dirty="0">
+                <a:latin typeface="ArialMT"/>
+              </a:rPr>
+              <a:t>פונקציות </a:t>
+            </a:r>
+            <a:r>
+              <a:rPr lang="en-US" sz="1800" b="1" i="0" u="none" strike="noStrike" baseline="0" dirty="0">
+                <a:latin typeface="ArialMT"/>
+              </a:rPr>
+              <a:t>IS NULL</a:t>
+            </a:r>
+          </a:p>
+          <a:p>
+            <a:pPr algn="r" rtl="1"/>
+            <a:r>
+              <a:rPr lang="he-IL" sz="1800" b="1" i="0" u="none" strike="noStrike" baseline="0" dirty="0">
+                <a:latin typeface="ArialMT"/>
+              </a:rPr>
+              <a:t>ניתן להשתמש בפונקציות אלה במשפטי ה- </a:t>
+            </a:r>
+            <a:r>
+              <a:rPr lang="en-US" sz="1800" b="1" i="0" u="none" strike="noStrike" baseline="0" dirty="0">
+                <a:latin typeface="ArialMT"/>
+              </a:rPr>
+              <a:t> select , order by </a:t>
+            </a:r>
+            <a:r>
+              <a:rPr lang="he-IL" sz="1800" b="1" i="0" u="none" strike="noStrike" baseline="0" dirty="0" err="1">
+                <a:latin typeface="ArialMT"/>
+              </a:rPr>
+              <a:t>וה</a:t>
+            </a:r>
+            <a:r>
+              <a:rPr lang="he-IL" sz="1800" b="1" i="0" u="none" strike="noStrike" baseline="0" dirty="0">
+                <a:latin typeface="ArialMT"/>
+              </a:rPr>
+              <a:t> – </a:t>
+            </a:r>
+            <a:r>
+              <a:rPr lang="en-US" sz="1800" b="1" i="0" u="none" strike="noStrike" baseline="0" dirty="0">
+                <a:latin typeface="ArialMT"/>
+              </a:rPr>
+              <a:t>where</a:t>
+            </a:r>
+            <a:endParaRPr lang="he-IL" sz="1800" b="1" i="0" u="none" strike="noStrike" baseline="0" dirty="0">
+              <a:latin typeface="ArialMT"/>
+            </a:endParaRPr>
+          </a:p>
         </p:txBody>
       </p:sp>
       <p:sp>
@@ -11293,70 +11098,10 @@
           </a:p>
         </p:txBody>
       </p:sp>
-      <p:pic>
-        <p:nvPicPr>
-          <p:cNvPr id="6" name="Picture 5">
-            <a:extLst>
-              <a:ext uri="{FF2B5EF4-FFF2-40B4-BE49-F238E27FC236}">
-                <a16:creationId xmlns:a16="http://schemas.microsoft.com/office/drawing/2014/main" id="{E6B0E13F-FA8A-4EDF-939B-D439E5F09878}"/>
-              </a:ext>
-            </a:extLst>
-          </p:cNvPr>
-          <p:cNvPicPr>
-            <a:picLocks noChangeAspect="1"/>
-          </p:cNvPicPr>
-          <p:nvPr/>
-        </p:nvPicPr>
-        <p:blipFill>
-          <a:blip r:embed="rId4"/>
-          <a:stretch>
-            <a:fillRect/>
-          </a:stretch>
-        </p:blipFill>
-        <p:spPr>
-          <a:xfrm>
-            <a:off x="838200" y="2739541"/>
-            <a:ext cx="4797972" cy="3437422"/>
-          </a:xfrm>
-          <a:prstGeom prst="rect">
-            <a:avLst/>
-          </a:prstGeom>
-        </p:spPr>
-      </p:pic>
-      <p:pic>
-        <p:nvPicPr>
-          <p:cNvPr id="8" name="Picture 7">
-            <a:extLst>
-              <a:ext uri="{FF2B5EF4-FFF2-40B4-BE49-F238E27FC236}">
-                <a16:creationId xmlns:a16="http://schemas.microsoft.com/office/drawing/2014/main" id="{51F12BCA-80D9-47A9-B73B-D0399A00E75D}"/>
-              </a:ext>
-            </a:extLst>
-          </p:cNvPr>
-          <p:cNvPicPr>
-            <a:picLocks noChangeAspect="1"/>
-          </p:cNvPicPr>
-          <p:nvPr/>
-        </p:nvPicPr>
-        <p:blipFill>
-          <a:blip r:embed="rId5"/>
-          <a:stretch>
-            <a:fillRect/>
-          </a:stretch>
-        </p:blipFill>
-        <p:spPr>
-          <a:xfrm>
-            <a:off x="5738648" y="2762048"/>
-            <a:ext cx="6264166" cy="2171812"/>
-          </a:xfrm>
-          <a:prstGeom prst="rect">
-            <a:avLst/>
-          </a:prstGeom>
-        </p:spPr>
-      </p:pic>
     </p:spTree>
     <p:extLst>
       <p:ext uri="{BB962C8B-B14F-4D97-AF65-F5344CB8AC3E}">
-        <p14:creationId xmlns:p14="http://schemas.microsoft.com/office/powerpoint/2010/main" val="1703480850"/>
+        <p14:creationId xmlns:p14="http://schemas.microsoft.com/office/powerpoint/2010/main" val="290585454"/>
       </p:ext>
     </p:extLst>
   </p:cSld>
@@ -11426,13 +11171,19 @@
               <a:rPr lang="he-IL" b="1" i="0" u="none" strike="noStrike" baseline="0" dirty="0">
                 <a:latin typeface="Arial-BoldMT"/>
               </a:rPr>
-              <a:t> - מבנה השאילתה</a:t>
-            </a:r>
-            <a:r>
-              <a:rPr lang="en-US" b="1" i="0" u="none" strike="noStrike" baseline="0" dirty="0">
+              <a:t>פונקציות </a:t>
+            </a:r>
+            <a:r>
+              <a:rPr lang="he-IL" b="1" i="0" u="none" strike="noStrike" baseline="0" dirty="0" err="1">
                 <a:latin typeface="Arial-BoldMT"/>
               </a:rPr>
-              <a:t>Join</a:t>
+              <a:t>סקלאריות</a:t>
+            </a:r>
+            <a:r>
+              <a:rPr lang="he-IL" b="1" i="0" u="none" strike="noStrike" baseline="0" dirty="0">
+                <a:latin typeface="Arial-BoldMT"/>
+              </a:rPr>
+              <a:t> – הרחבת ידע</a:t>
             </a:r>
             <a:endParaRPr lang="he-IL" dirty="0"/>
           </a:p>
@@ -11466,23 +11217,22 @@
               <a:rPr lang="he-IL" sz="1800" b="1" i="0" u="none" strike="noStrike" baseline="0" dirty="0">
                 <a:latin typeface="ArialMT"/>
               </a:rPr>
-              <a:t>מטרת השאילתה להביא נתונים מטבלאות שונות הקשר בין הטבלאות יתבצע ע"י שימוש ב </a:t>
-            </a:r>
-            <a:r>
-              <a:rPr lang="en-US" sz="1800" b="1" i="0" dirty="0">
-                <a:solidFill>
-                  <a:srgbClr val="000000"/>
-                </a:solidFill>
-                <a:effectLst/>
-                <a:latin typeface="Arial" panose="020B0604020202020204" pitchFamily="34" charset="0"/>
-              </a:rPr>
-              <a:t>Foreign Key</a:t>
-            </a:r>
+              <a:t>פונקציות המאפשרות שימוש בפונקציות תכנות בשפת ה – </a:t>
+            </a:r>
+            <a:r>
+              <a:rPr lang="en-US" sz="1800" b="1" i="0" u="none" strike="noStrike" baseline="0" dirty="0">
+                <a:latin typeface="ArialMT"/>
+              </a:rPr>
+              <a:t>SQL .</a:t>
+            </a:r>
+          </a:p>
+          <a:p>
+            <a:pPr algn="r" rtl="1"/>
             <a:r>
               <a:rPr lang="he-IL" sz="1800" b="1" i="0" u="none" strike="noStrike" baseline="0" dirty="0">
                 <a:latin typeface="ArialMT"/>
               </a:rPr>
-              <a:t> </a:t>
+              <a:t>הן פועלות ברמת השורה ונחלקות לסוגים שונים :</a:t>
             </a:r>
           </a:p>
           <a:p>
@@ -11491,59 +11241,108 @@
               <a:rPr lang="he-IL" sz="1800" b="1" i="0" u="none" strike="noStrike" baseline="0" dirty="0">
                 <a:latin typeface="ArialMT"/>
               </a:rPr>
-              <a:t>חזרה על מושג מפתחות:</a:t>
+              <a:t>פונקציות מתמטיות</a:t>
             </a:r>
           </a:p>
           <a:p>
             <a:pPr algn="r" rtl="1"/>
             <a:r>
-              <a:rPr lang="en-US" sz="1200" b="1" i="0" dirty="0">
-                <a:solidFill>
-                  <a:srgbClr val="000000"/>
-                </a:solidFill>
-                <a:effectLst/>
-                <a:latin typeface="Arial" panose="020B0604020202020204" pitchFamily="34" charset="0"/>
-              </a:rPr>
-              <a:t>Primary Key</a:t>
-            </a:r>
-            <a:r>
               <a:rPr lang="he-IL" sz="1800" b="1" i="0" u="none" strike="noStrike" baseline="0" dirty="0">
                 <a:latin typeface="ArialMT"/>
               </a:rPr>
-              <a:t> המפתח הראשי, הוא עמודה אחת או יותר, שבעזרתן ניתן לזהות את הרשומה באופן חד-חד-ערכי</a:t>
-            </a:r>
-          </a:p>
-          <a:p>
-            <a:pPr algn="r" rtl="1"/>
-            <a:r>
-              <a:rPr lang="en-US" sz="1200" b="1" i="0" dirty="0">
-                <a:solidFill>
-                  <a:srgbClr val="000000"/>
-                </a:solidFill>
-                <a:effectLst/>
-                <a:latin typeface="Arial" panose="020B0604020202020204" pitchFamily="34" charset="0"/>
-              </a:rPr>
-              <a:t>Foreign Key</a:t>
-            </a:r>
-            <a:r>
-              <a:rPr lang="he-IL" sz="1800" b="1" dirty="0">
-                <a:latin typeface="ArialMT"/>
-              </a:rPr>
-              <a:t> מפתח זר ערך בעמודה כל שהיא בטבלה המקושרת לטבלה אחרת בה אותו ערך משמש כמפתח ראשי</a:t>
-            </a:r>
-          </a:p>
-          <a:p>
-            <a:pPr algn="r" rtl="1"/>
+              <a:t>פונקציות </a:t>
+            </a:r>
+            <a:r>
+              <a:rPr lang="he-IL" sz="1800" b="1" i="0" u="none" strike="noStrike" baseline="0" dirty="0" err="1">
+                <a:latin typeface="ArialMT"/>
+              </a:rPr>
+              <a:t>מחרוזתיות</a:t>
+            </a:r>
             <a:endParaRPr lang="he-IL" sz="1800" b="1" i="0" u="none" strike="noStrike" baseline="0" dirty="0">
               <a:latin typeface="ArialMT"/>
             </a:endParaRPr>
           </a:p>
           <a:p>
             <a:pPr algn="r" rtl="1"/>
+            <a:r>
+              <a:rPr lang="he-IL" sz="1800" b="1" i="0" u="none" strike="noStrike" baseline="0" dirty="0">
+                <a:latin typeface="ArialMT"/>
+              </a:rPr>
+              <a:t>פונקציות תאריכים</a:t>
+            </a:r>
+          </a:p>
+          <a:p>
+            <a:pPr algn="r" rtl="1"/>
+            <a:r>
+              <a:rPr lang="he-IL" sz="1800" b="1" i="0" u="none" strike="noStrike" baseline="0" dirty="0">
+                <a:latin typeface="ArialMT"/>
+              </a:rPr>
+              <a:t>פונקציות המרה</a:t>
+            </a:r>
+          </a:p>
+          <a:p>
+            <a:pPr algn="r" rtl="1"/>
+            <a:r>
+              <a:rPr lang="he-IL" sz="1800" b="1" i="0" u="none" strike="noStrike" baseline="0" dirty="0">
+                <a:latin typeface="ArialMT"/>
+              </a:rPr>
+              <a:t>פונקציות </a:t>
+            </a:r>
+            <a:r>
+              <a:rPr lang="en-US" sz="1800" b="1" i="0" u="none" strike="noStrike" baseline="0" dirty="0">
+                <a:latin typeface="ArialMT"/>
+              </a:rPr>
+              <a:t>IS NULL</a:t>
+            </a:r>
+          </a:p>
+          <a:p>
+            <a:pPr algn="r" rtl="1"/>
+            <a:r>
+              <a:rPr lang="he-IL" sz="1800" b="1" i="0" u="none" strike="noStrike" baseline="0" dirty="0">
+                <a:latin typeface="ArialMT"/>
+              </a:rPr>
+              <a:t>ניתן להשתמש בפונקציות אלה במשפטי ה- </a:t>
+            </a:r>
+            <a:r>
+              <a:rPr lang="en-US" sz="1800" b="1" i="0" u="none" strike="noStrike" baseline="0" dirty="0">
+                <a:latin typeface="ArialMT"/>
+              </a:rPr>
+              <a:t> select , order by </a:t>
+            </a:r>
+            <a:r>
+              <a:rPr lang="he-IL" sz="1800" b="1" i="0" u="none" strike="noStrike" baseline="0" dirty="0" err="1">
+                <a:latin typeface="ArialMT"/>
+              </a:rPr>
+              <a:t>וה</a:t>
+            </a:r>
+            <a:r>
+              <a:rPr lang="he-IL" sz="1800" b="1" i="0" u="none" strike="noStrike" baseline="0" dirty="0">
+                <a:latin typeface="ArialMT"/>
+              </a:rPr>
+              <a:t> – </a:t>
+            </a:r>
+            <a:r>
+              <a:rPr lang="en-US" sz="1800" b="1" i="0" u="none" strike="noStrike" baseline="0" dirty="0">
+                <a:latin typeface="ArialMT"/>
+              </a:rPr>
+              <a:t>where</a:t>
+            </a:r>
             <a:endParaRPr lang="he-IL" sz="1800" b="1" i="0" u="none" strike="noStrike" baseline="0" dirty="0">
               <a:latin typeface="ArialMT"/>
             </a:endParaRPr>
           </a:p>
+          <a:p>
+            <a:pPr algn="r" rtl="1"/>
+            <a:r>
+              <a:rPr lang="he-IL" sz="1800" b="1" dirty="0">
+                <a:latin typeface="ArialMT"/>
+              </a:rPr>
+              <a:t>תוכלו למצוא המון חומר ודוגמאות באינטרנט ובמסמך של הקורס</a:t>
+            </a:r>
+            <a:endParaRPr lang="he-IL" sz="1800" b="1" i="0" u="none" strike="noStrike" baseline="0" dirty="0">
+              <a:latin typeface="ArialMT"/>
+            </a:endParaRPr>
+          </a:p>
         </p:txBody>
       </p:sp>
       <p:sp>
@@ -11575,40 +11374,10 @@
           </a:p>
         </p:txBody>
       </p:sp>
-      <p:pic>
-        <p:nvPicPr>
-          <p:cNvPr id="7" name="Picture 6">
-            <a:extLst>
-              <a:ext uri="{FF2B5EF4-FFF2-40B4-BE49-F238E27FC236}">
-                <a16:creationId xmlns:a16="http://schemas.microsoft.com/office/drawing/2014/main" id="{06B5A552-415C-427E-AA2C-1567D5CE6B37}"/>
-              </a:ext>
-            </a:extLst>
-          </p:cNvPr>
-          <p:cNvPicPr>
-            <a:picLocks noChangeAspect="1"/>
-          </p:cNvPicPr>
-          <p:nvPr/>
-        </p:nvPicPr>
-        <p:blipFill>
-          <a:blip r:embed="rId4"/>
-          <a:stretch>
-            <a:fillRect/>
-          </a:stretch>
-        </p:blipFill>
-        <p:spPr>
-          <a:xfrm>
-            <a:off x="838200" y="3207807"/>
-            <a:ext cx="2590800" cy="3285068"/>
-          </a:xfrm>
-          <a:prstGeom prst="rect">
-            <a:avLst/>
-          </a:prstGeom>
-        </p:spPr>
-      </p:pic>
     </p:spTree>
     <p:extLst>
       <p:ext uri="{BB962C8B-B14F-4D97-AF65-F5344CB8AC3E}">
-        <p14:creationId xmlns:p14="http://schemas.microsoft.com/office/powerpoint/2010/main" val="1579072163"/>
+        <p14:creationId xmlns:p14="http://schemas.microsoft.com/office/powerpoint/2010/main" val="2008715323"/>
       </p:ext>
     </p:extLst>
   </p:cSld>
@@ -11678,7 +11447,7 @@
               <a:rPr lang="he-IL" b="1" i="0" u="none" strike="noStrike" baseline="0" dirty="0">
                 <a:latin typeface="Arial-BoldMT"/>
               </a:rPr>
-              <a:t> - מבנה השאילתה</a:t>
+              <a:t> - שילוב נתונים ממספר טבלאות</a:t>
             </a:r>
             <a:r>
               <a:rPr lang="en-US" b="1" i="0" u="none" strike="noStrike" baseline="0" dirty="0">
@@ -11706,336 +11475,48 @@
             <p:ph idx="1"/>
           </p:nvPr>
         </p:nvSpPr>
-        <p:spPr>
-          <a:xfrm>
-            <a:off x="680545" y="1494549"/>
-            <a:ext cx="10515600" cy="4351338"/>
-          </a:xfrm>
-        </p:spPr>
+        <p:spPr/>
         <p:txBody>
           <a:bodyPr>
-            <a:normAutofit fontScale="25000" lnSpcReduction="20000"/>
+            <a:normAutofit/>
           </a:bodyPr>
           <a:lstStyle/>
           <a:p>
-            <a:pPr algn="l"/>
+            <a:pPr algn="r" rtl="1"/>
+            <a:r>
+              <a:rPr lang="he-IL" sz="1800" b="1" i="0" u="none" strike="noStrike" baseline="0" dirty="0">
+                <a:latin typeface="ArialMT"/>
+              </a:rPr>
+              <a:t>כינויים לטבלאות</a:t>
+            </a:r>
+          </a:p>
+          <a:p>
+            <a:pPr algn="r" rtl="1"/>
+            <a:r>
+              <a:rPr lang="he-IL" sz="1800" b="1" i="0" u="none" strike="noStrike" baseline="0" dirty="0">
+                <a:latin typeface="ArialMT"/>
+              </a:rPr>
+              <a:t>כינויים לטבלאות מייעלים את נוחות הכתיבה ואת הקריאות של שאילתות בעיקר ב </a:t>
+            </a:r>
+            <a:r>
+              <a:rPr lang="en-US" sz="1800" b="1" i="0" u="none" strike="noStrike" baseline="0" dirty="0">
+                <a:latin typeface="ArialMT"/>
+              </a:rPr>
+              <a:t>JOIN </a:t>
+            </a:r>
+            <a:r>
+              <a:rPr lang="he-IL" sz="1800" b="1" i="0" u="none" strike="noStrike" baseline="0" dirty="0">
+                <a:latin typeface="ArialMT"/>
+              </a:rPr>
+              <a:t> , במקום לכתוב אחרי כל עמודה ועמודה שם טבלה מלא (דבר שעלול להיות מאוד ארוך ומסורבל) נשתמש בכינויים.</a:t>
+            </a:r>
+          </a:p>
+          <a:p>
+            <a:pPr algn="r" rtl="1"/>
             <a:endParaRPr lang="he-IL" sz="1800" b="1" i="0" u="none" strike="noStrike" baseline="0" dirty="0">
               <a:latin typeface="ArialMT"/>
             </a:endParaRPr>
           </a:p>
-          <a:p>
-            <a:pPr algn="l">
-              <a:lnSpc>
-                <a:spcPct val="107000"/>
-              </a:lnSpc>
-              <a:spcAft>
-                <a:spcPts val="800"/>
-              </a:spcAft>
-            </a:pPr>
-            <a:r>
-              <a:rPr lang="en-US" sz="9600" dirty="0">
-                <a:solidFill>
-                  <a:srgbClr val="0000FF"/>
-                </a:solidFill>
-                <a:effectLst/>
-                <a:latin typeface="Consolas" panose="020B0609020204030204" pitchFamily="49" charset="0"/>
-                <a:ea typeface="Calibri" panose="020F0502020204030204" pitchFamily="34" charset="0"/>
-                <a:cs typeface="Consolas" panose="020B0609020204030204" pitchFamily="49" charset="0"/>
-              </a:rPr>
-              <a:t>In this query we are getting data from 2 tables:</a:t>
-            </a:r>
-            <a:endParaRPr lang="en-US" sz="9600" dirty="0">
-              <a:effectLst/>
-              <a:latin typeface="Calibri" panose="020F0502020204030204" pitchFamily="34" charset="0"/>
-              <a:ea typeface="Calibri" panose="020F0502020204030204" pitchFamily="34" charset="0"/>
-              <a:cs typeface="Arial" panose="020B0604020202020204" pitchFamily="34" charset="0"/>
-            </a:endParaRPr>
-          </a:p>
-          <a:p>
-            <a:pPr algn="l">
-              <a:lnSpc>
-                <a:spcPct val="107000"/>
-              </a:lnSpc>
-              <a:spcAft>
-                <a:spcPts val="800"/>
-              </a:spcAft>
-            </a:pPr>
-            <a:r>
-              <a:rPr lang="en-US" sz="9600" dirty="0">
-                <a:solidFill>
-                  <a:srgbClr val="000000"/>
-                </a:solidFill>
-                <a:effectLst/>
-                <a:latin typeface="Consolas" panose="020B0609020204030204" pitchFamily="49" charset="0"/>
-                <a:ea typeface="Calibri" panose="020F0502020204030204" pitchFamily="34" charset="0"/>
-                <a:cs typeface="Consolas" panose="020B0609020204030204" pitchFamily="49" charset="0"/>
-              </a:rPr>
-              <a:t>Products p</a:t>
-            </a:r>
-            <a:endParaRPr lang="en-US" sz="9600" dirty="0">
-              <a:effectLst/>
-              <a:latin typeface="Calibri" panose="020F0502020204030204" pitchFamily="34" charset="0"/>
-              <a:ea typeface="Calibri" panose="020F0502020204030204" pitchFamily="34" charset="0"/>
-              <a:cs typeface="Arial" panose="020B0604020202020204" pitchFamily="34" charset="0"/>
-            </a:endParaRPr>
-          </a:p>
-          <a:p>
-            <a:pPr algn="l">
-              <a:lnSpc>
-                <a:spcPct val="107000"/>
-              </a:lnSpc>
-              <a:spcAft>
-                <a:spcPts val="800"/>
-              </a:spcAft>
-            </a:pPr>
-            <a:r>
-              <a:rPr lang="en-US" sz="9600" dirty="0">
-                <a:solidFill>
-                  <a:srgbClr val="000000"/>
-                </a:solidFill>
-                <a:effectLst/>
-                <a:latin typeface="Consolas" panose="020B0609020204030204" pitchFamily="49" charset="0"/>
-                <a:ea typeface="Calibri" panose="020F0502020204030204" pitchFamily="34" charset="0"/>
-                <a:cs typeface="Consolas" panose="020B0609020204030204" pitchFamily="49" charset="0"/>
-              </a:rPr>
-              <a:t>Categories </a:t>
-            </a:r>
-            <a:r>
-              <a:rPr lang="en-US" sz="9600" dirty="0">
-                <a:solidFill>
-                  <a:srgbClr val="0000FF"/>
-                </a:solidFill>
-                <a:effectLst/>
-                <a:latin typeface="Consolas" panose="020B0609020204030204" pitchFamily="49" charset="0"/>
-                <a:ea typeface="Calibri" panose="020F0502020204030204" pitchFamily="34" charset="0"/>
-                <a:cs typeface="Consolas" panose="020B0609020204030204" pitchFamily="49" charset="0"/>
-              </a:rPr>
-              <a:t>c</a:t>
-            </a:r>
-            <a:endParaRPr lang="en-US" sz="9600" dirty="0">
-              <a:effectLst/>
-              <a:latin typeface="Calibri" panose="020F0502020204030204" pitchFamily="34" charset="0"/>
-              <a:ea typeface="Calibri" panose="020F0502020204030204" pitchFamily="34" charset="0"/>
-              <a:cs typeface="Arial" panose="020B0604020202020204" pitchFamily="34" charset="0"/>
-            </a:endParaRPr>
-          </a:p>
-          <a:p>
-            <a:pPr algn="l">
-              <a:lnSpc>
-                <a:spcPct val="107000"/>
-              </a:lnSpc>
-              <a:spcAft>
-                <a:spcPts val="800"/>
-              </a:spcAft>
-            </a:pPr>
-            <a:r>
-              <a:rPr lang="en-US" sz="9600" dirty="0">
-                <a:solidFill>
-                  <a:srgbClr val="000000"/>
-                </a:solidFill>
-                <a:effectLst/>
-                <a:latin typeface="Consolas" panose="020B0609020204030204" pitchFamily="49" charset="0"/>
-                <a:ea typeface="Calibri" panose="020F0502020204030204" pitchFamily="34" charset="0"/>
-                <a:cs typeface="Consolas" panose="020B0609020204030204" pitchFamily="49" charset="0"/>
-              </a:rPr>
-              <a:t>From Products p we select </a:t>
-            </a:r>
-            <a:r>
-              <a:rPr lang="en-US" sz="9600" dirty="0" err="1">
-                <a:solidFill>
-                  <a:srgbClr val="000000"/>
-                </a:solidFill>
-                <a:effectLst/>
-                <a:latin typeface="Consolas" panose="020B0609020204030204" pitchFamily="49" charset="0"/>
-                <a:ea typeface="Calibri" panose="020F0502020204030204" pitchFamily="34" charset="0"/>
-                <a:cs typeface="Consolas" panose="020B0609020204030204" pitchFamily="49" charset="0"/>
-              </a:rPr>
-              <a:t>p</a:t>
-            </a:r>
-            <a:r>
-              <a:rPr lang="en-US" sz="9600" dirty="0" err="1">
-                <a:solidFill>
-                  <a:srgbClr val="808080"/>
-                </a:solidFill>
-                <a:effectLst/>
-                <a:latin typeface="Consolas" panose="020B0609020204030204" pitchFamily="49" charset="0"/>
-                <a:ea typeface="Calibri" panose="020F0502020204030204" pitchFamily="34" charset="0"/>
-                <a:cs typeface="Consolas" panose="020B0609020204030204" pitchFamily="49" charset="0"/>
-              </a:rPr>
-              <a:t>.</a:t>
-            </a:r>
-            <a:r>
-              <a:rPr lang="en-US" sz="9600" dirty="0" err="1">
-                <a:solidFill>
-                  <a:srgbClr val="000000"/>
-                </a:solidFill>
-                <a:effectLst/>
-                <a:latin typeface="Consolas" panose="020B0609020204030204" pitchFamily="49" charset="0"/>
-                <a:ea typeface="Calibri" panose="020F0502020204030204" pitchFamily="34" charset="0"/>
-                <a:cs typeface="Consolas" panose="020B0609020204030204" pitchFamily="49" charset="0"/>
-              </a:rPr>
-              <a:t>ProductName</a:t>
-            </a:r>
-            <a:endParaRPr lang="en-US" sz="9600" dirty="0">
-              <a:effectLst/>
-              <a:latin typeface="Calibri" panose="020F0502020204030204" pitchFamily="34" charset="0"/>
-              <a:ea typeface="Calibri" panose="020F0502020204030204" pitchFamily="34" charset="0"/>
-              <a:cs typeface="Arial" panose="020B0604020202020204" pitchFamily="34" charset="0"/>
-            </a:endParaRPr>
-          </a:p>
-          <a:p>
-            <a:pPr algn="l">
-              <a:lnSpc>
-                <a:spcPct val="107000"/>
-              </a:lnSpc>
-              <a:spcAft>
-                <a:spcPts val="800"/>
-              </a:spcAft>
-            </a:pPr>
-            <a:r>
-              <a:rPr lang="en-US" sz="9600" dirty="0">
-                <a:solidFill>
-                  <a:srgbClr val="000000"/>
-                </a:solidFill>
-                <a:effectLst/>
-                <a:latin typeface="Consolas" panose="020B0609020204030204" pitchFamily="49" charset="0"/>
-                <a:ea typeface="Calibri" panose="020F0502020204030204" pitchFamily="34" charset="0"/>
-                <a:cs typeface="Consolas" panose="020B0609020204030204" pitchFamily="49" charset="0"/>
-              </a:rPr>
-              <a:t>From Categories we select </a:t>
-            </a:r>
-            <a:r>
-              <a:rPr lang="en-US" sz="9600" dirty="0" err="1">
-                <a:solidFill>
-                  <a:srgbClr val="000000"/>
-                </a:solidFill>
-                <a:effectLst/>
-                <a:latin typeface="Consolas" panose="020B0609020204030204" pitchFamily="49" charset="0"/>
-                <a:ea typeface="Calibri" panose="020F0502020204030204" pitchFamily="34" charset="0"/>
-                <a:cs typeface="Consolas" panose="020B0609020204030204" pitchFamily="49" charset="0"/>
-              </a:rPr>
-              <a:t>c</a:t>
-            </a:r>
-            <a:r>
-              <a:rPr lang="en-US" sz="9600" dirty="0" err="1">
-                <a:solidFill>
-                  <a:srgbClr val="808080"/>
-                </a:solidFill>
-                <a:effectLst/>
-                <a:latin typeface="Consolas" panose="020B0609020204030204" pitchFamily="49" charset="0"/>
-                <a:ea typeface="Calibri" panose="020F0502020204030204" pitchFamily="34" charset="0"/>
-                <a:cs typeface="Consolas" panose="020B0609020204030204" pitchFamily="49" charset="0"/>
-              </a:rPr>
-              <a:t>.</a:t>
-            </a:r>
-            <a:r>
-              <a:rPr lang="en-US" sz="9600" dirty="0" err="1">
-                <a:solidFill>
-                  <a:srgbClr val="000000"/>
-                </a:solidFill>
-                <a:effectLst/>
-                <a:latin typeface="Consolas" panose="020B0609020204030204" pitchFamily="49" charset="0"/>
-                <a:ea typeface="Calibri" panose="020F0502020204030204" pitchFamily="34" charset="0"/>
-                <a:cs typeface="Consolas" panose="020B0609020204030204" pitchFamily="49" charset="0"/>
-              </a:rPr>
-              <a:t>CategoryName</a:t>
-            </a:r>
-            <a:endParaRPr lang="en-US" sz="9600" dirty="0">
-              <a:effectLst/>
-              <a:latin typeface="Calibri" panose="020F0502020204030204" pitchFamily="34" charset="0"/>
-              <a:ea typeface="Calibri" panose="020F0502020204030204" pitchFamily="34" charset="0"/>
-              <a:cs typeface="Arial" panose="020B0604020202020204" pitchFamily="34" charset="0"/>
-            </a:endParaRPr>
-          </a:p>
-          <a:p>
-            <a:pPr algn="l">
-              <a:lnSpc>
-                <a:spcPct val="107000"/>
-              </a:lnSpc>
-              <a:spcAft>
-                <a:spcPts val="800"/>
-              </a:spcAft>
-            </a:pPr>
-            <a:r>
-              <a:rPr lang="en-US" sz="9600" dirty="0">
-                <a:solidFill>
-                  <a:srgbClr val="000000"/>
-                </a:solidFill>
-                <a:effectLst/>
-                <a:latin typeface="Consolas" panose="020B0609020204030204" pitchFamily="49" charset="0"/>
-                <a:ea typeface="Calibri" panose="020F0502020204030204" pitchFamily="34" charset="0"/>
-                <a:cs typeface="Consolas" panose="020B0609020204030204" pitchFamily="49" charset="0"/>
-              </a:rPr>
-              <a:t>We can connect this tables because both of the tables have filed in common </a:t>
-            </a:r>
-            <a:endParaRPr lang="en-US" sz="9600" dirty="0">
-              <a:effectLst/>
-              <a:latin typeface="Calibri" panose="020F0502020204030204" pitchFamily="34" charset="0"/>
-              <a:ea typeface="Calibri" panose="020F0502020204030204" pitchFamily="34" charset="0"/>
-              <a:cs typeface="Arial" panose="020B0604020202020204" pitchFamily="34" charset="0"/>
-            </a:endParaRPr>
-          </a:p>
-          <a:p>
-            <a:pPr algn="l">
-              <a:lnSpc>
-                <a:spcPct val="107000"/>
-              </a:lnSpc>
-              <a:spcAft>
-                <a:spcPts val="800"/>
-              </a:spcAft>
-            </a:pPr>
-            <a:r>
-              <a:rPr lang="en-US" sz="9600" dirty="0">
-                <a:solidFill>
-                  <a:srgbClr val="000000"/>
-                </a:solidFill>
-                <a:effectLst/>
-                <a:latin typeface="Consolas" panose="020B0609020204030204" pitchFamily="49" charset="0"/>
-                <a:ea typeface="Calibri" panose="020F0502020204030204" pitchFamily="34" charset="0"/>
-                <a:cs typeface="Consolas" panose="020B0609020204030204" pitchFamily="49" charset="0"/>
-              </a:rPr>
-              <a:t>The files category id from Products p Exist in Categories </a:t>
-            </a:r>
-            <a:r>
-              <a:rPr lang="en-US" sz="9600" dirty="0">
-                <a:solidFill>
-                  <a:srgbClr val="0000FF"/>
-                </a:solidFill>
-                <a:effectLst/>
-                <a:latin typeface="Consolas" panose="020B0609020204030204" pitchFamily="49" charset="0"/>
-                <a:ea typeface="Calibri" panose="020F0502020204030204" pitchFamily="34" charset="0"/>
-                <a:cs typeface="Consolas" panose="020B0609020204030204" pitchFamily="49" charset="0"/>
-              </a:rPr>
-              <a:t>c</a:t>
-            </a:r>
-            <a:endParaRPr lang="en-US" sz="9600" dirty="0">
-              <a:effectLst/>
-              <a:latin typeface="Calibri" panose="020F0502020204030204" pitchFamily="34" charset="0"/>
-              <a:ea typeface="Calibri" panose="020F0502020204030204" pitchFamily="34" charset="0"/>
-              <a:cs typeface="Arial" panose="020B0604020202020204" pitchFamily="34" charset="0"/>
-            </a:endParaRPr>
-          </a:p>
-          <a:p>
-            <a:pPr algn="l">
-              <a:lnSpc>
-                <a:spcPct val="107000"/>
-              </a:lnSpc>
-              <a:spcAft>
-                <a:spcPts val="800"/>
-              </a:spcAft>
-            </a:pPr>
-            <a:endParaRPr lang="en-US" sz="12000" dirty="0">
-              <a:effectLst/>
-              <a:latin typeface="Calibri" panose="020F0502020204030204" pitchFamily="34" charset="0"/>
-              <a:ea typeface="Calibri" panose="020F0502020204030204" pitchFamily="34" charset="0"/>
-              <a:cs typeface="Arial" panose="020B0604020202020204" pitchFamily="34" charset="0"/>
-            </a:endParaRPr>
-          </a:p>
-          <a:p>
-            <a:endParaRPr lang="he-IL" sz="1800" b="1" i="0" u="none" strike="noStrike" baseline="0" dirty="0">
-              <a:latin typeface="ArialMT"/>
-            </a:endParaRPr>
-          </a:p>
         </p:txBody>
       </p:sp>
       <p:sp>
@@ -12069,10 +11550,10 @@
       </p:sp>
       <p:pic>
         <p:nvPicPr>
-          <p:cNvPr id="9" name="Picture 8">
-            <a:extLst>
-              <a:ext uri="{FF2B5EF4-FFF2-40B4-BE49-F238E27FC236}">
-                <a16:creationId xmlns:a16="http://schemas.microsoft.com/office/drawing/2014/main" id="{96865DD8-D332-4FDB-86E9-3BC3569C6E42}"/>
+          <p:cNvPr id="6" name="Picture 5">
+            <a:extLst>
+              <a:ext uri="{FF2B5EF4-FFF2-40B4-BE49-F238E27FC236}">
+                <a16:creationId xmlns:a16="http://schemas.microsoft.com/office/drawing/2014/main" id="{E6B0E13F-FA8A-4EDF-939B-D439E5F09878}"/>
               </a:ext>
             </a:extLst>
           </p:cNvPr>
@@ -12089,8 +11570,38 @@
         </p:blipFill>
         <p:spPr>
           <a:xfrm>
-            <a:off x="5938345" y="2072542"/>
-            <a:ext cx="3961707" cy="1261877"/>
+            <a:off x="838200" y="2739541"/>
+            <a:ext cx="4797972" cy="3437422"/>
+          </a:xfrm>
+          <a:prstGeom prst="rect">
+            <a:avLst/>
+          </a:prstGeom>
+        </p:spPr>
+      </p:pic>
+      <p:pic>
+        <p:nvPicPr>
+          <p:cNvPr id="8" name="Picture 7">
+            <a:extLst>
+              <a:ext uri="{FF2B5EF4-FFF2-40B4-BE49-F238E27FC236}">
+                <a16:creationId xmlns:a16="http://schemas.microsoft.com/office/drawing/2014/main" id="{51F12BCA-80D9-47A9-B73B-D0399A00E75D}"/>
+              </a:ext>
+            </a:extLst>
+          </p:cNvPr>
+          <p:cNvPicPr>
+            <a:picLocks noChangeAspect="1"/>
+          </p:cNvPicPr>
+          <p:nvPr/>
+        </p:nvPicPr>
+        <p:blipFill>
+          <a:blip r:embed="rId5"/>
+          <a:stretch>
+            <a:fillRect/>
+          </a:stretch>
+        </p:blipFill>
+        <p:spPr>
+          <a:xfrm>
+            <a:off x="5738648" y="2762048"/>
+            <a:ext cx="6264166" cy="2171812"/>
           </a:xfrm>
           <a:prstGeom prst="rect">
             <a:avLst/>
@@ -12100,7 +11611,7 @@
     </p:spTree>
     <p:extLst>
       <p:ext uri="{BB962C8B-B14F-4D97-AF65-F5344CB8AC3E}">
-        <p14:creationId xmlns:p14="http://schemas.microsoft.com/office/powerpoint/2010/main" val="3615860694"/>
+        <p14:creationId xmlns:p14="http://schemas.microsoft.com/office/powerpoint/2010/main" val="1703480850"/>
       </p:ext>
     </p:extLst>
   </p:cSld>
@@ -12374,6 +11885,750 @@
             <p:ph idx="1"/>
           </p:nvPr>
         </p:nvSpPr>
+        <p:spPr/>
+        <p:txBody>
+          <a:bodyPr>
+            <a:normAutofit/>
+          </a:bodyPr>
+          <a:lstStyle/>
+          <a:p>
+            <a:pPr algn="r" rtl="1"/>
+            <a:r>
+              <a:rPr lang="he-IL" sz="1800" b="1" i="0" u="none" strike="noStrike" baseline="0" dirty="0">
+                <a:latin typeface="ArialMT"/>
+              </a:rPr>
+              <a:t>מטרת השאילתה להביא נתונים מטבלאות שונות הקשר בין הטבלאות יתבצע ע"י שימוש ב </a:t>
+            </a:r>
+            <a:r>
+              <a:rPr lang="en-US" sz="1800" b="1" i="0" dirty="0">
+                <a:solidFill>
+                  <a:srgbClr val="000000"/>
+                </a:solidFill>
+                <a:effectLst/>
+                <a:latin typeface="Arial" panose="020B0604020202020204" pitchFamily="34" charset="0"/>
+              </a:rPr>
+              <a:t>Foreign Key</a:t>
+            </a:r>
+            <a:r>
+              <a:rPr lang="he-IL" sz="1800" b="1" i="0" u="none" strike="noStrike" baseline="0" dirty="0">
+                <a:latin typeface="ArialMT"/>
+              </a:rPr>
+              <a:t> </a:t>
+            </a:r>
+          </a:p>
+          <a:p>
+            <a:pPr algn="r" rtl="1"/>
+            <a:r>
+              <a:rPr lang="he-IL" sz="1800" b="1" i="0" u="none" strike="noStrike" baseline="0" dirty="0">
+                <a:latin typeface="ArialMT"/>
+              </a:rPr>
+              <a:t>חזרה על מושג מפתחות:</a:t>
+            </a:r>
+          </a:p>
+          <a:p>
+            <a:pPr algn="r" rtl="1"/>
+            <a:r>
+              <a:rPr lang="en-US" sz="1200" b="1" i="0" dirty="0">
+                <a:solidFill>
+                  <a:srgbClr val="000000"/>
+                </a:solidFill>
+                <a:effectLst/>
+                <a:latin typeface="Arial" panose="020B0604020202020204" pitchFamily="34" charset="0"/>
+              </a:rPr>
+              <a:t>Primary Key</a:t>
+            </a:r>
+            <a:r>
+              <a:rPr lang="he-IL" sz="1800" b="1" i="0" u="none" strike="noStrike" baseline="0" dirty="0">
+                <a:latin typeface="ArialMT"/>
+              </a:rPr>
+              <a:t> המפתח הראשי, הוא עמודה אחת או יותר, שבעזרתן ניתן לזהות את הרשומה באופן חד-חד-ערכי</a:t>
+            </a:r>
+          </a:p>
+          <a:p>
+            <a:pPr algn="r" rtl="1"/>
+            <a:r>
+              <a:rPr lang="en-US" sz="1200" b="1" i="0" dirty="0">
+                <a:solidFill>
+                  <a:srgbClr val="000000"/>
+                </a:solidFill>
+                <a:effectLst/>
+                <a:latin typeface="Arial" panose="020B0604020202020204" pitchFamily="34" charset="0"/>
+              </a:rPr>
+              <a:t>Foreign Key</a:t>
+            </a:r>
+            <a:r>
+              <a:rPr lang="he-IL" sz="1800" b="1" dirty="0">
+                <a:latin typeface="ArialMT"/>
+              </a:rPr>
+              <a:t> מפתח זר ערך בעמודה כל שהיא בטבלה המקושרת לטבלה אחרת בה אותו ערך משמש כמפתח ראשי</a:t>
+            </a:r>
+          </a:p>
+          <a:p>
+            <a:pPr algn="r" rtl="1"/>
+            <a:endParaRPr lang="he-IL" sz="1800" b="1" i="0" u="none" strike="noStrike" baseline="0" dirty="0">
+              <a:latin typeface="ArialMT"/>
+            </a:endParaRPr>
+          </a:p>
+          <a:p>
+            <a:pPr algn="r" rtl="1"/>
+            <a:endParaRPr lang="he-IL" sz="1800" b="1" i="0" u="none" strike="noStrike" baseline="0" dirty="0">
+              <a:latin typeface="ArialMT"/>
+            </a:endParaRPr>
+          </a:p>
+        </p:txBody>
+      </p:sp>
+      <p:sp>
+        <p:nvSpPr>
+          <p:cNvPr id="4" name="Footer Placeholder 3">
+            <a:extLst>
+              <a:ext uri="{FF2B5EF4-FFF2-40B4-BE49-F238E27FC236}">
+                <a16:creationId xmlns:a16="http://schemas.microsoft.com/office/drawing/2014/main" id="{E383C24D-BEA6-474F-A840-896AD0E01479}"/>
+              </a:ext>
+            </a:extLst>
+          </p:cNvPr>
+          <p:cNvSpPr>
+            <a:spLocks noGrp="1"/>
+          </p:cNvSpPr>
+          <p:nvPr>
+            <p:ph type="ftr" sz="quarter" idx="11"/>
+          </p:nvPr>
+        </p:nvSpPr>
+        <p:spPr/>
+        <p:txBody>
+          <a:bodyPr/>
+          <a:lstStyle/>
+          <a:p>
+            <a:r>
+              <a:rPr lang="en-US"/>
+              <a:t>avidary@gmail.com  2002 (c)</a:t>
+            </a:r>
+            <a:endParaRPr lang="he-IL"/>
+          </a:p>
+        </p:txBody>
+      </p:sp>
+      <p:pic>
+        <p:nvPicPr>
+          <p:cNvPr id="7" name="Picture 6">
+            <a:extLst>
+              <a:ext uri="{FF2B5EF4-FFF2-40B4-BE49-F238E27FC236}">
+                <a16:creationId xmlns:a16="http://schemas.microsoft.com/office/drawing/2014/main" id="{06B5A552-415C-427E-AA2C-1567D5CE6B37}"/>
+              </a:ext>
+            </a:extLst>
+          </p:cNvPr>
+          <p:cNvPicPr>
+            <a:picLocks noChangeAspect="1"/>
+          </p:cNvPicPr>
+          <p:nvPr/>
+        </p:nvPicPr>
+        <p:blipFill>
+          <a:blip r:embed="rId4"/>
+          <a:stretch>
+            <a:fillRect/>
+          </a:stretch>
+        </p:blipFill>
+        <p:spPr>
+          <a:xfrm>
+            <a:off x="838200" y="3207807"/>
+            <a:ext cx="2590800" cy="3285068"/>
+          </a:xfrm>
+          <a:prstGeom prst="rect">
+            <a:avLst/>
+          </a:prstGeom>
+        </p:spPr>
+      </p:pic>
+    </p:spTree>
+    <p:extLst>
+      <p:ext uri="{BB962C8B-B14F-4D97-AF65-F5344CB8AC3E}">
+        <p14:creationId xmlns:p14="http://schemas.microsoft.com/office/powerpoint/2010/main" val="1579072163"/>
+      </p:ext>
+    </p:extLst>
+  </p:cSld>
+  <p:clrMapOvr>
+    <a:overrideClrMapping bg1="lt1" tx1="dk1" bg2="lt2" tx2="dk2" accent1="accent1" accent2="accent2" accent3="accent3" accent4="accent4" accent5="accent5" accent6="accent6" hlink="hlink" folHlink="folHlink"/>
+  </p:clrMapOvr>
+</p:sld>
+</file>
+
+<file path=ppt/slides/slide41.xml><?xml version="1.0" encoding="utf-8"?>
+<p:sld xmlns:a="http://schemas.openxmlformats.org/drawingml/2006/main" xmlns:r="http://schemas.openxmlformats.org/officeDocument/2006/relationships" xmlns:p="http://schemas.openxmlformats.org/presentationml/2006/main">
+  <p:cSld>
+    <p:bg>
+      <p:bgPr>
+        <a:blipFill dpi="0" rotWithShape="1">
+          <a:blip r:embed="rId3">
+            <a:alphaModFix amt="68000"/>
+            <a:lum/>
+          </a:blip>
+          <a:srcRect/>
+          <a:stretch>
+            <a:fillRect/>
+          </a:stretch>
+        </a:blipFill>
+        <a:effectLst/>
+      </p:bgPr>
+    </p:bg>
+    <p:spTree>
+      <p:nvGrpSpPr>
+        <p:cNvPr id="1" name=""/>
+        <p:cNvGrpSpPr/>
+        <p:nvPr/>
+      </p:nvGrpSpPr>
+      <p:grpSpPr>
+        <a:xfrm>
+          <a:off x="0" y="0"/>
+          <a:ext cx="0" cy="0"/>
+          <a:chOff x="0" y="0"/>
+          <a:chExt cx="0" cy="0"/>
+        </a:xfrm>
+      </p:grpSpPr>
+      <p:sp>
+        <p:nvSpPr>
+          <p:cNvPr id="2" name="Title 1">
+            <a:extLst>
+              <a:ext uri="{FF2B5EF4-FFF2-40B4-BE49-F238E27FC236}">
+                <a16:creationId xmlns:a16="http://schemas.microsoft.com/office/drawing/2014/main" id="{BE5D6318-C76E-4A76-B0D4-6127F014C1EE}"/>
+              </a:ext>
+            </a:extLst>
+          </p:cNvPr>
+          <p:cNvSpPr>
+            <a:spLocks noGrp="1"/>
+          </p:cNvSpPr>
+          <p:nvPr>
+            <p:ph type="title"/>
+          </p:nvPr>
+        </p:nvSpPr>
+        <p:spPr/>
+        <p:txBody>
+          <a:bodyPr>
+            <a:normAutofit/>
+          </a:bodyPr>
+          <a:lstStyle/>
+          <a:p>
+            <a:pPr algn="r"/>
+            <a:r>
+              <a:rPr lang="he-IL" b="1" i="0" u="none" strike="noStrike" baseline="0" dirty="0">
+                <a:latin typeface="Arial-BoldMT"/>
+              </a:rPr>
+              <a:t> - מבנה השאילתה</a:t>
+            </a:r>
+            <a:r>
+              <a:rPr lang="en-US" b="1" i="0" u="none" strike="noStrike" baseline="0" dirty="0">
+                <a:latin typeface="Arial-BoldMT"/>
+              </a:rPr>
+              <a:t>Join</a:t>
+            </a:r>
+            <a:endParaRPr lang="he-IL" dirty="0"/>
+          </a:p>
+        </p:txBody>
+      </p:sp>
+      <p:sp>
+        <p:nvSpPr>
+          <p:cNvPr id="3" name="Content Placeholder 2">
+            <a:extLst>
+              <a:ext uri="{FF2B5EF4-FFF2-40B4-BE49-F238E27FC236}">
+                <a16:creationId xmlns:a16="http://schemas.microsoft.com/office/drawing/2014/main" id="{3E0CD643-5062-49E7-9B33-0A24A2E3AEE0}"/>
+              </a:ext>
+            </a:extLst>
+          </p:cNvPr>
+          <p:cNvSpPr>
+            <a:spLocks noGrp="1"/>
+          </p:cNvSpPr>
+          <p:nvPr>
+            <p:ph idx="1"/>
+          </p:nvPr>
+        </p:nvSpPr>
+        <p:spPr>
+          <a:xfrm>
+            <a:off x="680545" y="1494549"/>
+            <a:ext cx="10515600" cy="4351338"/>
+          </a:xfrm>
+        </p:spPr>
+        <p:txBody>
+          <a:bodyPr>
+            <a:normAutofit fontScale="25000" lnSpcReduction="20000"/>
+          </a:bodyPr>
+          <a:lstStyle/>
+          <a:p>
+            <a:pPr algn="l"/>
+            <a:endParaRPr lang="he-IL" sz="1800" b="1" i="0" u="none" strike="noStrike" baseline="0" dirty="0">
+              <a:latin typeface="ArialMT"/>
+            </a:endParaRPr>
+          </a:p>
+          <a:p>
+            <a:pPr algn="l">
+              <a:lnSpc>
+                <a:spcPct val="107000"/>
+              </a:lnSpc>
+              <a:spcAft>
+                <a:spcPts val="800"/>
+              </a:spcAft>
+            </a:pPr>
+            <a:r>
+              <a:rPr lang="en-US" sz="9600" dirty="0">
+                <a:solidFill>
+                  <a:srgbClr val="0000FF"/>
+                </a:solidFill>
+                <a:effectLst/>
+                <a:latin typeface="Consolas" panose="020B0609020204030204" pitchFamily="49" charset="0"/>
+                <a:ea typeface="Calibri" panose="020F0502020204030204" pitchFamily="34" charset="0"/>
+                <a:cs typeface="Consolas" panose="020B0609020204030204" pitchFamily="49" charset="0"/>
+              </a:rPr>
+              <a:t>In this query we are getting data from 2 tables:</a:t>
+            </a:r>
+            <a:endParaRPr lang="en-US" sz="9600" dirty="0">
+              <a:effectLst/>
+              <a:latin typeface="Calibri" panose="020F0502020204030204" pitchFamily="34" charset="0"/>
+              <a:ea typeface="Calibri" panose="020F0502020204030204" pitchFamily="34" charset="0"/>
+              <a:cs typeface="Arial" panose="020B0604020202020204" pitchFamily="34" charset="0"/>
+            </a:endParaRPr>
+          </a:p>
+          <a:p>
+            <a:pPr algn="l">
+              <a:lnSpc>
+                <a:spcPct val="107000"/>
+              </a:lnSpc>
+              <a:spcAft>
+                <a:spcPts val="800"/>
+              </a:spcAft>
+            </a:pPr>
+            <a:r>
+              <a:rPr lang="en-US" sz="9600" dirty="0">
+                <a:solidFill>
+                  <a:srgbClr val="000000"/>
+                </a:solidFill>
+                <a:effectLst/>
+                <a:latin typeface="Consolas" panose="020B0609020204030204" pitchFamily="49" charset="0"/>
+                <a:ea typeface="Calibri" panose="020F0502020204030204" pitchFamily="34" charset="0"/>
+                <a:cs typeface="Consolas" panose="020B0609020204030204" pitchFamily="49" charset="0"/>
+              </a:rPr>
+              <a:t>Products p</a:t>
+            </a:r>
+            <a:endParaRPr lang="en-US" sz="9600" dirty="0">
+              <a:effectLst/>
+              <a:latin typeface="Calibri" panose="020F0502020204030204" pitchFamily="34" charset="0"/>
+              <a:ea typeface="Calibri" panose="020F0502020204030204" pitchFamily="34" charset="0"/>
+              <a:cs typeface="Arial" panose="020B0604020202020204" pitchFamily="34" charset="0"/>
+            </a:endParaRPr>
+          </a:p>
+          <a:p>
+            <a:pPr algn="l">
+              <a:lnSpc>
+                <a:spcPct val="107000"/>
+              </a:lnSpc>
+              <a:spcAft>
+                <a:spcPts val="800"/>
+              </a:spcAft>
+            </a:pPr>
+            <a:r>
+              <a:rPr lang="en-US" sz="9600" dirty="0">
+                <a:solidFill>
+                  <a:srgbClr val="000000"/>
+                </a:solidFill>
+                <a:effectLst/>
+                <a:latin typeface="Consolas" panose="020B0609020204030204" pitchFamily="49" charset="0"/>
+                <a:ea typeface="Calibri" panose="020F0502020204030204" pitchFamily="34" charset="0"/>
+                <a:cs typeface="Consolas" panose="020B0609020204030204" pitchFamily="49" charset="0"/>
+              </a:rPr>
+              <a:t>Categories </a:t>
+            </a:r>
+            <a:r>
+              <a:rPr lang="en-US" sz="9600" dirty="0">
+                <a:solidFill>
+                  <a:srgbClr val="0000FF"/>
+                </a:solidFill>
+                <a:effectLst/>
+                <a:latin typeface="Consolas" panose="020B0609020204030204" pitchFamily="49" charset="0"/>
+                <a:ea typeface="Calibri" panose="020F0502020204030204" pitchFamily="34" charset="0"/>
+                <a:cs typeface="Consolas" panose="020B0609020204030204" pitchFamily="49" charset="0"/>
+              </a:rPr>
+              <a:t>c</a:t>
+            </a:r>
+            <a:endParaRPr lang="en-US" sz="9600" dirty="0">
+              <a:effectLst/>
+              <a:latin typeface="Calibri" panose="020F0502020204030204" pitchFamily="34" charset="0"/>
+              <a:ea typeface="Calibri" panose="020F0502020204030204" pitchFamily="34" charset="0"/>
+              <a:cs typeface="Arial" panose="020B0604020202020204" pitchFamily="34" charset="0"/>
+            </a:endParaRPr>
+          </a:p>
+          <a:p>
+            <a:pPr algn="l">
+              <a:lnSpc>
+                <a:spcPct val="107000"/>
+              </a:lnSpc>
+              <a:spcAft>
+                <a:spcPts val="800"/>
+              </a:spcAft>
+            </a:pPr>
+            <a:r>
+              <a:rPr lang="en-US" sz="9600" dirty="0">
+                <a:solidFill>
+                  <a:srgbClr val="000000"/>
+                </a:solidFill>
+                <a:effectLst/>
+                <a:latin typeface="Consolas" panose="020B0609020204030204" pitchFamily="49" charset="0"/>
+                <a:ea typeface="Calibri" panose="020F0502020204030204" pitchFamily="34" charset="0"/>
+                <a:cs typeface="Consolas" panose="020B0609020204030204" pitchFamily="49" charset="0"/>
+              </a:rPr>
+              <a:t>From Products p we select </a:t>
+            </a:r>
+            <a:r>
+              <a:rPr lang="en-US" sz="9600" dirty="0" err="1">
+                <a:solidFill>
+                  <a:srgbClr val="000000"/>
+                </a:solidFill>
+                <a:effectLst/>
+                <a:latin typeface="Consolas" panose="020B0609020204030204" pitchFamily="49" charset="0"/>
+                <a:ea typeface="Calibri" panose="020F0502020204030204" pitchFamily="34" charset="0"/>
+                <a:cs typeface="Consolas" panose="020B0609020204030204" pitchFamily="49" charset="0"/>
+              </a:rPr>
+              <a:t>p</a:t>
+            </a:r>
+            <a:r>
+              <a:rPr lang="en-US" sz="9600" dirty="0" err="1">
+                <a:solidFill>
+                  <a:srgbClr val="808080"/>
+                </a:solidFill>
+                <a:effectLst/>
+                <a:latin typeface="Consolas" panose="020B0609020204030204" pitchFamily="49" charset="0"/>
+                <a:ea typeface="Calibri" panose="020F0502020204030204" pitchFamily="34" charset="0"/>
+                <a:cs typeface="Consolas" panose="020B0609020204030204" pitchFamily="49" charset="0"/>
+              </a:rPr>
+              <a:t>.</a:t>
+            </a:r>
+            <a:r>
+              <a:rPr lang="en-US" sz="9600" dirty="0" err="1">
+                <a:solidFill>
+                  <a:srgbClr val="000000"/>
+                </a:solidFill>
+                <a:effectLst/>
+                <a:latin typeface="Consolas" panose="020B0609020204030204" pitchFamily="49" charset="0"/>
+                <a:ea typeface="Calibri" panose="020F0502020204030204" pitchFamily="34" charset="0"/>
+                <a:cs typeface="Consolas" panose="020B0609020204030204" pitchFamily="49" charset="0"/>
+              </a:rPr>
+              <a:t>ProductName</a:t>
+            </a:r>
+            <a:endParaRPr lang="en-US" sz="9600" dirty="0">
+              <a:effectLst/>
+              <a:latin typeface="Calibri" panose="020F0502020204030204" pitchFamily="34" charset="0"/>
+              <a:ea typeface="Calibri" panose="020F0502020204030204" pitchFamily="34" charset="0"/>
+              <a:cs typeface="Arial" panose="020B0604020202020204" pitchFamily="34" charset="0"/>
+            </a:endParaRPr>
+          </a:p>
+          <a:p>
+            <a:pPr algn="l">
+              <a:lnSpc>
+                <a:spcPct val="107000"/>
+              </a:lnSpc>
+              <a:spcAft>
+                <a:spcPts val="800"/>
+              </a:spcAft>
+            </a:pPr>
+            <a:r>
+              <a:rPr lang="en-US" sz="9600" dirty="0">
+                <a:solidFill>
+                  <a:srgbClr val="000000"/>
+                </a:solidFill>
+                <a:effectLst/>
+                <a:latin typeface="Consolas" panose="020B0609020204030204" pitchFamily="49" charset="0"/>
+                <a:ea typeface="Calibri" panose="020F0502020204030204" pitchFamily="34" charset="0"/>
+                <a:cs typeface="Consolas" panose="020B0609020204030204" pitchFamily="49" charset="0"/>
+              </a:rPr>
+              <a:t>From Categories we select </a:t>
+            </a:r>
+            <a:r>
+              <a:rPr lang="en-US" sz="9600" dirty="0" err="1">
+                <a:solidFill>
+                  <a:srgbClr val="000000"/>
+                </a:solidFill>
+                <a:effectLst/>
+                <a:latin typeface="Consolas" panose="020B0609020204030204" pitchFamily="49" charset="0"/>
+                <a:ea typeface="Calibri" panose="020F0502020204030204" pitchFamily="34" charset="0"/>
+                <a:cs typeface="Consolas" panose="020B0609020204030204" pitchFamily="49" charset="0"/>
+              </a:rPr>
+              <a:t>c</a:t>
+            </a:r>
+            <a:r>
+              <a:rPr lang="en-US" sz="9600" dirty="0" err="1">
+                <a:solidFill>
+                  <a:srgbClr val="808080"/>
+                </a:solidFill>
+                <a:effectLst/>
+                <a:latin typeface="Consolas" panose="020B0609020204030204" pitchFamily="49" charset="0"/>
+                <a:ea typeface="Calibri" panose="020F0502020204030204" pitchFamily="34" charset="0"/>
+                <a:cs typeface="Consolas" panose="020B0609020204030204" pitchFamily="49" charset="0"/>
+              </a:rPr>
+              <a:t>.</a:t>
+            </a:r>
+            <a:r>
+              <a:rPr lang="en-US" sz="9600" dirty="0" err="1">
+                <a:solidFill>
+                  <a:srgbClr val="000000"/>
+                </a:solidFill>
+                <a:effectLst/>
+                <a:latin typeface="Consolas" panose="020B0609020204030204" pitchFamily="49" charset="0"/>
+                <a:ea typeface="Calibri" panose="020F0502020204030204" pitchFamily="34" charset="0"/>
+                <a:cs typeface="Consolas" panose="020B0609020204030204" pitchFamily="49" charset="0"/>
+              </a:rPr>
+              <a:t>CategoryName</a:t>
+            </a:r>
+            <a:endParaRPr lang="en-US" sz="9600" dirty="0">
+              <a:effectLst/>
+              <a:latin typeface="Calibri" panose="020F0502020204030204" pitchFamily="34" charset="0"/>
+              <a:ea typeface="Calibri" panose="020F0502020204030204" pitchFamily="34" charset="0"/>
+              <a:cs typeface="Arial" panose="020B0604020202020204" pitchFamily="34" charset="0"/>
+            </a:endParaRPr>
+          </a:p>
+          <a:p>
+            <a:pPr algn="l">
+              <a:lnSpc>
+                <a:spcPct val="107000"/>
+              </a:lnSpc>
+              <a:spcAft>
+                <a:spcPts val="800"/>
+              </a:spcAft>
+            </a:pPr>
+            <a:r>
+              <a:rPr lang="en-US" sz="9600" dirty="0">
+                <a:solidFill>
+                  <a:srgbClr val="000000"/>
+                </a:solidFill>
+                <a:effectLst/>
+                <a:latin typeface="Consolas" panose="020B0609020204030204" pitchFamily="49" charset="0"/>
+                <a:ea typeface="Calibri" panose="020F0502020204030204" pitchFamily="34" charset="0"/>
+                <a:cs typeface="Consolas" panose="020B0609020204030204" pitchFamily="49" charset="0"/>
+              </a:rPr>
+              <a:t>We can connect this tables because both of the tables have filed in common </a:t>
+            </a:r>
+            <a:endParaRPr lang="en-US" sz="9600" dirty="0">
+              <a:effectLst/>
+              <a:latin typeface="Calibri" panose="020F0502020204030204" pitchFamily="34" charset="0"/>
+              <a:ea typeface="Calibri" panose="020F0502020204030204" pitchFamily="34" charset="0"/>
+              <a:cs typeface="Arial" panose="020B0604020202020204" pitchFamily="34" charset="0"/>
+            </a:endParaRPr>
+          </a:p>
+          <a:p>
+            <a:pPr algn="l">
+              <a:lnSpc>
+                <a:spcPct val="107000"/>
+              </a:lnSpc>
+              <a:spcAft>
+                <a:spcPts val="800"/>
+              </a:spcAft>
+            </a:pPr>
+            <a:r>
+              <a:rPr lang="en-US" sz="9600" dirty="0">
+                <a:solidFill>
+                  <a:srgbClr val="000000"/>
+                </a:solidFill>
+                <a:effectLst/>
+                <a:latin typeface="Consolas" panose="020B0609020204030204" pitchFamily="49" charset="0"/>
+                <a:ea typeface="Calibri" panose="020F0502020204030204" pitchFamily="34" charset="0"/>
+                <a:cs typeface="Consolas" panose="020B0609020204030204" pitchFamily="49" charset="0"/>
+              </a:rPr>
+              <a:t>The files category id from Products p Exist in Categories </a:t>
+            </a:r>
+            <a:r>
+              <a:rPr lang="en-US" sz="9600" dirty="0">
+                <a:solidFill>
+                  <a:srgbClr val="0000FF"/>
+                </a:solidFill>
+                <a:effectLst/>
+                <a:latin typeface="Consolas" panose="020B0609020204030204" pitchFamily="49" charset="0"/>
+                <a:ea typeface="Calibri" panose="020F0502020204030204" pitchFamily="34" charset="0"/>
+                <a:cs typeface="Consolas" panose="020B0609020204030204" pitchFamily="49" charset="0"/>
+              </a:rPr>
+              <a:t>c</a:t>
+            </a:r>
+            <a:endParaRPr lang="en-US" sz="9600" dirty="0">
+              <a:effectLst/>
+              <a:latin typeface="Calibri" panose="020F0502020204030204" pitchFamily="34" charset="0"/>
+              <a:ea typeface="Calibri" panose="020F0502020204030204" pitchFamily="34" charset="0"/>
+              <a:cs typeface="Arial" panose="020B0604020202020204" pitchFamily="34" charset="0"/>
+            </a:endParaRPr>
+          </a:p>
+          <a:p>
+            <a:pPr algn="l">
+              <a:lnSpc>
+                <a:spcPct val="107000"/>
+              </a:lnSpc>
+              <a:spcAft>
+                <a:spcPts val="800"/>
+              </a:spcAft>
+            </a:pPr>
+            <a:endParaRPr lang="en-US" sz="12000" dirty="0">
+              <a:effectLst/>
+              <a:latin typeface="Calibri" panose="020F0502020204030204" pitchFamily="34" charset="0"/>
+              <a:ea typeface="Calibri" panose="020F0502020204030204" pitchFamily="34" charset="0"/>
+              <a:cs typeface="Arial" panose="020B0604020202020204" pitchFamily="34" charset="0"/>
+            </a:endParaRPr>
+          </a:p>
+          <a:p>
+            <a:endParaRPr lang="he-IL" sz="1800" b="1" i="0" u="none" strike="noStrike" baseline="0" dirty="0">
+              <a:latin typeface="ArialMT"/>
+            </a:endParaRPr>
+          </a:p>
+        </p:txBody>
+      </p:sp>
+      <p:sp>
+        <p:nvSpPr>
+          <p:cNvPr id="4" name="Footer Placeholder 3">
+            <a:extLst>
+              <a:ext uri="{FF2B5EF4-FFF2-40B4-BE49-F238E27FC236}">
+                <a16:creationId xmlns:a16="http://schemas.microsoft.com/office/drawing/2014/main" id="{E383C24D-BEA6-474F-A840-896AD0E01479}"/>
+              </a:ext>
+            </a:extLst>
+          </p:cNvPr>
+          <p:cNvSpPr>
+            <a:spLocks noGrp="1"/>
+          </p:cNvSpPr>
+          <p:nvPr>
+            <p:ph type="ftr" sz="quarter" idx="11"/>
+          </p:nvPr>
+        </p:nvSpPr>
+        <p:spPr/>
+        <p:txBody>
+          <a:bodyPr/>
+          <a:lstStyle/>
+          <a:p>
+            <a:r>
+              <a:rPr lang="en-US"/>
+              <a:t>avidary@gmail.com  2002 (c)</a:t>
+            </a:r>
+            <a:endParaRPr lang="he-IL"/>
+          </a:p>
+        </p:txBody>
+      </p:sp>
+      <p:pic>
+        <p:nvPicPr>
+          <p:cNvPr id="9" name="Picture 8">
+            <a:extLst>
+              <a:ext uri="{FF2B5EF4-FFF2-40B4-BE49-F238E27FC236}">
+                <a16:creationId xmlns:a16="http://schemas.microsoft.com/office/drawing/2014/main" id="{96865DD8-D332-4FDB-86E9-3BC3569C6E42}"/>
+              </a:ext>
+            </a:extLst>
+          </p:cNvPr>
+          <p:cNvPicPr>
+            <a:picLocks noChangeAspect="1"/>
+          </p:cNvPicPr>
+          <p:nvPr/>
+        </p:nvPicPr>
+        <p:blipFill>
+          <a:blip r:embed="rId4"/>
+          <a:stretch>
+            <a:fillRect/>
+          </a:stretch>
+        </p:blipFill>
+        <p:spPr>
+          <a:xfrm>
+            <a:off x="5938345" y="2072542"/>
+            <a:ext cx="3961707" cy="1261877"/>
+          </a:xfrm>
+          <a:prstGeom prst="rect">
+            <a:avLst/>
+          </a:prstGeom>
+        </p:spPr>
+      </p:pic>
+    </p:spTree>
+    <p:extLst>
+      <p:ext uri="{BB962C8B-B14F-4D97-AF65-F5344CB8AC3E}">
+        <p14:creationId xmlns:p14="http://schemas.microsoft.com/office/powerpoint/2010/main" val="3615860694"/>
+      </p:ext>
+    </p:extLst>
+  </p:cSld>
+  <p:clrMapOvr>
+    <a:overrideClrMapping bg1="lt1" tx1="dk1" bg2="lt2" tx2="dk2" accent1="accent1" accent2="accent2" accent3="accent3" accent4="accent4" accent5="accent5" accent6="accent6" hlink="hlink" folHlink="folHlink"/>
+  </p:clrMapOvr>
+</p:sld>
+</file>
+
+<file path=ppt/slides/slide42.xml><?xml version="1.0" encoding="utf-8"?>
+<p:sld xmlns:a="http://schemas.openxmlformats.org/drawingml/2006/main" xmlns:r="http://schemas.openxmlformats.org/officeDocument/2006/relationships" xmlns:p="http://schemas.openxmlformats.org/presentationml/2006/main">
+  <p:cSld>
+    <p:bg>
+      <p:bgPr>
+        <a:blipFill dpi="0" rotWithShape="1">
+          <a:blip r:embed="rId3">
+            <a:alphaModFix amt="68000"/>
+            <a:lum/>
+          </a:blip>
+          <a:srcRect/>
+          <a:stretch>
+            <a:fillRect/>
+          </a:stretch>
+        </a:blipFill>
+        <a:effectLst/>
+      </p:bgPr>
+    </p:bg>
+    <p:spTree>
+      <p:nvGrpSpPr>
+        <p:cNvPr id="1" name=""/>
+        <p:cNvGrpSpPr/>
+        <p:nvPr/>
+      </p:nvGrpSpPr>
+      <p:grpSpPr>
+        <a:xfrm>
+          <a:off x="0" y="0"/>
+          <a:ext cx="0" cy="0"/>
+          <a:chOff x="0" y="0"/>
+          <a:chExt cx="0" cy="0"/>
+        </a:xfrm>
+      </p:grpSpPr>
+      <p:sp>
+        <p:nvSpPr>
+          <p:cNvPr id="2" name="Title 1">
+            <a:extLst>
+              <a:ext uri="{FF2B5EF4-FFF2-40B4-BE49-F238E27FC236}">
+                <a16:creationId xmlns:a16="http://schemas.microsoft.com/office/drawing/2014/main" id="{BE5D6318-C76E-4A76-B0D4-6127F014C1EE}"/>
+              </a:ext>
+            </a:extLst>
+          </p:cNvPr>
+          <p:cNvSpPr>
+            <a:spLocks noGrp="1"/>
+          </p:cNvSpPr>
+          <p:nvPr>
+            <p:ph type="title"/>
+          </p:nvPr>
+        </p:nvSpPr>
+        <p:spPr/>
+        <p:txBody>
+          <a:bodyPr>
+            <a:normAutofit/>
+          </a:bodyPr>
+          <a:lstStyle/>
+          <a:p>
+            <a:pPr algn="r"/>
+            <a:r>
+              <a:rPr lang="he-IL" b="1" i="0" u="none" strike="noStrike" baseline="0" dirty="0">
+                <a:latin typeface="Arial-BoldMT"/>
+              </a:rPr>
+              <a:t> - מבנה השאילתה</a:t>
+            </a:r>
+            <a:r>
+              <a:rPr lang="en-US" b="1" i="0" u="none" strike="noStrike" baseline="0" dirty="0">
+                <a:latin typeface="Arial-BoldMT"/>
+              </a:rPr>
+              <a:t>Join</a:t>
+            </a:r>
+            <a:endParaRPr lang="he-IL" dirty="0"/>
+          </a:p>
+        </p:txBody>
+      </p:sp>
+      <p:sp>
+        <p:nvSpPr>
+          <p:cNvPr id="3" name="Content Placeholder 2">
+            <a:extLst>
+              <a:ext uri="{FF2B5EF4-FFF2-40B4-BE49-F238E27FC236}">
+                <a16:creationId xmlns:a16="http://schemas.microsoft.com/office/drawing/2014/main" id="{3E0CD643-5062-49E7-9B33-0A24A2E3AEE0}"/>
+              </a:ext>
+            </a:extLst>
+          </p:cNvPr>
+          <p:cNvSpPr>
+            <a:spLocks noGrp="1"/>
+          </p:cNvSpPr>
+          <p:nvPr>
+            <p:ph idx="1"/>
+          </p:nvPr>
+        </p:nvSpPr>
         <p:spPr>
           <a:xfrm>
             <a:off x="838200" y="1100410"/>
@@ -12679,7 +12934,7 @@
 </p:sld>
 </file>
 
-<file path=ppt/slides/slide41.xml><?xml version="1.0" encoding="utf-8"?>
+<file path=ppt/slides/slide43.xml><?xml version="1.0" encoding="utf-8"?>
 <p:sld xmlns:a="http://schemas.openxmlformats.org/drawingml/2006/main" xmlns:r="http://schemas.openxmlformats.org/officeDocument/2006/relationships" xmlns:p="http://schemas.openxmlformats.org/presentationml/2006/main">
   <p:cSld>
     <p:spTree>
@@ -12856,7 +13111,7 @@
 </p:sld>
 </file>
 
-<file path=ppt/slides/slide42.xml><?xml version="1.0" encoding="utf-8"?>
+<file path=ppt/slides/slide44.xml><?xml version="1.0" encoding="utf-8"?>
 <p:sld xmlns:a="http://schemas.openxmlformats.org/drawingml/2006/main" xmlns:r="http://schemas.openxmlformats.org/officeDocument/2006/relationships" xmlns:p="http://schemas.openxmlformats.org/presentationml/2006/main">
   <p:cSld>
     <p:spTree>
@@ -13084,1590 +13339,6 @@
 </p:sld>
 </file>
 
-<file path=ppt/slides/slide43.xml><?xml version="1.0" encoding="utf-8"?>
-<p:sld xmlns:a="http://schemas.openxmlformats.org/drawingml/2006/main" xmlns:r="http://schemas.openxmlformats.org/officeDocument/2006/relationships" xmlns:p="http://schemas.openxmlformats.org/presentationml/2006/main">
-  <p:cSld>
-    <p:spTree>
-      <p:nvGrpSpPr>
-        <p:cNvPr id="1" name=""/>
-        <p:cNvGrpSpPr/>
-        <p:nvPr/>
-      </p:nvGrpSpPr>
-      <p:grpSpPr>
-        <a:xfrm>
-          <a:off x="0" y="0"/>
-          <a:ext cx="0" cy="0"/>
-          <a:chOff x="0" y="0"/>
-          <a:chExt cx="0" cy="0"/>
-        </a:xfrm>
-      </p:grpSpPr>
-      <p:sp>
-        <p:nvSpPr>
-          <p:cNvPr id="2" name="Title 1">
-            <a:extLst>
-              <a:ext uri="{FF2B5EF4-FFF2-40B4-BE49-F238E27FC236}">
-                <a16:creationId xmlns:a16="http://schemas.microsoft.com/office/drawing/2014/main" id="{BE5D6318-C76E-4A76-B0D4-6127F014C1EE}"/>
-              </a:ext>
-            </a:extLst>
-          </p:cNvPr>
-          <p:cNvSpPr>
-            <a:spLocks noGrp="1"/>
-          </p:cNvSpPr>
-          <p:nvPr>
-            <p:ph type="title"/>
-          </p:nvPr>
-        </p:nvSpPr>
-        <p:spPr/>
-        <p:txBody>
-          <a:bodyPr/>
-          <a:lstStyle/>
-          <a:p>
-            <a:r>
-              <a:rPr lang="en-US" b="1" dirty="0"/>
-              <a:t>DML - </a:t>
-            </a:r>
-            <a:r>
-              <a:rPr lang="en-US" b="0" i="0" u="none" strike="noStrike" baseline="0" dirty="0">
-                <a:latin typeface="Arial" panose="020B0604020202020204" pitchFamily="34" charset="0"/>
-              </a:rPr>
-              <a:t>Data Manipulation Language</a:t>
-            </a:r>
-            <a:endParaRPr lang="he-IL" dirty="0"/>
-          </a:p>
-        </p:txBody>
-      </p:sp>
-      <p:sp>
-        <p:nvSpPr>
-          <p:cNvPr id="3" name="Content Placeholder 2">
-            <a:extLst>
-              <a:ext uri="{FF2B5EF4-FFF2-40B4-BE49-F238E27FC236}">
-                <a16:creationId xmlns:a16="http://schemas.microsoft.com/office/drawing/2014/main" id="{3E0CD643-5062-49E7-9B33-0A24A2E3AEE0}"/>
-              </a:ext>
-            </a:extLst>
-          </p:cNvPr>
-          <p:cNvSpPr>
-            <a:spLocks noGrp="1"/>
-          </p:cNvSpPr>
-          <p:nvPr>
-            <p:ph idx="1"/>
-          </p:nvPr>
-        </p:nvSpPr>
-        <p:spPr/>
-        <p:txBody>
-          <a:bodyPr>
-            <a:normAutofit/>
-          </a:bodyPr>
-          <a:lstStyle/>
-          <a:p>
-            <a:pPr marL="0" indent="0" algn="r" rtl="1">
-              <a:buNone/>
-            </a:pPr>
-            <a:r>
-              <a:rPr lang="he-IL" sz="1800" b="1" dirty="0">
-                <a:latin typeface="ArialMT"/>
-              </a:rPr>
-              <a:t>פקודות </a:t>
-            </a:r>
-            <a:r>
-              <a:rPr lang="en-US" sz="1800" b="1" dirty="0">
-                <a:latin typeface="ArialMT"/>
-              </a:rPr>
-              <a:t> DML </a:t>
-            </a:r>
-            <a:r>
-              <a:rPr lang="he-IL" sz="1800" b="1" dirty="0">
-                <a:latin typeface="ArialMT"/>
-              </a:rPr>
-              <a:t>הינן אחראיות על שינויים בבסיס הנתונים.</a:t>
-            </a:r>
-          </a:p>
-          <a:p>
-            <a:pPr marL="0" indent="0" algn="r" rtl="1">
-              <a:buNone/>
-            </a:pPr>
-            <a:r>
-              <a:rPr lang="he-IL" sz="1800" b="1" dirty="0">
-                <a:latin typeface="ArialMT"/>
-              </a:rPr>
-              <a:t>קיימות 3 פקודות בסיסיות :</a:t>
-            </a:r>
-          </a:p>
-          <a:p>
-            <a:pPr marL="0" indent="0" algn="r" rtl="1">
-              <a:buNone/>
-            </a:pPr>
-            <a:r>
-              <a:rPr lang="en-US" sz="1800" b="1" dirty="0">
-                <a:latin typeface="ArialMT"/>
-              </a:rPr>
-              <a:t>Insert - </a:t>
-            </a:r>
-            <a:r>
-              <a:rPr lang="he-IL" sz="1800" b="1" dirty="0">
-                <a:latin typeface="ArialMT"/>
-              </a:rPr>
-              <a:t> הוספת רשומה </a:t>
-            </a:r>
-          </a:p>
-          <a:p>
-            <a:pPr marL="0" indent="0" algn="r" rtl="1">
-              <a:buNone/>
-            </a:pPr>
-            <a:r>
-              <a:rPr lang="en-US" sz="1800" b="1" dirty="0">
-                <a:latin typeface="ArialMT"/>
-              </a:rPr>
-              <a:t>Update - </a:t>
-            </a:r>
-            <a:r>
-              <a:rPr lang="he-IL" sz="1800" b="1" dirty="0">
-                <a:latin typeface="ArialMT"/>
-              </a:rPr>
-              <a:t> עדכון רשומה </a:t>
-            </a:r>
-          </a:p>
-          <a:p>
-            <a:pPr marL="0" indent="0" algn="r" rtl="1">
-              <a:buNone/>
-            </a:pPr>
-            <a:r>
-              <a:rPr lang="en-US" sz="1800" b="1" dirty="0">
-                <a:latin typeface="ArialMT"/>
-              </a:rPr>
-              <a:t>Delete - </a:t>
-            </a:r>
-            <a:r>
-              <a:rPr lang="he-IL" sz="1800" b="1" dirty="0">
-                <a:latin typeface="ArialMT"/>
-              </a:rPr>
-              <a:t> מחיקת רשומה </a:t>
-            </a:r>
-          </a:p>
-          <a:p>
-            <a:pPr marL="0" indent="0" algn="r" rtl="1">
-              <a:buNone/>
-            </a:pPr>
-            <a:endParaRPr lang="he-IL" sz="1800" b="1" i="0" u="none" strike="noStrike" baseline="0" dirty="0">
-              <a:latin typeface="ArialMT"/>
-            </a:endParaRPr>
-          </a:p>
-        </p:txBody>
-      </p:sp>
-      <p:sp>
-        <p:nvSpPr>
-          <p:cNvPr id="4" name="Footer Placeholder 3">
-            <a:extLst>
-              <a:ext uri="{FF2B5EF4-FFF2-40B4-BE49-F238E27FC236}">
-                <a16:creationId xmlns:a16="http://schemas.microsoft.com/office/drawing/2014/main" id="{E383C24D-BEA6-474F-A840-896AD0E01479}"/>
-              </a:ext>
-            </a:extLst>
-          </p:cNvPr>
-          <p:cNvSpPr>
-            <a:spLocks noGrp="1"/>
-          </p:cNvSpPr>
-          <p:nvPr>
-            <p:ph type="ftr" sz="quarter" idx="11"/>
-          </p:nvPr>
-        </p:nvSpPr>
-        <p:spPr/>
-        <p:txBody>
-          <a:bodyPr/>
-          <a:lstStyle/>
-          <a:p>
-            <a:r>
-              <a:rPr lang="en-US"/>
-              <a:t>avidary@gmail.com  2002 (c)</a:t>
-            </a:r>
-            <a:endParaRPr lang="he-IL"/>
-          </a:p>
-        </p:txBody>
-      </p:sp>
-    </p:spTree>
-    <p:extLst>
-      <p:ext uri="{BB962C8B-B14F-4D97-AF65-F5344CB8AC3E}">
-        <p14:creationId xmlns:p14="http://schemas.microsoft.com/office/powerpoint/2010/main" val="2504531988"/>
-      </p:ext>
-    </p:extLst>
-  </p:cSld>
-  <p:clrMapOvr>
-    <a:masterClrMapping/>
-  </p:clrMapOvr>
-</p:sld>
-</file>
-
-<file path=ppt/slides/slide44.xml><?xml version="1.0" encoding="utf-8"?>
-<p:sld xmlns:a="http://schemas.openxmlformats.org/drawingml/2006/main" xmlns:r="http://schemas.openxmlformats.org/officeDocument/2006/relationships" xmlns:p="http://schemas.openxmlformats.org/presentationml/2006/main">
-  <p:cSld>
-    <p:spTree>
-      <p:nvGrpSpPr>
-        <p:cNvPr id="1" name=""/>
-        <p:cNvGrpSpPr/>
-        <p:nvPr/>
-      </p:nvGrpSpPr>
-      <p:grpSpPr>
-        <a:xfrm>
-          <a:off x="0" y="0"/>
-          <a:ext cx="0" cy="0"/>
-          <a:chOff x="0" y="0"/>
-          <a:chExt cx="0" cy="0"/>
-        </a:xfrm>
-      </p:grpSpPr>
-      <p:sp>
-        <p:nvSpPr>
-          <p:cNvPr id="2" name="Title 1">
-            <a:extLst>
-              <a:ext uri="{FF2B5EF4-FFF2-40B4-BE49-F238E27FC236}">
-                <a16:creationId xmlns:a16="http://schemas.microsoft.com/office/drawing/2014/main" id="{4A1CD3CD-E874-4713-AAC8-6531E392E140}"/>
-              </a:ext>
-            </a:extLst>
-          </p:cNvPr>
-          <p:cNvSpPr>
-            <a:spLocks noGrp="1"/>
-          </p:cNvSpPr>
-          <p:nvPr>
-            <p:ph type="title"/>
-          </p:nvPr>
-        </p:nvSpPr>
-        <p:spPr/>
-        <p:txBody>
-          <a:bodyPr/>
-          <a:lstStyle/>
-          <a:p>
-            <a:endParaRPr lang="he-IL"/>
-          </a:p>
-        </p:txBody>
-      </p:sp>
-      <p:sp>
-        <p:nvSpPr>
-          <p:cNvPr id="3" name="Content Placeholder 2">
-            <a:extLst>
-              <a:ext uri="{FF2B5EF4-FFF2-40B4-BE49-F238E27FC236}">
-                <a16:creationId xmlns:a16="http://schemas.microsoft.com/office/drawing/2014/main" id="{7E4A14D9-178D-4D16-9180-6D625AB7FFB1}"/>
-              </a:ext>
-            </a:extLst>
-          </p:cNvPr>
-          <p:cNvSpPr>
-            <a:spLocks noGrp="1"/>
-          </p:cNvSpPr>
-          <p:nvPr>
-            <p:ph idx="1"/>
-          </p:nvPr>
-        </p:nvSpPr>
-        <p:spPr/>
-        <p:txBody>
-          <a:bodyPr/>
-          <a:lstStyle/>
-          <a:p>
-            <a:endParaRPr lang="he-IL"/>
-          </a:p>
-        </p:txBody>
-      </p:sp>
-      <p:sp>
-        <p:nvSpPr>
-          <p:cNvPr id="4" name="Footer Placeholder 3">
-            <a:extLst>
-              <a:ext uri="{FF2B5EF4-FFF2-40B4-BE49-F238E27FC236}">
-                <a16:creationId xmlns:a16="http://schemas.microsoft.com/office/drawing/2014/main" id="{9298EC29-7E6E-4B19-B80F-80800A644455}"/>
-              </a:ext>
-            </a:extLst>
-          </p:cNvPr>
-          <p:cNvSpPr>
-            <a:spLocks noGrp="1"/>
-          </p:cNvSpPr>
-          <p:nvPr>
-            <p:ph type="ftr" sz="quarter" idx="11"/>
-          </p:nvPr>
-        </p:nvSpPr>
-        <p:spPr/>
-        <p:txBody>
-          <a:bodyPr/>
-          <a:lstStyle/>
-          <a:p>
-            <a:r>
-              <a:rPr lang="en-US"/>
-              <a:t>avidary@gmail.com  2002 (c)</a:t>
-            </a:r>
-            <a:endParaRPr lang="he-IL"/>
-          </a:p>
-        </p:txBody>
-      </p:sp>
-    </p:spTree>
-    <p:extLst>
-      <p:ext uri="{BB962C8B-B14F-4D97-AF65-F5344CB8AC3E}">
-        <p14:creationId xmlns:p14="http://schemas.microsoft.com/office/powerpoint/2010/main" val="489067156"/>
-      </p:ext>
-    </p:extLst>
-  </p:cSld>
-  <p:clrMapOvr>
-    <a:masterClrMapping/>
-  </p:clrMapOvr>
-</p:sld>
-</file>
-
-<file path=ppt/slides/slide45.xml><?xml version="1.0" encoding="utf-8"?>
-<p:sld xmlns:a="http://schemas.openxmlformats.org/drawingml/2006/main" xmlns:r="http://schemas.openxmlformats.org/officeDocument/2006/relationships" xmlns:p="http://schemas.openxmlformats.org/presentationml/2006/main">
-  <p:cSld>
-    <p:spTree>
-      <p:nvGrpSpPr>
-        <p:cNvPr id="1" name=""/>
-        <p:cNvGrpSpPr/>
-        <p:nvPr/>
-      </p:nvGrpSpPr>
-      <p:grpSpPr>
-        <a:xfrm>
-          <a:off x="0" y="0"/>
-          <a:ext cx="0" cy="0"/>
-          <a:chOff x="0" y="0"/>
-          <a:chExt cx="0" cy="0"/>
-        </a:xfrm>
-      </p:grpSpPr>
-      <p:sp>
-        <p:nvSpPr>
-          <p:cNvPr id="2" name="Title 1">
-            <a:extLst>
-              <a:ext uri="{FF2B5EF4-FFF2-40B4-BE49-F238E27FC236}">
-                <a16:creationId xmlns:a16="http://schemas.microsoft.com/office/drawing/2014/main" id="{BE5D6318-C76E-4A76-B0D4-6127F014C1EE}"/>
-              </a:ext>
-            </a:extLst>
-          </p:cNvPr>
-          <p:cNvSpPr>
-            <a:spLocks noGrp="1"/>
-          </p:cNvSpPr>
-          <p:nvPr>
-            <p:ph type="title"/>
-          </p:nvPr>
-        </p:nvSpPr>
-        <p:spPr/>
-        <p:txBody>
-          <a:bodyPr/>
-          <a:lstStyle/>
-          <a:p>
-            <a:pPr algn="r"/>
-            <a:r>
-              <a:rPr lang="he-IL" dirty="0"/>
-              <a:t>התניות</a:t>
-            </a:r>
-          </a:p>
-        </p:txBody>
-      </p:sp>
-      <p:sp>
-        <p:nvSpPr>
-          <p:cNvPr id="3" name="Content Placeholder 2">
-            <a:extLst>
-              <a:ext uri="{FF2B5EF4-FFF2-40B4-BE49-F238E27FC236}">
-                <a16:creationId xmlns:a16="http://schemas.microsoft.com/office/drawing/2014/main" id="{3E0CD643-5062-49E7-9B33-0A24A2E3AEE0}"/>
-              </a:ext>
-            </a:extLst>
-          </p:cNvPr>
-          <p:cNvSpPr>
-            <a:spLocks noGrp="1"/>
-          </p:cNvSpPr>
-          <p:nvPr>
-            <p:ph idx="1"/>
-          </p:nvPr>
-        </p:nvSpPr>
-        <p:spPr/>
-        <p:txBody>
-          <a:bodyPr>
-            <a:normAutofit fontScale="92500" lnSpcReduction="10000"/>
-          </a:bodyPr>
-          <a:lstStyle/>
-          <a:p>
-            <a:pPr marL="685800" algn="r" rtl="1">
-              <a:lnSpc>
-                <a:spcPct val="115000"/>
-              </a:lnSpc>
-            </a:pPr>
-            <a:r>
-              <a:rPr lang="he-IL" sz="2400" dirty="0">
-                <a:effectLst/>
-                <a:latin typeface="Calibri" panose="020F0502020204030204" pitchFamily="34" charset="0"/>
-                <a:ea typeface="Calibri" panose="020F0502020204030204" pitchFamily="34" charset="0"/>
-                <a:cs typeface="Gisha" panose="020B0502040204020203" pitchFamily="34" charset="-79"/>
-              </a:rPr>
-              <a:t>על מנת למקד את </a:t>
-            </a:r>
-            <a:r>
-              <a:rPr lang="he-IL" sz="2400" dirty="0" err="1">
-                <a:effectLst/>
-                <a:latin typeface="Calibri" panose="020F0502020204030204" pitchFamily="34" charset="0"/>
-                <a:ea typeface="Calibri" panose="020F0502020204030204" pitchFamily="34" charset="0"/>
-                <a:cs typeface="Gisha" panose="020B0502040204020203" pitchFamily="34" charset="-79"/>
-              </a:rPr>
-              <a:t>השאילתא</a:t>
-            </a:r>
-            <a:r>
-              <a:rPr lang="he-IL" sz="2400" dirty="0">
-                <a:effectLst/>
-                <a:latin typeface="Calibri" panose="020F0502020204030204" pitchFamily="34" charset="0"/>
-                <a:ea typeface="Calibri" panose="020F0502020204030204" pitchFamily="34" charset="0"/>
-                <a:cs typeface="Gisha" panose="020B0502040204020203" pitchFamily="34" charset="-79"/>
-              </a:rPr>
-              <a:t> יש צורך לבצע סינונים:</a:t>
-            </a:r>
-            <a:endParaRPr lang="en-US" sz="2400" dirty="0">
-              <a:effectLst/>
-              <a:latin typeface="Calibri" panose="020F0502020204030204" pitchFamily="34" charset="0"/>
-              <a:ea typeface="Calibri" panose="020F0502020204030204" pitchFamily="34" charset="0"/>
-              <a:cs typeface="Arial" panose="020B0604020202020204" pitchFamily="34" charset="0"/>
-            </a:endParaRPr>
-          </a:p>
-          <a:p>
-            <a:pPr marL="685800" algn="r" rtl="1">
-              <a:lnSpc>
-                <a:spcPct val="115000"/>
-              </a:lnSpc>
-            </a:pPr>
-            <a:r>
-              <a:rPr lang="he-IL" sz="2400" b="1" u="sng" dirty="0">
-                <a:effectLst/>
-                <a:latin typeface="Calibri" panose="020F0502020204030204" pitchFamily="34" charset="0"/>
-                <a:ea typeface="Calibri" panose="020F0502020204030204" pitchFamily="34" charset="0"/>
-                <a:cs typeface="Gisha" panose="020B0502040204020203" pitchFamily="34" charset="-79"/>
-              </a:rPr>
-              <a:t>תחביר:</a:t>
-            </a:r>
-            <a:endParaRPr lang="en-US" sz="2400" dirty="0">
-              <a:effectLst/>
-              <a:latin typeface="Calibri" panose="020F0502020204030204" pitchFamily="34" charset="0"/>
-              <a:ea typeface="Calibri" panose="020F0502020204030204" pitchFamily="34" charset="0"/>
-              <a:cs typeface="Arial" panose="020B0604020202020204" pitchFamily="34" charset="0"/>
-            </a:endParaRPr>
-          </a:p>
-          <a:p>
-            <a:pPr marL="457200" indent="0" algn="l" rtl="0">
-              <a:lnSpc>
-                <a:spcPct val="115000"/>
-              </a:lnSpc>
-              <a:spcAft>
-                <a:spcPts val="1000"/>
-              </a:spcAft>
-              <a:buNone/>
-            </a:pPr>
-            <a:r>
-              <a:rPr lang="en-US" sz="2400" dirty="0">
-                <a:effectLst/>
-                <a:latin typeface="Gisha" panose="020B0502040204020203" pitchFamily="34" charset="-79"/>
-                <a:ea typeface="Calibri" panose="020F0502020204030204" pitchFamily="34" charset="0"/>
-                <a:cs typeface="Arial" panose="020B0604020202020204" pitchFamily="34" charset="0"/>
-              </a:rPr>
-              <a:t>Select * From </a:t>
-            </a:r>
-            <a:r>
-              <a:rPr lang="en-US" sz="2400" dirty="0" err="1">
-                <a:effectLst/>
-                <a:latin typeface="Gisha" panose="020B0502040204020203" pitchFamily="34" charset="-79"/>
-                <a:ea typeface="Calibri" panose="020F0502020204030204" pitchFamily="34" charset="0"/>
-                <a:cs typeface="Arial" panose="020B0604020202020204" pitchFamily="34" charset="0"/>
-              </a:rPr>
-              <a:t>Table_name</a:t>
-            </a:r>
-            <a:endParaRPr lang="en-US" sz="2400" dirty="0">
-              <a:effectLst/>
-              <a:latin typeface="Gisha" panose="020B0502040204020203" pitchFamily="34" charset="-79"/>
-              <a:ea typeface="Calibri" panose="020F0502020204030204" pitchFamily="34" charset="0"/>
-              <a:cs typeface="Arial" panose="020B0604020202020204" pitchFamily="34" charset="0"/>
-            </a:endParaRPr>
-          </a:p>
-          <a:p>
-            <a:pPr marL="457200" indent="0" algn="l" rtl="0">
-              <a:lnSpc>
-                <a:spcPct val="115000"/>
-              </a:lnSpc>
-              <a:spcAft>
-                <a:spcPts val="1000"/>
-              </a:spcAft>
-              <a:buNone/>
-            </a:pPr>
-            <a:r>
-              <a:rPr lang="en-US" sz="2400" b="1" dirty="0">
-                <a:effectLst/>
-                <a:latin typeface="Gisha" panose="020B0502040204020203" pitchFamily="34" charset="-79"/>
-                <a:ea typeface="Calibri" panose="020F0502020204030204" pitchFamily="34" charset="0"/>
-                <a:cs typeface="Arial" panose="020B0604020202020204" pitchFamily="34" charset="0"/>
-              </a:rPr>
-              <a:t>Where</a:t>
-            </a:r>
-            <a:r>
-              <a:rPr lang="en-US" sz="2400" dirty="0">
-                <a:effectLst/>
-                <a:latin typeface="Gisha" panose="020B0502040204020203" pitchFamily="34" charset="-79"/>
-                <a:ea typeface="Calibri" panose="020F0502020204030204" pitchFamily="34" charset="0"/>
-                <a:cs typeface="Arial" panose="020B0604020202020204" pitchFamily="34" charset="0"/>
-              </a:rPr>
-              <a:t> X=Y </a:t>
-            </a:r>
-            <a:r>
-              <a:rPr lang="en-US" sz="2400" b="1" dirty="0">
-                <a:effectLst/>
-                <a:latin typeface="Gisha" panose="020B0502040204020203" pitchFamily="34" charset="-79"/>
-                <a:ea typeface="Calibri" panose="020F0502020204030204" pitchFamily="34" charset="0"/>
-                <a:cs typeface="Arial" panose="020B0604020202020204" pitchFamily="34" charset="0"/>
-              </a:rPr>
-              <a:t>And</a:t>
-            </a:r>
-            <a:r>
-              <a:rPr lang="en-US" sz="2400" dirty="0">
-                <a:effectLst/>
-                <a:latin typeface="Gisha" panose="020B0502040204020203" pitchFamily="34" charset="-79"/>
-                <a:ea typeface="Calibri" panose="020F0502020204030204" pitchFamily="34" charset="0"/>
-                <a:cs typeface="Arial" panose="020B0604020202020204" pitchFamily="34" charset="0"/>
-              </a:rPr>
-              <a:t> Y&gt;Z</a:t>
-            </a:r>
-            <a:endParaRPr lang="en-US" sz="2400" dirty="0">
-              <a:effectLst/>
-              <a:latin typeface="Calibri" panose="020F0502020204030204" pitchFamily="34" charset="0"/>
-              <a:ea typeface="Calibri" panose="020F0502020204030204" pitchFamily="34" charset="0"/>
-              <a:cs typeface="Arial" panose="020B0604020202020204" pitchFamily="34" charset="0"/>
-            </a:endParaRPr>
-          </a:p>
-          <a:p>
-            <a:pPr marL="457200" indent="0" algn="l" rtl="0">
-              <a:lnSpc>
-                <a:spcPct val="115000"/>
-              </a:lnSpc>
-              <a:spcAft>
-                <a:spcPts val="1000"/>
-              </a:spcAft>
-              <a:buNone/>
-            </a:pPr>
-            <a:r>
-              <a:rPr lang="en-US" sz="2400" dirty="0">
-                <a:effectLst/>
-                <a:latin typeface="Gisha" panose="020B0502040204020203" pitchFamily="34" charset="-79"/>
-                <a:ea typeface="Calibri" panose="020F0502020204030204" pitchFamily="34" charset="0"/>
-                <a:cs typeface="Arial" panose="020B0604020202020204" pitchFamily="34" charset="0"/>
-              </a:rPr>
-              <a:t>And …</a:t>
-            </a:r>
-            <a:endParaRPr lang="en-US" sz="2400" dirty="0">
-              <a:effectLst/>
-              <a:latin typeface="Calibri" panose="020F0502020204030204" pitchFamily="34" charset="0"/>
-              <a:ea typeface="Calibri" panose="020F0502020204030204" pitchFamily="34" charset="0"/>
-              <a:cs typeface="Arial" panose="020B0604020202020204" pitchFamily="34" charset="0"/>
-            </a:endParaRPr>
-          </a:p>
-          <a:p>
-            <a:pPr marL="685800" algn="r" rtl="1">
-              <a:lnSpc>
-                <a:spcPct val="115000"/>
-              </a:lnSpc>
-            </a:pPr>
-            <a:r>
-              <a:rPr lang="he-IL" sz="2400" dirty="0">
-                <a:effectLst/>
-                <a:latin typeface="Calibri" panose="020F0502020204030204" pitchFamily="34" charset="0"/>
-                <a:ea typeface="Calibri" panose="020F0502020204030204" pitchFamily="34" charset="0"/>
-                <a:cs typeface="Gisha" panose="020B0502040204020203" pitchFamily="34" charset="-79"/>
-              </a:rPr>
-              <a:t>דגשים- כאשר ממבצעים התניה/השוואה בין 2 שדות- הן חייבות להיות מאותו הסוג (זה יכול לעבוד עד אשר יהיה ערך שונה).** למשל קוד שמוגדר כמחרוזת ויש לו תחילית של 0</a:t>
-            </a:r>
-            <a:endParaRPr lang="en-US" sz="2400" dirty="0">
-              <a:effectLst/>
-              <a:latin typeface="Calibri" panose="020F0502020204030204" pitchFamily="34" charset="0"/>
-              <a:ea typeface="Calibri" panose="020F0502020204030204" pitchFamily="34" charset="0"/>
-              <a:cs typeface="Arial" panose="020B0604020202020204" pitchFamily="34" charset="0"/>
-            </a:endParaRPr>
-          </a:p>
-          <a:p>
-            <a:pPr marL="685800" algn="r" rtl="1">
-              <a:lnSpc>
-                <a:spcPct val="115000"/>
-              </a:lnSpc>
-              <a:spcAft>
-                <a:spcPts val="1000"/>
-              </a:spcAft>
-            </a:pPr>
-            <a:r>
-              <a:rPr lang="he-IL" sz="2400" dirty="0">
-                <a:effectLst/>
-                <a:latin typeface="Calibri" panose="020F0502020204030204" pitchFamily="34" charset="0"/>
-                <a:ea typeface="Calibri" panose="020F0502020204030204" pitchFamily="34" charset="0"/>
-                <a:cs typeface="Gisha" panose="020B0502040204020203" pitchFamily="34" charset="-79"/>
-              </a:rPr>
-              <a:t>תנאים פשוטים: (=, &lt;, &lt;=, &gt;, =&gt;, &gt;&lt; , =! ,  </a:t>
-            </a:r>
-            <a:r>
-              <a:rPr lang="en-US" sz="2400" dirty="0">
-                <a:effectLst/>
-                <a:latin typeface="Gisha" panose="020B0502040204020203" pitchFamily="34" charset="-79"/>
-                <a:ea typeface="Calibri" panose="020F0502020204030204" pitchFamily="34" charset="0"/>
-                <a:cs typeface="Arial" panose="020B0604020202020204" pitchFamily="34" charset="0"/>
-              </a:rPr>
-              <a:t>between</a:t>
-            </a:r>
-            <a:r>
-              <a:rPr lang="he-IL" sz="2400" dirty="0">
-                <a:effectLst/>
-                <a:latin typeface="Calibri" panose="020F0502020204030204" pitchFamily="34" charset="0"/>
-                <a:ea typeface="Calibri" panose="020F0502020204030204" pitchFamily="34" charset="0"/>
-                <a:cs typeface="Gisha" panose="020B0502040204020203" pitchFamily="34" charset="-79"/>
-              </a:rPr>
-              <a:t>, </a:t>
-            </a:r>
-            <a:r>
-              <a:rPr lang="en-US" sz="2400" dirty="0">
-                <a:effectLst/>
-                <a:latin typeface="Gisha" panose="020B0502040204020203" pitchFamily="34" charset="-79"/>
-                <a:ea typeface="Calibri" panose="020F0502020204030204" pitchFamily="34" charset="0"/>
-                <a:cs typeface="Arial" panose="020B0604020202020204" pitchFamily="34" charset="0"/>
-              </a:rPr>
-              <a:t>in </a:t>
-            </a:r>
-            <a:r>
-              <a:rPr lang="he-IL" sz="2400" dirty="0">
-                <a:effectLst/>
-                <a:latin typeface="Calibri" panose="020F0502020204030204" pitchFamily="34" charset="0"/>
-                <a:ea typeface="Calibri" panose="020F0502020204030204" pitchFamily="34" charset="0"/>
-                <a:cs typeface="Gisha" panose="020B0502040204020203" pitchFamily="34" charset="-79"/>
-              </a:rPr>
-              <a:t>)</a:t>
-            </a:r>
-            <a:endParaRPr lang="en-US" sz="2400" dirty="0">
-              <a:effectLst/>
-              <a:latin typeface="Calibri" panose="020F0502020204030204" pitchFamily="34" charset="0"/>
-              <a:ea typeface="Calibri" panose="020F0502020204030204" pitchFamily="34" charset="0"/>
-              <a:cs typeface="Arial" panose="020B0604020202020204" pitchFamily="34" charset="0"/>
-            </a:endParaRPr>
-          </a:p>
-          <a:p>
-            <a:endParaRPr lang="he-IL" dirty="0"/>
-          </a:p>
-        </p:txBody>
-      </p:sp>
-      <p:sp>
-        <p:nvSpPr>
-          <p:cNvPr id="4" name="Footer Placeholder 3">
-            <a:extLst>
-              <a:ext uri="{FF2B5EF4-FFF2-40B4-BE49-F238E27FC236}">
-                <a16:creationId xmlns:a16="http://schemas.microsoft.com/office/drawing/2014/main" id="{E383C24D-BEA6-474F-A840-896AD0E01479}"/>
-              </a:ext>
-            </a:extLst>
-          </p:cNvPr>
-          <p:cNvSpPr>
-            <a:spLocks noGrp="1"/>
-          </p:cNvSpPr>
-          <p:nvPr>
-            <p:ph type="ftr" sz="quarter" idx="11"/>
-          </p:nvPr>
-        </p:nvSpPr>
-        <p:spPr/>
-        <p:txBody>
-          <a:bodyPr/>
-          <a:lstStyle/>
-          <a:p>
-            <a:r>
-              <a:rPr lang="en-US"/>
-              <a:t>avidary@gmail.com  2002 (c)</a:t>
-            </a:r>
-            <a:endParaRPr lang="he-IL"/>
-          </a:p>
-        </p:txBody>
-      </p:sp>
-    </p:spTree>
-    <p:extLst>
-      <p:ext uri="{BB962C8B-B14F-4D97-AF65-F5344CB8AC3E}">
-        <p14:creationId xmlns:p14="http://schemas.microsoft.com/office/powerpoint/2010/main" val="794722524"/>
-      </p:ext>
-    </p:extLst>
-  </p:cSld>
-  <p:clrMapOvr>
-    <a:masterClrMapping/>
-  </p:clrMapOvr>
-</p:sld>
-</file>
-
-<file path=ppt/slides/slide46.xml><?xml version="1.0" encoding="utf-8"?>
-<p:sld xmlns:a="http://schemas.openxmlformats.org/drawingml/2006/main" xmlns:r="http://schemas.openxmlformats.org/officeDocument/2006/relationships" xmlns:p="http://schemas.openxmlformats.org/presentationml/2006/main">
-  <p:cSld>
-    <p:spTree>
-      <p:nvGrpSpPr>
-        <p:cNvPr id="1" name=""/>
-        <p:cNvGrpSpPr/>
-        <p:nvPr/>
-      </p:nvGrpSpPr>
-      <p:grpSpPr>
-        <a:xfrm>
-          <a:off x="0" y="0"/>
-          <a:ext cx="0" cy="0"/>
-          <a:chOff x="0" y="0"/>
-          <a:chExt cx="0" cy="0"/>
-        </a:xfrm>
-      </p:grpSpPr>
-      <p:sp>
-        <p:nvSpPr>
-          <p:cNvPr id="2" name="Title 1">
-            <a:extLst>
-              <a:ext uri="{FF2B5EF4-FFF2-40B4-BE49-F238E27FC236}">
-                <a16:creationId xmlns:a16="http://schemas.microsoft.com/office/drawing/2014/main" id="{BE5D6318-C76E-4A76-B0D4-6127F014C1EE}"/>
-              </a:ext>
-            </a:extLst>
-          </p:cNvPr>
-          <p:cNvSpPr>
-            <a:spLocks noGrp="1"/>
-          </p:cNvSpPr>
-          <p:nvPr>
-            <p:ph type="title"/>
-          </p:nvPr>
-        </p:nvSpPr>
-        <p:spPr/>
-        <p:txBody>
-          <a:bodyPr/>
-          <a:lstStyle/>
-          <a:p>
-            <a:pPr algn="r"/>
-            <a:r>
-              <a:rPr lang="he-IL" dirty="0"/>
-              <a:t>התניות</a:t>
-            </a:r>
-          </a:p>
-        </p:txBody>
-      </p:sp>
-      <p:sp>
-        <p:nvSpPr>
-          <p:cNvPr id="3" name="Content Placeholder 2">
-            <a:extLst>
-              <a:ext uri="{FF2B5EF4-FFF2-40B4-BE49-F238E27FC236}">
-                <a16:creationId xmlns:a16="http://schemas.microsoft.com/office/drawing/2014/main" id="{3E0CD643-5062-49E7-9B33-0A24A2E3AEE0}"/>
-              </a:ext>
-            </a:extLst>
-          </p:cNvPr>
-          <p:cNvSpPr>
-            <a:spLocks noGrp="1"/>
-          </p:cNvSpPr>
-          <p:nvPr>
-            <p:ph idx="1"/>
-          </p:nvPr>
-        </p:nvSpPr>
-        <p:spPr/>
-        <p:txBody>
-          <a:bodyPr>
-            <a:normAutofit fontScale="92500" lnSpcReduction="10000"/>
-          </a:bodyPr>
-          <a:lstStyle/>
-          <a:p>
-            <a:pPr marL="685800" algn="r" rtl="1">
-              <a:lnSpc>
-                <a:spcPct val="115000"/>
-              </a:lnSpc>
-            </a:pPr>
-            <a:r>
-              <a:rPr lang="he-IL" sz="2400" dirty="0">
-                <a:effectLst/>
-                <a:latin typeface="Calibri" panose="020F0502020204030204" pitchFamily="34" charset="0"/>
-                <a:ea typeface="Calibri" panose="020F0502020204030204" pitchFamily="34" charset="0"/>
-                <a:cs typeface="Gisha" panose="020B0502040204020203" pitchFamily="34" charset="-79"/>
-              </a:rPr>
-              <a:t>על מנת למקד את </a:t>
-            </a:r>
-            <a:r>
-              <a:rPr lang="he-IL" sz="2400" dirty="0" err="1">
-                <a:effectLst/>
-                <a:latin typeface="Calibri" panose="020F0502020204030204" pitchFamily="34" charset="0"/>
-                <a:ea typeface="Calibri" panose="020F0502020204030204" pitchFamily="34" charset="0"/>
-                <a:cs typeface="Gisha" panose="020B0502040204020203" pitchFamily="34" charset="-79"/>
-              </a:rPr>
-              <a:t>השאילתא</a:t>
-            </a:r>
-            <a:r>
-              <a:rPr lang="he-IL" sz="2400" dirty="0">
-                <a:effectLst/>
-                <a:latin typeface="Calibri" panose="020F0502020204030204" pitchFamily="34" charset="0"/>
-                <a:ea typeface="Calibri" panose="020F0502020204030204" pitchFamily="34" charset="0"/>
-                <a:cs typeface="Gisha" panose="020B0502040204020203" pitchFamily="34" charset="-79"/>
-              </a:rPr>
-              <a:t> יש צורך לבצע סינונים:</a:t>
-            </a:r>
-            <a:endParaRPr lang="en-US" sz="2400" dirty="0">
-              <a:effectLst/>
-              <a:latin typeface="Calibri" panose="020F0502020204030204" pitchFamily="34" charset="0"/>
-              <a:ea typeface="Calibri" panose="020F0502020204030204" pitchFamily="34" charset="0"/>
-              <a:cs typeface="Arial" panose="020B0604020202020204" pitchFamily="34" charset="0"/>
-            </a:endParaRPr>
-          </a:p>
-          <a:p>
-            <a:pPr marL="685800" algn="r" rtl="1">
-              <a:lnSpc>
-                <a:spcPct val="115000"/>
-              </a:lnSpc>
-            </a:pPr>
-            <a:r>
-              <a:rPr lang="he-IL" sz="2400" b="1" u="sng" dirty="0">
-                <a:effectLst/>
-                <a:latin typeface="Calibri" panose="020F0502020204030204" pitchFamily="34" charset="0"/>
-                <a:ea typeface="Calibri" panose="020F0502020204030204" pitchFamily="34" charset="0"/>
-                <a:cs typeface="Gisha" panose="020B0502040204020203" pitchFamily="34" charset="-79"/>
-              </a:rPr>
-              <a:t>תחביר:</a:t>
-            </a:r>
-            <a:endParaRPr lang="en-US" sz="2400" dirty="0">
-              <a:effectLst/>
-              <a:latin typeface="Calibri" panose="020F0502020204030204" pitchFamily="34" charset="0"/>
-              <a:ea typeface="Calibri" panose="020F0502020204030204" pitchFamily="34" charset="0"/>
-              <a:cs typeface="Arial" panose="020B0604020202020204" pitchFamily="34" charset="0"/>
-            </a:endParaRPr>
-          </a:p>
-          <a:p>
-            <a:pPr marL="457200" indent="0" algn="l" rtl="0">
-              <a:lnSpc>
-                <a:spcPct val="115000"/>
-              </a:lnSpc>
-              <a:spcAft>
-                <a:spcPts val="1000"/>
-              </a:spcAft>
-              <a:buNone/>
-            </a:pPr>
-            <a:r>
-              <a:rPr lang="en-US" sz="2400" dirty="0">
-                <a:effectLst/>
-                <a:latin typeface="Gisha" panose="020B0502040204020203" pitchFamily="34" charset="-79"/>
-                <a:ea typeface="Calibri" panose="020F0502020204030204" pitchFamily="34" charset="0"/>
-                <a:cs typeface="Arial" panose="020B0604020202020204" pitchFamily="34" charset="0"/>
-              </a:rPr>
-              <a:t>Select * From </a:t>
-            </a:r>
-            <a:r>
-              <a:rPr lang="en-US" sz="2400" dirty="0" err="1">
-                <a:effectLst/>
-                <a:latin typeface="Gisha" panose="020B0502040204020203" pitchFamily="34" charset="-79"/>
-                <a:ea typeface="Calibri" panose="020F0502020204030204" pitchFamily="34" charset="0"/>
-                <a:cs typeface="Arial" panose="020B0604020202020204" pitchFamily="34" charset="0"/>
-              </a:rPr>
-              <a:t>Table_name</a:t>
-            </a:r>
-            <a:endParaRPr lang="en-US" sz="2400" dirty="0">
-              <a:effectLst/>
-              <a:latin typeface="Gisha" panose="020B0502040204020203" pitchFamily="34" charset="-79"/>
-              <a:ea typeface="Calibri" panose="020F0502020204030204" pitchFamily="34" charset="0"/>
-              <a:cs typeface="Arial" panose="020B0604020202020204" pitchFamily="34" charset="0"/>
-            </a:endParaRPr>
-          </a:p>
-          <a:p>
-            <a:pPr marL="457200" indent="0" algn="l" rtl="0">
-              <a:lnSpc>
-                <a:spcPct val="115000"/>
-              </a:lnSpc>
-              <a:spcAft>
-                <a:spcPts val="1000"/>
-              </a:spcAft>
-              <a:buNone/>
-            </a:pPr>
-            <a:r>
-              <a:rPr lang="en-US" sz="2400" b="1" dirty="0">
-                <a:effectLst/>
-                <a:latin typeface="Gisha" panose="020B0502040204020203" pitchFamily="34" charset="-79"/>
-                <a:ea typeface="Calibri" panose="020F0502020204030204" pitchFamily="34" charset="0"/>
-                <a:cs typeface="Arial" panose="020B0604020202020204" pitchFamily="34" charset="0"/>
-              </a:rPr>
-              <a:t>Where</a:t>
-            </a:r>
-            <a:r>
-              <a:rPr lang="en-US" sz="2400" dirty="0">
-                <a:effectLst/>
-                <a:latin typeface="Gisha" panose="020B0502040204020203" pitchFamily="34" charset="-79"/>
-                <a:ea typeface="Calibri" panose="020F0502020204030204" pitchFamily="34" charset="0"/>
-                <a:cs typeface="Arial" panose="020B0604020202020204" pitchFamily="34" charset="0"/>
-              </a:rPr>
-              <a:t> X=Y </a:t>
-            </a:r>
-            <a:r>
-              <a:rPr lang="en-US" sz="2400" b="1" dirty="0">
-                <a:effectLst/>
-                <a:latin typeface="Gisha" panose="020B0502040204020203" pitchFamily="34" charset="-79"/>
-                <a:ea typeface="Calibri" panose="020F0502020204030204" pitchFamily="34" charset="0"/>
-                <a:cs typeface="Arial" panose="020B0604020202020204" pitchFamily="34" charset="0"/>
-              </a:rPr>
-              <a:t>And</a:t>
-            </a:r>
-            <a:r>
-              <a:rPr lang="en-US" sz="2400" dirty="0">
-                <a:effectLst/>
-                <a:latin typeface="Gisha" panose="020B0502040204020203" pitchFamily="34" charset="-79"/>
-                <a:ea typeface="Calibri" panose="020F0502020204030204" pitchFamily="34" charset="0"/>
-                <a:cs typeface="Arial" panose="020B0604020202020204" pitchFamily="34" charset="0"/>
-              </a:rPr>
-              <a:t> Y&gt;Z</a:t>
-            </a:r>
-            <a:endParaRPr lang="en-US" sz="2400" dirty="0">
-              <a:effectLst/>
-              <a:latin typeface="Calibri" panose="020F0502020204030204" pitchFamily="34" charset="0"/>
-              <a:ea typeface="Calibri" panose="020F0502020204030204" pitchFamily="34" charset="0"/>
-              <a:cs typeface="Arial" panose="020B0604020202020204" pitchFamily="34" charset="0"/>
-            </a:endParaRPr>
-          </a:p>
-          <a:p>
-            <a:pPr marL="457200" indent="0" algn="l" rtl="0">
-              <a:lnSpc>
-                <a:spcPct val="115000"/>
-              </a:lnSpc>
-              <a:spcAft>
-                <a:spcPts val="1000"/>
-              </a:spcAft>
-              <a:buNone/>
-            </a:pPr>
-            <a:r>
-              <a:rPr lang="en-US" sz="2400" dirty="0">
-                <a:effectLst/>
-                <a:latin typeface="Gisha" panose="020B0502040204020203" pitchFamily="34" charset="-79"/>
-                <a:ea typeface="Calibri" panose="020F0502020204030204" pitchFamily="34" charset="0"/>
-                <a:cs typeface="Arial" panose="020B0604020202020204" pitchFamily="34" charset="0"/>
-              </a:rPr>
-              <a:t>And …</a:t>
-            </a:r>
-            <a:endParaRPr lang="en-US" sz="2400" dirty="0">
-              <a:effectLst/>
-              <a:latin typeface="Calibri" panose="020F0502020204030204" pitchFamily="34" charset="0"/>
-              <a:ea typeface="Calibri" panose="020F0502020204030204" pitchFamily="34" charset="0"/>
-              <a:cs typeface="Arial" panose="020B0604020202020204" pitchFamily="34" charset="0"/>
-            </a:endParaRPr>
-          </a:p>
-          <a:p>
-            <a:pPr marL="685800" algn="r" rtl="1">
-              <a:lnSpc>
-                <a:spcPct val="115000"/>
-              </a:lnSpc>
-            </a:pPr>
-            <a:r>
-              <a:rPr lang="he-IL" sz="2400" dirty="0">
-                <a:effectLst/>
-                <a:latin typeface="Calibri" panose="020F0502020204030204" pitchFamily="34" charset="0"/>
-                <a:ea typeface="Calibri" panose="020F0502020204030204" pitchFamily="34" charset="0"/>
-                <a:cs typeface="Gisha" panose="020B0502040204020203" pitchFamily="34" charset="-79"/>
-              </a:rPr>
-              <a:t>דגשים- כאשר ממבצעים התניה/השוואה בין 2 שדות- הן חייבות להיות מאותו הסוג (זה יכול לעבוד עד אשר יהיה ערך שונה).** למשל קוד שמוגדר כמחרוזת ויש לו תחילית של 0</a:t>
-            </a:r>
-            <a:endParaRPr lang="en-US" sz="2400" dirty="0">
-              <a:effectLst/>
-              <a:latin typeface="Calibri" panose="020F0502020204030204" pitchFamily="34" charset="0"/>
-              <a:ea typeface="Calibri" panose="020F0502020204030204" pitchFamily="34" charset="0"/>
-              <a:cs typeface="Arial" panose="020B0604020202020204" pitchFamily="34" charset="0"/>
-            </a:endParaRPr>
-          </a:p>
-          <a:p>
-            <a:pPr marL="685800" algn="r" rtl="1">
-              <a:lnSpc>
-                <a:spcPct val="115000"/>
-              </a:lnSpc>
-              <a:spcAft>
-                <a:spcPts val="1000"/>
-              </a:spcAft>
-            </a:pPr>
-            <a:r>
-              <a:rPr lang="he-IL" sz="2400" dirty="0">
-                <a:effectLst/>
-                <a:latin typeface="Calibri" panose="020F0502020204030204" pitchFamily="34" charset="0"/>
-                <a:ea typeface="Calibri" panose="020F0502020204030204" pitchFamily="34" charset="0"/>
-                <a:cs typeface="Gisha" panose="020B0502040204020203" pitchFamily="34" charset="-79"/>
-              </a:rPr>
-              <a:t>תנאים פשוטים: (=, &lt;, &lt;=, &gt;, =&gt;, &gt;&lt; , =! ,  </a:t>
-            </a:r>
-            <a:r>
-              <a:rPr lang="en-US" sz="2400" dirty="0">
-                <a:effectLst/>
-                <a:latin typeface="Gisha" panose="020B0502040204020203" pitchFamily="34" charset="-79"/>
-                <a:ea typeface="Calibri" panose="020F0502020204030204" pitchFamily="34" charset="0"/>
-                <a:cs typeface="Arial" panose="020B0604020202020204" pitchFamily="34" charset="0"/>
-              </a:rPr>
-              <a:t>between</a:t>
-            </a:r>
-            <a:r>
-              <a:rPr lang="he-IL" sz="2400" dirty="0">
-                <a:effectLst/>
-                <a:latin typeface="Calibri" panose="020F0502020204030204" pitchFamily="34" charset="0"/>
-                <a:ea typeface="Calibri" panose="020F0502020204030204" pitchFamily="34" charset="0"/>
-                <a:cs typeface="Gisha" panose="020B0502040204020203" pitchFamily="34" charset="-79"/>
-              </a:rPr>
-              <a:t>, </a:t>
-            </a:r>
-            <a:r>
-              <a:rPr lang="en-US" sz="2400" dirty="0">
-                <a:effectLst/>
-                <a:latin typeface="Gisha" panose="020B0502040204020203" pitchFamily="34" charset="-79"/>
-                <a:ea typeface="Calibri" panose="020F0502020204030204" pitchFamily="34" charset="0"/>
-                <a:cs typeface="Arial" panose="020B0604020202020204" pitchFamily="34" charset="0"/>
-              </a:rPr>
-              <a:t>in </a:t>
-            </a:r>
-            <a:r>
-              <a:rPr lang="he-IL" sz="2400" dirty="0">
-                <a:effectLst/>
-                <a:latin typeface="Calibri" panose="020F0502020204030204" pitchFamily="34" charset="0"/>
-                <a:ea typeface="Calibri" panose="020F0502020204030204" pitchFamily="34" charset="0"/>
-                <a:cs typeface="Gisha" panose="020B0502040204020203" pitchFamily="34" charset="-79"/>
-              </a:rPr>
-              <a:t>)</a:t>
-            </a:r>
-            <a:endParaRPr lang="en-US" sz="2400" dirty="0">
-              <a:effectLst/>
-              <a:latin typeface="Calibri" panose="020F0502020204030204" pitchFamily="34" charset="0"/>
-              <a:ea typeface="Calibri" panose="020F0502020204030204" pitchFamily="34" charset="0"/>
-              <a:cs typeface="Arial" panose="020B0604020202020204" pitchFamily="34" charset="0"/>
-            </a:endParaRPr>
-          </a:p>
-          <a:p>
-            <a:endParaRPr lang="he-IL" dirty="0"/>
-          </a:p>
-        </p:txBody>
-      </p:sp>
-      <p:sp>
-        <p:nvSpPr>
-          <p:cNvPr id="4" name="Footer Placeholder 3">
-            <a:extLst>
-              <a:ext uri="{FF2B5EF4-FFF2-40B4-BE49-F238E27FC236}">
-                <a16:creationId xmlns:a16="http://schemas.microsoft.com/office/drawing/2014/main" id="{E383C24D-BEA6-474F-A840-896AD0E01479}"/>
-              </a:ext>
-            </a:extLst>
-          </p:cNvPr>
-          <p:cNvSpPr>
-            <a:spLocks noGrp="1"/>
-          </p:cNvSpPr>
-          <p:nvPr>
-            <p:ph type="ftr" sz="quarter" idx="11"/>
-          </p:nvPr>
-        </p:nvSpPr>
-        <p:spPr/>
-        <p:txBody>
-          <a:bodyPr/>
-          <a:lstStyle/>
-          <a:p>
-            <a:r>
-              <a:rPr lang="en-US"/>
-              <a:t>avidary@gmail.com  2002 (c)</a:t>
-            </a:r>
-            <a:endParaRPr lang="he-IL"/>
-          </a:p>
-        </p:txBody>
-      </p:sp>
-    </p:spTree>
-    <p:extLst>
-      <p:ext uri="{BB962C8B-B14F-4D97-AF65-F5344CB8AC3E}">
-        <p14:creationId xmlns:p14="http://schemas.microsoft.com/office/powerpoint/2010/main" val="732532065"/>
-      </p:ext>
-    </p:extLst>
-  </p:cSld>
-  <p:clrMapOvr>
-    <a:masterClrMapping/>
-  </p:clrMapOvr>
-</p:sld>
-</file>
-
-<file path=ppt/slides/slide47.xml><?xml version="1.0" encoding="utf-8"?>
-<p:sld xmlns:a="http://schemas.openxmlformats.org/drawingml/2006/main" xmlns:r="http://schemas.openxmlformats.org/officeDocument/2006/relationships" xmlns:p="http://schemas.openxmlformats.org/presentationml/2006/main">
-  <p:cSld>
-    <p:spTree>
-      <p:nvGrpSpPr>
-        <p:cNvPr id="1" name=""/>
-        <p:cNvGrpSpPr/>
-        <p:nvPr/>
-      </p:nvGrpSpPr>
-      <p:grpSpPr>
-        <a:xfrm>
-          <a:off x="0" y="0"/>
-          <a:ext cx="0" cy="0"/>
-          <a:chOff x="0" y="0"/>
-          <a:chExt cx="0" cy="0"/>
-        </a:xfrm>
-      </p:grpSpPr>
-      <p:sp>
-        <p:nvSpPr>
-          <p:cNvPr id="2" name="Title 1">
-            <a:extLst>
-              <a:ext uri="{FF2B5EF4-FFF2-40B4-BE49-F238E27FC236}">
-                <a16:creationId xmlns:a16="http://schemas.microsoft.com/office/drawing/2014/main" id="{BE5D6318-C76E-4A76-B0D4-6127F014C1EE}"/>
-              </a:ext>
-            </a:extLst>
-          </p:cNvPr>
-          <p:cNvSpPr>
-            <a:spLocks noGrp="1"/>
-          </p:cNvSpPr>
-          <p:nvPr>
-            <p:ph type="title"/>
-          </p:nvPr>
-        </p:nvSpPr>
-        <p:spPr/>
-        <p:txBody>
-          <a:bodyPr/>
-          <a:lstStyle/>
-          <a:p>
-            <a:pPr algn="r"/>
-            <a:r>
-              <a:rPr lang="he-IL" dirty="0"/>
-              <a:t>התניות</a:t>
-            </a:r>
-          </a:p>
-        </p:txBody>
-      </p:sp>
-      <p:sp>
-        <p:nvSpPr>
-          <p:cNvPr id="3" name="Content Placeholder 2">
-            <a:extLst>
-              <a:ext uri="{FF2B5EF4-FFF2-40B4-BE49-F238E27FC236}">
-                <a16:creationId xmlns:a16="http://schemas.microsoft.com/office/drawing/2014/main" id="{3E0CD643-5062-49E7-9B33-0A24A2E3AEE0}"/>
-              </a:ext>
-            </a:extLst>
-          </p:cNvPr>
-          <p:cNvSpPr>
-            <a:spLocks noGrp="1"/>
-          </p:cNvSpPr>
-          <p:nvPr>
-            <p:ph idx="1"/>
-          </p:nvPr>
-        </p:nvSpPr>
-        <p:spPr/>
-        <p:txBody>
-          <a:bodyPr>
-            <a:normAutofit fontScale="92500" lnSpcReduction="10000"/>
-          </a:bodyPr>
-          <a:lstStyle/>
-          <a:p>
-            <a:pPr marL="685800" algn="r" rtl="1">
-              <a:lnSpc>
-                <a:spcPct val="115000"/>
-              </a:lnSpc>
-            </a:pPr>
-            <a:r>
-              <a:rPr lang="he-IL" sz="2400" dirty="0">
-                <a:effectLst/>
-                <a:latin typeface="Calibri" panose="020F0502020204030204" pitchFamily="34" charset="0"/>
-                <a:ea typeface="Calibri" panose="020F0502020204030204" pitchFamily="34" charset="0"/>
-                <a:cs typeface="Gisha" panose="020B0502040204020203" pitchFamily="34" charset="-79"/>
-              </a:rPr>
-              <a:t>על מנת למקד את </a:t>
-            </a:r>
-            <a:r>
-              <a:rPr lang="he-IL" sz="2400" dirty="0" err="1">
-                <a:effectLst/>
-                <a:latin typeface="Calibri" panose="020F0502020204030204" pitchFamily="34" charset="0"/>
-                <a:ea typeface="Calibri" panose="020F0502020204030204" pitchFamily="34" charset="0"/>
-                <a:cs typeface="Gisha" panose="020B0502040204020203" pitchFamily="34" charset="-79"/>
-              </a:rPr>
-              <a:t>השאילתא</a:t>
-            </a:r>
-            <a:r>
-              <a:rPr lang="he-IL" sz="2400" dirty="0">
-                <a:effectLst/>
-                <a:latin typeface="Calibri" panose="020F0502020204030204" pitchFamily="34" charset="0"/>
-                <a:ea typeface="Calibri" panose="020F0502020204030204" pitchFamily="34" charset="0"/>
-                <a:cs typeface="Gisha" panose="020B0502040204020203" pitchFamily="34" charset="-79"/>
-              </a:rPr>
-              <a:t> יש צורך לבצע סינונים:</a:t>
-            </a:r>
-            <a:endParaRPr lang="en-US" sz="2400" dirty="0">
-              <a:effectLst/>
-              <a:latin typeface="Calibri" panose="020F0502020204030204" pitchFamily="34" charset="0"/>
-              <a:ea typeface="Calibri" panose="020F0502020204030204" pitchFamily="34" charset="0"/>
-              <a:cs typeface="Arial" panose="020B0604020202020204" pitchFamily="34" charset="0"/>
-            </a:endParaRPr>
-          </a:p>
-          <a:p>
-            <a:pPr marL="685800" algn="r" rtl="1">
-              <a:lnSpc>
-                <a:spcPct val="115000"/>
-              </a:lnSpc>
-            </a:pPr>
-            <a:r>
-              <a:rPr lang="he-IL" sz="2400" b="1" u="sng" dirty="0">
-                <a:effectLst/>
-                <a:latin typeface="Calibri" panose="020F0502020204030204" pitchFamily="34" charset="0"/>
-                <a:ea typeface="Calibri" panose="020F0502020204030204" pitchFamily="34" charset="0"/>
-                <a:cs typeface="Gisha" panose="020B0502040204020203" pitchFamily="34" charset="-79"/>
-              </a:rPr>
-              <a:t>תחביר:</a:t>
-            </a:r>
-            <a:endParaRPr lang="en-US" sz="2400" dirty="0">
-              <a:effectLst/>
-              <a:latin typeface="Calibri" panose="020F0502020204030204" pitchFamily="34" charset="0"/>
-              <a:ea typeface="Calibri" panose="020F0502020204030204" pitchFamily="34" charset="0"/>
-              <a:cs typeface="Arial" panose="020B0604020202020204" pitchFamily="34" charset="0"/>
-            </a:endParaRPr>
-          </a:p>
-          <a:p>
-            <a:pPr marL="457200" indent="0" algn="l" rtl="0">
-              <a:lnSpc>
-                <a:spcPct val="115000"/>
-              </a:lnSpc>
-              <a:spcAft>
-                <a:spcPts val="1000"/>
-              </a:spcAft>
-              <a:buNone/>
-            </a:pPr>
-            <a:r>
-              <a:rPr lang="en-US" sz="2400" dirty="0">
-                <a:effectLst/>
-                <a:latin typeface="Gisha" panose="020B0502040204020203" pitchFamily="34" charset="-79"/>
-                <a:ea typeface="Calibri" panose="020F0502020204030204" pitchFamily="34" charset="0"/>
-                <a:cs typeface="Arial" panose="020B0604020202020204" pitchFamily="34" charset="0"/>
-              </a:rPr>
-              <a:t>Select * From </a:t>
-            </a:r>
-            <a:r>
-              <a:rPr lang="en-US" sz="2400" dirty="0" err="1">
-                <a:effectLst/>
-                <a:latin typeface="Gisha" panose="020B0502040204020203" pitchFamily="34" charset="-79"/>
-                <a:ea typeface="Calibri" panose="020F0502020204030204" pitchFamily="34" charset="0"/>
-                <a:cs typeface="Arial" panose="020B0604020202020204" pitchFamily="34" charset="0"/>
-              </a:rPr>
-              <a:t>Table_name</a:t>
-            </a:r>
-            <a:endParaRPr lang="en-US" sz="2400" dirty="0">
-              <a:effectLst/>
-              <a:latin typeface="Gisha" panose="020B0502040204020203" pitchFamily="34" charset="-79"/>
-              <a:ea typeface="Calibri" panose="020F0502020204030204" pitchFamily="34" charset="0"/>
-              <a:cs typeface="Arial" panose="020B0604020202020204" pitchFamily="34" charset="0"/>
-            </a:endParaRPr>
-          </a:p>
-          <a:p>
-            <a:pPr marL="457200" indent="0" algn="l" rtl="0">
-              <a:lnSpc>
-                <a:spcPct val="115000"/>
-              </a:lnSpc>
-              <a:spcAft>
-                <a:spcPts val="1000"/>
-              </a:spcAft>
-              <a:buNone/>
-            </a:pPr>
-            <a:r>
-              <a:rPr lang="en-US" sz="2400" b="1" dirty="0">
-                <a:effectLst/>
-                <a:latin typeface="Gisha" panose="020B0502040204020203" pitchFamily="34" charset="-79"/>
-                <a:ea typeface="Calibri" panose="020F0502020204030204" pitchFamily="34" charset="0"/>
-                <a:cs typeface="Arial" panose="020B0604020202020204" pitchFamily="34" charset="0"/>
-              </a:rPr>
-              <a:t>Where</a:t>
-            </a:r>
-            <a:r>
-              <a:rPr lang="en-US" sz="2400" dirty="0">
-                <a:effectLst/>
-                <a:latin typeface="Gisha" panose="020B0502040204020203" pitchFamily="34" charset="-79"/>
-                <a:ea typeface="Calibri" panose="020F0502020204030204" pitchFamily="34" charset="0"/>
-                <a:cs typeface="Arial" panose="020B0604020202020204" pitchFamily="34" charset="0"/>
-              </a:rPr>
-              <a:t> X=Y </a:t>
-            </a:r>
-            <a:r>
-              <a:rPr lang="en-US" sz="2400" b="1" dirty="0">
-                <a:effectLst/>
-                <a:latin typeface="Gisha" panose="020B0502040204020203" pitchFamily="34" charset="-79"/>
-                <a:ea typeface="Calibri" panose="020F0502020204030204" pitchFamily="34" charset="0"/>
-                <a:cs typeface="Arial" panose="020B0604020202020204" pitchFamily="34" charset="0"/>
-              </a:rPr>
-              <a:t>And</a:t>
-            </a:r>
-            <a:r>
-              <a:rPr lang="en-US" sz="2400" dirty="0">
-                <a:effectLst/>
-                <a:latin typeface="Gisha" panose="020B0502040204020203" pitchFamily="34" charset="-79"/>
-                <a:ea typeface="Calibri" panose="020F0502020204030204" pitchFamily="34" charset="0"/>
-                <a:cs typeface="Arial" panose="020B0604020202020204" pitchFamily="34" charset="0"/>
-              </a:rPr>
-              <a:t> Y&gt;Z</a:t>
-            </a:r>
-            <a:endParaRPr lang="en-US" sz="2400" dirty="0">
-              <a:effectLst/>
-              <a:latin typeface="Calibri" panose="020F0502020204030204" pitchFamily="34" charset="0"/>
-              <a:ea typeface="Calibri" panose="020F0502020204030204" pitchFamily="34" charset="0"/>
-              <a:cs typeface="Arial" panose="020B0604020202020204" pitchFamily="34" charset="0"/>
-            </a:endParaRPr>
-          </a:p>
-          <a:p>
-            <a:pPr marL="457200" indent="0" algn="l" rtl="0">
-              <a:lnSpc>
-                <a:spcPct val="115000"/>
-              </a:lnSpc>
-              <a:spcAft>
-                <a:spcPts val="1000"/>
-              </a:spcAft>
-              <a:buNone/>
-            </a:pPr>
-            <a:r>
-              <a:rPr lang="en-US" sz="2400" dirty="0">
-                <a:effectLst/>
-                <a:latin typeface="Gisha" panose="020B0502040204020203" pitchFamily="34" charset="-79"/>
-                <a:ea typeface="Calibri" panose="020F0502020204030204" pitchFamily="34" charset="0"/>
-                <a:cs typeface="Arial" panose="020B0604020202020204" pitchFamily="34" charset="0"/>
-              </a:rPr>
-              <a:t>And …</a:t>
-            </a:r>
-            <a:endParaRPr lang="en-US" sz="2400" dirty="0">
-              <a:effectLst/>
-              <a:latin typeface="Calibri" panose="020F0502020204030204" pitchFamily="34" charset="0"/>
-              <a:ea typeface="Calibri" panose="020F0502020204030204" pitchFamily="34" charset="0"/>
-              <a:cs typeface="Arial" panose="020B0604020202020204" pitchFamily="34" charset="0"/>
-            </a:endParaRPr>
-          </a:p>
-          <a:p>
-            <a:pPr marL="685800" algn="r" rtl="1">
-              <a:lnSpc>
-                <a:spcPct val="115000"/>
-              </a:lnSpc>
-            </a:pPr>
-            <a:r>
-              <a:rPr lang="he-IL" sz="2400" dirty="0">
-                <a:effectLst/>
-                <a:latin typeface="Calibri" panose="020F0502020204030204" pitchFamily="34" charset="0"/>
-                <a:ea typeface="Calibri" panose="020F0502020204030204" pitchFamily="34" charset="0"/>
-                <a:cs typeface="Gisha" panose="020B0502040204020203" pitchFamily="34" charset="-79"/>
-              </a:rPr>
-              <a:t>דגשים- כאשר ממבצעים התניה/השוואה בין 2 שדות- הן חייבות להיות מאותו הסוג (זה יכול לעבוד עד אשר יהיה ערך שונה).** למשל קוד שמוגדר כמחרוזת ויש לו תחילית של 0</a:t>
-            </a:r>
-            <a:endParaRPr lang="en-US" sz="2400" dirty="0">
-              <a:effectLst/>
-              <a:latin typeface="Calibri" panose="020F0502020204030204" pitchFamily="34" charset="0"/>
-              <a:ea typeface="Calibri" panose="020F0502020204030204" pitchFamily="34" charset="0"/>
-              <a:cs typeface="Arial" panose="020B0604020202020204" pitchFamily="34" charset="0"/>
-            </a:endParaRPr>
-          </a:p>
-          <a:p>
-            <a:pPr marL="685800" algn="r" rtl="1">
-              <a:lnSpc>
-                <a:spcPct val="115000"/>
-              </a:lnSpc>
-              <a:spcAft>
-                <a:spcPts val="1000"/>
-              </a:spcAft>
-            </a:pPr>
-            <a:r>
-              <a:rPr lang="he-IL" sz="2400" dirty="0">
-                <a:effectLst/>
-                <a:latin typeface="Calibri" panose="020F0502020204030204" pitchFamily="34" charset="0"/>
-                <a:ea typeface="Calibri" panose="020F0502020204030204" pitchFamily="34" charset="0"/>
-                <a:cs typeface="Gisha" panose="020B0502040204020203" pitchFamily="34" charset="-79"/>
-              </a:rPr>
-              <a:t>תנאים פשוטים: (=, &lt;, &lt;=, &gt;, =&gt;, &gt;&lt; , =! ,  </a:t>
-            </a:r>
-            <a:r>
-              <a:rPr lang="en-US" sz="2400" dirty="0">
-                <a:effectLst/>
-                <a:latin typeface="Gisha" panose="020B0502040204020203" pitchFamily="34" charset="-79"/>
-                <a:ea typeface="Calibri" panose="020F0502020204030204" pitchFamily="34" charset="0"/>
-                <a:cs typeface="Arial" panose="020B0604020202020204" pitchFamily="34" charset="0"/>
-              </a:rPr>
-              <a:t>between</a:t>
-            </a:r>
-            <a:r>
-              <a:rPr lang="he-IL" sz="2400" dirty="0">
-                <a:effectLst/>
-                <a:latin typeface="Calibri" panose="020F0502020204030204" pitchFamily="34" charset="0"/>
-                <a:ea typeface="Calibri" panose="020F0502020204030204" pitchFamily="34" charset="0"/>
-                <a:cs typeface="Gisha" panose="020B0502040204020203" pitchFamily="34" charset="-79"/>
-              </a:rPr>
-              <a:t>, </a:t>
-            </a:r>
-            <a:r>
-              <a:rPr lang="en-US" sz="2400" dirty="0">
-                <a:effectLst/>
-                <a:latin typeface="Gisha" panose="020B0502040204020203" pitchFamily="34" charset="-79"/>
-                <a:ea typeface="Calibri" panose="020F0502020204030204" pitchFamily="34" charset="0"/>
-                <a:cs typeface="Arial" panose="020B0604020202020204" pitchFamily="34" charset="0"/>
-              </a:rPr>
-              <a:t>in </a:t>
-            </a:r>
-            <a:r>
-              <a:rPr lang="he-IL" sz="2400" dirty="0">
-                <a:effectLst/>
-                <a:latin typeface="Calibri" panose="020F0502020204030204" pitchFamily="34" charset="0"/>
-                <a:ea typeface="Calibri" panose="020F0502020204030204" pitchFamily="34" charset="0"/>
-                <a:cs typeface="Gisha" panose="020B0502040204020203" pitchFamily="34" charset="-79"/>
-              </a:rPr>
-              <a:t>)</a:t>
-            </a:r>
-            <a:endParaRPr lang="en-US" sz="2400" dirty="0">
-              <a:effectLst/>
-              <a:latin typeface="Calibri" panose="020F0502020204030204" pitchFamily="34" charset="0"/>
-              <a:ea typeface="Calibri" panose="020F0502020204030204" pitchFamily="34" charset="0"/>
-              <a:cs typeface="Arial" panose="020B0604020202020204" pitchFamily="34" charset="0"/>
-            </a:endParaRPr>
-          </a:p>
-          <a:p>
-            <a:endParaRPr lang="he-IL" dirty="0"/>
-          </a:p>
-        </p:txBody>
-      </p:sp>
-      <p:sp>
-        <p:nvSpPr>
-          <p:cNvPr id="4" name="Footer Placeholder 3">
-            <a:extLst>
-              <a:ext uri="{FF2B5EF4-FFF2-40B4-BE49-F238E27FC236}">
-                <a16:creationId xmlns:a16="http://schemas.microsoft.com/office/drawing/2014/main" id="{E383C24D-BEA6-474F-A840-896AD0E01479}"/>
-              </a:ext>
-            </a:extLst>
-          </p:cNvPr>
-          <p:cNvSpPr>
-            <a:spLocks noGrp="1"/>
-          </p:cNvSpPr>
-          <p:nvPr>
-            <p:ph type="ftr" sz="quarter" idx="11"/>
-          </p:nvPr>
-        </p:nvSpPr>
-        <p:spPr/>
-        <p:txBody>
-          <a:bodyPr/>
-          <a:lstStyle/>
-          <a:p>
-            <a:r>
-              <a:rPr lang="en-US"/>
-              <a:t>avidary@gmail.com  2002 (c)</a:t>
-            </a:r>
-            <a:endParaRPr lang="he-IL"/>
-          </a:p>
-        </p:txBody>
-      </p:sp>
-    </p:spTree>
-    <p:extLst>
-      <p:ext uri="{BB962C8B-B14F-4D97-AF65-F5344CB8AC3E}">
-        <p14:creationId xmlns:p14="http://schemas.microsoft.com/office/powerpoint/2010/main" val="3815306868"/>
-      </p:ext>
-    </p:extLst>
-  </p:cSld>
-  <p:clrMapOvr>
-    <a:masterClrMapping/>
-  </p:clrMapOvr>
-</p:sld>
-</file>
-
-<file path=ppt/slides/slide48.xml><?xml version="1.0" encoding="utf-8"?>
-<p:sld xmlns:a="http://schemas.openxmlformats.org/drawingml/2006/main" xmlns:r="http://schemas.openxmlformats.org/officeDocument/2006/relationships" xmlns:p="http://schemas.openxmlformats.org/presentationml/2006/main">
-  <p:cSld>
-    <p:spTree>
-      <p:nvGrpSpPr>
-        <p:cNvPr id="1" name=""/>
-        <p:cNvGrpSpPr/>
-        <p:nvPr/>
-      </p:nvGrpSpPr>
-      <p:grpSpPr>
-        <a:xfrm>
-          <a:off x="0" y="0"/>
-          <a:ext cx="0" cy="0"/>
-          <a:chOff x="0" y="0"/>
-          <a:chExt cx="0" cy="0"/>
-        </a:xfrm>
-      </p:grpSpPr>
-      <p:sp>
-        <p:nvSpPr>
-          <p:cNvPr id="2" name="Title 1">
-            <a:extLst>
-              <a:ext uri="{FF2B5EF4-FFF2-40B4-BE49-F238E27FC236}">
-                <a16:creationId xmlns:a16="http://schemas.microsoft.com/office/drawing/2014/main" id="{BE5D6318-C76E-4A76-B0D4-6127F014C1EE}"/>
-              </a:ext>
-            </a:extLst>
-          </p:cNvPr>
-          <p:cNvSpPr>
-            <a:spLocks noGrp="1"/>
-          </p:cNvSpPr>
-          <p:nvPr>
-            <p:ph type="title"/>
-          </p:nvPr>
-        </p:nvSpPr>
-        <p:spPr>
-          <a:xfrm>
-            <a:off x="838200" y="388773"/>
-            <a:ext cx="10515600" cy="1325563"/>
-          </a:xfrm>
-        </p:spPr>
-        <p:txBody>
-          <a:bodyPr/>
-          <a:lstStyle/>
-          <a:p>
-            <a:r>
-              <a:rPr lang="en-US" dirty="0"/>
-              <a:t> Select structure</a:t>
-            </a:r>
-            <a:endParaRPr lang="he-IL" dirty="0"/>
-          </a:p>
-        </p:txBody>
-      </p:sp>
-      <p:sp>
-        <p:nvSpPr>
-          <p:cNvPr id="4" name="Footer Placeholder 3">
-            <a:extLst>
-              <a:ext uri="{FF2B5EF4-FFF2-40B4-BE49-F238E27FC236}">
-                <a16:creationId xmlns:a16="http://schemas.microsoft.com/office/drawing/2014/main" id="{E383C24D-BEA6-474F-A840-896AD0E01479}"/>
-              </a:ext>
-            </a:extLst>
-          </p:cNvPr>
-          <p:cNvSpPr>
-            <a:spLocks noGrp="1"/>
-          </p:cNvSpPr>
-          <p:nvPr>
-            <p:ph type="ftr" sz="quarter" idx="11"/>
-          </p:nvPr>
-        </p:nvSpPr>
-        <p:spPr/>
-        <p:txBody>
-          <a:bodyPr/>
-          <a:lstStyle/>
-          <a:p>
-            <a:r>
-              <a:rPr lang="en-US"/>
-              <a:t>avidary@gmail.com  2002 (c)</a:t>
-            </a:r>
-            <a:endParaRPr lang="he-IL"/>
-          </a:p>
-        </p:txBody>
-      </p:sp>
-      <p:pic>
-        <p:nvPicPr>
-          <p:cNvPr id="1026" name="Picture 2" descr="basic sql select statement">
-            <a:extLst>
-              <a:ext uri="{FF2B5EF4-FFF2-40B4-BE49-F238E27FC236}">
-                <a16:creationId xmlns:a16="http://schemas.microsoft.com/office/drawing/2014/main" id="{0B0BA976-2DB6-4F7D-ADB2-C6779F3E5F42}"/>
-              </a:ext>
-            </a:extLst>
-          </p:cNvPr>
-          <p:cNvPicPr>
-            <a:picLocks noGrp="1" noChangeAspect="1" noChangeArrowheads="1"/>
-          </p:cNvPicPr>
-          <p:nvPr>
-            <p:ph idx="1"/>
-          </p:nvPr>
-        </p:nvPicPr>
-        <p:blipFill>
-          <a:blip r:embed="rId2">
-            <a:extLst>
-              <a:ext uri="{28A0092B-C50C-407E-A947-70E740481C1C}">
-                <a14:useLocalDpi xmlns:a14="http://schemas.microsoft.com/office/drawing/2010/main" val="0"/>
-              </a:ext>
-            </a:extLst>
-          </a:blip>
-          <a:srcRect/>
-          <a:stretch>
-            <a:fillRect/>
-          </a:stretch>
-        </p:blipFill>
-        <p:spPr bwMode="auto">
-          <a:xfrm>
-            <a:off x="615490" y="1565631"/>
-            <a:ext cx="10738310" cy="4180900"/>
-          </a:xfrm>
-          <a:prstGeom prst="rect">
-            <a:avLst/>
-          </a:prstGeom>
-          <a:noFill/>
-          <a:extLst>
-            <a:ext uri="{909E8E84-426E-40DD-AFC4-6F175D3DCCD1}">
-              <a14:hiddenFill xmlns:a14="http://schemas.microsoft.com/office/drawing/2010/main">
-                <a:solidFill>
-                  <a:srgbClr val="FFFFFF"/>
-                </a:solidFill>
-              </a14:hiddenFill>
-            </a:ext>
-          </a:extLst>
-        </p:spPr>
-      </p:pic>
-    </p:spTree>
-    <p:extLst>
-      <p:ext uri="{BB962C8B-B14F-4D97-AF65-F5344CB8AC3E}">
-        <p14:creationId xmlns:p14="http://schemas.microsoft.com/office/powerpoint/2010/main" val="1248988149"/>
-      </p:ext>
-    </p:extLst>
-  </p:cSld>
-  <p:clrMapOvr>
-    <a:masterClrMapping/>
-  </p:clrMapOvr>
-</p:sld>
-</file>
-
 <file path=ppt/slides/slide5.xml><?xml version="1.0" encoding="utf-8"?>
 <p:sld xmlns:a="http://schemas.openxmlformats.org/drawingml/2006/main" xmlns:r="http://schemas.openxmlformats.org/officeDocument/2006/relationships" xmlns:p="http://schemas.openxmlformats.org/presentationml/2006/main">
   <p:cSld>
@@ -15175,6 +13846,217 @@
           <p:cNvPr id="2" name="Title 1">
             <a:extLst>
               <a:ext uri="{FF2B5EF4-FFF2-40B4-BE49-F238E27FC236}">
+                <a16:creationId xmlns:a16="http://schemas.microsoft.com/office/drawing/2014/main" id="{BE5D6318-C76E-4A76-B0D4-6127F014C1EE}"/>
+              </a:ext>
+            </a:extLst>
+          </p:cNvPr>
+          <p:cNvSpPr>
+            <a:spLocks noGrp="1"/>
+          </p:cNvSpPr>
+          <p:nvPr>
+            <p:ph type="title"/>
+          </p:nvPr>
+        </p:nvSpPr>
+        <p:spPr/>
+        <p:txBody>
+          <a:bodyPr/>
+          <a:lstStyle/>
+          <a:p>
+            <a:r>
+              <a:rPr lang="en-US" b="1" dirty="0"/>
+              <a:t>DML - </a:t>
+            </a:r>
+            <a:r>
+              <a:rPr lang="en-US" b="0" i="0" u="none" strike="noStrike" baseline="0" dirty="0">
+                <a:latin typeface="Arial" panose="020B0604020202020204" pitchFamily="34" charset="0"/>
+              </a:rPr>
+              <a:t>Data Manipulation Language</a:t>
+            </a:r>
+            <a:endParaRPr lang="he-IL" dirty="0"/>
+          </a:p>
+        </p:txBody>
+      </p:sp>
+      <p:sp>
+        <p:nvSpPr>
+          <p:cNvPr id="3" name="Content Placeholder 2">
+            <a:extLst>
+              <a:ext uri="{FF2B5EF4-FFF2-40B4-BE49-F238E27FC236}">
+                <a16:creationId xmlns:a16="http://schemas.microsoft.com/office/drawing/2014/main" id="{3E0CD643-5062-49E7-9B33-0A24A2E3AEE0}"/>
+              </a:ext>
+            </a:extLst>
+          </p:cNvPr>
+          <p:cNvSpPr>
+            <a:spLocks noGrp="1"/>
+          </p:cNvSpPr>
+          <p:nvPr>
+            <p:ph idx="1"/>
+          </p:nvPr>
+        </p:nvSpPr>
+        <p:spPr/>
+        <p:txBody>
+          <a:bodyPr>
+            <a:normAutofit/>
+          </a:bodyPr>
+          <a:lstStyle/>
+          <a:p>
+            <a:pPr marL="0" indent="0" algn="r" rtl="1">
+              <a:buNone/>
+            </a:pPr>
+            <a:r>
+              <a:rPr lang="he-IL" sz="1800" b="1" dirty="0">
+                <a:latin typeface="ArialMT"/>
+              </a:rPr>
+              <a:t>פקודות </a:t>
+            </a:r>
+            <a:r>
+              <a:rPr lang="en-US" sz="1800" b="1" dirty="0">
+                <a:latin typeface="ArialMT"/>
+              </a:rPr>
+              <a:t> DML </a:t>
+            </a:r>
+            <a:r>
+              <a:rPr lang="he-IL" sz="1800" b="1" dirty="0">
+                <a:latin typeface="ArialMT"/>
+              </a:rPr>
+              <a:t>הינן אחראיות על שינויים בבסיס הנתונים.</a:t>
+            </a:r>
+          </a:p>
+          <a:p>
+            <a:pPr marL="0" indent="0" algn="r" rtl="1">
+              <a:buNone/>
+            </a:pPr>
+            <a:r>
+              <a:rPr lang="he-IL" sz="1800" b="1" dirty="0">
+                <a:latin typeface="ArialMT"/>
+              </a:rPr>
+              <a:t>קיימות 3 פקודות בסיסיות :</a:t>
+            </a:r>
+          </a:p>
+          <a:p>
+            <a:pPr marL="0" indent="0" algn="r" rtl="1">
+              <a:buNone/>
+            </a:pPr>
+            <a:r>
+              <a:rPr lang="en-US" sz="1800" b="1" dirty="0">
+                <a:latin typeface="ArialMT"/>
+              </a:rPr>
+              <a:t>Insert - </a:t>
+            </a:r>
+            <a:r>
+              <a:rPr lang="he-IL" sz="1800" b="1" dirty="0">
+                <a:latin typeface="ArialMT"/>
+              </a:rPr>
+              <a:t> הוספת רשומה </a:t>
+            </a:r>
+          </a:p>
+          <a:p>
+            <a:pPr marL="0" indent="0" algn="r" rtl="1">
+              <a:buNone/>
+            </a:pPr>
+            <a:r>
+              <a:rPr lang="en-US" sz="1800" b="1" dirty="0">
+                <a:latin typeface="ArialMT"/>
+              </a:rPr>
+              <a:t>Update - </a:t>
+            </a:r>
+            <a:r>
+              <a:rPr lang="he-IL" sz="1800" b="1" dirty="0">
+                <a:latin typeface="ArialMT"/>
+              </a:rPr>
+              <a:t> עדכון רשומה </a:t>
+            </a:r>
+          </a:p>
+          <a:p>
+            <a:pPr marL="0" indent="0" algn="r" rtl="1">
+              <a:buNone/>
+            </a:pPr>
+            <a:r>
+              <a:rPr lang="en-US" sz="1800" b="1" dirty="0">
+                <a:latin typeface="ArialMT"/>
+              </a:rPr>
+              <a:t>Delete - </a:t>
+            </a:r>
+            <a:r>
+              <a:rPr lang="he-IL" sz="1800" b="1" dirty="0">
+                <a:latin typeface="ArialMT"/>
+              </a:rPr>
+              <a:t> מחיקת רשומה </a:t>
+            </a:r>
+          </a:p>
+          <a:p>
+            <a:pPr marL="0" indent="0" algn="r" rtl="1">
+              <a:buNone/>
+            </a:pPr>
+            <a:endParaRPr lang="he-IL" sz="1800" b="1" i="0" u="none" strike="noStrike" baseline="0" dirty="0">
+              <a:latin typeface="ArialMT"/>
+            </a:endParaRPr>
+          </a:p>
+        </p:txBody>
+      </p:sp>
+      <p:sp>
+        <p:nvSpPr>
+          <p:cNvPr id="4" name="Footer Placeholder 3">
+            <a:extLst>
+              <a:ext uri="{FF2B5EF4-FFF2-40B4-BE49-F238E27FC236}">
+                <a16:creationId xmlns:a16="http://schemas.microsoft.com/office/drawing/2014/main" id="{E383C24D-BEA6-474F-A840-896AD0E01479}"/>
+              </a:ext>
+            </a:extLst>
+          </p:cNvPr>
+          <p:cNvSpPr>
+            <a:spLocks noGrp="1"/>
+          </p:cNvSpPr>
+          <p:nvPr>
+            <p:ph type="ftr" sz="quarter" idx="11"/>
+          </p:nvPr>
+        </p:nvSpPr>
+        <p:spPr/>
+        <p:txBody>
+          <a:bodyPr/>
+          <a:lstStyle/>
+          <a:p>
+            <a:r>
+              <a:rPr lang="en-US"/>
+              <a:t>avidary@gmail.com  2002 (c)</a:t>
+            </a:r>
+            <a:endParaRPr lang="he-IL"/>
+          </a:p>
+        </p:txBody>
+      </p:sp>
+    </p:spTree>
+    <p:extLst>
+      <p:ext uri="{BB962C8B-B14F-4D97-AF65-F5344CB8AC3E}">
+        <p14:creationId xmlns:p14="http://schemas.microsoft.com/office/powerpoint/2010/main" val="2504531988"/>
+      </p:ext>
+    </p:extLst>
+  </p:cSld>
+  <p:clrMapOvr>
+    <a:masterClrMapping/>
+  </p:clrMapOvr>
+</p:sld>
+</file>
+
+<file path=ppt/slides/slide8.xml><?xml version="1.0" encoding="utf-8"?>
+<p:sld xmlns:a="http://schemas.openxmlformats.org/drawingml/2006/main" xmlns:r="http://schemas.openxmlformats.org/officeDocument/2006/relationships" xmlns:p="http://schemas.openxmlformats.org/presentationml/2006/main">
+  <p:cSld>
+    <p:spTree>
+      <p:nvGrpSpPr>
+        <p:cNvPr id="1" name=""/>
+        <p:cNvGrpSpPr/>
+        <p:nvPr/>
+      </p:nvGrpSpPr>
+      <p:grpSpPr>
+        <a:xfrm>
+          <a:off x="0" y="0"/>
+          <a:ext cx="0" cy="0"/>
+          <a:chOff x="0" y="0"/>
+          <a:chExt cx="0" cy="0"/>
+        </a:xfrm>
+      </p:grpSpPr>
+      <p:sp>
+        <p:nvSpPr>
+          <p:cNvPr id="2" name="Title 1">
+            <a:extLst>
+              <a:ext uri="{FF2B5EF4-FFF2-40B4-BE49-F238E27FC236}">
                 <a16:creationId xmlns:a16="http://schemas.microsoft.com/office/drawing/2014/main" id="{B5C84732-D22A-4399-BB74-BDB765B35672}"/>
               </a:ext>
             </a:extLst>
@@ -15479,7 +14361,7 @@
 </p:sld>
 </file>
 
-<file path=ppt/slides/slide8.xml><?xml version="1.0" encoding="utf-8"?>
+<file path=ppt/slides/slide9.xml><?xml version="1.0" encoding="utf-8"?>
 <p:sld xmlns:a="http://schemas.openxmlformats.org/drawingml/2006/main" xmlns:r="http://schemas.openxmlformats.org/officeDocument/2006/relationships" xmlns:p="http://schemas.openxmlformats.org/presentationml/2006/main">
   <p:cSld>
     <p:spTree>
@@ -15838,123 +14720,6 @@
     <p:extLst>
       <p:ext uri="{BB962C8B-B14F-4D97-AF65-F5344CB8AC3E}">
         <p14:creationId xmlns:p14="http://schemas.microsoft.com/office/powerpoint/2010/main" val="3760278791"/>
-      </p:ext>
-    </p:extLst>
-  </p:cSld>
-  <p:clrMapOvr>
-    <a:masterClrMapping/>
-  </p:clrMapOvr>
-</p:sld>
-</file>
-
-<file path=ppt/slides/slide9.xml><?xml version="1.0" encoding="utf-8"?>
-<p:sld xmlns:a="http://schemas.openxmlformats.org/drawingml/2006/main" xmlns:r="http://schemas.openxmlformats.org/officeDocument/2006/relationships" xmlns:p="http://schemas.openxmlformats.org/presentationml/2006/main">
-  <p:cSld>
-    <p:spTree>
-      <p:nvGrpSpPr>
-        <p:cNvPr id="1" name=""/>
-        <p:cNvGrpSpPr/>
-        <p:nvPr/>
-      </p:nvGrpSpPr>
-      <p:grpSpPr>
-        <a:xfrm>
-          <a:off x="0" y="0"/>
-          <a:ext cx="0" cy="0"/>
-          <a:chOff x="0" y="0"/>
-          <a:chExt cx="0" cy="0"/>
-        </a:xfrm>
-      </p:grpSpPr>
-      <p:sp>
-        <p:nvSpPr>
-          <p:cNvPr id="2" name="Title 1">
-            <a:extLst>
-              <a:ext uri="{FF2B5EF4-FFF2-40B4-BE49-F238E27FC236}">
-                <a16:creationId xmlns:a16="http://schemas.microsoft.com/office/drawing/2014/main" id="{98133B72-FA2E-426D-A647-D207AC895B80}"/>
-              </a:ext>
-            </a:extLst>
-          </p:cNvPr>
-          <p:cNvSpPr>
-            <a:spLocks noGrp="1"/>
-          </p:cNvSpPr>
-          <p:nvPr>
-            <p:ph type="title"/>
-          </p:nvPr>
-        </p:nvSpPr>
-        <p:spPr/>
-        <p:txBody>
-          <a:bodyPr/>
-          <a:lstStyle/>
-          <a:p>
-            <a:r>
-              <a:rPr lang="en-US" dirty="0"/>
-              <a:t>Over view of SQL Management system</a:t>
-            </a:r>
-            <a:endParaRPr lang="he-IL" dirty="0"/>
-          </a:p>
-        </p:txBody>
-      </p:sp>
-      <p:pic>
-        <p:nvPicPr>
-          <p:cNvPr id="6" name="Content Placeholder 5">
-            <a:extLst>
-              <a:ext uri="{FF2B5EF4-FFF2-40B4-BE49-F238E27FC236}">
-                <a16:creationId xmlns:a16="http://schemas.microsoft.com/office/drawing/2014/main" id="{12FFEDEF-1255-4363-B37E-59B68DFDA24D}"/>
-              </a:ext>
-            </a:extLst>
-          </p:cNvPr>
-          <p:cNvPicPr>
-            <a:picLocks noGrp="1" noChangeAspect="1"/>
-          </p:cNvPicPr>
-          <p:nvPr>
-            <p:ph idx="1"/>
-          </p:nvPr>
-        </p:nvPicPr>
-        <p:blipFill>
-          <a:blip r:embed="rId2"/>
-          <a:stretch>
-            <a:fillRect/>
-          </a:stretch>
-        </p:blipFill>
-        <p:spPr>
-          <a:xfrm>
-            <a:off x="977462" y="1617555"/>
-            <a:ext cx="10097814" cy="4811929"/>
-          </a:xfrm>
-        </p:spPr>
-      </p:pic>
-      <p:sp>
-        <p:nvSpPr>
-          <p:cNvPr id="5" name="Footer Placeholder 4">
-            <a:extLst>
-              <a:ext uri="{FF2B5EF4-FFF2-40B4-BE49-F238E27FC236}">
-                <a16:creationId xmlns:a16="http://schemas.microsoft.com/office/drawing/2014/main" id="{B95AC892-4C4B-430D-B962-24619616AA47}"/>
-              </a:ext>
-            </a:extLst>
-          </p:cNvPr>
-          <p:cNvSpPr>
-            <a:spLocks noGrp="1"/>
-          </p:cNvSpPr>
-          <p:nvPr>
-            <p:ph type="ftr" sz="quarter" idx="11"/>
-          </p:nvPr>
-        </p:nvSpPr>
-        <p:spPr/>
-        <p:txBody>
-          <a:bodyPr/>
-          <a:lstStyle/>
-          <a:p>
-            <a:r>
-              <a:rPr lang="en-US"/>
-              <a:t>avidary@gmail.com  2002 (c)</a:t>
-            </a:r>
-            <a:endParaRPr lang="he-IL"/>
-          </a:p>
-        </p:txBody>
-      </p:sp>
-    </p:spTree>
-    <p:extLst>
-      <p:ext uri="{BB962C8B-B14F-4D97-AF65-F5344CB8AC3E}">
-        <p14:creationId xmlns:p14="http://schemas.microsoft.com/office/powerpoint/2010/main" val="2859465609"/>
       </p:ext>
     </p:extLst>
   </p:cSld>
